--- a/CodePresentation.pptx
+++ b/CodePresentation.pptx
@@ -8,9 +8,11 @@
     <p:sldId id="256" r:id="rId2"/>
     <p:sldId id="260" r:id="rId3"/>
     <p:sldId id="261" r:id="rId4"/>
-    <p:sldId id="257" r:id="rId5"/>
-    <p:sldId id="258" r:id="rId6"/>
-    <p:sldId id="259" r:id="rId7"/>
+    <p:sldId id="263" r:id="rId5"/>
+    <p:sldId id="262" r:id="rId6"/>
+    <p:sldId id="257" r:id="rId7"/>
+    <p:sldId id="258" r:id="rId8"/>
+    <p:sldId id="259" r:id="rId9"/>
   </p:sldIdLst>
   <p:sldSz cx="9144000" cy="6858000" type="screen4x3"/>
   <p:notesSz cx="6858000" cy="9144000"/>
@@ -293,6 +295,7 @@
           <a:p>
             <a:fld id="{B191CCE5-3872-40B0-B125-F9344C75672A}" type="datetimeFigureOut">
               <a:rPr lang="en-US" smtClean="0"/>
+              <a:pPr/>
               <a:t>9/23/2014</a:t>
             </a:fld>
             <a:endParaRPr lang="en-GB"/>
@@ -335,6 +338,7 @@
           <a:p>
             <a:fld id="{464211A8-6881-459E-BD04-6993518C01C1}" type="slidenum">
               <a:rPr lang="en-GB" smtClean="0"/>
+              <a:pPr/>
               <a:t>‹#›</a:t>
             </a:fld>
             <a:endParaRPr lang="en-GB"/>
@@ -458,6 +462,7 @@
           <a:p>
             <a:fld id="{B191CCE5-3872-40B0-B125-F9344C75672A}" type="datetimeFigureOut">
               <a:rPr lang="en-US" smtClean="0"/>
+              <a:pPr/>
               <a:t>9/23/2014</a:t>
             </a:fld>
             <a:endParaRPr lang="en-GB"/>
@@ -500,6 +505,7 @@
           <a:p>
             <a:fld id="{464211A8-6881-459E-BD04-6993518C01C1}" type="slidenum">
               <a:rPr lang="en-GB" smtClean="0"/>
+              <a:pPr/>
               <a:t>‹#›</a:t>
             </a:fld>
             <a:endParaRPr lang="en-GB"/>
@@ -633,6 +639,7 @@
           <a:p>
             <a:fld id="{B191CCE5-3872-40B0-B125-F9344C75672A}" type="datetimeFigureOut">
               <a:rPr lang="en-US" smtClean="0"/>
+              <a:pPr/>
               <a:t>9/23/2014</a:t>
             </a:fld>
             <a:endParaRPr lang="en-GB"/>
@@ -675,6 +682,7 @@
           <a:p>
             <a:fld id="{464211A8-6881-459E-BD04-6993518C01C1}" type="slidenum">
               <a:rPr lang="en-GB" smtClean="0"/>
+              <a:pPr/>
               <a:t>‹#›</a:t>
             </a:fld>
             <a:endParaRPr lang="en-GB"/>
@@ -798,6 +806,7 @@
           <a:p>
             <a:fld id="{B191CCE5-3872-40B0-B125-F9344C75672A}" type="datetimeFigureOut">
               <a:rPr lang="en-US" smtClean="0"/>
+              <a:pPr/>
               <a:t>9/23/2014</a:t>
             </a:fld>
             <a:endParaRPr lang="en-GB"/>
@@ -840,6 +849,7 @@
           <a:p>
             <a:fld id="{464211A8-6881-459E-BD04-6993518C01C1}" type="slidenum">
               <a:rPr lang="en-GB" smtClean="0"/>
+              <a:pPr/>
               <a:t>‹#›</a:t>
             </a:fld>
             <a:endParaRPr lang="en-GB"/>
@@ -1039,6 +1049,7 @@
           <a:p>
             <a:fld id="{B191CCE5-3872-40B0-B125-F9344C75672A}" type="datetimeFigureOut">
               <a:rPr lang="en-US" smtClean="0"/>
+              <a:pPr/>
               <a:t>9/23/2014</a:t>
             </a:fld>
             <a:endParaRPr lang="en-GB"/>
@@ -1081,6 +1092,7 @@
           <a:p>
             <a:fld id="{464211A8-6881-459E-BD04-6993518C01C1}" type="slidenum">
               <a:rPr lang="en-GB" smtClean="0"/>
+              <a:pPr/>
               <a:t>‹#›</a:t>
             </a:fld>
             <a:endParaRPr lang="en-GB"/>
@@ -1322,6 +1334,7 @@
           <a:p>
             <a:fld id="{B191CCE5-3872-40B0-B125-F9344C75672A}" type="datetimeFigureOut">
               <a:rPr lang="en-US" smtClean="0"/>
+              <a:pPr/>
               <a:t>9/23/2014</a:t>
             </a:fld>
             <a:endParaRPr lang="en-GB"/>
@@ -1364,6 +1377,7 @@
           <a:p>
             <a:fld id="{464211A8-6881-459E-BD04-6993518C01C1}" type="slidenum">
               <a:rPr lang="en-GB" smtClean="0"/>
+              <a:pPr/>
               <a:t>‹#›</a:t>
             </a:fld>
             <a:endParaRPr lang="en-GB"/>
@@ -1739,6 +1753,7 @@
           <a:p>
             <a:fld id="{B191CCE5-3872-40B0-B125-F9344C75672A}" type="datetimeFigureOut">
               <a:rPr lang="en-US" smtClean="0"/>
+              <a:pPr/>
               <a:t>9/23/2014</a:t>
             </a:fld>
             <a:endParaRPr lang="en-GB"/>
@@ -1781,6 +1796,7 @@
           <a:p>
             <a:fld id="{464211A8-6881-459E-BD04-6993518C01C1}" type="slidenum">
               <a:rPr lang="en-GB" smtClean="0"/>
+              <a:pPr/>
               <a:t>‹#›</a:t>
             </a:fld>
             <a:endParaRPr lang="en-GB"/>
@@ -1852,6 +1868,7 @@
           <a:p>
             <a:fld id="{B191CCE5-3872-40B0-B125-F9344C75672A}" type="datetimeFigureOut">
               <a:rPr lang="en-US" smtClean="0"/>
+              <a:pPr/>
               <a:t>9/23/2014</a:t>
             </a:fld>
             <a:endParaRPr lang="en-GB"/>
@@ -1894,6 +1911,7 @@
           <a:p>
             <a:fld id="{464211A8-6881-459E-BD04-6993518C01C1}" type="slidenum">
               <a:rPr lang="en-GB" smtClean="0"/>
+              <a:pPr/>
               <a:t>‹#›</a:t>
             </a:fld>
             <a:endParaRPr lang="en-GB"/>
@@ -1942,6 +1960,7 @@
           <a:p>
             <a:fld id="{B191CCE5-3872-40B0-B125-F9344C75672A}" type="datetimeFigureOut">
               <a:rPr lang="en-US" smtClean="0"/>
+              <a:pPr/>
               <a:t>9/23/2014</a:t>
             </a:fld>
             <a:endParaRPr lang="en-GB"/>
@@ -1984,6 +2003,7 @@
           <a:p>
             <a:fld id="{464211A8-6881-459E-BD04-6993518C01C1}" type="slidenum">
               <a:rPr lang="en-GB" smtClean="0"/>
+              <a:pPr/>
               <a:t>‹#›</a:t>
             </a:fld>
             <a:endParaRPr lang="en-GB"/>
@@ -2214,6 +2234,7 @@
           <a:p>
             <a:fld id="{B191CCE5-3872-40B0-B125-F9344C75672A}" type="datetimeFigureOut">
               <a:rPr lang="en-US" smtClean="0"/>
+              <a:pPr/>
               <a:t>9/23/2014</a:t>
             </a:fld>
             <a:endParaRPr lang="en-GB"/>
@@ -2256,6 +2277,7 @@
           <a:p>
             <a:fld id="{464211A8-6881-459E-BD04-6993518C01C1}" type="slidenum">
               <a:rPr lang="en-GB" smtClean="0"/>
+              <a:pPr/>
               <a:t>‹#›</a:t>
             </a:fld>
             <a:endParaRPr lang="en-GB"/>
@@ -2462,6 +2484,7 @@
           <a:p>
             <a:fld id="{B191CCE5-3872-40B0-B125-F9344C75672A}" type="datetimeFigureOut">
               <a:rPr lang="en-US" smtClean="0"/>
+              <a:pPr/>
               <a:t>9/23/2014</a:t>
             </a:fld>
             <a:endParaRPr lang="en-GB"/>
@@ -2504,6 +2527,7 @@
           <a:p>
             <a:fld id="{464211A8-6881-459E-BD04-6993518C01C1}" type="slidenum">
               <a:rPr lang="en-GB" smtClean="0"/>
+              <a:pPr/>
               <a:t>‹#›</a:t>
             </a:fld>
             <a:endParaRPr lang="en-GB"/>
@@ -2673,6 +2697,7 @@
           <a:p>
             <a:fld id="{B191CCE5-3872-40B0-B125-F9344C75672A}" type="datetimeFigureOut">
               <a:rPr lang="en-US" smtClean="0"/>
+              <a:pPr/>
               <a:t>9/23/2014</a:t>
             </a:fld>
             <a:endParaRPr lang="en-GB"/>
@@ -2751,6 +2776,7 @@
           <a:p>
             <a:fld id="{464211A8-6881-459E-BD04-6993518C01C1}" type="slidenum">
               <a:rPr lang="en-GB" smtClean="0"/>
+              <a:pPr/>
               <a:t>‹#›</a:t>
             </a:fld>
             <a:endParaRPr lang="en-GB"/>
@@ -3183,6 +3209,88 @@
           <a:bodyPr/>
           <a:lstStyle/>
           <a:p>
+            <a:r>
+              <a:rPr lang="en-US" dirty="0" smtClean="0">
+                <a:solidFill>
+                  <a:srgbClr val="FFC000"/>
+                </a:solidFill>
+                <a:ea typeface="Times New Roman"/>
+                <a:cs typeface="Consolas" pitchFamily="49" charset="0"/>
+              </a:rPr>
+              <a:t>Most </a:t>
+            </a:r>
+            <a:r>
+              <a:rPr lang="en-US" dirty="0" smtClean="0">
+                <a:solidFill>
+                  <a:srgbClr val="C00000"/>
+                </a:solidFill>
+                <a:latin typeface="Consolas" pitchFamily="49" charset="0"/>
+                <a:ea typeface="Times New Roman"/>
+                <a:cs typeface="Consolas" pitchFamily="49" charset="0"/>
+              </a:rPr>
+              <a:t>if</a:t>
+            </a:r>
+            <a:r>
+              <a:rPr lang="en-US" dirty="0" smtClean="0">
+                <a:solidFill>
+                  <a:srgbClr val="C00000"/>
+                </a:solidFill>
+                <a:ea typeface="Times New Roman"/>
+                <a:cs typeface="Consolas" pitchFamily="49" charset="0"/>
+              </a:rPr>
+              <a:t>s</a:t>
+            </a:r>
+            <a:r>
+              <a:rPr lang="en-US" dirty="0" smtClean="0">
+                <a:solidFill>
+                  <a:srgbClr val="FFC000"/>
+                </a:solidFill>
+                <a:ea typeface="Times New Roman"/>
+                <a:cs typeface="Consolas" pitchFamily="49" charset="0"/>
+              </a:rPr>
+              <a:t> can be replaced with </a:t>
+            </a:r>
+            <a:r>
+              <a:rPr lang="en-US" dirty="0" smtClean="0">
+                <a:solidFill>
+                  <a:srgbClr val="FFC000"/>
+                </a:solidFill>
+                <a:ea typeface="Times New Roman"/>
+                <a:cs typeface="Consolas" pitchFamily="49" charset="0"/>
+              </a:rPr>
+              <a:t>polymorphism</a:t>
+            </a:r>
+            <a:endParaRPr lang="en-GB" dirty="0" smtClean="0">
+              <a:solidFill>
+                <a:srgbClr val="FFC000"/>
+              </a:solidFill>
+              <a:ea typeface="Times New Roman"/>
+              <a:cs typeface="Consolas" pitchFamily="49" charset="0"/>
+            </a:endParaRPr>
+          </a:p>
+          <a:p>
+            <a:r>
+              <a:rPr lang="en-GB" dirty="0" smtClean="0">
+                <a:solidFill>
+                  <a:srgbClr val="FFC000"/>
+                </a:solidFill>
+                <a:ea typeface="Times New Roman"/>
+                <a:cs typeface="Consolas" pitchFamily="49" charset="0"/>
+              </a:rPr>
+              <a:t>What is polymorphism </a:t>
+            </a:r>
+            <a:r>
+              <a:rPr lang="en-GB" dirty="0" smtClean="0">
+                <a:solidFill>
+                  <a:schemeClr val="bg1"/>
+                </a:solidFill>
+                <a:ea typeface="Times New Roman"/>
+                <a:cs typeface="Consolas" pitchFamily="49" charset="0"/>
+              </a:rPr>
+              <a:t>?</a:t>
+            </a:r>
+          </a:p>
+          <a:p>
             <a:endParaRPr lang="en-US" dirty="0" smtClean="0">
               <a:solidFill>
                 <a:schemeClr val="bg1"/>
@@ -3191,44 +3299,32 @@
               <a:cs typeface="Consolas" pitchFamily="49" charset="0"/>
             </a:endParaRPr>
           </a:p>
-          <a:p>
-            <a:r>
-              <a:rPr lang="en-US" dirty="0" smtClean="0">
-                <a:solidFill>
-                  <a:schemeClr val="bg1"/>
-                </a:solidFill>
-                <a:ea typeface="Times New Roman"/>
-                <a:cs typeface="Consolas" pitchFamily="49" charset="0"/>
-              </a:rPr>
-              <a:t>Most </a:t>
-            </a:r>
-            <a:r>
-              <a:rPr lang="en-US" dirty="0" smtClean="0">
-                <a:solidFill>
-                  <a:srgbClr val="FF0000"/>
-                </a:solidFill>
-                <a:latin typeface="Consolas" pitchFamily="49" charset="0"/>
-                <a:ea typeface="Times New Roman"/>
-                <a:cs typeface="Consolas" pitchFamily="49" charset="0"/>
-              </a:rPr>
-              <a:t>if</a:t>
-            </a:r>
-            <a:r>
-              <a:rPr lang="en-US" dirty="0" smtClean="0">
-                <a:solidFill>
-                  <a:schemeClr val="bg1"/>
-                </a:solidFill>
-                <a:ea typeface="Times New Roman"/>
-                <a:cs typeface="Consolas" pitchFamily="49" charset="0"/>
-              </a:rPr>
-              <a:t>s can be replaced with polymorphism</a:t>
-            </a:r>
-          </a:p>
-          <a:p>
-            <a:endParaRPr lang="en-GB" dirty="0"/>
-          </a:p>
-        </p:txBody>
-      </p:sp>
+        </p:txBody>
+      </p:sp>
+      <p:pic>
+        <p:nvPicPr>
+          <p:cNvPr id="4" name="Picture 3" descr="polymorphism.png"/>
+          <p:cNvPicPr>
+            <a:picLocks noChangeAspect="1"/>
+          </p:cNvPicPr>
+          <p:nvPr/>
+        </p:nvPicPr>
+        <p:blipFill>
+          <a:blip r:embed="rId2"/>
+          <a:stretch>
+            <a:fillRect/>
+          </a:stretch>
+        </p:blipFill>
+        <p:spPr>
+          <a:xfrm>
+            <a:off x="1714480" y="3000372"/>
+            <a:ext cx="4541095" cy="3267914"/>
+          </a:xfrm>
+          <a:prstGeom prst="rect">
+            <a:avLst/>
+          </a:prstGeom>
+        </p:spPr>
+      </p:pic>
     </p:spTree>
   </p:cSld>
   <p:clrMapOvr>
@@ -3237,7 +3333,224 @@
   <p:timing>
     <p:tnLst>
       <p:par>
-        <p:cTn id="1" dur="indefinite" restart="never" nodeType="tmRoot"/>
+        <p:cTn id="1" dur="indefinite" restart="never" nodeType="tmRoot">
+          <p:childTnLst>
+            <p:seq concurrent="1" nextAc="seek">
+              <p:cTn id="2" dur="indefinite" nodeType="mainSeq">
+                <p:childTnLst>
+                  <p:par>
+                    <p:cTn id="3" fill="hold">
+                      <p:stCondLst>
+                        <p:cond delay="indefinite"/>
+                      </p:stCondLst>
+                      <p:childTnLst>
+                        <p:par>
+                          <p:cTn id="4" fill="hold">
+                            <p:stCondLst>
+                              <p:cond delay="0"/>
+                            </p:stCondLst>
+                            <p:childTnLst>
+                              <p:par>
+                                <p:cTn id="5" presetID="2" presetClass="entr" presetSubtype="4" fill="hold" nodeType="clickEffect">
+                                  <p:stCondLst>
+                                    <p:cond delay="0"/>
+                                  </p:stCondLst>
+                                  <p:childTnLst>
+                                    <p:set>
+                                      <p:cBhvr>
+                                        <p:cTn id="6" dur="1" fill="hold">
+                                          <p:stCondLst>
+                                            <p:cond delay="0"/>
+                                          </p:stCondLst>
+                                        </p:cTn>
+                                        <p:tgtEl>
+                                          <p:spTgt spid="3">
+                                            <p:txEl>
+                                              <p:pRg st="1" end="1"/>
+                                            </p:txEl>
+                                          </p:spTgt>
+                                        </p:tgtEl>
+                                        <p:attrNameLst>
+                                          <p:attrName>style.visibility</p:attrName>
+                                        </p:attrNameLst>
+                                      </p:cBhvr>
+                                      <p:to>
+                                        <p:strVal val="visible"/>
+                                      </p:to>
+                                    </p:set>
+                                    <p:anim calcmode="lin" valueType="num">
+                                      <p:cBhvr additive="base">
+                                        <p:cTn id="7" dur="500" fill="hold"/>
+                                        <p:tgtEl>
+                                          <p:spTgt spid="3">
+                                            <p:txEl>
+                                              <p:pRg st="1" end="1"/>
+                                            </p:txEl>
+                                          </p:spTgt>
+                                        </p:tgtEl>
+                                        <p:attrNameLst>
+                                          <p:attrName>ppt_x</p:attrName>
+                                        </p:attrNameLst>
+                                      </p:cBhvr>
+                                      <p:tavLst>
+                                        <p:tav tm="0">
+                                          <p:val>
+                                            <p:strVal val="#ppt_x"/>
+                                          </p:val>
+                                        </p:tav>
+                                        <p:tav tm="100000">
+                                          <p:val>
+                                            <p:strVal val="#ppt_x"/>
+                                          </p:val>
+                                        </p:tav>
+                                      </p:tavLst>
+                                    </p:anim>
+                                    <p:anim calcmode="lin" valueType="num">
+                                      <p:cBhvr additive="base">
+                                        <p:cTn id="8" dur="500" fill="hold"/>
+                                        <p:tgtEl>
+                                          <p:spTgt spid="3">
+                                            <p:txEl>
+                                              <p:pRg st="1" end="1"/>
+                                            </p:txEl>
+                                          </p:spTgt>
+                                        </p:tgtEl>
+                                        <p:attrNameLst>
+                                          <p:attrName>ppt_y</p:attrName>
+                                        </p:attrNameLst>
+                                      </p:cBhvr>
+                                      <p:tavLst>
+                                        <p:tav tm="0">
+                                          <p:val>
+                                            <p:strVal val="1+#ppt_h/2"/>
+                                          </p:val>
+                                        </p:tav>
+                                        <p:tav tm="100000">
+                                          <p:val>
+                                            <p:strVal val="#ppt_y"/>
+                                          </p:val>
+                                        </p:tav>
+                                      </p:tavLst>
+                                    </p:anim>
+                                  </p:childTnLst>
+                                </p:cTn>
+                              </p:par>
+                            </p:childTnLst>
+                          </p:cTn>
+                        </p:par>
+                      </p:childTnLst>
+                    </p:cTn>
+                  </p:par>
+                  <p:par>
+                    <p:cTn id="9" fill="hold">
+                      <p:stCondLst>
+                        <p:cond delay="indefinite"/>
+                      </p:stCondLst>
+                      <p:childTnLst>
+                        <p:par>
+                          <p:cTn id="10" fill="hold">
+                            <p:stCondLst>
+                              <p:cond delay="0"/>
+                            </p:stCondLst>
+                            <p:childTnLst>
+                              <p:par>
+                                <p:cTn id="11" presetID="2" presetClass="entr" presetSubtype="4" fill="hold" nodeType="clickEffect">
+                                  <p:stCondLst>
+                                    <p:cond delay="0"/>
+                                  </p:stCondLst>
+                                  <p:childTnLst>
+                                    <p:set>
+                                      <p:cBhvr>
+                                        <p:cTn id="12" dur="1" fill="hold">
+                                          <p:stCondLst>
+                                            <p:cond delay="0"/>
+                                          </p:stCondLst>
+                                        </p:cTn>
+                                        <p:tgtEl>
+                                          <p:spTgt spid="4"/>
+                                        </p:tgtEl>
+                                        <p:attrNameLst>
+                                          <p:attrName>style.visibility</p:attrName>
+                                        </p:attrNameLst>
+                                      </p:cBhvr>
+                                      <p:to>
+                                        <p:strVal val="visible"/>
+                                      </p:to>
+                                    </p:set>
+                                    <p:anim calcmode="lin" valueType="num">
+                                      <p:cBhvr additive="base">
+                                        <p:cTn id="13" dur="500" fill="hold"/>
+                                        <p:tgtEl>
+                                          <p:spTgt spid="4"/>
+                                        </p:tgtEl>
+                                        <p:attrNameLst>
+                                          <p:attrName>ppt_x</p:attrName>
+                                        </p:attrNameLst>
+                                      </p:cBhvr>
+                                      <p:tavLst>
+                                        <p:tav tm="0">
+                                          <p:val>
+                                            <p:strVal val="#ppt_x"/>
+                                          </p:val>
+                                        </p:tav>
+                                        <p:tav tm="100000">
+                                          <p:val>
+                                            <p:strVal val="#ppt_x"/>
+                                          </p:val>
+                                        </p:tav>
+                                      </p:tavLst>
+                                    </p:anim>
+                                    <p:anim calcmode="lin" valueType="num">
+                                      <p:cBhvr additive="base">
+                                        <p:cTn id="14" dur="500" fill="hold"/>
+                                        <p:tgtEl>
+                                          <p:spTgt spid="4"/>
+                                        </p:tgtEl>
+                                        <p:attrNameLst>
+                                          <p:attrName>ppt_y</p:attrName>
+                                        </p:attrNameLst>
+                                      </p:cBhvr>
+                                      <p:tavLst>
+                                        <p:tav tm="0">
+                                          <p:val>
+                                            <p:strVal val="1+#ppt_h/2"/>
+                                          </p:val>
+                                        </p:tav>
+                                        <p:tav tm="100000">
+                                          <p:val>
+                                            <p:strVal val="#ppt_y"/>
+                                          </p:val>
+                                        </p:tav>
+                                      </p:tavLst>
+                                    </p:anim>
+                                  </p:childTnLst>
+                                </p:cTn>
+                              </p:par>
+                            </p:childTnLst>
+                          </p:cTn>
+                        </p:par>
+                      </p:childTnLst>
+                    </p:cTn>
+                  </p:par>
+                </p:childTnLst>
+              </p:cTn>
+              <p:prevCondLst>
+                <p:cond evt="onPrev" delay="0">
+                  <p:tgtEl>
+                    <p:sldTgt/>
+                  </p:tgtEl>
+                </p:cond>
+              </p:prevCondLst>
+              <p:nextCondLst>
+                <p:cond evt="onNext" delay="0">
+                  <p:tgtEl>
+                    <p:sldTgt/>
+                  </p:tgtEl>
+                </p:cond>
+              </p:nextCondLst>
+            </p:seq>
+          </p:childTnLst>
+        </p:cTn>
       </p:par>
     </p:tnLst>
   </p:timing>
@@ -3404,11 +3717,6 @@
               </a:rPr>
               <a:t>Just enough salt</a:t>
             </a:r>
-            <a:endParaRPr lang="en-GB" sz="2800" dirty="0" smtClean="0">
-              <a:solidFill>
-                <a:srgbClr val="FFC000"/>
-              </a:solidFill>
-            </a:endParaRPr>
           </a:p>
         </p:txBody>
       </p:sp>
@@ -3479,11 +3787,6 @@
               </a:rPr>
               <a:t>Too much salt                           </a:t>
             </a:r>
-            <a:endParaRPr lang="en-GB" sz="2800" dirty="0" smtClean="0">
-              <a:solidFill>
-                <a:srgbClr val="FFC000"/>
-              </a:solidFill>
-            </a:endParaRPr>
           </a:p>
         </p:txBody>
       </p:sp>
@@ -3912,59 +4215,102 @@
       </p:grpSpPr>
       <p:sp>
         <p:nvSpPr>
-          <p:cNvPr id="4" name="TextBox 3"/>
-          <p:cNvSpPr txBox="1"/>
-          <p:nvPr/>
-        </p:nvSpPr>
-        <p:spPr>
-          <a:xfrm>
-            <a:off x="1643042" y="2357430"/>
-            <a:ext cx="6643734" cy="1569660"/>
-          </a:xfrm>
-          <a:prstGeom prst="rect">
-            <a:avLst/>
-          </a:prstGeom>
-          <a:noFill/>
-        </p:spPr>
-        <p:txBody>
-          <a:bodyPr wrap="square" rtlCol="0">
-            <a:spAutoFit/>
-          </a:bodyPr>
-          <a:lstStyle/>
-          <a:p>
-            <a:r>
-              <a:rPr lang="en-US" sz="3200" dirty="0" smtClean="0">
+          <p:cNvPr id="2" name="Title 1"/>
+          <p:cNvSpPr>
+            <a:spLocks noGrp="1"/>
+          </p:cNvSpPr>
+          <p:nvPr>
+            <p:ph type="title"/>
+          </p:nvPr>
+        </p:nvSpPr>
+        <p:spPr/>
+        <p:txBody>
+          <a:bodyPr/>
+          <a:lstStyle/>
+          <a:p>
+            <a:r>
+              <a:rPr lang="en-GB" dirty="0" smtClean="0">
                 <a:solidFill>
-                  <a:schemeClr val="bg1"/>
+                  <a:srgbClr val="FFC000"/>
                 </a:solidFill>
               </a:rPr>
-              <a:t>Tell me and I'll forget.</a:t>
-            </a:r>
-          </a:p>
-          <a:p>
-            <a:r>
-              <a:rPr lang="en-US" sz="3200" dirty="0" smtClean="0">
+              <a:t>Why polymorphism?</a:t>
+            </a:r>
+            <a:endParaRPr lang="en-GB" dirty="0">
+              <a:solidFill>
+                <a:srgbClr val="FFC000"/>
+              </a:solidFill>
+            </a:endParaRPr>
+          </a:p>
+        </p:txBody>
+      </p:sp>
+      <p:sp>
+        <p:nvSpPr>
+          <p:cNvPr id="3" name="Content Placeholder 2"/>
+          <p:cNvSpPr>
+            <a:spLocks noGrp="1"/>
+          </p:cNvSpPr>
+          <p:nvPr>
+            <p:ph idx="1"/>
+          </p:nvPr>
+        </p:nvSpPr>
+        <p:spPr/>
+        <p:txBody>
+          <a:bodyPr/>
+          <a:lstStyle/>
+          <a:p>
+            <a:r>
+              <a:rPr lang="en-GB" dirty="0" smtClean="0">
                 <a:solidFill>
-                  <a:schemeClr val="bg1"/>
+                  <a:srgbClr val="FFC000"/>
                 </a:solidFill>
               </a:rPr>
-              <a:t>Show me and I might remember.</a:t>
-            </a:r>
-          </a:p>
-          <a:p>
-            <a:r>
-              <a:rPr lang="en-US" sz="3200" dirty="0" smtClean="0">
+              <a:t>Code is easier </a:t>
+            </a:r>
+            <a:r>
+              <a:rPr lang="en-GB" dirty="0" smtClean="0">
                 <a:solidFill>
-                  <a:schemeClr val="bg1"/>
+                  <a:srgbClr val="FFC000"/>
                 </a:solidFill>
               </a:rPr>
-              <a:t>But involve me and I will understand</a:t>
-            </a:r>
-            <a:endParaRPr lang="en-GB" sz="3200" dirty="0">
+              <a:t>to read</a:t>
+            </a:r>
+          </a:p>
+          <a:p>
+            <a:r>
+              <a:rPr lang="en-GB" dirty="0" smtClean="0">
+                <a:solidFill>
+                  <a:srgbClr val="FFC000"/>
+                </a:solidFill>
+              </a:rPr>
+              <a:t>Code is easier </a:t>
+            </a:r>
+            <a:r>
+              <a:rPr lang="en-GB" dirty="0" smtClean="0">
+                <a:solidFill>
+                  <a:srgbClr val="FFC000"/>
+                </a:solidFill>
+              </a:rPr>
+              <a:t>to test</a:t>
+            </a:r>
+          </a:p>
+          <a:p>
+            <a:r>
+              <a:rPr lang="en-GB" dirty="0" smtClean="0">
+                <a:solidFill>
+                  <a:srgbClr val="FFC000"/>
+                </a:solidFill>
+              </a:rPr>
+              <a:t>Code is easier maintain</a:t>
+            </a:r>
+            <a:endParaRPr lang="en-GB" dirty="0" smtClean="0">
               <a:solidFill>
-                <a:schemeClr val="bg1"/>
+                <a:srgbClr val="FFC000"/>
               </a:solidFill>
             </a:endParaRPr>
+          </a:p>
+          <a:p>
+            <a:endParaRPr lang="en-GB" dirty="0"/>
           </a:p>
         </p:txBody>
       </p:sp>
@@ -3984,6 +4330,190 @@
 </file>
 
 <file path=ppt/slides/slide5.xml><?xml version="1.0" encoding="utf-8"?>
+<p:sld xmlns:a="http://schemas.openxmlformats.org/drawingml/2006/main" xmlns:r="http://schemas.openxmlformats.org/officeDocument/2006/relationships" xmlns:p="http://schemas.openxmlformats.org/presentationml/2006/main">
+  <p:cSld>
+    <p:spTree>
+      <p:nvGrpSpPr>
+        <p:cNvPr id="1" name=""/>
+        <p:cNvGrpSpPr/>
+        <p:nvPr/>
+      </p:nvGrpSpPr>
+      <p:grpSpPr>
+        <a:xfrm>
+          <a:off x="0" y="0"/>
+          <a:ext cx="0" cy="0"/>
+          <a:chOff x="0" y="0"/>
+          <a:chExt cx="0" cy="0"/>
+        </a:xfrm>
+      </p:grpSpPr>
+      <p:sp>
+        <p:nvSpPr>
+          <p:cNvPr id="2" name="Title 1"/>
+          <p:cNvSpPr>
+            <a:spLocks noGrp="1"/>
+          </p:cNvSpPr>
+          <p:nvPr>
+            <p:ph type="title"/>
+          </p:nvPr>
+        </p:nvSpPr>
+        <p:spPr/>
+        <p:txBody>
+          <a:bodyPr/>
+          <a:lstStyle/>
+          <a:p>
+            <a:r>
+              <a:rPr lang="en-GB" dirty="0" err="1" smtClean="0">
+                <a:solidFill>
+                  <a:srgbClr val="FFC000"/>
+                </a:solidFill>
+              </a:rPr>
+              <a:t>Afrikan</a:t>
+            </a:r>
+            <a:r>
+              <a:rPr lang="en-GB" dirty="0" smtClean="0">
+                <a:solidFill>
+                  <a:srgbClr val="FFC000"/>
+                </a:solidFill>
+              </a:rPr>
+              <a:t> fusion restaurant</a:t>
+            </a:r>
+            <a:endParaRPr lang="en-GB" dirty="0">
+              <a:solidFill>
+                <a:srgbClr val="FFC000"/>
+              </a:solidFill>
+            </a:endParaRPr>
+          </a:p>
+        </p:txBody>
+      </p:sp>
+      <p:pic>
+        <p:nvPicPr>
+          <p:cNvPr id="4" name="Content Placeholder 3" descr="AfrikNFusion.jpg"/>
+          <p:cNvPicPr>
+            <a:picLocks noGrp="1" noChangeAspect="1"/>
+          </p:cNvPicPr>
+          <p:nvPr>
+            <p:ph idx="1"/>
+          </p:nvPr>
+        </p:nvPicPr>
+        <p:blipFill>
+          <a:blip r:embed="rId2"/>
+          <a:stretch>
+            <a:fillRect/>
+          </a:stretch>
+        </p:blipFill>
+        <p:spPr>
+          <a:xfrm>
+            <a:off x="1357290" y="1600200"/>
+            <a:ext cx="6357982" cy="4525963"/>
+          </a:xfrm>
+        </p:spPr>
+      </p:pic>
+    </p:spTree>
+  </p:cSld>
+  <p:clrMapOvr>
+    <a:masterClrMapping/>
+  </p:clrMapOvr>
+  <p:timing>
+    <p:tnLst>
+      <p:par>
+        <p:cTn id="1" dur="indefinite" restart="never" nodeType="tmRoot"/>
+      </p:par>
+    </p:tnLst>
+  </p:timing>
+</p:sld>
+</file>
+
+<file path=ppt/slides/slide6.xml><?xml version="1.0" encoding="utf-8"?>
+<p:sld xmlns:a="http://schemas.openxmlformats.org/drawingml/2006/main" xmlns:r="http://schemas.openxmlformats.org/officeDocument/2006/relationships" xmlns:p="http://schemas.openxmlformats.org/presentationml/2006/main">
+  <p:cSld>
+    <p:spTree>
+      <p:nvGrpSpPr>
+        <p:cNvPr id="1" name=""/>
+        <p:cNvGrpSpPr/>
+        <p:nvPr/>
+      </p:nvGrpSpPr>
+      <p:grpSpPr>
+        <a:xfrm>
+          <a:off x="0" y="0"/>
+          <a:ext cx="0" cy="0"/>
+          <a:chOff x="0" y="0"/>
+          <a:chExt cx="0" cy="0"/>
+        </a:xfrm>
+      </p:grpSpPr>
+      <p:sp>
+        <p:nvSpPr>
+          <p:cNvPr id="4" name="TextBox 3"/>
+          <p:cNvSpPr txBox="1"/>
+          <p:nvPr/>
+        </p:nvSpPr>
+        <p:spPr>
+          <a:xfrm>
+            <a:off x="1643042" y="2357430"/>
+            <a:ext cx="6643734" cy="1569660"/>
+          </a:xfrm>
+          <a:prstGeom prst="rect">
+            <a:avLst/>
+          </a:prstGeom>
+          <a:noFill/>
+        </p:spPr>
+        <p:txBody>
+          <a:bodyPr wrap="square" rtlCol="0">
+            <a:spAutoFit/>
+          </a:bodyPr>
+          <a:lstStyle/>
+          <a:p>
+            <a:r>
+              <a:rPr lang="en-US" sz="3200" dirty="0" smtClean="0">
+                <a:solidFill>
+                  <a:schemeClr val="bg1"/>
+                </a:solidFill>
+              </a:rPr>
+              <a:t>Tell me and I'll forget.</a:t>
+            </a:r>
+          </a:p>
+          <a:p>
+            <a:r>
+              <a:rPr lang="en-US" sz="3200" dirty="0" smtClean="0">
+                <a:solidFill>
+                  <a:schemeClr val="bg1"/>
+                </a:solidFill>
+              </a:rPr>
+              <a:t>Show me and I might remember.</a:t>
+            </a:r>
+          </a:p>
+          <a:p>
+            <a:r>
+              <a:rPr lang="en-US" sz="3200" dirty="0" smtClean="0">
+                <a:solidFill>
+                  <a:schemeClr val="bg1"/>
+                </a:solidFill>
+              </a:rPr>
+              <a:t>But involve me and I will understand</a:t>
+            </a:r>
+            <a:endParaRPr lang="en-GB" sz="3200" dirty="0">
+              <a:solidFill>
+                <a:schemeClr val="bg1"/>
+              </a:solidFill>
+            </a:endParaRPr>
+          </a:p>
+        </p:txBody>
+      </p:sp>
+    </p:spTree>
+  </p:cSld>
+  <p:clrMapOvr>
+    <a:masterClrMapping/>
+  </p:clrMapOvr>
+  <p:timing>
+    <p:tnLst>
+      <p:par>
+        <p:cTn id="1" dur="indefinite" restart="never" nodeType="tmRoot"/>
+      </p:par>
+    </p:tnLst>
+  </p:timing>
+</p:sld>
+</file>
+
+<file path=ppt/slides/slide7.xml><?xml version="1.0" encoding="utf-8"?>
 <p:sld xmlns:a="http://schemas.openxmlformats.org/drawingml/2006/main" xmlns:r="http://schemas.openxmlformats.org/officeDocument/2006/relationships" xmlns:p="http://schemas.openxmlformats.org/presentationml/2006/main">
   <p:cSld>
     <p:spTree>
@@ -4117,7 +4647,7 @@
 </p:sld>
 </file>
 
-<file path=ppt/slides/slide6.xml><?xml version="1.0" encoding="utf-8"?>
+<file path=ppt/slides/slide8.xml><?xml version="1.0" encoding="utf-8"?>
 <p:sld xmlns:a="http://schemas.openxmlformats.org/drawingml/2006/main" xmlns:r="http://schemas.openxmlformats.org/officeDocument/2006/relationships" xmlns:p="http://schemas.openxmlformats.org/presentationml/2006/main">
   <p:cSld>
     <p:spTree>

--- a/CodePresentation.pptx
+++ b/CodePresentation.pptx
@@ -10,9 +10,13 @@
     <p:sldId id="261" r:id="rId4"/>
     <p:sldId id="263" r:id="rId5"/>
     <p:sldId id="262" r:id="rId6"/>
-    <p:sldId id="257" r:id="rId7"/>
-    <p:sldId id="258" r:id="rId8"/>
-    <p:sldId id="259" r:id="rId9"/>
+    <p:sldId id="264" r:id="rId7"/>
+    <p:sldId id="265" r:id="rId8"/>
+    <p:sldId id="266" r:id="rId9"/>
+    <p:sldId id="257" r:id="rId10"/>
+    <p:sldId id="258" r:id="rId11"/>
+    <p:sldId id="259" r:id="rId12"/>
+    <p:sldId id="267" r:id="rId13"/>
   </p:sldIdLst>
   <p:sldSz cx="9144000" cy="6858000" type="screen4x3"/>
   <p:notesSz cx="6858000" cy="9144000"/>
@@ -3146,6 +3150,333 @@
 </p:sld>
 </file>
 
+<file path=ppt/slides/slide10.xml><?xml version="1.0" encoding="utf-8"?>
+<p:sld xmlns:a="http://schemas.openxmlformats.org/drawingml/2006/main" xmlns:r="http://schemas.openxmlformats.org/officeDocument/2006/relationships" xmlns:p="http://schemas.openxmlformats.org/presentationml/2006/main">
+  <p:cSld>
+    <p:spTree>
+      <p:nvGrpSpPr>
+        <p:cNvPr id="1" name=""/>
+        <p:cNvGrpSpPr/>
+        <p:nvPr/>
+      </p:nvGrpSpPr>
+      <p:grpSpPr>
+        <a:xfrm>
+          <a:off x="0" y="0"/>
+          <a:ext cx="0" cy="0"/>
+          <a:chOff x="0" y="0"/>
+          <a:chExt cx="0" cy="0"/>
+        </a:xfrm>
+      </p:grpSpPr>
+      <p:sp>
+        <p:nvSpPr>
+          <p:cNvPr id="2" name="Title 1"/>
+          <p:cNvSpPr>
+            <a:spLocks noGrp="1"/>
+          </p:cNvSpPr>
+          <p:nvPr>
+            <p:ph type="title"/>
+          </p:nvPr>
+        </p:nvSpPr>
+        <p:spPr/>
+        <p:txBody>
+          <a:bodyPr/>
+          <a:lstStyle/>
+          <a:p>
+            <a:r>
+              <a:rPr lang="en-GB" dirty="0" smtClean="0">
+                <a:solidFill>
+                  <a:srgbClr val="FFC000"/>
+                </a:solidFill>
+              </a:rPr>
+              <a:t>Videos games</a:t>
+            </a:r>
+            <a:endParaRPr lang="en-GB" dirty="0">
+              <a:solidFill>
+                <a:srgbClr val="FFC000"/>
+              </a:solidFill>
+            </a:endParaRPr>
+          </a:p>
+        </p:txBody>
+      </p:sp>
+      <p:pic>
+        <p:nvPicPr>
+          <p:cNvPr id="4" name="Content Placeholder 3" descr="sonic-the-hedgehog.jpg"/>
+          <p:cNvPicPr>
+            <a:picLocks noGrp="1" noChangeAspect="1"/>
+          </p:cNvPicPr>
+          <p:nvPr>
+            <p:ph idx="1"/>
+          </p:nvPr>
+        </p:nvPicPr>
+        <p:blipFill>
+          <a:blip r:embed="rId2"/>
+          <a:stretch>
+            <a:fillRect/>
+          </a:stretch>
+        </p:blipFill>
+        <p:spPr>
+          <a:xfrm>
+            <a:off x="785786" y="1357298"/>
+            <a:ext cx="2814645" cy="2286016"/>
+          </a:xfrm>
+        </p:spPr>
+      </p:pic>
+      <p:pic>
+        <p:nvPicPr>
+          <p:cNvPr id="5" name="Picture 4" descr="super_mario.jpg"/>
+          <p:cNvPicPr>
+            <a:picLocks noChangeAspect="1"/>
+          </p:cNvPicPr>
+          <p:nvPr/>
+        </p:nvPicPr>
+        <p:blipFill>
+          <a:blip r:embed="rId3"/>
+          <a:stretch>
+            <a:fillRect/>
+          </a:stretch>
+        </p:blipFill>
+        <p:spPr>
+          <a:xfrm>
+            <a:off x="4286248" y="1285860"/>
+            <a:ext cx="3429024" cy="2428892"/>
+          </a:xfrm>
+          <a:prstGeom prst="rect">
+            <a:avLst/>
+          </a:prstGeom>
+        </p:spPr>
+      </p:pic>
+      <p:pic>
+        <p:nvPicPr>
+          <p:cNvPr id="6" name="Picture 5" descr="tetris (2).jpg"/>
+          <p:cNvPicPr>
+            <a:picLocks noChangeAspect="1"/>
+          </p:cNvPicPr>
+          <p:nvPr/>
+        </p:nvPicPr>
+        <p:blipFill>
+          <a:blip r:embed="rId4" cstate="print"/>
+          <a:stretch>
+            <a:fillRect/>
+          </a:stretch>
+        </p:blipFill>
+        <p:spPr>
+          <a:xfrm>
+            <a:off x="2357422" y="4000504"/>
+            <a:ext cx="4163568" cy="2340864"/>
+          </a:xfrm>
+          <a:prstGeom prst="rect">
+            <a:avLst/>
+          </a:prstGeom>
+        </p:spPr>
+      </p:pic>
+    </p:spTree>
+  </p:cSld>
+  <p:clrMapOvr>
+    <a:masterClrMapping/>
+  </p:clrMapOvr>
+  <p:timing>
+    <p:tnLst>
+      <p:par>
+        <p:cTn id="1" dur="indefinite" restart="never" nodeType="tmRoot"/>
+      </p:par>
+    </p:tnLst>
+  </p:timing>
+</p:sld>
+</file>
+
+<file path=ppt/slides/slide11.xml><?xml version="1.0" encoding="utf-8"?>
+<p:sld xmlns:a="http://schemas.openxmlformats.org/drawingml/2006/main" xmlns:r="http://schemas.openxmlformats.org/officeDocument/2006/relationships" xmlns:p="http://schemas.openxmlformats.org/presentationml/2006/main">
+  <p:cSld>
+    <p:spTree>
+      <p:nvGrpSpPr>
+        <p:cNvPr id="1" name=""/>
+        <p:cNvGrpSpPr/>
+        <p:nvPr/>
+      </p:nvGrpSpPr>
+      <p:grpSpPr>
+        <a:xfrm>
+          <a:off x="0" y="0"/>
+          <a:ext cx="0" cy="0"/>
+          <a:chOff x="0" y="0"/>
+          <a:chExt cx="0" cy="0"/>
+        </a:xfrm>
+      </p:grpSpPr>
+      <p:sp>
+        <p:nvSpPr>
+          <p:cNvPr id="2" name="Title 1"/>
+          <p:cNvSpPr>
+            <a:spLocks noGrp="1"/>
+          </p:cNvSpPr>
+          <p:nvPr>
+            <p:ph type="title"/>
+          </p:nvPr>
+        </p:nvSpPr>
+        <p:spPr/>
+        <p:txBody>
+          <a:bodyPr/>
+          <a:lstStyle/>
+          <a:p>
+            <a:r>
+              <a:rPr lang="en-GB" dirty="0" smtClean="0">
+                <a:solidFill>
+                  <a:srgbClr val="FFC000"/>
+                </a:solidFill>
+              </a:rPr>
+              <a:t>Videos games</a:t>
+            </a:r>
+            <a:endParaRPr lang="en-GB" dirty="0">
+              <a:solidFill>
+                <a:srgbClr val="FFC000"/>
+              </a:solidFill>
+            </a:endParaRPr>
+          </a:p>
+        </p:txBody>
+      </p:sp>
+      <p:sp>
+        <p:nvSpPr>
+          <p:cNvPr id="3" name="Content Placeholder 2"/>
+          <p:cNvSpPr>
+            <a:spLocks noGrp="1"/>
+          </p:cNvSpPr>
+          <p:nvPr>
+            <p:ph idx="1"/>
+          </p:nvPr>
+        </p:nvSpPr>
+        <p:spPr/>
+        <p:txBody>
+          <a:bodyPr/>
+          <a:lstStyle/>
+          <a:p>
+            <a:r>
+              <a:rPr lang="en-GB" dirty="0" smtClean="0">
+                <a:solidFill>
+                  <a:srgbClr val="FFC000"/>
+                </a:solidFill>
+              </a:rPr>
+              <a:t>Things get complex really fast with each new feature or functionality </a:t>
+            </a:r>
+          </a:p>
+          <a:p>
+            <a:endParaRPr lang="en-GB" dirty="0">
+              <a:solidFill>
+                <a:srgbClr val="FFC000"/>
+              </a:solidFill>
+            </a:endParaRPr>
+          </a:p>
+          <a:p>
+            <a:r>
+              <a:rPr lang="en-GB" dirty="0" smtClean="0">
+                <a:solidFill>
+                  <a:srgbClr val="FFC000"/>
+                </a:solidFill>
+              </a:rPr>
+              <a:t>Let’s try some game programming of our own</a:t>
+            </a:r>
+            <a:endParaRPr lang="en-GB" dirty="0">
+              <a:solidFill>
+                <a:srgbClr val="FFC000"/>
+              </a:solidFill>
+            </a:endParaRPr>
+          </a:p>
+        </p:txBody>
+      </p:sp>
+    </p:spTree>
+  </p:cSld>
+  <p:clrMapOvr>
+    <a:masterClrMapping/>
+  </p:clrMapOvr>
+  <p:timing>
+    <p:tnLst>
+      <p:par>
+        <p:cTn id="1" dur="indefinite" restart="never" nodeType="tmRoot"/>
+      </p:par>
+    </p:tnLst>
+  </p:timing>
+</p:sld>
+</file>
+
+<file path=ppt/slides/slide12.xml><?xml version="1.0" encoding="utf-8"?>
+<p:sld xmlns:a="http://schemas.openxmlformats.org/drawingml/2006/main" xmlns:r="http://schemas.openxmlformats.org/officeDocument/2006/relationships" xmlns:p="http://schemas.openxmlformats.org/presentationml/2006/main">
+  <p:cSld>
+    <p:spTree>
+      <p:nvGrpSpPr>
+        <p:cNvPr id="1" name=""/>
+        <p:cNvGrpSpPr/>
+        <p:nvPr/>
+      </p:nvGrpSpPr>
+      <p:grpSpPr>
+        <a:xfrm>
+          <a:off x="0" y="0"/>
+          <a:ext cx="0" cy="0"/>
+          <a:chOff x="0" y="0"/>
+          <a:chExt cx="0" cy="0"/>
+        </a:xfrm>
+      </p:grpSpPr>
+      <p:sp>
+        <p:nvSpPr>
+          <p:cNvPr id="2" name="Title 1"/>
+          <p:cNvSpPr>
+            <a:spLocks noGrp="1"/>
+          </p:cNvSpPr>
+          <p:nvPr>
+            <p:ph type="title"/>
+          </p:nvPr>
+        </p:nvSpPr>
+        <p:spPr/>
+        <p:txBody>
+          <a:bodyPr/>
+          <a:lstStyle/>
+          <a:p>
+            <a:r>
+              <a:rPr lang="en-GB" dirty="0" err="1" smtClean="0">
+                <a:solidFill>
+                  <a:srgbClr val="FFC000"/>
+                </a:solidFill>
+              </a:rPr>
+              <a:t>Duckmaze</a:t>
+            </a:r>
+            <a:endParaRPr lang="en-GB" dirty="0">
+              <a:solidFill>
+                <a:srgbClr val="FFC000"/>
+              </a:solidFill>
+            </a:endParaRPr>
+          </a:p>
+        </p:txBody>
+      </p:sp>
+      <p:sp>
+        <p:nvSpPr>
+          <p:cNvPr id="3" name="Content Placeholder 2"/>
+          <p:cNvSpPr>
+            <a:spLocks noGrp="1"/>
+          </p:cNvSpPr>
+          <p:nvPr>
+            <p:ph idx="1"/>
+          </p:nvPr>
+        </p:nvSpPr>
+        <p:spPr/>
+        <p:txBody>
+          <a:bodyPr/>
+          <a:lstStyle/>
+          <a:p>
+            <a:endParaRPr lang="en-GB"/>
+          </a:p>
+        </p:txBody>
+      </p:sp>
+    </p:spTree>
+  </p:cSld>
+  <p:clrMapOvr>
+    <a:masterClrMapping/>
+  </p:clrMapOvr>
+  <p:timing>
+    <p:tnLst>
+      <p:par>
+        <p:cTn id="1" dur="indefinite" restart="never" nodeType="tmRoot"/>
+      </p:par>
+    </p:tnLst>
+  </p:timing>
+</p:sld>
+</file>
+
 <file path=ppt/slides/slide2.xml><?xml version="1.0" encoding="utf-8"?>
 <p:sld xmlns:a="http://schemas.openxmlformats.org/drawingml/2006/main" xmlns:r="http://schemas.openxmlformats.org/officeDocument/2006/relationships" xmlns:p="http://schemas.openxmlformats.org/presentationml/2006/main">
   <p:cSld>
@@ -3248,17 +3579,7 @@
                 <a:ea typeface="Times New Roman"/>
                 <a:cs typeface="Consolas" pitchFamily="49" charset="0"/>
               </a:rPr>
-              <a:t> can be replaced with </a:t>
-            </a:r>
-            <a:r>
-              <a:rPr lang="en-US" dirty="0" smtClean="0">
-                <a:solidFill>
-                  <a:srgbClr val="FFC000"/>
-                </a:solidFill>
-                <a:ea typeface="Times New Roman"/>
-                <a:cs typeface="Consolas" pitchFamily="49" charset="0"/>
-              </a:rPr>
-              <a:t>polymorphism</a:t>
+              <a:t> can be replaced with polymorphism</a:t>
             </a:r>
             <a:endParaRPr lang="en-GB" dirty="0" smtClean="0">
               <a:solidFill>
@@ -4265,33 +4586,17 @@
                   <a:srgbClr val="FFC000"/>
                 </a:solidFill>
               </a:rPr>
-              <a:t>Code is easier </a:t>
-            </a:r>
+              <a:t>Code is easier to read</a:t>
+            </a:r>
+          </a:p>
+          <a:p>
             <a:r>
               <a:rPr lang="en-GB" dirty="0" smtClean="0">
                 <a:solidFill>
                   <a:srgbClr val="FFC000"/>
                 </a:solidFill>
               </a:rPr>
-              <a:t>to read</a:t>
-            </a:r>
-          </a:p>
-          <a:p>
-            <a:r>
-              <a:rPr lang="en-GB" dirty="0" smtClean="0">
-                <a:solidFill>
-                  <a:srgbClr val="FFC000"/>
-                </a:solidFill>
-              </a:rPr>
-              <a:t>Code is easier </a:t>
-            </a:r>
-            <a:r>
-              <a:rPr lang="en-GB" dirty="0" smtClean="0">
-                <a:solidFill>
-                  <a:srgbClr val="FFC000"/>
-                </a:solidFill>
-              </a:rPr>
-              <a:t>to test</a:t>
+              <a:t>Code is easier to test</a:t>
             </a:r>
           </a:p>
           <a:p>
@@ -4303,11 +4608,6 @@
               </a:rPr>
               <a:t>Code is easier maintain</a:t>
             </a:r>
-            <a:endParaRPr lang="en-GB" dirty="0" smtClean="0">
-              <a:solidFill>
-                <a:srgbClr val="FFC000"/>
-              </a:solidFill>
-            </a:endParaRPr>
           </a:p>
           <a:p>
             <a:endParaRPr lang="en-GB" dirty="0"/>
@@ -4442,14 +4742,49 @@
       </p:grpSpPr>
       <p:sp>
         <p:nvSpPr>
-          <p:cNvPr id="4" name="TextBox 3"/>
+          <p:cNvPr id="2" name="Title 1"/>
+          <p:cNvSpPr>
+            <a:spLocks noGrp="1"/>
+          </p:cNvSpPr>
+          <p:nvPr>
+            <p:ph type="title"/>
+          </p:nvPr>
+        </p:nvSpPr>
+        <p:spPr/>
+        <p:txBody>
+          <a:bodyPr/>
+          <a:lstStyle/>
+          <a:p>
+            <a:r>
+              <a:rPr lang="en-GB" dirty="0" err="1" smtClean="0">
+                <a:solidFill>
+                  <a:srgbClr val="FFC000"/>
+                </a:solidFill>
+              </a:rPr>
+              <a:t>Afrikan</a:t>
+            </a:r>
+            <a:r>
+              <a:rPr lang="en-GB" dirty="0" smtClean="0">
+                <a:solidFill>
+                  <a:srgbClr val="FFC000"/>
+                </a:solidFill>
+              </a:rPr>
+              <a:t> fusion restaurant</a:t>
+            </a:r>
+            <a:endParaRPr lang="en-GB" dirty="0"/>
+          </a:p>
+        </p:txBody>
+      </p:sp>
+      <p:sp>
+        <p:nvSpPr>
+          <p:cNvPr id="5" name="TextBox 4"/>
           <p:cNvSpPr txBox="1"/>
           <p:nvPr/>
         </p:nvSpPr>
         <p:spPr>
           <a:xfrm>
-            <a:off x="1643042" y="2357430"/>
-            <a:ext cx="6643734" cy="1569660"/>
+            <a:off x="6000760" y="1785926"/>
+            <a:ext cx="3248262" cy="3170099"/>
           </a:xfrm>
           <a:prstGeom prst="rect">
             <a:avLst/>
@@ -4457,47 +4792,110 @@
           <a:noFill/>
         </p:spPr>
         <p:txBody>
-          <a:bodyPr wrap="square" rtlCol="0">
+          <a:bodyPr wrap="none" rtlCol="0">
             <a:spAutoFit/>
           </a:bodyPr>
           <a:lstStyle/>
           <a:p>
             <a:r>
-              <a:rPr lang="en-US" sz="3200" dirty="0" smtClean="0">
+              <a:rPr lang="en-GB" sz="3200" dirty="0" smtClean="0">
                 <a:solidFill>
-                  <a:schemeClr val="bg1"/>
+                  <a:srgbClr val="FFC000"/>
                 </a:solidFill>
               </a:rPr>
-              <a:t>Tell me and I'll forget.</a:t>
-            </a:r>
-          </a:p>
-          <a:p>
-            <a:r>
-              <a:rPr lang="en-US" sz="3200" dirty="0" smtClean="0">
+              <a:t>Menu</a:t>
+            </a:r>
+          </a:p>
+          <a:p>
+            <a:r>
+              <a:rPr lang="en-GB" sz="2800" dirty="0" smtClean="0">
                 <a:solidFill>
-                  <a:schemeClr val="bg1"/>
+                  <a:srgbClr val="FFC000"/>
                 </a:solidFill>
               </a:rPr>
-              <a:t>Show me and I might remember.</a:t>
-            </a:r>
-          </a:p>
-          <a:p>
-            <a:r>
-              <a:rPr lang="en-US" sz="3200" dirty="0" smtClean="0">
+              <a:t>Nigerian cuisine </a:t>
+            </a:r>
+          </a:p>
+          <a:p>
+            <a:r>
+              <a:rPr lang="en-GB" sz="2800" dirty="0" smtClean="0">
                 <a:solidFill>
-                  <a:schemeClr val="bg1"/>
+                  <a:srgbClr val="FFC000"/>
                 </a:solidFill>
               </a:rPr>
-              <a:t>But involve me and I will understand</a:t>
-            </a:r>
-            <a:endParaRPr lang="en-GB" sz="3200" dirty="0">
+              <a:t>Ghanaian cuisine</a:t>
+            </a:r>
+          </a:p>
+          <a:p>
+            <a:r>
+              <a:rPr lang="en-GB" sz="2800" dirty="0" smtClean="0">
+                <a:solidFill>
+                  <a:srgbClr val="FFC000"/>
+                </a:solidFill>
+              </a:rPr>
+              <a:t>Ugandan cuisine</a:t>
+            </a:r>
+          </a:p>
+          <a:p>
+            <a:r>
+              <a:rPr lang="en-GB" sz="2800" dirty="0" smtClean="0">
+                <a:solidFill>
+                  <a:srgbClr val="FFC000"/>
+                </a:solidFill>
+              </a:rPr>
+              <a:t>Kenyan cuisine</a:t>
+            </a:r>
+          </a:p>
+          <a:p>
+            <a:r>
+              <a:rPr lang="en-GB" sz="2800" dirty="0" smtClean="0">
+                <a:solidFill>
+                  <a:srgbClr val="FFC000"/>
+                </a:solidFill>
+              </a:rPr>
+              <a:t>South African cuisine</a:t>
+            </a:r>
+          </a:p>
+          <a:p>
+            <a:r>
+              <a:rPr lang="en-GB" sz="2800" dirty="0" smtClean="0">
+                <a:solidFill>
+                  <a:srgbClr val="FFC000"/>
+                </a:solidFill>
+              </a:rPr>
+              <a:t>Zambian cuisine</a:t>
+            </a:r>
+            <a:endParaRPr lang="en-GB" sz="2800" dirty="0">
               <a:solidFill>
-                <a:schemeClr val="bg1"/>
+                <a:srgbClr val="FFC000"/>
               </a:solidFill>
             </a:endParaRPr>
           </a:p>
         </p:txBody>
       </p:sp>
+      <p:pic>
+        <p:nvPicPr>
+          <p:cNvPr id="7" name="Content Placeholder 6" descr="chef.gif"/>
+          <p:cNvPicPr>
+            <a:picLocks noGrp="1" noChangeAspect="1"/>
+          </p:cNvPicPr>
+          <p:nvPr>
+            <p:ph idx="1"/>
+          </p:nvPr>
+        </p:nvPicPr>
+        <p:blipFill>
+          <a:blip r:embed="rId2"/>
+          <a:stretch>
+            <a:fillRect/>
+          </a:stretch>
+        </p:blipFill>
+        <p:spPr>
+          <a:xfrm>
+            <a:off x="1142976" y="1500174"/>
+            <a:ext cx="2714644" cy="3714776"/>
+          </a:xfrm>
+        </p:spPr>
+      </p:pic>
     </p:spTree>
   </p:cSld>
   <p:clrMapOvr>
@@ -4506,7 +4904,594 @@
   <p:timing>
     <p:tnLst>
       <p:par>
-        <p:cTn id="1" dur="indefinite" restart="never" nodeType="tmRoot"/>
+        <p:cTn id="1" dur="indefinite" restart="never" nodeType="tmRoot">
+          <p:childTnLst>
+            <p:seq concurrent="1" nextAc="seek">
+              <p:cTn id="2" dur="indefinite" nodeType="mainSeq">
+                <p:childTnLst>
+                  <p:par>
+                    <p:cTn id="3" fill="hold">
+                      <p:stCondLst>
+                        <p:cond delay="indefinite"/>
+                      </p:stCondLst>
+                      <p:childTnLst>
+                        <p:par>
+                          <p:cTn id="4" fill="hold">
+                            <p:stCondLst>
+                              <p:cond delay="0"/>
+                            </p:stCondLst>
+                            <p:childTnLst>
+                              <p:par>
+                                <p:cTn id="5" presetID="2" presetClass="entr" presetSubtype="4" fill="hold" nodeType="clickEffect">
+                                  <p:stCondLst>
+                                    <p:cond delay="0"/>
+                                  </p:stCondLst>
+                                  <p:childTnLst>
+                                    <p:set>
+                                      <p:cBhvr>
+                                        <p:cTn id="6" dur="1" fill="hold">
+                                          <p:stCondLst>
+                                            <p:cond delay="0"/>
+                                          </p:stCondLst>
+                                        </p:cTn>
+                                        <p:tgtEl>
+                                          <p:spTgt spid="5">
+                                            <p:txEl>
+                                              <p:pRg st="1" end="1"/>
+                                            </p:txEl>
+                                          </p:spTgt>
+                                        </p:tgtEl>
+                                        <p:attrNameLst>
+                                          <p:attrName>style.visibility</p:attrName>
+                                        </p:attrNameLst>
+                                      </p:cBhvr>
+                                      <p:to>
+                                        <p:strVal val="visible"/>
+                                      </p:to>
+                                    </p:set>
+                                    <p:anim calcmode="lin" valueType="num">
+                                      <p:cBhvr additive="base">
+                                        <p:cTn id="7" dur="500" fill="hold"/>
+                                        <p:tgtEl>
+                                          <p:spTgt spid="5">
+                                            <p:txEl>
+                                              <p:pRg st="1" end="1"/>
+                                            </p:txEl>
+                                          </p:spTgt>
+                                        </p:tgtEl>
+                                        <p:attrNameLst>
+                                          <p:attrName>ppt_x</p:attrName>
+                                        </p:attrNameLst>
+                                      </p:cBhvr>
+                                      <p:tavLst>
+                                        <p:tav tm="0">
+                                          <p:val>
+                                            <p:strVal val="#ppt_x"/>
+                                          </p:val>
+                                        </p:tav>
+                                        <p:tav tm="100000">
+                                          <p:val>
+                                            <p:strVal val="#ppt_x"/>
+                                          </p:val>
+                                        </p:tav>
+                                      </p:tavLst>
+                                    </p:anim>
+                                    <p:anim calcmode="lin" valueType="num">
+                                      <p:cBhvr additive="base">
+                                        <p:cTn id="8" dur="500" fill="hold"/>
+                                        <p:tgtEl>
+                                          <p:spTgt spid="5">
+                                            <p:txEl>
+                                              <p:pRg st="1" end="1"/>
+                                            </p:txEl>
+                                          </p:spTgt>
+                                        </p:tgtEl>
+                                        <p:attrNameLst>
+                                          <p:attrName>ppt_y</p:attrName>
+                                        </p:attrNameLst>
+                                      </p:cBhvr>
+                                      <p:tavLst>
+                                        <p:tav tm="0">
+                                          <p:val>
+                                            <p:strVal val="1+#ppt_h/2"/>
+                                          </p:val>
+                                        </p:tav>
+                                        <p:tav tm="100000">
+                                          <p:val>
+                                            <p:strVal val="#ppt_y"/>
+                                          </p:val>
+                                        </p:tav>
+                                      </p:tavLst>
+                                    </p:anim>
+                                  </p:childTnLst>
+                                </p:cTn>
+                              </p:par>
+                              <p:par>
+                                <p:cTn id="9" presetID="2" presetClass="entr" presetSubtype="4" fill="hold" nodeType="withEffect">
+                                  <p:stCondLst>
+                                    <p:cond delay="0"/>
+                                  </p:stCondLst>
+                                  <p:childTnLst>
+                                    <p:set>
+                                      <p:cBhvr>
+                                        <p:cTn id="10" dur="1" fill="hold">
+                                          <p:stCondLst>
+                                            <p:cond delay="0"/>
+                                          </p:stCondLst>
+                                        </p:cTn>
+                                        <p:tgtEl>
+                                          <p:spTgt spid="5">
+                                            <p:txEl>
+                                              <p:pRg st="2" end="2"/>
+                                            </p:txEl>
+                                          </p:spTgt>
+                                        </p:tgtEl>
+                                        <p:attrNameLst>
+                                          <p:attrName>style.visibility</p:attrName>
+                                        </p:attrNameLst>
+                                      </p:cBhvr>
+                                      <p:to>
+                                        <p:strVal val="visible"/>
+                                      </p:to>
+                                    </p:set>
+                                    <p:anim calcmode="lin" valueType="num">
+                                      <p:cBhvr additive="base">
+                                        <p:cTn id="11" dur="500" fill="hold"/>
+                                        <p:tgtEl>
+                                          <p:spTgt spid="5">
+                                            <p:txEl>
+                                              <p:pRg st="2" end="2"/>
+                                            </p:txEl>
+                                          </p:spTgt>
+                                        </p:tgtEl>
+                                        <p:attrNameLst>
+                                          <p:attrName>ppt_x</p:attrName>
+                                        </p:attrNameLst>
+                                      </p:cBhvr>
+                                      <p:tavLst>
+                                        <p:tav tm="0">
+                                          <p:val>
+                                            <p:strVal val="#ppt_x"/>
+                                          </p:val>
+                                        </p:tav>
+                                        <p:tav tm="100000">
+                                          <p:val>
+                                            <p:strVal val="#ppt_x"/>
+                                          </p:val>
+                                        </p:tav>
+                                      </p:tavLst>
+                                    </p:anim>
+                                    <p:anim calcmode="lin" valueType="num">
+                                      <p:cBhvr additive="base">
+                                        <p:cTn id="12" dur="500" fill="hold"/>
+                                        <p:tgtEl>
+                                          <p:spTgt spid="5">
+                                            <p:txEl>
+                                              <p:pRg st="2" end="2"/>
+                                            </p:txEl>
+                                          </p:spTgt>
+                                        </p:tgtEl>
+                                        <p:attrNameLst>
+                                          <p:attrName>ppt_y</p:attrName>
+                                        </p:attrNameLst>
+                                      </p:cBhvr>
+                                      <p:tavLst>
+                                        <p:tav tm="0">
+                                          <p:val>
+                                            <p:strVal val="1+#ppt_h/2"/>
+                                          </p:val>
+                                        </p:tav>
+                                        <p:tav tm="100000">
+                                          <p:val>
+                                            <p:strVal val="#ppt_y"/>
+                                          </p:val>
+                                        </p:tav>
+                                      </p:tavLst>
+                                    </p:anim>
+                                  </p:childTnLst>
+                                </p:cTn>
+                              </p:par>
+                            </p:childTnLst>
+                          </p:cTn>
+                        </p:par>
+                      </p:childTnLst>
+                    </p:cTn>
+                  </p:par>
+                  <p:par>
+                    <p:cTn id="13" fill="hold">
+                      <p:stCondLst>
+                        <p:cond delay="indefinite"/>
+                      </p:stCondLst>
+                      <p:childTnLst>
+                        <p:par>
+                          <p:cTn id="14" fill="hold">
+                            <p:stCondLst>
+                              <p:cond delay="0"/>
+                            </p:stCondLst>
+                            <p:childTnLst>
+                              <p:par>
+                                <p:cTn id="15" presetID="2" presetClass="entr" presetSubtype="4" fill="hold" nodeType="clickEffect">
+                                  <p:stCondLst>
+                                    <p:cond delay="0"/>
+                                  </p:stCondLst>
+                                  <p:childTnLst>
+                                    <p:set>
+                                      <p:cBhvr>
+                                        <p:cTn id="16" dur="1" fill="hold">
+                                          <p:stCondLst>
+                                            <p:cond delay="0"/>
+                                          </p:stCondLst>
+                                        </p:cTn>
+                                        <p:tgtEl>
+                                          <p:spTgt spid="5">
+                                            <p:txEl>
+                                              <p:pRg st="3" end="3"/>
+                                            </p:txEl>
+                                          </p:spTgt>
+                                        </p:tgtEl>
+                                        <p:attrNameLst>
+                                          <p:attrName>style.visibility</p:attrName>
+                                        </p:attrNameLst>
+                                      </p:cBhvr>
+                                      <p:to>
+                                        <p:strVal val="visible"/>
+                                      </p:to>
+                                    </p:set>
+                                    <p:anim calcmode="lin" valueType="num">
+                                      <p:cBhvr additive="base">
+                                        <p:cTn id="17" dur="500" fill="hold"/>
+                                        <p:tgtEl>
+                                          <p:spTgt spid="5">
+                                            <p:txEl>
+                                              <p:pRg st="3" end="3"/>
+                                            </p:txEl>
+                                          </p:spTgt>
+                                        </p:tgtEl>
+                                        <p:attrNameLst>
+                                          <p:attrName>ppt_x</p:attrName>
+                                        </p:attrNameLst>
+                                      </p:cBhvr>
+                                      <p:tavLst>
+                                        <p:tav tm="0">
+                                          <p:val>
+                                            <p:strVal val="#ppt_x"/>
+                                          </p:val>
+                                        </p:tav>
+                                        <p:tav tm="100000">
+                                          <p:val>
+                                            <p:strVal val="#ppt_x"/>
+                                          </p:val>
+                                        </p:tav>
+                                      </p:tavLst>
+                                    </p:anim>
+                                    <p:anim calcmode="lin" valueType="num">
+                                      <p:cBhvr additive="base">
+                                        <p:cTn id="18" dur="500" fill="hold"/>
+                                        <p:tgtEl>
+                                          <p:spTgt spid="5">
+                                            <p:txEl>
+                                              <p:pRg st="3" end="3"/>
+                                            </p:txEl>
+                                          </p:spTgt>
+                                        </p:tgtEl>
+                                        <p:attrNameLst>
+                                          <p:attrName>ppt_y</p:attrName>
+                                        </p:attrNameLst>
+                                      </p:cBhvr>
+                                      <p:tavLst>
+                                        <p:tav tm="0">
+                                          <p:val>
+                                            <p:strVal val="1+#ppt_h/2"/>
+                                          </p:val>
+                                        </p:tav>
+                                        <p:tav tm="100000">
+                                          <p:val>
+                                            <p:strVal val="#ppt_y"/>
+                                          </p:val>
+                                        </p:tav>
+                                      </p:tavLst>
+                                    </p:anim>
+                                  </p:childTnLst>
+                                </p:cTn>
+                              </p:par>
+                              <p:par>
+                                <p:cTn id="19" presetID="2" presetClass="entr" presetSubtype="4" fill="hold" nodeType="withEffect">
+                                  <p:stCondLst>
+                                    <p:cond delay="0"/>
+                                  </p:stCondLst>
+                                  <p:childTnLst>
+                                    <p:set>
+                                      <p:cBhvr>
+                                        <p:cTn id="20" dur="1" fill="hold">
+                                          <p:stCondLst>
+                                            <p:cond delay="0"/>
+                                          </p:stCondLst>
+                                        </p:cTn>
+                                        <p:tgtEl>
+                                          <p:spTgt spid="5">
+                                            <p:txEl>
+                                              <p:pRg st="4" end="4"/>
+                                            </p:txEl>
+                                          </p:spTgt>
+                                        </p:tgtEl>
+                                        <p:attrNameLst>
+                                          <p:attrName>style.visibility</p:attrName>
+                                        </p:attrNameLst>
+                                      </p:cBhvr>
+                                      <p:to>
+                                        <p:strVal val="visible"/>
+                                      </p:to>
+                                    </p:set>
+                                    <p:anim calcmode="lin" valueType="num">
+                                      <p:cBhvr additive="base">
+                                        <p:cTn id="21" dur="500" fill="hold"/>
+                                        <p:tgtEl>
+                                          <p:spTgt spid="5">
+                                            <p:txEl>
+                                              <p:pRg st="4" end="4"/>
+                                            </p:txEl>
+                                          </p:spTgt>
+                                        </p:tgtEl>
+                                        <p:attrNameLst>
+                                          <p:attrName>ppt_x</p:attrName>
+                                        </p:attrNameLst>
+                                      </p:cBhvr>
+                                      <p:tavLst>
+                                        <p:tav tm="0">
+                                          <p:val>
+                                            <p:strVal val="#ppt_x"/>
+                                          </p:val>
+                                        </p:tav>
+                                        <p:tav tm="100000">
+                                          <p:val>
+                                            <p:strVal val="#ppt_x"/>
+                                          </p:val>
+                                        </p:tav>
+                                      </p:tavLst>
+                                    </p:anim>
+                                    <p:anim calcmode="lin" valueType="num">
+                                      <p:cBhvr additive="base">
+                                        <p:cTn id="22" dur="500" fill="hold"/>
+                                        <p:tgtEl>
+                                          <p:spTgt spid="5">
+                                            <p:txEl>
+                                              <p:pRg st="4" end="4"/>
+                                            </p:txEl>
+                                          </p:spTgt>
+                                        </p:tgtEl>
+                                        <p:attrNameLst>
+                                          <p:attrName>ppt_y</p:attrName>
+                                        </p:attrNameLst>
+                                      </p:cBhvr>
+                                      <p:tavLst>
+                                        <p:tav tm="0">
+                                          <p:val>
+                                            <p:strVal val="1+#ppt_h/2"/>
+                                          </p:val>
+                                        </p:tav>
+                                        <p:tav tm="100000">
+                                          <p:val>
+                                            <p:strVal val="#ppt_y"/>
+                                          </p:val>
+                                        </p:tav>
+                                      </p:tavLst>
+                                    </p:anim>
+                                  </p:childTnLst>
+                                </p:cTn>
+                              </p:par>
+                            </p:childTnLst>
+                          </p:cTn>
+                        </p:par>
+                      </p:childTnLst>
+                    </p:cTn>
+                  </p:par>
+                  <p:par>
+                    <p:cTn id="23" fill="hold">
+                      <p:stCondLst>
+                        <p:cond delay="indefinite"/>
+                      </p:stCondLst>
+                      <p:childTnLst>
+                        <p:par>
+                          <p:cTn id="24" fill="hold">
+                            <p:stCondLst>
+                              <p:cond delay="0"/>
+                            </p:stCondLst>
+                            <p:childTnLst>
+                              <p:par>
+                                <p:cTn id="25" presetID="2" presetClass="entr" presetSubtype="4" fill="hold" nodeType="clickEffect">
+                                  <p:stCondLst>
+                                    <p:cond delay="0"/>
+                                  </p:stCondLst>
+                                  <p:childTnLst>
+                                    <p:set>
+                                      <p:cBhvr>
+                                        <p:cTn id="26" dur="1" fill="hold">
+                                          <p:stCondLst>
+                                            <p:cond delay="0"/>
+                                          </p:stCondLst>
+                                        </p:cTn>
+                                        <p:tgtEl>
+                                          <p:spTgt spid="5">
+                                            <p:txEl>
+                                              <p:pRg st="5" end="5"/>
+                                            </p:txEl>
+                                          </p:spTgt>
+                                        </p:tgtEl>
+                                        <p:attrNameLst>
+                                          <p:attrName>style.visibility</p:attrName>
+                                        </p:attrNameLst>
+                                      </p:cBhvr>
+                                      <p:to>
+                                        <p:strVal val="visible"/>
+                                      </p:to>
+                                    </p:set>
+                                    <p:anim calcmode="lin" valueType="num">
+                                      <p:cBhvr additive="base">
+                                        <p:cTn id="27" dur="500" fill="hold"/>
+                                        <p:tgtEl>
+                                          <p:spTgt spid="5">
+                                            <p:txEl>
+                                              <p:pRg st="5" end="5"/>
+                                            </p:txEl>
+                                          </p:spTgt>
+                                        </p:tgtEl>
+                                        <p:attrNameLst>
+                                          <p:attrName>ppt_x</p:attrName>
+                                        </p:attrNameLst>
+                                      </p:cBhvr>
+                                      <p:tavLst>
+                                        <p:tav tm="0">
+                                          <p:val>
+                                            <p:strVal val="#ppt_x"/>
+                                          </p:val>
+                                        </p:tav>
+                                        <p:tav tm="100000">
+                                          <p:val>
+                                            <p:strVal val="#ppt_x"/>
+                                          </p:val>
+                                        </p:tav>
+                                      </p:tavLst>
+                                    </p:anim>
+                                    <p:anim calcmode="lin" valueType="num">
+                                      <p:cBhvr additive="base">
+                                        <p:cTn id="28" dur="500" fill="hold"/>
+                                        <p:tgtEl>
+                                          <p:spTgt spid="5">
+                                            <p:txEl>
+                                              <p:pRg st="5" end="5"/>
+                                            </p:txEl>
+                                          </p:spTgt>
+                                        </p:tgtEl>
+                                        <p:attrNameLst>
+                                          <p:attrName>ppt_y</p:attrName>
+                                        </p:attrNameLst>
+                                      </p:cBhvr>
+                                      <p:tavLst>
+                                        <p:tav tm="0">
+                                          <p:val>
+                                            <p:strVal val="1+#ppt_h/2"/>
+                                          </p:val>
+                                        </p:tav>
+                                        <p:tav tm="100000">
+                                          <p:val>
+                                            <p:strVal val="#ppt_y"/>
+                                          </p:val>
+                                        </p:tav>
+                                      </p:tavLst>
+                                    </p:anim>
+                                  </p:childTnLst>
+                                </p:cTn>
+                              </p:par>
+                              <p:par>
+                                <p:cTn id="29" presetID="2" presetClass="entr" presetSubtype="4" fill="hold" nodeType="withEffect">
+                                  <p:stCondLst>
+                                    <p:cond delay="0"/>
+                                  </p:stCondLst>
+                                  <p:childTnLst>
+                                    <p:set>
+                                      <p:cBhvr>
+                                        <p:cTn id="30" dur="1" fill="hold">
+                                          <p:stCondLst>
+                                            <p:cond delay="0"/>
+                                          </p:stCondLst>
+                                        </p:cTn>
+                                        <p:tgtEl>
+                                          <p:spTgt spid="5">
+                                            <p:txEl>
+                                              <p:pRg st="6" end="6"/>
+                                            </p:txEl>
+                                          </p:spTgt>
+                                        </p:tgtEl>
+                                        <p:attrNameLst>
+                                          <p:attrName>style.visibility</p:attrName>
+                                        </p:attrNameLst>
+                                      </p:cBhvr>
+                                      <p:to>
+                                        <p:strVal val="visible"/>
+                                      </p:to>
+                                    </p:set>
+                                    <p:anim calcmode="lin" valueType="num">
+                                      <p:cBhvr additive="base">
+                                        <p:cTn id="31" dur="500" fill="hold"/>
+                                        <p:tgtEl>
+                                          <p:spTgt spid="5">
+                                            <p:txEl>
+                                              <p:pRg st="6" end="6"/>
+                                            </p:txEl>
+                                          </p:spTgt>
+                                        </p:tgtEl>
+                                        <p:attrNameLst>
+                                          <p:attrName>ppt_x</p:attrName>
+                                        </p:attrNameLst>
+                                      </p:cBhvr>
+                                      <p:tavLst>
+                                        <p:tav tm="0">
+                                          <p:val>
+                                            <p:strVal val="#ppt_x"/>
+                                          </p:val>
+                                        </p:tav>
+                                        <p:tav tm="100000">
+                                          <p:val>
+                                            <p:strVal val="#ppt_x"/>
+                                          </p:val>
+                                        </p:tav>
+                                      </p:tavLst>
+                                    </p:anim>
+                                    <p:anim calcmode="lin" valueType="num">
+                                      <p:cBhvr additive="base">
+                                        <p:cTn id="32" dur="500" fill="hold"/>
+                                        <p:tgtEl>
+                                          <p:spTgt spid="5">
+                                            <p:txEl>
+                                              <p:pRg st="6" end="6"/>
+                                            </p:txEl>
+                                          </p:spTgt>
+                                        </p:tgtEl>
+                                        <p:attrNameLst>
+                                          <p:attrName>ppt_y</p:attrName>
+                                        </p:attrNameLst>
+                                      </p:cBhvr>
+                                      <p:tavLst>
+                                        <p:tav tm="0">
+                                          <p:val>
+                                            <p:strVal val="1+#ppt_h/2"/>
+                                          </p:val>
+                                        </p:tav>
+                                        <p:tav tm="100000">
+                                          <p:val>
+                                            <p:strVal val="#ppt_y"/>
+                                          </p:val>
+                                        </p:tav>
+                                      </p:tavLst>
+                                    </p:anim>
+                                  </p:childTnLst>
+                                </p:cTn>
+                              </p:par>
+                            </p:childTnLst>
+                          </p:cTn>
+                        </p:par>
+                      </p:childTnLst>
+                    </p:cTn>
+                  </p:par>
+                </p:childTnLst>
+              </p:cTn>
+              <p:prevCondLst>
+                <p:cond evt="onPrev" delay="0">
+                  <p:tgtEl>
+                    <p:sldTgt/>
+                  </p:tgtEl>
+                </p:cond>
+              </p:prevCondLst>
+              <p:nextCondLst>
+                <p:cond evt="onNext" delay="0">
+                  <p:tgtEl>
+                    <p:sldTgt/>
+                  </p:tgtEl>
+                </p:cond>
+              </p:nextCondLst>
+            </p:seq>
+          </p:childTnLst>
+        </p:cTn>
       </p:par>
     </p:tnLst>
   </p:timing>
@@ -4551,7 +5536,15 @@
                   <a:srgbClr val="FFC000"/>
                 </a:solidFill>
               </a:rPr>
-              <a:t>Videos games</a:t>
+              <a:t>Possible Problems with </a:t>
+            </a:r>
+            <a:r>
+              <a:rPr lang="en-GB" dirty="0" err="1" smtClean="0">
+                <a:solidFill>
+                  <a:srgbClr val="FFC000"/>
+                </a:solidFill>
+              </a:rPr>
+              <a:t>Afrika</a:t>
             </a:r>
             <a:endParaRPr lang="en-GB" dirty="0">
               <a:solidFill>
@@ -4561,77 +5554,98 @@
           </a:p>
         </p:txBody>
       </p:sp>
-      <p:pic>
-        <p:nvPicPr>
-          <p:cNvPr id="4" name="Content Placeholder 3" descr="sonic-the-hedgehog.jpg"/>
-          <p:cNvPicPr>
-            <a:picLocks noGrp="1" noChangeAspect="1"/>
-          </p:cNvPicPr>
+      <p:sp>
+        <p:nvSpPr>
+          <p:cNvPr id="3" name="Content Placeholder 2"/>
+          <p:cNvSpPr>
+            <a:spLocks noGrp="1"/>
+          </p:cNvSpPr>
           <p:nvPr>
             <p:ph idx="1"/>
           </p:nvPr>
-        </p:nvPicPr>
-        <p:blipFill>
-          <a:blip r:embed="rId2"/>
-          <a:stretch>
-            <a:fillRect/>
-          </a:stretch>
-        </p:blipFill>
-        <p:spPr>
-          <a:xfrm>
-            <a:off x="785786" y="1357298"/>
-            <a:ext cx="2814645" cy="2286016"/>
-          </a:xfrm>
-        </p:spPr>
-      </p:pic>
-      <p:pic>
-        <p:nvPicPr>
-          <p:cNvPr id="5" name="Picture 4" descr="super_mario.jpg"/>
-          <p:cNvPicPr>
-            <a:picLocks noChangeAspect="1"/>
-          </p:cNvPicPr>
-          <p:nvPr/>
-        </p:nvPicPr>
-        <p:blipFill>
-          <a:blip r:embed="rId3"/>
-          <a:stretch>
-            <a:fillRect/>
-          </a:stretch>
-        </p:blipFill>
-        <p:spPr>
-          <a:xfrm>
-            <a:off x="4286248" y="1285860"/>
-            <a:ext cx="3429024" cy="2428892"/>
-          </a:xfrm>
-          <a:prstGeom prst="rect">
-            <a:avLst/>
-          </a:prstGeom>
-        </p:spPr>
-      </p:pic>
-      <p:pic>
-        <p:nvPicPr>
-          <p:cNvPr id="6" name="Picture 5" descr="tetris (2).jpg"/>
-          <p:cNvPicPr>
-            <a:picLocks noChangeAspect="1"/>
-          </p:cNvPicPr>
-          <p:nvPr/>
-        </p:nvPicPr>
-        <p:blipFill>
-          <a:blip r:embed="rId4" cstate="print"/>
-          <a:stretch>
-            <a:fillRect/>
-          </a:stretch>
-        </p:blipFill>
-        <p:spPr>
-          <a:xfrm>
-            <a:off x="2357422" y="4000504"/>
-            <a:ext cx="4163568" cy="2340864"/>
-          </a:xfrm>
-          <a:prstGeom prst="rect">
-            <a:avLst/>
-          </a:prstGeom>
-        </p:spPr>
-      </p:pic>
+        </p:nvSpPr>
+        <p:spPr/>
+        <p:txBody>
+          <a:bodyPr/>
+          <a:lstStyle/>
+          <a:p>
+            <a:r>
+              <a:rPr lang="en-GB" dirty="0" smtClean="0">
+                <a:solidFill>
+                  <a:srgbClr val="FFC000"/>
+                </a:solidFill>
+              </a:rPr>
+              <a:t>D</a:t>
+            </a:r>
+            <a:r>
+              <a:rPr lang="en-GB" dirty="0" smtClean="0">
+                <a:solidFill>
+                  <a:srgbClr val="FFC000"/>
+                </a:solidFill>
+              </a:rPr>
+              <a:t>ifficult to maintain</a:t>
+            </a:r>
+          </a:p>
+          <a:p>
+            <a:r>
+              <a:rPr lang="en-GB" dirty="0" smtClean="0">
+                <a:solidFill>
+                  <a:srgbClr val="FFC000"/>
+                </a:solidFill>
+              </a:rPr>
+              <a:t>Difficult to test new recipes</a:t>
+            </a:r>
+          </a:p>
+          <a:p>
+            <a:r>
+              <a:rPr lang="en-GB" dirty="0" smtClean="0">
+                <a:solidFill>
+                  <a:srgbClr val="FFC000"/>
+                </a:solidFill>
+              </a:rPr>
+              <a:t>Substituting Hakim is difficult</a:t>
+            </a:r>
+          </a:p>
+          <a:p>
+            <a:pPr>
+              <a:buNone/>
+            </a:pPr>
+            <a:r>
+              <a:rPr lang="en-GB" dirty="0" smtClean="0">
+                <a:solidFill>
+                  <a:srgbClr val="FFC000"/>
+                </a:solidFill>
+              </a:rPr>
+              <a:t> </a:t>
+            </a:r>
+            <a:endParaRPr lang="en-GB" dirty="0" smtClean="0">
+              <a:solidFill>
+                <a:srgbClr val="FFC000"/>
+              </a:solidFill>
+            </a:endParaRPr>
+          </a:p>
+          <a:p>
+            <a:pPr>
+              <a:buNone/>
+            </a:pPr>
+            <a:endParaRPr lang="en-GB" dirty="0" smtClean="0">
+              <a:solidFill>
+                <a:srgbClr val="FFC000"/>
+              </a:solidFill>
+            </a:endParaRPr>
+          </a:p>
+          <a:p>
+            <a:pPr>
+              <a:buNone/>
+            </a:pPr>
+            <a:endParaRPr lang="en-GB" dirty="0">
+              <a:solidFill>
+                <a:srgbClr val="FFC000"/>
+              </a:solidFill>
+            </a:endParaRPr>
+          </a:p>
+        </p:txBody>
+      </p:sp>
     </p:spTree>
   </p:cSld>
   <p:clrMapOvr>
@@ -4640,7 +5654,339 @@
   <p:timing>
     <p:tnLst>
       <p:par>
-        <p:cTn id="1" dur="indefinite" restart="never" nodeType="tmRoot"/>
+        <p:cTn id="1" dur="indefinite" restart="never" nodeType="tmRoot">
+          <p:childTnLst>
+            <p:seq concurrent="1" nextAc="seek">
+              <p:cTn id="2" dur="indefinite" nodeType="mainSeq">
+                <p:childTnLst>
+                  <p:par>
+                    <p:cTn id="3" fill="hold">
+                      <p:stCondLst>
+                        <p:cond delay="indefinite"/>
+                      </p:stCondLst>
+                      <p:childTnLst>
+                        <p:par>
+                          <p:cTn id="4" fill="hold">
+                            <p:stCondLst>
+                              <p:cond delay="0"/>
+                            </p:stCondLst>
+                            <p:childTnLst>
+                              <p:par>
+                                <p:cTn id="5" presetID="2" presetClass="entr" presetSubtype="4" fill="hold" nodeType="clickEffect">
+                                  <p:stCondLst>
+                                    <p:cond delay="0"/>
+                                  </p:stCondLst>
+                                  <p:childTnLst>
+                                    <p:set>
+                                      <p:cBhvr>
+                                        <p:cTn id="6" dur="1" fill="hold">
+                                          <p:stCondLst>
+                                            <p:cond delay="0"/>
+                                          </p:stCondLst>
+                                        </p:cTn>
+                                        <p:tgtEl>
+                                          <p:spTgt spid="3">
+                                            <p:txEl>
+                                              <p:pRg st="0" end="0"/>
+                                            </p:txEl>
+                                          </p:spTgt>
+                                        </p:tgtEl>
+                                        <p:attrNameLst>
+                                          <p:attrName>style.visibility</p:attrName>
+                                        </p:attrNameLst>
+                                      </p:cBhvr>
+                                      <p:to>
+                                        <p:strVal val="visible"/>
+                                      </p:to>
+                                    </p:set>
+                                    <p:anim calcmode="lin" valueType="num">
+                                      <p:cBhvr additive="base">
+                                        <p:cTn id="7" dur="500" fill="hold"/>
+                                        <p:tgtEl>
+                                          <p:spTgt spid="3">
+                                            <p:txEl>
+                                              <p:pRg st="0" end="0"/>
+                                            </p:txEl>
+                                          </p:spTgt>
+                                        </p:tgtEl>
+                                        <p:attrNameLst>
+                                          <p:attrName>ppt_x</p:attrName>
+                                        </p:attrNameLst>
+                                      </p:cBhvr>
+                                      <p:tavLst>
+                                        <p:tav tm="0">
+                                          <p:val>
+                                            <p:strVal val="#ppt_x"/>
+                                          </p:val>
+                                        </p:tav>
+                                        <p:tav tm="100000">
+                                          <p:val>
+                                            <p:strVal val="#ppt_x"/>
+                                          </p:val>
+                                        </p:tav>
+                                      </p:tavLst>
+                                    </p:anim>
+                                    <p:anim calcmode="lin" valueType="num">
+                                      <p:cBhvr additive="base">
+                                        <p:cTn id="8" dur="500" fill="hold"/>
+                                        <p:tgtEl>
+                                          <p:spTgt spid="3">
+                                            <p:txEl>
+                                              <p:pRg st="0" end="0"/>
+                                            </p:txEl>
+                                          </p:spTgt>
+                                        </p:tgtEl>
+                                        <p:attrNameLst>
+                                          <p:attrName>ppt_y</p:attrName>
+                                        </p:attrNameLst>
+                                      </p:cBhvr>
+                                      <p:tavLst>
+                                        <p:tav tm="0">
+                                          <p:val>
+                                            <p:strVal val="1+#ppt_h/2"/>
+                                          </p:val>
+                                        </p:tav>
+                                        <p:tav tm="100000">
+                                          <p:val>
+                                            <p:strVal val="#ppt_y"/>
+                                          </p:val>
+                                        </p:tav>
+                                      </p:tavLst>
+                                    </p:anim>
+                                  </p:childTnLst>
+                                </p:cTn>
+                              </p:par>
+                            </p:childTnLst>
+                          </p:cTn>
+                        </p:par>
+                      </p:childTnLst>
+                    </p:cTn>
+                  </p:par>
+                  <p:par>
+                    <p:cTn id="9" fill="hold">
+                      <p:stCondLst>
+                        <p:cond delay="indefinite"/>
+                      </p:stCondLst>
+                      <p:childTnLst>
+                        <p:par>
+                          <p:cTn id="10" fill="hold">
+                            <p:stCondLst>
+                              <p:cond delay="0"/>
+                            </p:stCondLst>
+                            <p:childTnLst>
+                              <p:par>
+                                <p:cTn id="11" presetID="2" presetClass="entr" presetSubtype="4" fill="hold" nodeType="clickEffect">
+                                  <p:stCondLst>
+                                    <p:cond delay="0"/>
+                                  </p:stCondLst>
+                                  <p:childTnLst>
+                                    <p:set>
+                                      <p:cBhvr>
+                                        <p:cTn id="12" dur="1" fill="hold">
+                                          <p:stCondLst>
+                                            <p:cond delay="0"/>
+                                          </p:stCondLst>
+                                        </p:cTn>
+                                        <p:tgtEl>
+                                          <p:spTgt spid="3">
+                                            <p:txEl>
+                                              <p:pRg st="1" end="1"/>
+                                            </p:txEl>
+                                          </p:spTgt>
+                                        </p:tgtEl>
+                                        <p:attrNameLst>
+                                          <p:attrName>style.visibility</p:attrName>
+                                        </p:attrNameLst>
+                                      </p:cBhvr>
+                                      <p:to>
+                                        <p:strVal val="visible"/>
+                                      </p:to>
+                                    </p:set>
+                                    <p:anim calcmode="lin" valueType="num">
+                                      <p:cBhvr additive="base">
+                                        <p:cTn id="13" dur="500" fill="hold"/>
+                                        <p:tgtEl>
+                                          <p:spTgt spid="3">
+                                            <p:txEl>
+                                              <p:pRg st="1" end="1"/>
+                                            </p:txEl>
+                                          </p:spTgt>
+                                        </p:tgtEl>
+                                        <p:attrNameLst>
+                                          <p:attrName>ppt_x</p:attrName>
+                                        </p:attrNameLst>
+                                      </p:cBhvr>
+                                      <p:tavLst>
+                                        <p:tav tm="0">
+                                          <p:val>
+                                            <p:strVal val="#ppt_x"/>
+                                          </p:val>
+                                        </p:tav>
+                                        <p:tav tm="100000">
+                                          <p:val>
+                                            <p:strVal val="#ppt_x"/>
+                                          </p:val>
+                                        </p:tav>
+                                      </p:tavLst>
+                                    </p:anim>
+                                    <p:anim calcmode="lin" valueType="num">
+                                      <p:cBhvr additive="base">
+                                        <p:cTn id="14" dur="500" fill="hold"/>
+                                        <p:tgtEl>
+                                          <p:spTgt spid="3">
+                                            <p:txEl>
+                                              <p:pRg st="1" end="1"/>
+                                            </p:txEl>
+                                          </p:spTgt>
+                                        </p:tgtEl>
+                                        <p:attrNameLst>
+                                          <p:attrName>ppt_y</p:attrName>
+                                        </p:attrNameLst>
+                                      </p:cBhvr>
+                                      <p:tavLst>
+                                        <p:tav tm="0">
+                                          <p:val>
+                                            <p:strVal val="1+#ppt_h/2"/>
+                                          </p:val>
+                                        </p:tav>
+                                        <p:tav tm="100000">
+                                          <p:val>
+                                            <p:strVal val="#ppt_y"/>
+                                          </p:val>
+                                        </p:tav>
+                                      </p:tavLst>
+                                    </p:anim>
+                                  </p:childTnLst>
+                                </p:cTn>
+                              </p:par>
+                            </p:childTnLst>
+                          </p:cTn>
+                        </p:par>
+                      </p:childTnLst>
+                    </p:cTn>
+                  </p:par>
+                  <p:par>
+                    <p:cTn id="15" fill="hold">
+                      <p:stCondLst>
+                        <p:cond delay="indefinite"/>
+                      </p:stCondLst>
+                      <p:childTnLst>
+                        <p:par>
+                          <p:cTn id="16" fill="hold">
+                            <p:stCondLst>
+                              <p:cond delay="0"/>
+                            </p:stCondLst>
+                            <p:childTnLst>
+                              <p:par>
+                                <p:cTn id="17" presetID="2" presetClass="entr" presetSubtype="4" fill="hold" nodeType="clickEffect">
+                                  <p:stCondLst>
+                                    <p:cond delay="0"/>
+                                  </p:stCondLst>
+                                  <p:childTnLst>
+                                    <p:set>
+                                      <p:cBhvr>
+                                        <p:cTn id="18" dur="1" fill="hold">
+                                          <p:stCondLst>
+                                            <p:cond delay="0"/>
+                                          </p:stCondLst>
+                                        </p:cTn>
+                                        <p:tgtEl>
+                                          <p:spTgt spid="3">
+                                            <p:txEl>
+                                              <p:pRg st="2" end="2"/>
+                                            </p:txEl>
+                                          </p:spTgt>
+                                        </p:tgtEl>
+                                        <p:attrNameLst>
+                                          <p:attrName>style.visibility</p:attrName>
+                                        </p:attrNameLst>
+                                      </p:cBhvr>
+                                      <p:to>
+                                        <p:strVal val="visible"/>
+                                      </p:to>
+                                    </p:set>
+                                    <p:anim calcmode="lin" valueType="num">
+                                      <p:cBhvr additive="base">
+                                        <p:cTn id="19" dur="500" fill="hold"/>
+                                        <p:tgtEl>
+                                          <p:spTgt spid="3">
+                                            <p:txEl>
+                                              <p:pRg st="2" end="2"/>
+                                            </p:txEl>
+                                          </p:spTgt>
+                                        </p:tgtEl>
+                                        <p:attrNameLst>
+                                          <p:attrName>ppt_x</p:attrName>
+                                        </p:attrNameLst>
+                                      </p:cBhvr>
+                                      <p:tavLst>
+                                        <p:tav tm="0">
+                                          <p:val>
+                                            <p:strVal val="#ppt_x"/>
+                                          </p:val>
+                                        </p:tav>
+                                        <p:tav tm="100000">
+                                          <p:val>
+                                            <p:strVal val="#ppt_x"/>
+                                          </p:val>
+                                        </p:tav>
+                                      </p:tavLst>
+                                    </p:anim>
+                                    <p:anim calcmode="lin" valueType="num">
+                                      <p:cBhvr additive="base">
+                                        <p:cTn id="20" dur="500" fill="hold"/>
+                                        <p:tgtEl>
+                                          <p:spTgt spid="3">
+                                            <p:txEl>
+                                              <p:pRg st="2" end="2"/>
+                                            </p:txEl>
+                                          </p:spTgt>
+                                        </p:tgtEl>
+                                        <p:attrNameLst>
+                                          <p:attrName>ppt_y</p:attrName>
+                                        </p:attrNameLst>
+                                      </p:cBhvr>
+                                      <p:tavLst>
+                                        <p:tav tm="0">
+                                          <p:val>
+                                            <p:strVal val="1+#ppt_h/2"/>
+                                          </p:val>
+                                        </p:tav>
+                                        <p:tav tm="100000">
+                                          <p:val>
+                                            <p:strVal val="#ppt_y"/>
+                                          </p:val>
+                                        </p:tav>
+                                      </p:tavLst>
+                                    </p:anim>
+                                  </p:childTnLst>
+                                </p:cTn>
+                              </p:par>
+                            </p:childTnLst>
+                          </p:cTn>
+                        </p:par>
+                      </p:childTnLst>
+                    </p:cTn>
+                  </p:par>
+                </p:childTnLst>
+              </p:cTn>
+              <p:prevCondLst>
+                <p:cond evt="onPrev" delay="0">
+                  <p:tgtEl>
+                    <p:sldTgt/>
+                  </p:tgtEl>
+                </p:cond>
+              </p:prevCondLst>
+              <p:nextCondLst>
+                <p:cond evt="onNext" delay="0">
+                  <p:tgtEl>
+                    <p:sldTgt/>
+                  </p:tgtEl>
+                </p:cond>
+              </p:nextCondLst>
+            </p:seq>
+          </p:childTnLst>
+        </p:cTn>
       </p:par>
     </p:tnLst>
   </p:timing>
@@ -4685,7 +6031,7 @@
                   <a:srgbClr val="FFC000"/>
                 </a:solidFill>
               </a:rPr>
-              <a:t>Videos games</a:t>
+              <a:t>Polymorphic Solution</a:t>
             </a:r>
             <a:endParaRPr lang="en-GB" dirty="0">
               <a:solidFill>
@@ -4697,57 +6043,1480 @@
       </p:sp>
       <p:sp>
         <p:nvSpPr>
-          <p:cNvPr id="3" name="Content Placeholder 2"/>
-          <p:cNvSpPr>
-            <a:spLocks noGrp="1"/>
-          </p:cNvSpPr>
-          <p:nvPr>
-            <p:ph idx="1"/>
-          </p:nvPr>
-        </p:nvSpPr>
-        <p:spPr/>
-        <p:txBody>
-          <a:bodyPr/>
+          <p:cNvPr id="4" name="Rounded Rectangle 3"/>
+          <p:cNvSpPr/>
+          <p:nvPr/>
+        </p:nvSpPr>
+        <p:spPr>
+          <a:xfrm>
+            <a:off x="1428728" y="2714620"/>
+            <a:ext cx="1428760" cy="914400"/>
+          </a:xfrm>
+          <a:prstGeom prst="roundRect">
+            <a:avLst/>
+          </a:prstGeom>
+        </p:spPr>
+        <p:style>
+          <a:lnRef idx="1">
+            <a:schemeClr val="accent5"/>
+          </a:lnRef>
+          <a:fillRef idx="2">
+            <a:schemeClr val="accent5"/>
+          </a:fillRef>
+          <a:effectRef idx="1">
+            <a:schemeClr val="accent5"/>
+          </a:effectRef>
+          <a:fontRef idx="minor">
+            <a:schemeClr val="dk1"/>
+          </a:fontRef>
+        </p:style>
+        <p:txBody>
+          <a:bodyPr rtlCol="0" anchor="ctr"/>
           <a:lstStyle/>
           <a:p>
-            <a:r>
-              <a:rPr lang="en-GB" dirty="0" smtClean="0">
-                <a:solidFill>
-                  <a:srgbClr val="FFC000"/>
-                </a:solidFill>
-              </a:rPr>
-              <a:t>Things get complex really fast with each new feature or functionality </a:t>
-            </a:r>
-          </a:p>
-          <a:p>
-            <a:endParaRPr lang="en-GB" dirty="0">
-              <a:solidFill>
-                <a:srgbClr val="FFC000"/>
-              </a:solidFill>
-            </a:endParaRPr>
-          </a:p>
-          <a:p>
-            <a:r>
-              <a:rPr lang="en-GB" dirty="0" smtClean="0">
-                <a:solidFill>
-                  <a:srgbClr val="FFC000"/>
-                </a:solidFill>
-              </a:rPr>
-              <a:t>Let’s try some game programming of our own</a:t>
-            </a:r>
-            <a:endParaRPr lang="en-GB" dirty="0">
-              <a:solidFill>
-                <a:srgbClr val="FFC000"/>
-              </a:solidFill>
-            </a:endParaRPr>
-          </a:p>
-        </p:txBody>
-      </p:sp>
+            <a:pPr algn="ctr"/>
+            <a:r>
+              <a:rPr lang="en-GB" dirty="0" smtClean="0"/>
+              <a:t>West African Fusion</a:t>
+            </a:r>
+            <a:endParaRPr lang="en-GB" dirty="0"/>
+          </a:p>
+        </p:txBody>
+      </p:sp>
+      <p:sp>
+        <p:nvSpPr>
+          <p:cNvPr id="5" name="Rounded Rectangle 4"/>
+          <p:cNvSpPr/>
+          <p:nvPr/>
+        </p:nvSpPr>
+        <p:spPr>
+          <a:xfrm>
+            <a:off x="3571868" y="2786058"/>
+            <a:ext cx="1428760" cy="914400"/>
+          </a:xfrm>
+          <a:prstGeom prst="roundRect">
+            <a:avLst/>
+          </a:prstGeom>
+        </p:spPr>
+        <p:style>
+          <a:lnRef idx="2">
+            <a:schemeClr val="accent2">
+              <a:shade val="50000"/>
+            </a:schemeClr>
+          </a:lnRef>
+          <a:fillRef idx="1">
+            <a:schemeClr val="accent2"/>
+          </a:fillRef>
+          <a:effectRef idx="0">
+            <a:schemeClr val="accent2"/>
+          </a:effectRef>
+          <a:fontRef idx="minor">
+            <a:schemeClr val="lt1"/>
+          </a:fontRef>
+        </p:style>
+        <p:txBody>
+          <a:bodyPr rtlCol="0" anchor="ctr"/>
+          <a:lstStyle/>
+          <a:p>
+            <a:pPr algn="ctr"/>
+            <a:r>
+              <a:rPr lang="en-GB" dirty="0" smtClean="0"/>
+              <a:t>East African Fusion</a:t>
+            </a:r>
+            <a:endParaRPr lang="en-GB" dirty="0"/>
+          </a:p>
+        </p:txBody>
+      </p:sp>
+      <p:sp>
+        <p:nvSpPr>
+          <p:cNvPr id="6" name="Rounded Rectangle 5"/>
+          <p:cNvSpPr/>
+          <p:nvPr/>
+        </p:nvSpPr>
+        <p:spPr>
+          <a:xfrm>
+            <a:off x="5786446" y="2714620"/>
+            <a:ext cx="1643074" cy="914400"/>
+          </a:xfrm>
+          <a:prstGeom prst="roundRect">
+            <a:avLst/>
+          </a:prstGeom>
+        </p:spPr>
+        <p:style>
+          <a:lnRef idx="2">
+            <a:schemeClr val="accent6">
+              <a:shade val="50000"/>
+            </a:schemeClr>
+          </a:lnRef>
+          <a:fillRef idx="1">
+            <a:schemeClr val="accent6"/>
+          </a:fillRef>
+          <a:effectRef idx="0">
+            <a:schemeClr val="accent6"/>
+          </a:effectRef>
+          <a:fontRef idx="minor">
+            <a:schemeClr val="lt1"/>
+          </a:fontRef>
+        </p:style>
+        <p:txBody>
+          <a:bodyPr rtlCol="0" anchor="ctr"/>
+          <a:lstStyle/>
+          <a:p>
+            <a:pPr algn="ctr"/>
+            <a:r>
+              <a:rPr lang="en-GB" dirty="0" smtClean="0"/>
+              <a:t>Southern African Fusion</a:t>
+            </a:r>
+            <a:endParaRPr lang="en-GB" dirty="0"/>
+          </a:p>
+        </p:txBody>
+      </p:sp>
+      <p:sp>
+        <p:nvSpPr>
+          <p:cNvPr id="10" name="Rounded Rectangle 9"/>
+          <p:cNvSpPr/>
+          <p:nvPr/>
+        </p:nvSpPr>
+        <p:spPr>
+          <a:xfrm>
+            <a:off x="3500430" y="1214422"/>
+            <a:ext cx="1428760" cy="914400"/>
+          </a:xfrm>
+          <a:prstGeom prst="roundRect">
+            <a:avLst/>
+          </a:prstGeom>
+        </p:spPr>
+        <p:style>
+          <a:lnRef idx="1">
+            <a:schemeClr val="accent5"/>
+          </a:lnRef>
+          <a:fillRef idx="2">
+            <a:schemeClr val="accent5"/>
+          </a:fillRef>
+          <a:effectRef idx="1">
+            <a:schemeClr val="accent5"/>
+          </a:effectRef>
+          <a:fontRef idx="minor">
+            <a:schemeClr val="dk1"/>
+          </a:fontRef>
+        </p:style>
+        <p:txBody>
+          <a:bodyPr rtlCol="0" anchor="ctr"/>
+          <a:lstStyle/>
+          <a:p>
+            <a:pPr algn="ctr"/>
+            <a:r>
+              <a:rPr lang="en-GB" dirty="0" smtClean="0"/>
+              <a:t>African Fusion</a:t>
+            </a:r>
+            <a:endParaRPr lang="en-GB" dirty="0"/>
+          </a:p>
+        </p:txBody>
+      </p:sp>
+      <p:cxnSp>
+        <p:nvCxnSpPr>
+          <p:cNvPr id="14" name="Straight Arrow Connector 13"/>
+          <p:cNvCxnSpPr/>
+          <p:nvPr/>
+        </p:nvCxnSpPr>
+        <p:spPr>
+          <a:xfrm rot="10800000" flipV="1">
+            <a:off x="2571736" y="2143116"/>
+            <a:ext cx="1143008" cy="571504"/>
+          </a:xfrm>
+          <a:prstGeom prst="straightConnector1">
+            <a:avLst/>
+          </a:prstGeom>
+          <a:ln>
+            <a:tailEnd type="arrow"/>
+          </a:ln>
+        </p:spPr>
+        <p:style>
+          <a:lnRef idx="1">
+            <a:schemeClr val="accent1"/>
+          </a:lnRef>
+          <a:fillRef idx="0">
+            <a:schemeClr val="accent1"/>
+          </a:fillRef>
+          <a:effectRef idx="0">
+            <a:schemeClr val="accent1"/>
+          </a:effectRef>
+          <a:fontRef idx="minor">
+            <a:schemeClr val="tx1"/>
+          </a:fontRef>
+        </p:style>
+      </p:cxnSp>
+      <p:cxnSp>
+        <p:nvCxnSpPr>
+          <p:cNvPr id="16" name="Straight Arrow Connector 15"/>
+          <p:cNvCxnSpPr>
+            <a:stCxn id="10" idx="2"/>
+            <a:endCxn id="5" idx="0"/>
+          </p:cNvCxnSpPr>
+          <p:nvPr/>
+        </p:nvCxnSpPr>
+        <p:spPr>
+          <a:xfrm rot="16200000" flipH="1">
+            <a:off x="3921911" y="2421721"/>
+            <a:ext cx="657236" cy="71438"/>
+          </a:xfrm>
+          <a:prstGeom prst="straightConnector1">
+            <a:avLst/>
+          </a:prstGeom>
+          <a:ln>
+            <a:tailEnd type="arrow"/>
+          </a:ln>
+        </p:spPr>
+        <p:style>
+          <a:lnRef idx="1">
+            <a:schemeClr val="accent1"/>
+          </a:lnRef>
+          <a:fillRef idx="0">
+            <a:schemeClr val="accent1"/>
+          </a:fillRef>
+          <a:effectRef idx="0">
+            <a:schemeClr val="accent1"/>
+          </a:effectRef>
+          <a:fontRef idx="minor">
+            <a:schemeClr val="tx1"/>
+          </a:fontRef>
+        </p:style>
+      </p:cxnSp>
+      <p:cxnSp>
+        <p:nvCxnSpPr>
+          <p:cNvPr id="18" name="Straight Arrow Connector 17"/>
+          <p:cNvCxnSpPr/>
+          <p:nvPr/>
+        </p:nvCxnSpPr>
+        <p:spPr>
+          <a:xfrm>
+            <a:off x="4857752" y="2143116"/>
+            <a:ext cx="1357322" cy="571504"/>
+          </a:xfrm>
+          <a:prstGeom prst="straightConnector1">
+            <a:avLst/>
+          </a:prstGeom>
+          <a:ln>
+            <a:tailEnd type="arrow"/>
+          </a:ln>
+        </p:spPr>
+        <p:style>
+          <a:lnRef idx="1">
+            <a:schemeClr val="accent1"/>
+          </a:lnRef>
+          <a:fillRef idx="0">
+            <a:schemeClr val="accent1"/>
+          </a:fillRef>
+          <a:effectRef idx="0">
+            <a:schemeClr val="accent1"/>
+          </a:effectRef>
+          <a:fontRef idx="minor">
+            <a:schemeClr val="tx1"/>
+          </a:fontRef>
+        </p:style>
+      </p:cxnSp>
+      <p:sp>
+        <p:nvSpPr>
+          <p:cNvPr id="19" name="Rounded Rectangle 18"/>
+          <p:cNvSpPr/>
+          <p:nvPr/>
+        </p:nvSpPr>
+        <p:spPr>
+          <a:xfrm>
+            <a:off x="642910" y="4357694"/>
+            <a:ext cx="1128714" cy="914400"/>
+          </a:xfrm>
+          <a:prstGeom prst="roundRect">
+            <a:avLst/>
+          </a:prstGeom>
+        </p:spPr>
+        <p:style>
+          <a:lnRef idx="2">
+            <a:schemeClr val="accent1">
+              <a:shade val="50000"/>
+            </a:schemeClr>
+          </a:lnRef>
+          <a:fillRef idx="1">
+            <a:schemeClr val="accent1"/>
+          </a:fillRef>
+          <a:effectRef idx="0">
+            <a:schemeClr val="accent1"/>
+          </a:effectRef>
+          <a:fontRef idx="minor">
+            <a:schemeClr val="lt1"/>
+          </a:fontRef>
+        </p:style>
+        <p:txBody>
+          <a:bodyPr rtlCol="0" anchor="ctr"/>
+          <a:lstStyle/>
+          <a:p>
+            <a:pPr algn="ctr"/>
+            <a:r>
+              <a:rPr lang="en-GB" dirty="0" smtClean="0"/>
+              <a:t>Nigerian Fusion</a:t>
+            </a:r>
+            <a:endParaRPr lang="en-GB" dirty="0"/>
+          </a:p>
+        </p:txBody>
+      </p:sp>
+      <p:sp>
+        <p:nvSpPr>
+          <p:cNvPr id="20" name="Rounded Rectangle 19"/>
+          <p:cNvSpPr/>
+          <p:nvPr/>
+        </p:nvSpPr>
+        <p:spPr>
+          <a:xfrm>
+            <a:off x="2143108" y="4357694"/>
+            <a:ext cx="1285884" cy="914400"/>
+          </a:xfrm>
+          <a:prstGeom prst="roundRect">
+            <a:avLst/>
+          </a:prstGeom>
+        </p:spPr>
+        <p:style>
+          <a:lnRef idx="2">
+            <a:schemeClr val="accent1">
+              <a:shade val="50000"/>
+            </a:schemeClr>
+          </a:lnRef>
+          <a:fillRef idx="1">
+            <a:schemeClr val="accent1"/>
+          </a:fillRef>
+          <a:effectRef idx="0">
+            <a:schemeClr val="accent1"/>
+          </a:effectRef>
+          <a:fontRef idx="minor">
+            <a:schemeClr val="lt1"/>
+          </a:fontRef>
+        </p:style>
+        <p:txBody>
+          <a:bodyPr rtlCol="0" anchor="ctr"/>
+          <a:lstStyle/>
+          <a:p>
+            <a:pPr algn="ctr"/>
+            <a:r>
+              <a:rPr lang="en-GB" dirty="0" smtClean="0"/>
+              <a:t>Ghanaian fusion</a:t>
+            </a:r>
+            <a:endParaRPr lang="en-GB" dirty="0"/>
+          </a:p>
+        </p:txBody>
+      </p:sp>
+      <p:cxnSp>
+        <p:nvCxnSpPr>
+          <p:cNvPr id="26" name="Straight Arrow Connector 25"/>
+          <p:cNvCxnSpPr>
+            <a:endCxn id="19" idx="0"/>
+          </p:cNvCxnSpPr>
+          <p:nvPr/>
+        </p:nvCxnSpPr>
+        <p:spPr>
+          <a:xfrm rot="10800000" flipV="1">
+            <a:off x="1207268" y="3643314"/>
+            <a:ext cx="721527" cy="714380"/>
+          </a:xfrm>
+          <a:prstGeom prst="straightConnector1">
+            <a:avLst/>
+          </a:prstGeom>
+          <a:ln>
+            <a:tailEnd type="arrow"/>
+          </a:ln>
+        </p:spPr>
+        <p:style>
+          <a:lnRef idx="1">
+            <a:schemeClr val="accent1"/>
+          </a:lnRef>
+          <a:fillRef idx="0">
+            <a:schemeClr val="accent1"/>
+          </a:fillRef>
+          <a:effectRef idx="0">
+            <a:schemeClr val="accent1"/>
+          </a:effectRef>
+          <a:fontRef idx="minor">
+            <a:schemeClr val="tx1"/>
+          </a:fontRef>
+        </p:style>
+      </p:cxnSp>
+      <p:cxnSp>
+        <p:nvCxnSpPr>
+          <p:cNvPr id="28" name="Straight Arrow Connector 27"/>
+          <p:cNvCxnSpPr>
+            <a:endCxn id="20" idx="0"/>
+          </p:cNvCxnSpPr>
+          <p:nvPr/>
+        </p:nvCxnSpPr>
+        <p:spPr>
+          <a:xfrm rot="16200000" flipH="1">
+            <a:off x="2178827" y="3750471"/>
+            <a:ext cx="714380" cy="500066"/>
+          </a:xfrm>
+          <a:prstGeom prst="straightConnector1">
+            <a:avLst/>
+          </a:prstGeom>
+          <a:ln>
+            <a:tailEnd type="arrow"/>
+          </a:ln>
+        </p:spPr>
+        <p:style>
+          <a:lnRef idx="1">
+            <a:schemeClr val="accent1"/>
+          </a:lnRef>
+          <a:fillRef idx="0">
+            <a:schemeClr val="accent1"/>
+          </a:fillRef>
+          <a:effectRef idx="0">
+            <a:schemeClr val="accent1"/>
+          </a:effectRef>
+          <a:fontRef idx="minor">
+            <a:schemeClr val="tx1"/>
+          </a:fontRef>
+        </p:style>
+      </p:cxnSp>
     </p:spTree>
   </p:cSld>
   <p:clrMapOvr>
     <a:masterClrMapping/>
   </p:clrMapOvr>
+  <p:timing>
+    <p:tnLst>
+      <p:par>
+        <p:cTn id="1" dur="indefinite" restart="never" nodeType="tmRoot">
+          <p:childTnLst>
+            <p:seq concurrent="1" nextAc="seek">
+              <p:cTn id="2" dur="indefinite" nodeType="mainSeq">
+                <p:childTnLst>
+                  <p:par>
+                    <p:cTn id="3" fill="hold">
+                      <p:stCondLst>
+                        <p:cond delay="indefinite"/>
+                      </p:stCondLst>
+                      <p:childTnLst>
+                        <p:par>
+                          <p:cTn id="4" fill="hold">
+                            <p:stCondLst>
+                              <p:cond delay="0"/>
+                            </p:stCondLst>
+                            <p:childTnLst>
+                              <p:par>
+                                <p:cTn id="5" presetID="2" presetClass="entr" presetSubtype="4" fill="hold" grpId="0" nodeType="clickEffect">
+                                  <p:stCondLst>
+                                    <p:cond delay="0"/>
+                                  </p:stCondLst>
+                                  <p:childTnLst>
+                                    <p:set>
+                                      <p:cBhvr>
+                                        <p:cTn id="6" dur="1" fill="hold">
+                                          <p:stCondLst>
+                                            <p:cond delay="0"/>
+                                          </p:stCondLst>
+                                        </p:cTn>
+                                        <p:tgtEl>
+                                          <p:spTgt spid="10"/>
+                                        </p:tgtEl>
+                                        <p:attrNameLst>
+                                          <p:attrName>style.visibility</p:attrName>
+                                        </p:attrNameLst>
+                                      </p:cBhvr>
+                                      <p:to>
+                                        <p:strVal val="visible"/>
+                                      </p:to>
+                                    </p:set>
+                                    <p:anim calcmode="lin" valueType="num">
+                                      <p:cBhvr additive="base">
+                                        <p:cTn id="7" dur="500" fill="hold"/>
+                                        <p:tgtEl>
+                                          <p:spTgt spid="10"/>
+                                        </p:tgtEl>
+                                        <p:attrNameLst>
+                                          <p:attrName>ppt_x</p:attrName>
+                                        </p:attrNameLst>
+                                      </p:cBhvr>
+                                      <p:tavLst>
+                                        <p:tav tm="0">
+                                          <p:val>
+                                            <p:strVal val="#ppt_x"/>
+                                          </p:val>
+                                        </p:tav>
+                                        <p:tav tm="100000">
+                                          <p:val>
+                                            <p:strVal val="#ppt_x"/>
+                                          </p:val>
+                                        </p:tav>
+                                      </p:tavLst>
+                                    </p:anim>
+                                    <p:anim calcmode="lin" valueType="num">
+                                      <p:cBhvr additive="base">
+                                        <p:cTn id="8" dur="500" fill="hold"/>
+                                        <p:tgtEl>
+                                          <p:spTgt spid="10"/>
+                                        </p:tgtEl>
+                                        <p:attrNameLst>
+                                          <p:attrName>ppt_y</p:attrName>
+                                        </p:attrNameLst>
+                                      </p:cBhvr>
+                                      <p:tavLst>
+                                        <p:tav tm="0">
+                                          <p:val>
+                                            <p:strVal val="1+#ppt_h/2"/>
+                                          </p:val>
+                                        </p:tav>
+                                        <p:tav tm="100000">
+                                          <p:val>
+                                            <p:strVal val="#ppt_y"/>
+                                          </p:val>
+                                        </p:tav>
+                                      </p:tavLst>
+                                    </p:anim>
+                                  </p:childTnLst>
+                                </p:cTn>
+                              </p:par>
+                            </p:childTnLst>
+                          </p:cTn>
+                        </p:par>
+                      </p:childTnLst>
+                    </p:cTn>
+                  </p:par>
+                  <p:par>
+                    <p:cTn id="9" fill="hold">
+                      <p:stCondLst>
+                        <p:cond delay="indefinite"/>
+                      </p:stCondLst>
+                      <p:childTnLst>
+                        <p:par>
+                          <p:cTn id="10" fill="hold">
+                            <p:stCondLst>
+                              <p:cond delay="0"/>
+                            </p:stCondLst>
+                            <p:childTnLst>
+                              <p:par>
+                                <p:cTn id="11" presetID="2" presetClass="entr" presetSubtype="4" fill="hold" grpId="0" nodeType="clickEffect">
+                                  <p:stCondLst>
+                                    <p:cond delay="0"/>
+                                  </p:stCondLst>
+                                  <p:childTnLst>
+                                    <p:set>
+                                      <p:cBhvr>
+                                        <p:cTn id="12" dur="1" fill="hold">
+                                          <p:stCondLst>
+                                            <p:cond delay="0"/>
+                                          </p:stCondLst>
+                                        </p:cTn>
+                                        <p:tgtEl>
+                                          <p:spTgt spid="4"/>
+                                        </p:tgtEl>
+                                        <p:attrNameLst>
+                                          <p:attrName>style.visibility</p:attrName>
+                                        </p:attrNameLst>
+                                      </p:cBhvr>
+                                      <p:to>
+                                        <p:strVal val="visible"/>
+                                      </p:to>
+                                    </p:set>
+                                    <p:anim calcmode="lin" valueType="num">
+                                      <p:cBhvr additive="base">
+                                        <p:cTn id="13" dur="500" fill="hold"/>
+                                        <p:tgtEl>
+                                          <p:spTgt spid="4"/>
+                                        </p:tgtEl>
+                                        <p:attrNameLst>
+                                          <p:attrName>ppt_x</p:attrName>
+                                        </p:attrNameLst>
+                                      </p:cBhvr>
+                                      <p:tavLst>
+                                        <p:tav tm="0">
+                                          <p:val>
+                                            <p:strVal val="#ppt_x"/>
+                                          </p:val>
+                                        </p:tav>
+                                        <p:tav tm="100000">
+                                          <p:val>
+                                            <p:strVal val="#ppt_x"/>
+                                          </p:val>
+                                        </p:tav>
+                                      </p:tavLst>
+                                    </p:anim>
+                                    <p:anim calcmode="lin" valueType="num">
+                                      <p:cBhvr additive="base">
+                                        <p:cTn id="14" dur="500" fill="hold"/>
+                                        <p:tgtEl>
+                                          <p:spTgt spid="4"/>
+                                        </p:tgtEl>
+                                        <p:attrNameLst>
+                                          <p:attrName>ppt_y</p:attrName>
+                                        </p:attrNameLst>
+                                      </p:cBhvr>
+                                      <p:tavLst>
+                                        <p:tav tm="0">
+                                          <p:val>
+                                            <p:strVal val="1+#ppt_h/2"/>
+                                          </p:val>
+                                        </p:tav>
+                                        <p:tav tm="100000">
+                                          <p:val>
+                                            <p:strVal val="#ppt_y"/>
+                                          </p:val>
+                                        </p:tav>
+                                      </p:tavLst>
+                                    </p:anim>
+                                  </p:childTnLst>
+                                </p:cTn>
+                              </p:par>
+                              <p:par>
+                                <p:cTn id="15" presetID="2" presetClass="entr" presetSubtype="4" fill="hold" nodeType="withEffect">
+                                  <p:stCondLst>
+                                    <p:cond delay="0"/>
+                                  </p:stCondLst>
+                                  <p:childTnLst>
+                                    <p:set>
+                                      <p:cBhvr>
+                                        <p:cTn id="16" dur="1" fill="hold">
+                                          <p:stCondLst>
+                                            <p:cond delay="0"/>
+                                          </p:stCondLst>
+                                        </p:cTn>
+                                        <p:tgtEl>
+                                          <p:spTgt spid="14"/>
+                                        </p:tgtEl>
+                                        <p:attrNameLst>
+                                          <p:attrName>style.visibility</p:attrName>
+                                        </p:attrNameLst>
+                                      </p:cBhvr>
+                                      <p:to>
+                                        <p:strVal val="visible"/>
+                                      </p:to>
+                                    </p:set>
+                                    <p:anim calcmode="lin" valueType="num">
+                                      <p:cBhvr additive="base">
+                                        <p:cTn id="17" dur="500" fill="hold"/>
+                                        <p:tgtEl>
+                                          <p:spTgt spid="14"/>
+                                        </p:tgtEl>
+                                        <p:attrNameLst>
+                                          <p:attrName>ppt_x</p:attrName>
+                                        </p:attrNameLst>
+                                      </p:cBhvr>
+                                      <p:tavLst>
+                                        <p:tav tm="0">
+                                          <p:val>
+                                            <p:strVal val="#ppt_x"/>
+                                          </p:val>
+                                        </p:tav>
+                                        <p:tav tm="100000">
+                                          <p:val>
+                                            <p:strVal val="#ppt_x"/>
+                                          </p:val>
+                                        </p:tav>
+                                      </p:tavLst>
+                                    </p:anim>
+                                    <p:anim calcmode="lin" valueType="num">
+                                      <p:cBhvr additive="base">
+                                        <p:cTn id="18" dur="500" fill="hold"/>
+                                        <p:tgtEl>
+                                          <p:spTgt spid="14"/>
+                                        </p:tgtEl>
+                                        <p:attrNameLst>
+                                          <p:attrName>ppt_y</p:attrName>
+                                        </p:attrNameLst>
+                                      </p:cBhvr>
+                                      <p:tavLst>
+                                        <p:tav tm="0">
+                                          <p:val>
+                                            <p:strVal val="1+#ppt_h/2"/>
+                                          </p:val>
+                                        </p:tav>
+                                        <p:tav tm="100000">
+                                          <p:val>
+                                            <p:strVal val="#ppt_y"/>
+                                          </p:val>
+                                        </p:tav>
+                                      </p:tavLst>
+                                    </p:anim>
+                                  </p:childTnLst>
+                                </p:cTn>
+                              </p:par>
+                            </p:childTnLst>
+                          </p:cTn>
+                        </p:par>
+                      </p:childTnLst>
+                    </p:cTn>
+                  </p:par>
+                  <p:par>
+                    <p:cTn id="19" fill="hold">
+                      <p:stCondLst>
+                        <p:cond delay="indefinite"/>
+                      </p:stCondLst>
+                      <p:childTnLst>
+                        <p:par>
+                          <p:cTn id="20" fill="hold">
+                            <p:stCondLst>
+                              <p:cond delay="0"/>
+                            </p:stCondLst>
+                            <p:childTnLst>
+                              <p:par>
+                                <p:cTn id="21" presetID="2" presetClass="entr" presetSubtype="4" fill="hold" nodeType="clickEffect">
+                                  <p:stCondLst>
+                                    <p:cond delay="0"/>
+                                  </p:stCondLst>
+                                  <p:childTnLst>
+                                    <p:set>
+                                      <p:cBhvr>
+                                        <p:cTn id="22" dur="1" fill="hold">
+                                          <p:stCondLst>
+                                            <p:cond delay="0"/>
+                                          </p:stCondLst>
+                                        </p:cTn>
+                                        <p:tgtEl>
+                                          <p:spTgt spid="16"/>
+                                        </p:tgtEl>
+                                        <p:attrNameLst>
+                                          <p:attrName>style.visibility</p:attrName>
+                                        </p:attrNameLst>
+                                      </p:cBhvr>
+                                      <p:to>
+                                        <p:strVal val="visible"/>
+                                      </p:to>
+                                    </p:set>
+                                    <p:anim calcmode="lin" valueType="num">
+                                      <p:cBhvr additive="base">
+                                        <p:cTn id="23" dur="500" fill="hold"/>
+                                        <p:tgtEl>
+                                          <p:spTgt spid="16"/>
+                                        </p:tgtEl>
+                                        <p:attrNameLst>
+                                          <p:attrName>ppt_x</p:attrName>
+                                        </p:attrNameLst>
+                                      </p:cBhvr>
+                                      <p:tavLst>
+                                        <p:tav tm="0">
+                                          <p:val>
+                                            <p:strVal val="#ppt_x"/>
+                                          </p:val>
+                                        </p:tav>
+                                        <p:tav tm="100000">
+                                          <p:val>
+                                            <p:strVal val="#ppt_x"/>
+                                          </p:val>
+                                        </p:tav>
+                                      </p:tavLst>
+                                    </p:anim>
+                                    <p:anim calcmode="lin" valueType="num">
+                                      <p:cBhvr additive="base">
+                                        <p:cTn id="24" dur="500" fill="hold"/>
+                                        <p:tgtEl>
+                                          <p:spTgt spid="16"/>
+                                        </p:tgtEl>
+                                        <p:attrNameLst>
+                                          <p:attrName>ppt_y</p:attrName>
+                                        </p:attrNameLst>
+                                      </p:cBhvr>
+                                      <p:tavLst>
+                                        <p:tav tm="0">
+                                          <p:val>
+                                            <p:strVal val="1+#ppt_h/2"/>
+                                          </p:val>
+                                        </p:tav>
+                                        <p:tav tm="100000">
+                                          <p:val>
+                                            <p:strVal val="#ppt_y"/>
+                                          </p:val>
+                                        </p:tav>
+                                      </p:tavLst>
+                                    </p:anim>
+                                  </p:childTnLst>
+                                </p:cTn>
+                              </p:par>
+                              <p:par>
+                                <p:cTn id="25" presetID="2" presetClass="entr" presetSubtype="4" fill="hold" grpId="0" nodeType="withEffect">
+                                  <p:stCondLst>
+                                    <p:cond delay="0"/>
+                                  </p:stCondLst>
+                                  <p:childTnLst>
+                                    <p:set>
+                                      <p:cBhvr>
+                                        <p:cTn id="26" dur="1" fill="hold">
+                                          <p:stCondLst>
+                                            <p:cond delay="0"/>
+                                          </p:stCondLst>
+                                        </p:cTn>
+                                        <p:tgtEl>
+                                          <p:spTgt spid="5"/>
+                                        </p:tgtEl>
+                                        <p:attrNameLst>
+                                          <p:attrName>style.visibility</p:attrName>
+                                        </p:attrNameLst>
+                                      </p:cBhvr>
+                                      <p:to>
+                                        <p:strVal val="visible"/>
+                                      </p:to>
+                                    </p:set>
+                                    <p:anim calcmode="lin" valueType="num">
+                                      <p:cBhvr additive="base">
+                                        <p:cTn id="27" dur="500" fill="hold"/>
+                                        <p:tgtEl>
+                                          <p:spTgt spid="5"/>
+                                        </p:tgtEl>
+                                        <p:attrNameLst>
+                                          <p:attrName>ppt_x</p:attrName>
+                                        </p:attrNameLst>
+                                      </p:cBhvr>
+                                      <p:tavLst>
+                                        <p:tav tm="0">
+                                          <p:val>
+                                            <p:strVal val="#ppt_x"/>
+                                          </p:val>
+                                        </p:tav>
+                                        <p:tav tm="100000">
+                                          <p:val>
+                                            <p:strVal val="#ppt_x"/>
+                                          </p:val>
+                                        </p:tav>
+                                      </p:tavLst>
+                                    </p:anim>
+                                    <p:anim calcmode="lin" valueType="num">
+                                      <p:cBhvr additive="base">
+                                        <p:cTn id="28" dur="500" fill="hold"/>
+                                        <p:tgtEl>
+                                          <p:spTgt spid="5"/>
+                                        </p:tgtEl>
+                                        <p:attrNameLst>
+                                          <p:attrName>ppt_y</p:attrName>
+                                        </p:attrNameLst>
+                                      </p:cBhvr>
+                                      <p:tavLst>
+                                        <p:tav tm="0">
+                                          <p:val>
+                                            <p:strVal val="1+#ppt_h/2"/>
+                                          </p:val>
+                                        </p:tav>
+                                        <p:tav tm="100000">
+                                          <p:val>
+                                            <p:strVal val="#ppt_y"/>
+                                          </p:val>
+                                        </p:tav>
+                                      </p:tavLst>
+                                    </p:anim>
+                                  </p:childTnLst>
+                                </p:cTn>
+                              </p:par>
+                            </p:childTnLst>
+                          </p:cTn>
+                        </p:par>
+                      </p:childTnLst>
+                    </p:cTn>
+                  </p:par>
+                  <p:par>
+                    <p:cTn id="29" fill="hold">
+                      <p:stCondLst>
+                        <p:cond delay="indefinite"/>
+                      </p:stCondLst>
+                      <p:childTnLst>
+                        <p:par>
+                          <p:cTn id="30" fill="hold">
+                            <p:stCondLst>
+                              <p:cond delay="0"/>
+                            </p:stCondLst>
+                            <p:childTnLst>
+                              <p:par>
+                                <p:cTn id="31" presetID="2" presetClass="entr" presetSubtype="4" fill="hold" nodeType="clickEffect">
+                                  <p:stCondLst>
+                                    <p:cond delay="0"/>
+                                  </p:stCondLst>
+                                  <p:childTnLst>
+                                    <p:set>
+                                      <p:cBhvr>
+                                        <p:cTn id="32" dur="1" fill="hold">
+                                          <p:stCondLst>
+                                            <p:cond delay="0"/>
+                                          </p:stCondLst>
+                                        </p:cTn>
+                                        <p:tgtEl>
+                                          <p:spTgt spid="18"/>
+                                        </p:tgtEl>
+                                        <p:attrNameLst>
+                                          <p:attrName>style.visibility</p:attrName>
+                                        </p:attrNameLst>
+                                      </p:cBhvr>
+                                      <p:to>
+                                        <p:strVal val="visible"/>
+                                      </p:to>
+                                    </p:set>
+                                    <p:anim calcmode="lin" valueType="num">
+                                      <p:cBhvr additive="base">
+                                        <p:cTn id="33" dur="500" fill="hold"/>
+                                        <p:tgtEl>
+                                          <p:spTgt spid="18"/>
+                                        </p:tgtEl>
+                                        <p:attrNameLst>
+                                          <p:attrName>ppt_x</p:attrName>
+                                        </p:attrNameLst>
+                                      </p:cBhvr>
+                                      <p:tavLst>
+                                        <p:tav tm="0">
+                                          <p:val>
+                                            <p:strVal val="#ppt_x"/>
+                                          </p:val>
+                                        </p:tav>
+                                        <p:tav tm="100000">
+                                          <p:val>
+                                            <p:strVal val="#ppt_x"/>
+                                          </p:val>
+                                        </p:tav>
+                                      </p:tavLst>
+                                    </p:anim>
+                                    <p:anim calcmode="lin" valueType="num">
+                                      <p:cBhvr additive="base">
+                                        <p:cTn id="34" dur="500" fill="hold"/>
+                                        <p:tgtEl>
+                                          <p:spTgt spid="18"/>
+                                        </p:tgtEl>
+                                        <p:attrNameLst>
+                                          <p:attrName>ppt_y</p:attrName>
+                                        </p:attrNameLst>
+                                      </p:cBhvr>
+                                      <p:tavLst>
+                                        <p:tav tm="0">
+                                          <p:val>
+                                            <p:strVal val="1+#ppt_h/2"/>
+                                          </p:val>
+                                        </p:tav>
+                                        <p:tav tm="100000">
+                                          <p:val>
+                                            <p:strVal val="#ppt_y"/>
+                                          </p:val>
+                                        </p:tav>
+                                      </p:tavLst>
+                                    </p:anim>
+                                  </p:childTnLst>
+                                </p:cTn>
+                              </p:par>
+                              <p:par>
+                                <p:cTn id="35" presetID="2" presetClass="entr" presetSubtype="4" fill="hold" grpId="0" nodeType="withEffect">
+                                  <p:stCondLst>
+                                    <p:cond delay="0"/>
+                                  </p:stCondLst>
+                                  <p:childTnLst>
+                                    <p:set>
+                                      <p:cBhvr>
+                                        <p:cTn id="36" dur="1" fill="hold">
+                                          <p:stCondLst>
+                                            <p:cond delay="0"/>
+                                          </p:stCondLst>
+                                        </p:cTn>
+                                        <p:tgtEl>
+                                          <p:spTgt spid="6"/>
+                                        </p:tgtEl>
+                                        <p:attrNameLst>
+                                          <p:attrName>style.visibility</p:attrName>
+                                        </p:attrNameLst>
+                                      </p:cBhvr>
+                                      <p:to>
+                                        <p:strVal val="visible"/>
+                                      </p:to>
+                                    </p:set>
+                                    <p:anim calcmode="lin" valueType="num">
+                                      <p:cBhvr additive="base">
+                                        <p:cTn id="37" dur="500" fill="hold"/>
+                                        <p:tgtEl>
+                                          <p:spTgt spid="6"/>
+                                        </p:tgtEl>
+                                        <p:attrNameLst>
+                                          <p:attrName>ppt_x</p:attrName>
+                                        </p:attrNameLst>
+                                      </p:cBhvr>
+                                      <p:tavLst>
+                                        <p:tav tm="0">
+                                          <p:val>
+                                            <p:strVal val="#ppt_x"/>
+                                          </p:val>
+                                        </p:tav>
+                                        <p:tav tm="100000">
+                                          <p:val>
+                                            <p:strVal val="#ppt_x"/>
+                                          </p:val>
+                                        </p:tav>
+                                      </p:tavLst>
+                                    </p:anim>
+                                    <p:anim calcmode="lin" valueType="num">
+                                      <p:cBhvr additive="base">
+                                        <p:cTn id="38" dur="500" fill="hold"/>
+                                        <p:tgtEl>
+                                          <p:spTgt spid="6"/>
+                                        </p:tgtEl>
+                                        <p:attrNameLst>
+                                          <p:attrName>ppt_y</p:attrName>
+                                        </p:attrNameLst>
+                                      </p:cBhvr>
+                                      <p:tavLst>
+                                        <p:tav tm="0">
+                                          <p:val>
+                                            <p:strVal val="1+#ppt_h/2"/>
+                                          </p:val>
+                                        </p:tav>
+                                        <p:tav tm="100000">
+                                          <p:val>
+                                            <p:strVal val="#ppt_y"/>
+                                          </p:val>
+                                        </p:tav>
+                                      </p:tavLst>
+                                    </p:anim>
+                                  </p:childTnLst>
+                                </p:cTn>
+                              </p:par>
+                            </p:childTnLst>
+                          </p:cTn>
+                        </p:par>
+                      </p:childTnLst>
+                    </p:cTn>
+                  </p:par>
+                  <p:par>
+                    <p:cTn id="39" fill="hold">
+                      <p:stCondLst>
+                        <p:cond delay="indefinite"/>
+                      </p:stCondLst>
+                      <p:childTnLst>
+                        <p:par>
+                          <p:cTn id="40" fill="hold">
+                            <p:stCondLst>
+                              <p:cond delay="0"/>
+                            </p:stCondLst>
+                            <p:childTnLst>
+                              <p:par>
+                                <p:cTn id="41" presetID="2" presetClass="entr" presetSubtype="4" fill="hold" nodeType="clickEffect">
+                                  <p:stCondLst>
+                                    <p:cond delay="0"/>
+                                  </p:stCondLst>
+                                  <p:childTnLst>
+                                    <p:set>
+                                      <p:cBhvr>
+                                        <p:cTn id="42" dur="1" fill="hold">
+                                          <p:stCondLst>
+                                            <p:cond delay="0"/>
+                                          </p:stCondLst>
+                                        </p:cTn>
+                                        <p:tgtEl>
+                                          <p:spTgt spid="26"/>
+                                        </p:tgtEl>
+                                        <p:attrNameLst>
+                                          <p:attrName>style.visibility</p:attrName>
+                                        </p:attrNameLst>
+                                      </p:cBhvr>
+                                      <p:to>
+                                        <p:strVal val="visible"/>
+                                      </p:to>
+                                    </p:set>
+                                    <p:anim calcmode="lin" valueType="num">
+                                      <p:cBhvr additive="base">
+                                        <p:cTn id="43" dur="500" fill="hold"/>
+                                        <p:tgtEl>
+                                          <p:spTgt spid="26"/>
+                                        </p:tgtEl>
+                                        <p:attrNameLst>
+                                          <p:attrName>ppt_x</p:attrName>
+                                        </p:attrNameLst>
+                                      </p:cBhvr>
+                                      <p:tavLst>
+                                        <p:tav tm="0">
+                                          <p:val>
+                                            <p:strVal val="#ppt_x"/>
+                                          </p:val>
+                                        </p:tav>
+                                        <p:tav tm="100000">
+                                          <p:val>
+                                            <p:strVal val="#ppt_x"/>
+                                          </p:val>
+                                        </p:tav>
+                                      </p:tavLst>
+                                    </p:anim>
+                                    <p:anim calcmode="lin" valueType="num">
+                                      <p:cBhvr additive="base">
+                                        <p:cTn id="44" dur="500" fill="hold"/>
+                                        <p:tgtEl>
+                                          <p:spTgt spid="26"/>
+                                        </p:tgtEl>
+                                        <p:attrNameLst>
+                                          <p:attrName>ppt_y</p:attrName>
+                                        </p:attrNameLst>
+                                      </p:cBhvr>
+                                      <p:tavLst>
+                                        <p:tav tm="0">
+                                          <p:val>
+                                            <p:strVal val="1+#ppt_h/2"/>
+                                          </p:val>
+                                        </p:tav>
+                                        <p:tav tm="100000">
+                                          <p:val>
+                                            <p:strVal val="#ppt_y"/>
+                                          </p:val>
+                                        </p:tav>
+                                      </p:tavLst>
+                                    </p:anim>
+                                  </p:childTnLst>
+                                </p:cTn>
+                              </p:par>
+                              <p:par>
+                                <p:cTn id="45" presetID="2" presetClass="entr" presetSubtype="4" fill="hold" grpId="0" nodeType="withEffect">
+                                  <p:stCondLst>
+                                    <p:cond delay="0"/>
+                                  </p:stCondLst>
+                                  <p:childTnLst>
+                                    <p:set>
+                                      <p:cBhvr>
+                                        <p:cTn id="46" dur="1" fill="hold">
+                                          <p:stCondLst>
+                                            <p:cond delay="0"/>
+                                          </p:stCondLst>
+                                        </p:cTn>
+                                        <p:tgtEl>
+                                          <p:spTgt spid="19"/>
+                                        </p:tgtEl>
+                                        <p:attrNameLst>
+                                          <p:attrName>style.visibility</p:attrName>
+                                        </p:attrNameLst>
+                                      </p:cBhvr>
+                                      <p:to>
+                                        <p:strVal val="visible"/>
+                                      </p:to>
+                                    </p:set>
+                                    <p:anim calcmode="lin" valueType="num">
+                                      <p:cBhvr additive="base">
+                                        <p:cTn id="47" dur="500" fill="hold"/>
+                                        <p:tgtEl>
+                                          <p:spTgt spid="19"/>
+                                        </p:tgtEl>
+                                        <p:attrNameLst>
+                                          <p:attrName>ppt_x</p:attrName>
+                                        </p:attrNameLst>
+                                      </p:cBhvr>
+                                      <p:tavLst>
+                                        <p:tav tm="0">
+                                          <p:val>
+                                            <p:strVal val="#ppt_x"/>
+                                          </p:val>
+                                        </p:tav>
+                                        <p:tav tm="100000">
+                                          <p:val>
+                                            <p:strVal val="#ppt_x"/>
+                                          </p:val>
+                                        </p:tav>
+                                      </p:tavLst>
+                                    </p:anim>
+                                    <p:anim calcmode="lin" valueType="num">
+                                      <p:cBhvr additive="base">
+                                        <p:cTn id="48" dur="500" fill="hold"/>
+                                        <p:tgtEl>
+                                          <p:spTgt spid="19"/>
+                                        </p:tgtEl>
+                                        <p:attrNameLst>
+                                          <p:attrName>ppt_y</p:attrName>
+                                        </p:attrNameLst>
+                                      </p:cBhvr>
+                                      <p:tavLst>
+                                        <p:tav tm="0">
+                                          <p:val>
+                                            <p:strVal val="1+#ppt_h/2"/>
+                                          </p:val>
+                                        </p:tav>
+                                        <p:tav tm="100000">
+                                          <p:val>
+                                            <p:strVal val="#ppt_y"/>
+                                          </p:val>
+                                        </p:tav>
+                                      </p:tavLst>
+                                    </p:anim>
+                                  </p:childTnLst>
+                                </p:cTn>
+                              </p:par>
+                            </p:childTnLst>
+                          </p:cTn>
+                        </p:par>
+                      </p:childTnLst>
+                    </p:cTn>
+                  </p:par>
+                  <p:par>
+                    <p:cTn id="49" fill="hold">
+                      <p:stCondLst>
+                        <p:cond delay="indefinite"/>
+                      </p:stCondLst>
+                      <p:childTnLst>
+                        <p:par>
+                          <p:cTn id="50" fill="hold">
+                            <p:stCondLst>
+                              <p:cond delay="0"/>
+                            </p:stCondLst>
+                            <p:childTnLst>
+                              <p:par>
+                                <p:cTn id="51" presetID="2" presetClass="entr" presetSubtype="4" fill="hold" nodeType="clickEffect">
+                                  <p:stCondLst>
+                                    <p:cond delay="0"/>
+                                  </p:stCondLst>
+                                  <p:childTnLst>
+                                    <p:set>
+                                      <p:cBhvr>
+                                        <p:cTn id="52" dur="1" fill="hold">
+                                          <p:stCondLst>
+                                            <p:cond delay="0"/>
+                                          </p:stCondLst>
+                                        </p:cTn>
+                                        <p:tgtEl>
+                                          <p:spTgt spid="28"/>
+                                        </p:tgtEl>
+                                        <p:attrNameLst>
+                                          <p:attrName>style.visibility</p:attrName>
+                                        </p:attrNameLst>
+                                      </p:cBhvr>
+                                      <p:to>
+                                        <p:strVal val="visible"/>
+                                      </p:to>
+                                    </p:set>
+                                    <p:anim calcmode="lin" valueType="num">
+                                      <p:cBhvr additive="base">
+                                        <p:cTn id="53" dur="500" fill="hold"/>
+                                        <p:tgtEl>
+                                          <p:spTgt spid="28"/>
+                                        </p:tgtEl>
+                                        <p:attrNameLst>
+                                          <p:attrName>ppt_x</p:attrName>
+                                        </p:attrNameLst>
+                                      </p:cBhvr>
+                                      <p:tavLst>
+                                        <p:tav tm="0">
+                                          <p:val>
+                                            <p:strVal val="#ppt_x"/>
+                                          </p:val>
+                                        </p:tav>
+                                        <p:tav tm="100000">
+                                          <p:val>
+                                            <p:strVal val="#ppt_x"/>
+                                          </p:val>
+                                        </p:tav>
+                                      </p:tavLst>
+                                    </p:anim>
+                                    <p:anim calcmode="lin" valueType="num">
+                                      <p:cBhvr additive="base">
+                                        <p:cTn id="54" dur="500" fill="hold"/>
+                                        <p:tgtEl>
+                                          <p:spTgt spid="28"/>
+                                        </p:tgtEl>
+                                        <p:attrNameLst>
+                                          <p:attrName>ppt_y</p:attrName>
+                                        </p:attrNameLst>
+                                      </p:cBhvr>
+                                      <p:tavLst>
+                                        <p:tav tm="0">
+                                          <p:val>
+                                            <p:strVal val="1+#ppt_h/2"/>
+                                          </p:val>
+                                        </p:tav>
+                                        <p:tav tm="100000">
+                                          <p:val>
+                                            <p:strVal val="#ppt_y"/>
+                                          </p:val>
+                                        </p:tav>
+                                      </p:tavLst>
+                                    </p:anim>
+                                  </p:childTnLst>
+                                </p:cTn>
+                              </p:par>
+                              <p:par>
+                                <p:cTn id="55" presetID="2" presetClass="entr" presetSubtype="4" fill="hold" grpId="0" nodeType="withEffect">
+                                  <p:stCondLst>
+                                    <p:cond delay="0"/>
+                                  </p:stCondLst>
+                                  <p:childTnLst>
+                                    <p:set>
+                                      <p:cBhvr>
+                                        <p:cTn id="56" dur="1" fill="hold">
+                                          <p:stCondLst>
+                                            <p:cond delay="0"/>
+                                          </p:stCondLst>
+                                        </p:cTn>
+                                        <p:tgtEl>
+                                          <p:spTgt spid="20"/>
+                                        </p:tgtEl>
+                                        <p:attrNameLst>
+                                          <p:attrName>style.visibility</p:attrName>
+                                        </p:attrNameLst>
+                                      </p:cBhvr>
+                                      <p:to>
+                                        <p:strVal val="visible"/>
+                                      </p:to>
+                                    </p:set>
+                                    <p:anim calcmode="lin" valueType="num">
+                                      <p:cBhvr additive="base">
+                                        <p:cTn id="57" dur="500" fill="hold"/>
+                                        <p:tgtEl>
+                                          <p:spTgt spid="20"/>
+                                        </p:tgtEl>
+                                        <p:attrNameLst>
+                                          <p:attrName>ppt_x</p:attrName>
+                                        </p:attrNameLst>
+                                      </p:cBhvr>
+                                      <p:tavLst>
+                                        <p:tav tm="0">
+                                          <p:val>
+                                            <p:strVal val="#ppt_x"/>
+                                          </p:val>
+                                        </p:tav>
+                                        <p:tav tm="100000">
+                                          <p:val>
+                                            <p:strVal val="#ppt_x"/>
+                                          </p:val>
+                                        </p:tav>
+                                      </p:tavLst>
+                                    </p:anim>
+                                    <p:anim calcmode="lin" valueType="num">
+                                      <p:cBhvr additive="base">
+                                        <p:cTn id="58" dur="500" fill="hold"/>
+                                        <p:tgtEl>
+                                          <p:spTgt spid="20"/>
+                                        </p:tgtEl>
+                                        <p:attrNameLst>
+                                          <p:attrName>ppt_y</p:attrName>
+                                        </p:attrNameLst>
+                                      </p:cBhvr>
+                                      <p:tavLst>
+                                        <p:tav tm="0">
+                                          <p:val>
+                                            <p:strVal val="1+#ppt_h/2"/>
+                                          </p:val>
+                                        </p:tav>
+                                        <p:tav tm="100000">
+                                          <p:val>
+                                            <p:strVal val="#ppt_y"/>
+                                          </p:val>
+                                        </p:tav>
+                                      </p:tavLst>
+                                    </p:anim>
+                                  </p:childTnLst>
+                                </p:cTn>
+                              </p:par>
+                            </p:childTnLst>
+                          </p:cTn>
+                        </p:par>
+                      </p:childTnLst>
+                    </p:cTn>
+                  </p:par>
+                </p:childTnLst>
+              </p:cTn>
+              <p:prevCondLst>
+                <p:cond evt="onPrev" delay="0">
+                  <p:tgtEl>
+                    <p:sldTgt/>
+                  </p:tgtEl>
+                </p:cond>
+              </p:prevCondLst>
+              <p:nextCondLst>
+                <p:cond evt="onNext" delay="0">
+                  <p:tgtEl>
+                    <p:sldTgt/>
+                  </p:tgtEl>
+                </p:cond>
+              </p:nextCondLst>
+            </p:seq>
+          </p:childTnLst>
+        </p:cTn>
+      </p:par>
+    </p:tnLst>
+    <p:bldLst>
+      <p:bldP spid="4" grpId="0" animBg="1"/>
+      <p:bldP spid="5" grpId="0" animBg="1"/>
+      <p:bldP spid="6" grpId="0" animBg="1"/>
+      <p:bldP spid="10" grpId="0" animBg="1"/>
+      <p:bldP spid="19" grpId="0" animBg="1"/>
+      <p:bldP spid="20" grpId="0" animBg="1"/>
+    </p:bldLst>
+  </p:timing>
+</p:sld>
+</file>
+
+<file path=ppt/slides/slide9.xml><?xml version="1.0" encoding="utf-8"?>
+<p:sld xmlns:a="http://schemas.openxmlformats.org/drawingml/2006/main" xmlns:r="http://schemas.openxmlformats.org/officeDocument/2006/relationships" xmlns:p="http://schemas.openxmlformats.org/presentationml/2006/main">
+  <p:cSld>
+    <p:spTree>
+      <p:nvGrpSpPr>
+        <p:cNvPr id="1" name=""/>
+        <p:cNvGrpSpPr/>
+        <p:nvPr/>
+      </p:nvGrpSpPr>
+      <p:grpSpPr>
+        <a:xfrm>
+          <a:off x="0" y="0"/>
+          <a:ext cx="0" cy="0"/>
+          <a:chOff x="0" y="0"/>
+          <a:chExt cx="0" cy="0"/>
+        </a:xfrm>
+      </p:grpSpPr>
+      <p:sp>
+        <p:nvSpPr>
+          <p:cNvPr id="4" name="TextBox 3"/>
+          <p:cNvSpPr txBox="1"/>
+          <p:nvPr/>
+        </p:nvSpPr>
+        <p:spPr>
+          <a:xfrm>
+            <a:off x="1643042" y="2357430"/>
+            <a:ext cx="6643734" cy="1569660"/>
+          </a:xfrm>
+          <a:prstGeom prst="rect">
+            <a:avLst/>
+          </a:prstGeom>
+          <a:noFill/>
+        </p:spPr>
+        <p:txBody>
+          <a:bodyPr wrap="square" rtlCol="0">
+            <a:spAutoFit/>
+          </a:bodyPr>
+          <a:lstStyle/>
+          <a:p>
+            <a:r>
+              <a:rPr lang="en-US" sz="3200" dirty="0" smtClean="0">
+                <a:solidFill>
+                  <a:schemeClr val="bg1"/>
+                </a:solidFill>
+              </a:rPr>
+              <a:t>Tell me and I'll forget.</a:t>
+            </a:r>
+          </a:p>
+          <a:p>
+            <a:r>
+              <a:rPr lang="en-US" sz="3200" dirty="0" smtClean="0">
+                <a:solidFill>
+                  <a:schemeClr val="bg1"/>
+                </a:solidFill>
+              </a:rPr>
+              <a:t>Show me and I might remember.</a:t>
+            </a:r>
+          </a:p>
+          <a:p>
+            <a:r>
+              <a:rPr lang="en-US" sz="3200" dirty="0" smtClean="0">
+                <a:solidFill>
+                  <a:schemeClr val="bg1"/>
+                </a:solidFill>
+              </a:rPr>
+              <a:t>But involve me and I will understand</a:t>
+            </a:r>
+            <a:endParaRPr lang="en-GB" sz="3200" dirty="0">
+              <a:solidFill>
+                <a:schemeClr val="bg1"/>
+              </a:solidFill>
+            </a:endParaRPr>
+          </a:p>
+        </p:txBody>
+      </p:sp>
+    </p:spTree>
+  </p:cSld>
+  <p:clrMapOvr>
+    <a:masterClrMapping/>
+  </p:clrMapOvr>
+  <p:timing>
+    <p:tnLst>
+      <p:par>
+        <p:cTn id="1" dur="indefinite" restart="never" nodeType="tmRoot"/>
+      </p:par>
+    </p:tnLst>
+  </p:timing>
 </p:sld>
 </file>
 

--- a/CodePresentation.pptx
+++ b/CodePresentation.pptx
@@ -7,16 +7,21 @@
   <p:sldIdLst>
     <p:sldId id="256" r:id="rId2"/>
     <p:sldId id="260" r:id="rId3"/>
-    <p:sldId id="261" r:id="rId4"/>
-    <p:sldId id="263" r:id="rId5"/>
-    <p:sldId id="262" r:id="rId6"/>
-    <p:sldId id="264" r:id="rId7"/>
-    <p:sldId id="265" r:id="rId8"/>
-    <p:sldId id="266" r:id="rId9"/>
-    <p:sldId id="257" r:id="rId10"/>
-    <p:sldId id="258" r:id="rId11"/>
-    <p:sldId id="259" r:id="rId12"/>
-    <p:sldId id="267" r:id="rId13"/>
+    <p:sldId id="271" r:id="rId4"/>
+    <p:sldId id="272" r:id="rId5"/>
+    <p:sldId id="261" r:id="rId6"/>
+    <p:sldId id="263" r:id="rId7"/>
+    <p:sldId id="262" r:id="rId8"/>
+    <p:sldId id="264" r:id="rId9"/>
+    <p:sldId id="265" r:id="rId10"/>
+    <p:sldId id="266" r:id="rId11"/>
+    <p:sldId id="257" r:id="rId12"/>
+    <p:sldId id="258" r:id="rId13"/>
+    <p:sldId id="259" r:id="rId14"/>
+    <p:sldId id="267" r:id="rId15"/>
+    <p:sldId id="268" r:id="rId16"/>
+    <p:sldId id="269" r:id="rId17"/>
+    <p:sldId id="270" r:id="rId18"/>
   </p:sldIdLst>
   <p:sldSz cx="9144000" cy="6858000" type="screen4x3"/>
   <p:notesSz cx="6858000" cy="9144000"/>
@@ -300,7 +305,7 @@
             <a:fld id="{B191CCE5-3872-40B0-B125-F9344C75672A}" type="datetimeFigureOut">
               <a:rPr lang="en-US" smtClean="0"/>
               <a:pPr/>
-              <a:t>9/23/2014</a:t>
+              <a:t>10/1/2014</a:t>
             </a:fld>
             <a:endParaRPr lang="en-GB"/>
           </a:p>
@@ -467,7 +472,7 @@
             <a:fld id="{B191CCE5-3872-40B0-B125-F9344C75672A}" type="datetimeFigureOut">
               <a:rPr lang="en-US" smtClean="0"/>
               <a:pPr/>
-              <a:t>9/23/2014</a:t>
+              <a:t>10/1/2014</a:t>
             </a:fld>
             <a:endParaRPr lang="en-GB"/>
           </a:p>
@@ -644,7 +649,7 @@
             <a:fld id="{B191CCE5-3872-40B0-B125-F9344C75672A}" type="datetimeFigureOut">
               <a:rPr lang="en-US" smtClean="0"/>
               <a:pPr/>
-              <a:t>9/23/2014</a:t>
+              <a:t>10/1/2014</a:t>
             </a:fld>
             <a:endParaRPr lang="en-GB"/>
           </a:p>
@@ -811,7 +816,7 @@
             <a:fld id="{B191CCE5-3872-40B0-B125-F9344C75672A}" type="datetimeFigureOut">
               <a:rPr lang="en-US" smtClean="0"/>
               <a:pPr/>
-              <a:t>9/23/2014</a:t>
+              <a:t>10/1/2014</a:t>
             </a:fld>
             <a:endParaRPr lang="en-GB"/>
           </a:p>
@@ -1054,7 +1059,7 @@
             <a:fld id="{B191CCE5-3872-40B0-B125-F9344C75672A}" type="datetimeFigureOut">
               <a:rPr lang="en-US" smtClean="0"/>
               <a:pPr/>
-              <a:t>9/23/2014</a:t>
+              <a:t>10/1/2014</a:t>
             </a:fld>
             <a:endParaRPr lang="en-GB"/>
           </a:p>
@@ -1339,7 +1344,7 @@
             <a:fld id="{B191CCE5-3872-40B0-B125-F9344C75672A}" type="datetimeFigureOut">
               <a:rPr lang="en-US" smtClean="0"/>
               <a:pPr/>
-              <a:t>9/23/2014</a:t>
+              <a:t>10/1/2014</a:t>
             </a:fld>
             <a:endParaRPr lang="en-GB"/>
           </a:p>
@@ -1758,7 +1763,7 @@
             <a:fld id="{B191CCE5-3872-40B0-B125-F9344C75672A}" type="datetimeFigureOut">
               <a:rPr lang="en-US" smtClean="0"/>
               <a:pPr/>
-              <a:t>9/23/2014</a:t>
+              <a:t>10/1/2014</a:t>
             </a:fld>
             <a:endParaRPr lang="en-GB"/>
           </a:p>
@@ -1873,7 +1878,7 @@
             <a:fld id="{B191CCE5-3872-40B0-B125-F9344C75672A}" type="datetimeFigureOut">
               <a:rPr lang="en-US" smtClean="0"/>
               <a:pPr/>
-              <a:t>9/23/2014</a:t>
+              <a:t>10/1/2014</a:t>
             </a:fld>
             <a:endParaRPr lang="en-GB"/>
           </a:p>
@@ -1965,7 +1970,7 @@
             <a:fld id="{B191CCE5-3872-40B0-B125-F9344C75672A}" type="datetimeFigureOut">
               <a:rPr lang="en-US" smtClean="0"/>
               <a:pPr/>
-              <a:t>9/23/2014</a:t>
+              <a:t>10/1/2014</a:t>
             </a:fld>
             <a:endParaRPr lang="en-GB"/>
           </a:p>
@@ -2239,7 +2244,7 @@
             <a:fld id="{B191CCE5-3872-40B0-B125-F9344C75672A}" type="datetimeFigureOut">
               <a:rPr lang="en-US" smtClean="0"/>
               <a:pPr/>
-              <a:t>9/23/2014</a:t>
+              <a:t>10/1/2014</a:t>
             </a:fld>
             <a:endParaRPr lang="en-GB"/>
           </a:p>
@@ -2489,7 +2494,7 @@
             <a:fld id="{B191CCE5-3872-40B0-B125-F9344C75672A}" type="datetimeFigureOut">
               <a:rPr lang="en-US" smtClean="0"/>
               <a:pPr/>
-              <a:t>9/23/2014</a:t>
+              <a:t>10/1/2014</a:t>
             </a:fld>
             <a:endParaRPr lang="en-GB"/>
           </a:p>
@@ -2702,7 +2707,7 @@
             <a:fld id="{B191CCE5-3872-40B0-B125-F9344C75672A}" type="datetimeFigureOut">
               <a:rPr lang="en-US" smtClean="0"/>
               <a:pPr/>
-              <a:t>9/23/2014</a:t>
+              <a:t>10/1/2014</a:t>
             </a:fld>
             <a:endParaRPr lang="en-GB"/>
           </a:p>
@@ -3188,2849 +3193,6 @@
                   <a:srgbClr val="FFC000"/>
                 </a:solidFill>
               </a:rPr>
-              <a:t>Videos games</a:t>
-            </a:r>
-            <a:endParaRPr lang="en-GB" dirty="0">
-              <a:solidFill>
-                <a:srgbClr val="FFC000"/>
-              </a:solidFill>
-            </a:endParaRPr>
-          </a:p>
-        </p:txBody>
-      </p:sp>
-      <p:pic>
-        <p:nvPicPr>
-          <p:cNvPr id="4" name="Content Placeholder 3" descr="sonic-the-hedgehog.jpg"/>
-          <p:cNvPicPr>
-            <a:picLocks noGrp="1" noChangeAspect="1"/>
-          </p:cNvPicPr>
-          <p:nvPr>
-            <p:ph idx="1"/>
-          </p:nvPr>
-        </p:nvPicPr>
-        <p:blipFill>
-          <a:blip r:embed="rId2"/>
-          <a:stretch>
-            <a:fillRect/>
-          </a:stretch>
-        </p:blipFill>
-        <p:spPr>
-          <a:xfrm>
-            <a:off x="785786" y="1357298"/>
-            <a:ext cx="2814645" cy="2286016"/>
-          </a:xfrm>
-        </p:spPr>
-      </p:pic>
-      <p:pic>
-        <p:nvPicPr>
-          <p:cNvPr id="5" name="Picture 4" descr="super_mario.jpg"/>
-          <p:cNvPicPr>
-            <a:picLocks noChangeAspect="1"/>
-          </p:cNvPicPr>
-          <p:nvPr/>
-        </p:nvPicPr>
-        <p:blipFill>
-          <a:blip r:embed="rId3"/>
-          <a:stretch>
-            <a:fillRect/>
-          </a:stretch>
-        </p:blipFill>
-        <p:spPr>
-          <a:xfrm>
-            <a:off x="4286248" y="1285860"/>
-            <a:ext cx="3429024" cy="2428892"/>
-          </a:xfrm>
-          <a:prstGeom prst="rect">
-            <a:avLst/>
-          </a:prstGeom>
-        </p:spPr>
-      </p:pic>
-      <p:pic>
-        <p:nvPicPr>
-          <p:cNvPr id="6" name="Picture 5" descr="tetris (2).jpg"/>
-          <p:cNvPicPr>
-            <a:picLocks noChangeAspect="1"/>
-          </p:cNvPicPr>
-          <p:nvPr/>
-        </p:nvPicPr>
-        <p:blipFill>
-          <a:blip r:embed="rId4" cstate="print"/>
-          <a:stretch>
-            <a:fillRect/>
-          </a:stretch>
-        </p:blipFill>
-        <p:spPr>
-          <a:xfrm>
-            <a:off x="2357422" y="4000504"/>
-            <a:ext cx="4163568" cy="2340864"/>
-          </a:xfrm>
-          <a:prstGeom prst="rect">
-            <a:avLst/>
-          </a:prstGeom>
-        </p:spPr>
-      </p:pic>
-    </p:spTree>
-  </p:cSld>
-  <p:clrMapOvr>
-    <a:masterClrMapping/>
-  </p:clrMapOvr>
-  <p:timing>
-    <p:tnLst>
-      <p:par>
-        <p:cTn id="1" dur="indefinite" restart="never" nodeType="tmRoot"/>
-      </p:par>
-    </p:tnLst>
-  </p:timing>
-</p:sld>
-</file>
-
-<file path=ppt/slides/slide11.xml><?xml version="1.0" encoding="utf-8"?>
-<p:sld xmlns:a="http://schemas.openxmlformats.org/drawingml/2006/main" xmlns:r="http://schemas.openxmlformats.org/officeDocument/2006/relationships" xmlns:p="http://schemas.openxmlformats.org/presentationml/2006/main">
-  <p:cSld>
-    <p:spTree>
-      <p:nvGrpSpPr>
-        <p:cNvPr id="1" name=""/>
-        <p:cNvGrpSpPr/>
-        <p:nvPr/>
-      </p:nvGrpSpPr>
-      <p:grpSpPr>
-        <a:xfrm>
-          <a:off x="0" y="0"/>
-          <a:ext cx="0" cy="0"/>
-          <a:chOff x="0" y="0"/>
-          <a:chExt cx="0" cy="0"/>
-        </a:xfrm>
-      </p:grpSpPr>
-      <p:sp>
-        <p:nvSpPr>
-          <p:cNvPr id="2" name="Title 1"/>
-          <p:cNvSpPr>
-            <a:spLocks noGrp="1"/>
-          </p:cNvSpPr>
-          <p:nvPr>
-            <p:ph type="title"/>
-          </p:nvPr>
-        </p:nvSpPr>
-        <p:spPr/>
-        <p:txBody>
-          <a:bodyPr/>
-          <a:lstStyle/>
-          <a:p>
-            <a:r>
-              <a:rPr lang="en-GB" dirty="0" smtClean="0">
-                <a:solidFill>
-                  <a:srgbClr val="FFC000"/>
-                </a:solidFill>
-              </a:rPr>
-              <a:t>Videos games</a:t>
-            </a:r>
-            <a:endParaRPr lang="en-GB" dirty="0">
-              <a:solidFill>
-                <a:srgbClr val="FFC000"/>
-              </a:solidFill>
-            </a:endParaRPr>
-          </a:p>
-        </p:txBody>
-      </p:sp>
-      <p:sp>
-        <p:nvSpPr>
-          <p:cNvPr id="3" name="Content Placeholder 2"/>
-          <p:cNvSpPr>
-            <a:spLocks noGrp="1"/>
-          </p:cNvSpPr>
-          <p:nvPr>
-            <p:ph idx="1"/>
-          </p:nvPr>
-        </p:nvSpPr>
-        <p:spPr/>
-        <p:txBody>
-          <a:bodyPr/>
-          <a:lstStyle/>
-          <a:p>
-            <a:r>
-              <a:rPr lang="en-GB" dirty="0" smtClean="0">
-                <a:solidFill>
-                  <a:srgbClr val="FFC000"/>
-                </a:solidFill>
-              </a:rPr>
-              <a:t>Things get complex really fast with each new feature or functionality </a:t>
-            </a:r>
-          </a:p>
-          <a:p>
-            <a:endParaRPr lang="en-GB" dirty="0">
-              <a:solidFill>
-                <a:srgbClr val="FFC000"/>
-              </a:solidFill>
-            </a:endParaRPr>
-          </a:p>
-          <a:p>
-            <a:r>
-              <a:rPr lang="en-GB" dirty="0" smtClean="0">
-                <a:solidFill>
-                  <a:srgbClr val="FFC000"/>
-                </a:solidFill>
-              </a:rPr>
-              <a:t>Let’s try some game programming of our own</a:t>
-            </a:r>
-            <a:endParaRPr lang="en-GB" dirty="0">
-              <a:solidFill>
-                <a:srgbClr val="FFC000"/>
-              </a:solidFill>
-            </a:endParaRPr>
-          </a:p>
-        </p:txBody>
-      </p:sp>
-    </p:spTree>
-  </p:cSld>
-  <p:clrMapOvr>
-    <a:masterClrMapping/>
-  </p:clrMapOvr>
-  <p:timing>
-    <p:tnLst>
-      <p:par>
-        <p:cTn id="1" dur="indefinite" restart="never" nodeType="tmRoot"/>
-      </p:par>
-    </p:tnLst>
-  </p:timing>
-</p:sld>
-</file>
-
-<file path=ppt/slides/slide12.xml><?xml version="1.0" encoding="utf-8"?>
-<p:sld xmlns:a="http://schemas.openxmlformats.org/drawingml/2006/main" xmlns:r="http://schemas.openxmlformats.org/officeDocument/2006/relationships" xmlns:p="http://schemas.openxmlformats.org/presentationml/2006/main">
-  <p:cSld>
-    <p:spTree>
-      <p:nvGrpSpPr>
-        <p:cNvPr id="1" name=""/>
-        <p:cNvGrpSpPr/>
-        <p:nvPr/>
-      </p:nvGrpSpPr>
-      <p:grpSpPr>
-        <a:xfrm>
-          <a:off x="0" y="0"/>
-          <a:ext cx="0" cy="0"/>
-          <a:chOff x="0" y="0"/>
-          <a:chExt cx="0" cy="0"/>
-        </a:xfrm>
-      </p:grpSpPr>
-      <p:sp>
-        <p:nvSpPr>
-          <p:cNvPr id="2" name="Title 1"/>
-          <p:cNvSpPr>
-            <a:spLocks noGrp="1"/>
-          </p:cNvSpPr>
-          <p:nvPr>
-            <p:ph type="title"/>
-          </p:nvPr>
-        </p:nvSpPr>
-        <p:spPr/>
-        <p:txBody>
-          <a:bodyPr/>
-          <a:lstStyle/>
-          <a:p>
-            <a:r>
-              <a:rPr lang="en-GB" dirty="0" err="1" smtClean="0">
-                <a:solidFill>
-                  <a:srgbClr val="FFC000"/>
-                </a:solidFill>
-              </a:rPr>
-              <a:t>Duckmaze</a:t>
-            </a:r>
-            <a:endParaRPr lang="en-GB" dirty="0">
-              <a:solidFill>
-                <a:srgbClr val="FFC000"/>
-              </a:solidFill>
-            </a:endParaRPr>
-          </a:p>
-        </p:txBody>
-      </p:sp>
-      <p:sp>
-        <p:nvSpPr>
-          <p:cNvPr id="3" name="Content Placeholder 2"/>
-          <p:cNvSpPr>
-            <a:spLocks noGrp="1"/>
-          </p:cNvSpPr>
-          <p:nvPr>
-            <p:ph idx="1"/>
-          </p:nvPr>
-        </p:nvSpPr>
-        <p:spPr/>
-        <p:txBody>
-          <a:bodyPr/>
-          <a:lstStyle/>
-          <a:p>
-            <a:endParaRPr lang="en-GB"/>
-          </a:p>
-        </p:txBody>
-      </p:sp>
-    </p:spTree>
-  </p:cSld>
-  <p:clrMapOvr>
-    <a:masterClrMapping/>
-  </p:clrMapOvr>
-  <p:timing>
-    <p:tnLst>
-      <p:par>
-        <p:cTn id="1" dur="indefinite" restart="never" nodeType="tmRoot"/>
-      </p:par>
-    </p:tnLst>
-  </p:timing>
-</p:sld>
-</file>
-
-<file path=ppt/slides/slide2.xml><?xml version="1.0" encoding="utf-8"?>
-<p:sld xmlns:a="http://schemas.openxmlformats.org/drawingml/2006/main" xmlns:r="http://schemas.openxmlformats.org/officeDocument/2006/relationships" xmlns:p="http://schemas.openxmlformats.org/presentationml/2006/main">
-  <p:cSld>
-    <p:spTree>
-      <p:nvGrpSpPr>
-        <p:cNvPr id="1" name=""/>
-        <p:cNvGrpSpPr/>
-        <p:nvPr/>
-      </p:nvGrpSpPr>
-      <p:grpSpPr>
-        <a:xfrm>
-          <a:off x="0" y="0"/>
-          <a:ext cx="0" cy="0"/>
-          <a:chOff x="0" y="0"/>
-          <a:chExt cx="0" cy="0"/>
-        </a:xfrm>
-      </p:grpSpPr>
-      <p:sp>
-        <p:nvSpPr>
-          <p:cNvPr id="2" name="Title 1"/>
-          <p:cNvSpPr>
-            <a:spLocks noGrp="1"/>
-          </p:cNvSpPr>
-          <p:nvPr>
-            <p:ph type="title"/>
-          </p:nvPr>
-        </p:nvSpPr>
-        <p:spPr/>
-        <p:txBody>
-          <a:bodyPr/>
-          <a:lstStyle/>
-          <a:p>
-            <a:r>
-              <a:rPr lang="en-GB" dirty="0" smtClean="0">
-                <a:solidFill>
-                  <a:srgbClr val="FFC000"/>
-                </a:solidFill>
-              </a:rPr>
-              <a:t>Premise</a:t>
-            </a:r>
-            <a:endParaRPr lang="en-GB" dirty="0">
-              <a:solidFill>
-                <a:srgbClr val="FFC000"/>
-              </a:solidFill>
-            </a:endParaRPr>
-          </a:p>
-        </p:txBody>
-      </p:sp>
-      <p:sp>
-        <p:nvSpPr>
-          <p:cNvPr id="3" name="Content Placeholder 2"/>
-          <p:cNvSpPr>
-            <a:spLocks noGrp="1"/>
-          </p:cNvSpPr>
-          <p:nvPr>
-            <p:ph idx="1"/>
-          </p:nvPr>
-        </p:nvSpPr>
-        <p:spPr/>
-        <p:txBody>
-          <a:bodyPr/>
-          <a:lstStyle/>
-          <a:p>
-            <a:r>
-              <a:rPr lang="en-US" dirty="0" smtClean="0">
-                <a:solidFill>
-                  <a:srgbClr val="FFC000"/>
-                </a:solidFill>
-                <a:ea typeface="Times New Roman"/>
-                <a:cs typeface="Consolas" pitchFamily="49" charset="0"/>
-              </a:rPr>
-              <a:t>Most </a:t>
-            </a:r>
-            <a:r>
-              <a:rPr lang="en-US" dirty="0" smtClean="0">
-                <a:solidFill>
-                  <a:srgbClr val="C00000"/>
-                </a:solidFill>
-                <a:latin typeface="Consolas" pitchFamily="49" charset="0"/>
-                <a:ea typeface="Times New Roman"/>
-                <a:cs typeface="Consolas" pitchFamily="49" charset="0"/>
-              </a:rPr>
-              <a:t>if</a:t>
-            </a:r>
-            <a:r>
-              <a:rPr lang="en-US" dirty="0" smtClean="0">
-                <a:solidFill>
-                  <a:srgbClr val="C00000"/>
-                </a:solidFill>
-                <a:ea typeface="Times New Roman"/>
-                <a:cs typeface="Consolas" pitchFamily="49" charset="0"/>
-              </a:rPr>
-              <a:t>s</a:t>
-            </a:r>
-            <a:r>
-              <a:rPr lang="en-US" dirty="0" smtClean="0">
-                <a:solidFill>
-                  <a:srgbClr val="FFC000"/>
-                </a:solidFill>
-                <a:ea typeface="Times New Roman"/>
-                <a:cs typeface="Consolas" pitchFamily="49" charset="0"/>
-              </a:rPr>
-              <a:t> can be replaced with polymorphism</a:t>
-            </a:r>
-            <a:endParaRPr lang="en-GB" dirty="0" smtClean="0">
-              <a:solidFill>
-                <a:srgbClr val="FFC000"/>
-              </a:solidFill>
-              <a:ea typeface="Times New Roman"/>
-              <a:cs typeface="Consolas" pitchFamily="49" charset="0"/>
-            </a:endParaRPr>
-          </a:p>
-          <a:p>
-            <a:r>
-              <a:rPr lang="en-GB" dirty="0" smtClean="0">
-                <a:solidFill>
-                  <a:srgbClr val="FFC000"/>
-                </a:solidFill>
-                <a:ea typeface="Times New Roman"/>
-                <a:cs typeface="Consolas" pitchFamily="49" charset="0"/>
-              </a:rPr>
-              <a:t>What is polymorphism </a:t>
-            </a:r>
-            <a:r>
-              <a:rPr lang="en-GB" dirty="0" smtClean="0">
-                <a:solidFill>
-                  <a:schemeClr val="bg1"/>
-                </a:solidFill>
-                <a:ea typeface="Times New Roman"/>
-                <a:cs typeface="Consolas" pitchFamily="49" charset="0"/>
-              </a:rPr>
-              <a:t>?</a:t>
-            </a:r>
-          </a:p>
-          <a:p>
-            <a:endParaRPr lang="en-US" dirty="0" smtClean="0">
-              <a:solidFill>
-                <a:schemeClr val="bg1"/>
-              </a:solidFill>
-              <a:ea typeface="Times New Roman"/>
-              <a:cs typeface="Consolas" pitchFamily="49" charset="0"/>
-            </a:endParaRPr>
-          </a:p>
-        </p:txBody>
-      </p:sp>
-      <p:pic>
-        <p:nvPicPr>
-          <p:cNvPr id="4" name="Picture 3" descr="polymorphism.png"/>
-          <p:cNvPicPr>
-            <a:picLocks noChangeAspect="1"/>
-          </p:cNvPicPr>
-          <p:nvPr/>
-        </p:nvPicPr>
-        <p:blipFill>
-          <a:blip r:embed="rId2"/>
-          <a:stretch>
-            <a:fillRect/>
-          </a:stretch>
-        </p:blipFill>
-        <p:spPr>
-          <a:xfrm>
-            <a:off x="1714480" y="3000372"/>
-            <a:ext cx="4541095" cy="3267914"/>
-          </a:xfrm>
-          <a:prstGeom prst="rect">
-            <a:avLst/>
-          </a:prstGeom>
-        </p:spPr>
-      </p:pic>
-    </p:spTree>
-  </p:cSld>
-  <p:clrMapOvr>
-    <a:masterClrMapping/>
-  </p:clrMapOvr>
-  <p:timing>
-    <p:tnLst>
-      <p:par>
-        <p:cTn id="1" dur="indefinite" restart="never" nodeType="tmRoot">
-          <p:childTnLst>
-            <p:seq concurrent="1" nextAc="seek">
-              <p:cTn id="2" dur="indefinite" nodeType="mainSeq">
-                <p:childTnLst>
-                  <p:par>
-                    <p:cTn id="3" fill="hold">
-                      <p:stCondLst>
-                        <p:cond delay="indefinite"/>
-                      </p:stCondLst>
-                      <p:childTnLst>
-                        <p:par>
-                          <p:cTn id="4" fill="hold">
-                            <p:stCondLst>
-                              <p:cond delay="0"/>
-                            </p:stCondLst>
-                            <p:childTnLst>
-                              <p:par>
-                                <p:cTn id="5" presetID="2" presetClass="entr" presetSubtype="4" fill="hold" nodeType="clickEffect">
-                                  <p:stCondLst>
-                                    <p:cond delay="0"/>
-                                  </p:stCondLst>
-                                  <p:childTnLst>
-                                    <p:set>
-                                      <p:cBhvr>
-                                        <p:cTn id="6" dur="1" fill="hold">
-                                          <p:stCondLst>
-                                            <p:cond delay="0"/>
-                                          </p:stCondLst>
-                                        </p:cTn>
-                                        <p:tgtEl>
-                                          <p:spTgt spid="3">
-                                            <p:txEl>
-                                              <p:pRg st="1" end="1"/>
-                                            </p:txEl>
-                                          </p:spTgt>
-                                        </p:tgtEl>
-                                        <p:attrNameLst>
-                                          <p:attrName>style.visibility</p:attrName>
-                                        </p:attrNameLst>
-                                      </p:cBhvr>
-                                      <p:to>
-                                        <p:strVal val="visible"/>
-                                      </p:to>
-                                    </p:set>
-                                    <p:anim calcmode="lin" valueType="num">
-                                      <p:cBhvr additive="base">
-                                        <p:cTn id="7" dur="500" fill="hold"/>
-                                        <p:tgtEl>
-                                          <p:spTgt spid="3">
-                                            <p:txEl>
-                                              <p:pRg st="1" end="1"/>
-                                            </p:txEl>
-                                          </p:spTgt>
-                                        </p:tgtEl>
-                                        <p:attrNameLst>
-                                          <p:attrName>ppt_x</p:attrName>
-                                        </p:attrNameLst>
-                                      </p:cBhvr>
-                                      <p:tavLst>
-                                        <p:tav tm="0">
-                                          <p:val>
-                                            <p:strVal val="#ppt_x"/>
-                                          </p:val>
-                                        </p:tav>
-                                        <p:tav tm="100000">
-                                          <p:val>
-                                            <p:strVal val="#ppt_x"/>
-                                          </p:val>
-                                        </p:tav>
-                                      </p:tavLst>
-                                    </p:anim>
-                                    <p:anim calcmode="lin" valueType="num">
-                                      <p:cBhvr additive="base">
-                                        <p:cTn id="8" dur="500" fill="hold"/>
-                                        <p:tgtEl>
-                                          <p:spTgt spid="3">
-                                            <p:txEl>
-                                              <p:pRg st="1" end="1"/>
-                                            </p:txEl>
-                                          </p:spTgt>
-                                        </p:tgtEl>
-                                        <p:attrNameLst>
-                                          <p:attrName>ppt_y</p:attrName>
-                                        </p:attrNameLst>
-                                      </p:cBhvr>
-                                      <p:tavLst>
-                                        <p:tav tm="0">
-                                          <p:val>
-                                            <p:strVal val="1+#ppt_h/2"/>
-                                          </p:val>
-                                        </p:tav>
-                                        <p:tav tm="100000">
-                                          <p:val>
-                                            <p:strVal val="#ppt_y"/>
-                                          </p:val>
-                                        </p:tav>
-                                      </p:tavLst>
-                                    </p:anim>
-                                  </p:childTnLst>
-                                </p:cTn>
-                              </p:par>
-                            </p:childTnLst>
-                          </p:cTn>
-                        </p:par>
-                      </p:childTnLst>
-                    </p:cTn>
-                  </p:par>
-                  <p:par>
-                    <p:cTn id="9" fill="hold">
-                      <p:stCondLst>
-                        <p:cond delay="indefinite"/>
-                      </p:stCondLst>
-                      <p:childTnLst>
-                        <p:par>
-                          <p:cTn id="10" fill="hold">
-                            <p:stCondLst>
-                              <p:cond delay="0"/>
-                            </p:stCondLst>
-                            <p:childTnLst>
-                              <p:par>
-                                <p:cTn id="11" presetID="2" presetClass="entr" presetSubtype="4" fill="hold" nodeType="clickEffect">
-                                  <p:stCondLst>
-                                    <p:cond delay="0"/>
-                                  </p:stCondLst>
-                                  <p:childTnLst>
-                                    <p:set>
-                                      <p:cBhvr>
-                                        <p:cTn id="12" dur="1" fill="hold">
-                                          <p:stCondLst>
-                                            <p:cond delay="0"/>
-                                          </p:stCondLst>
-                                        </p:cTn>
-                                        <p:tgtEl>
-                                          <p:spTgt spid="4"/>
-                                        </p:tgtEl>
-                                        <p:attrNameLst>
-                                          <p:attrName>style.visibility</p:attrName>
-                                        </p:attrNameLst>
-                                      </p:cBhvr>
-                                      <p:to>
-                                        <p:strVal val="visible"/>
-                                      </p:to>
-                                    </p:set>
-                                    <p:anim calcmode="lin" valueType="num">
-                                      <p:cBhvr additive="base">
-                                        <p:cTn id="13" dur="500" fill="hold"/>
-                                        <p:tgtEl>
-                                          <p:spTgt spid="4"/>
-                                        </p:tgtEl>
-                                        <p:attrNameLst>
-                                          <p:attrName>ppt_x</p:attrName>
-                                        </p:attrNameLst>
-                                      </p:cBhvr>
-                                      <p:tavLst>
-                                        <p:tav tm="0">
-                                          <p:val>
-                                            <p:strVal val="#ppt_x"/>
-                                          </p:val>
-                                        </p:tav>
-                                        <p:tav tm="100000">
-                                          <p:val>
-                                            <p:strVal val="#ppt_x"/>
-                                          </p:val>
-                                        </p:tav>
-                                      </p:tavLst>
-                                    </p:anim>
-                                    <p:anim calcmode="lin" valueType="num">
-                                      <p:cBhvr additive="base">
-                                        <p:cTn id="14" dur="500" fill="hold"/>
-                                        <p:tgtEl>
-                                          <p:spTgt spid="4"/>
-                                        </p:tgtEl>
-                                        <p:attrNameLst>
-                                          <p:attrName>ppt_y</p:attrName>
-                                        </p:attrNameLst>
-                                      </p:cBhvr>
-                                      <p:tavLst>
-                                        <p:tav tm="0">
-                                          <p:val>
-                                            <p:strVal val="1+#ppt_h/2"/>
-                                          </p:val>
-                                        </p:tav>
-                                        <p:tav tm="100000">
-                                          <p:val>
-                                            <p:strVal val="#ppt_y"/>
-                                          </p:val>
-                                        </p:tav>
-                                      </p:tavLst>
-                                    </p:anim>
-                                  </p:childTnLst>
-                                </p:cTn>
-                              </p:par>
-                            </p:childTnLst>
-                          </p:cTn>
-                        </p:par>
-                      </p:childTnLst>
-                    </p:cTn>
-                  </p:par>
-                </p:childTnLst>
-              </p:cTn>
-              <p:prevCondLst>
-                <p:cond evt="onPrev" delay="0">
-                  <p:tgtEl>
-                    <p:sldTgt/>
-                  </p:tgtEl>
-                </p:cond>
-              </p:prevCondLst>
-              <p:nextCondLst>
-                <p:cond evt="onNext" delay="0">
-                  <p:tgtEl>
-                    <p:sldTgt/>
-                  </p:tgtEl>
-                </p:cond>
-              </p:nextCondLst>
-            </p:seq>
-          </p:childTnLst>
-        </p:cTn>
-      </p:par>
-    </p:tnLst>
-  </p:timing>
-</p:sld>
-</file>
-
-<file path=ppt/slides/slide3.xml><?xml version="1.0" encoding="utf-8"?>
-<p:sld xmlns:a="http://schemas.openxmlformats.org/drawingml/2006/main" xmlns:r="http://schemas.openxmlformats.org/officeDocument/2006/relationships" xmlns:p="http://schemas.openxmlformats.org/presentationml/2006/main">
-  <p:cSld>
-    <p:spTree>
-      <p:nvGrpSpPr>
-        <p:cNvPr id="1" name=""/>
-        <p:cNvGrpSpPr/>
-        <p:nvPr/>
-      </p:nvGrpSpPr>
-      <p:grpSpPr>
-        <a:xfrm>
-          <a:off x="0" y="0"/>
-          <a:ext cx="0" cy="0"/>
-          <a:chOff x="0" y="0"/>
-          <a:chExt cx="0" cy="0"/>
-        </a:xfrm>
-      </p:grpSpPr>
-      <p:sp>
-        <p:nvSpPr>
-          <p:cNvPr id="2" name="Title 1"/>
-          <p:cNvSpPr>
-            <a:spLocks noGrp="1"/>
-          </p:cNvSpPr>
-          <p:nvPr>
-            <p:ph type="title"/>
-          </p:nvPr>
-        </p:nvSpPr>
-        <p:spPr/>
-        <p:txBody>
-          <a:bodyPr/>
-          <a:lstStyle/>
-          <a:p>
-            <a:r>
-              <a:rPr lang="en-GB" dirty="0" smtClean="0">
-                <a:solidFill>
-                  <a:srgbClr val="FFC000"/>
-                </a:solidFill>
-              </a:rPr>
-              <a:t>Premise</a:t>
-            </a:r>
-            <a:endParaRPr lang="en-GB" dirty="0"/>
-          </a:p>
-        </p:txBody>
-      </p:sp>
-      <p:sp>
-        <p:nvSpPr>
-          <p:cNvPr id="3" name="Content Placeholder 2"/>
-          <p:cNvSpPr>
-            <a:spLocks noGrp="1"/>
-          </p:cNvSpPr>
-          <p:nvPr>
-            <p:ph idx="1"/>
-          </p:nvPr>
-        </p:nvSpPr>
-        <p:spPr/>
-        <p:txBody>
-          <a:bodyPr/>
-          <a:lstStyle/>
-          <a:p>
-            <a:r>
-              <a:rPr lang="en-GB" dirty="0" smtClean="0">
-                <a:solidFill>
-                  <a:srgbClr val="C00000"/>
-                </a:solidFill>
-              </a:rPr>
-              <a:t>Ifs </a:t>
-            </a:r>
-            <a:r>
-              <a:rPr lang="en-GB" dirty="0" smtClean="0">
-                <a:solidFill>
-                  <a:srgbClr val="FFC000"/>
-                </a:solidFill>
-              </a:rPr>
-              <a:t> are useful however they are like a salt .</a:t>
-            </a:r>
-            <a:endParaRPr lang="en-GB" dirty="0">
-              <a:solidFill>
-                <a:srgbClr val="FFC000"/>
-              </a:solidFill>
-            </a:endParaRPr>
-          </a:p>
-          <a:p>
-            <a:pPr>
-              <a:buNone/>
-            </a:pPr>
-            <a:endParaRPr lang="en-GB" dirty="0" smtClean="0">
-              <a:solidFill>
-                <a:srgbClr val="FFC000"/>
-              </a:solidFill>
-            </a:endParaRPr>
-          </a:p>
-        </p:txBody>
-      </p:sp>
-      <p:pic>
-        <p:nvPicPr>
-          <p:cNvPr id="5" name="Picture 4" descr="DSC_0719.JPG"/>
-          <p:cNvPicPr>
-            <a:picLocks noChangeAspect="1"/>
-          </p:cNvPicPr>
-          <p:nvPr/>
-        </p:nvPicPr>
-        <p:blipFill>
-          <a:blip r:embed="rId2" cstate="print"/>
-          <a:stretch>
-            <a:fillRect/>
-          </a:stretch>
-        </p:blipFill>
-        <p:spPr>
-          <a:xfrm>
-            <a:off x="4286248" y="2786058"/>
-            <a:ext cx="3500462" cy="3643338"/>
-          </a:xfrm>
-          <a:prstGeom prst="rect">
-            <a:avLst/>
-          </a:prstGeom>
-        </p:spPr>
-      </p:pic>
-      <p:sp>
-        <p:nvSpPr>
-          <p:cNvPr id="9" name="Rectangle 8"/>
-          <p:cNvSpPr/>
-          <p:nvPr/>
-        </p:nvSpPr>
-        <p:spPr>
-          <a:xfrm>
-            <a:off x="500034" y="3286124"/>
-            <a:ext cx="2500330" cy="928694"/>
-          </a:xfrm>
-          <a:prstGeom prst="rect">
-            <a:avLst/>
-          </a:prstGeom>
-        </p:spPr>
-        <p:style>
-          <a:lnRef idx="2">
-            <a:schemeClr val="dk1">
-              <a:shade val="50000"/>
-            </a:schemeClr>
-          </a:lnRef>
-          <a:fillRef idx="1">
-            <a:schemeClr val="dk1"/>
-          </a:fillRef>
-          <a:effectRef idx="0">
-            <a:schemeClr val="dk1"/>
-          </a:effectRef>
-          <a:fontRef idx="minor">
-            <a:schemeClr val="lt1"/>
-          </a:fontRef>
-        </p:style>
-        <p:txBody>
-          <a:bodyPr rtlCol="0" anchor="ctr"/>
-          <a:lstStyle/>
-          <a:p>
-            <a:r>
-              <a:rPr lang="en-GB" sz="2800" dirty="0" smtClean="0">
-                <a:solidFill>
-                  <a:srgbClr val="FFC000"/>
-                </a:solidFill>
-              </a:rPr>
-              <a:t>Just enough salt</a:t>
-            </a:r>
-          </a:p>
-        </p:txBody>
-      </p:sp>
-      <p:pic>
-        <p:nvPicPr>
-          <p:cNvPr id="4" name="Picture 3" descr="cranberry-sauce-reaction.jpg"/>
-          <p:cNvPicPr>
-            <a:picLocks noChangeAspect="1"/>
-          </p:cNvPicPr>
-          <p:nvPr/>
-        </p:nvPicPr>
-        <p:blipFill>
-          <a:blip r:embed="rId3"/>
-          <a:stretch>
-            <a:fillRect/>
-          </a:stretch>
-        </p:blipFill>
-        <p:spPr>
-          <a:xfrm>
-            <a:off x="4286248" y="2786058"/>
-            <a:ext cx="4071966" cy="3643338"/>
-          </a:xfrm>
-          <a:prstGeom prst="rect">
-            <a:avLst/>
-          </a:prstGeom>
-        </p:spPr>
-      </p:pic>
-      <p:sp>
-        <p:nvSpPr>
-          <p:cNvPr id="8" name="Rectangle 7"/>
-          <p:cNvSpPr/>
-          <p:nvPr/>
-        </p:nvSpPr>
-        <p:spPr>
-          <a:xfrm>
-            <a:off x="357158" y="3357562"/>
-            <a:ext cx="2500330" cy="928694"/>
-          </a:xfrm>
-          <a:prstGeom prst="rect">
-            <a:avLst/>
-          </a:prstGeom>
-        </p:spPr>
-        <p:style>
-          <a:lnRef idx="2">
-            <a:schemeClr val="dk1">
-              <a:shade val="50000"/>
-            </a:schemeClr>
-          </a:lnRef>
-          <a:fillRef idx="1">
-            <a:schemeClr val="dk1"/>
-          </a:fillRef>
-          <a:effectRef idx="0">
-            <a:schemeClr val="dk1"/>
-          </a:effectRef>
-          <a:fontRef idx="minor">
-            <a:schemeClr val="lt1"/>
-          </a:fontRef>
-        </p:style>
-        <p:txBody>
-          <a:bodyPr rtlCol="0" anchor="ctr"/>
-          <a:lstStyle/>
-          <a:p>
-            <a:r>
-              <a:rPr lang="en-GB" sz="2800" dirty="0" smtClean="0">
-                <a:solidFill>
-                  <a:srgbClr val="FFC000"/>
-                </a:solidFill>
-              </a:rPr>
-              <a:t>Too much salt                           </a:t>
-            </a:r>
-          </a:p>
-        </p:txBody>
-      </p:sp>
-    </p:spTree>
-  </p:cSld>
-  <p:clrMapOvr>
-    <a:masterClrMapping/>
-  </p:clrMapOvr>
-  <p:timing>
-    <p:tnLst>
-      <p:par>
-        <p:cTn id="1" dur="indefinite" restart="never" nodeType="tmRoot">
-          <p:childTnLst>
-            <p:seq concurrent="1" nextAc="seek">
-              <p:cTn id="2" dur="indefinite" nodeType="mainSeq">
-                <p:childTnLst>
-                  <p:par>
-                    <p:cTn id="3" fill="hold">
-                      <p:stCondLst>
-                        <p:cond delay="indefinite"/>
-                      </p:stCondLst>
-                      <p:childTnLst>
-                        <p:par>
-                          <p:cTn id="4" fill="hold">
-                            <p:stCondLst>
-                              <p:cond delay="0"/>
-                            </p:stCondLst>
-                            <p:childTnLst>
-                              <p:par>
-                                <p:cTn id="5" presetID="2" presetClass="entr" presetSubtype="4" fill="hold" grpId="0" nodeType="clickEffect">
-                                  <p:stCondLst>
-                                    <p:cond delay="0"/>
-                                  </p:stCondLst>
-                                  <p:childTnLst>
-                                    <p:set>
-                                      <p:cBhvr>
-                                        <p:cTn id="6" dur="1" fill="hold">
-                                          <p:stCondLst>
-                                            <p:cond delay="0"/>
-                                          </p:stCondLst>
-                                        </p:cTn>
-                                        <p:tgtEl>
-                                          <p:spTgt spid="9"/>
-                                        </p:tgtEl>
-                                        <p:attrNameLst>
-                                          <p:attrName>style.visibility</p:attrName>
-                                        </p:attrNameLst>
-                                      </p:cBhvr>
-                                      <p:to>
-                                        <p:strVal val="visible"/>
-                                      </p:to>
-                                    </p:set>
-                                    <p:anim calcmode="lin" valueType="num">
-                                      <p:cBhvr additive="base">
-                                        <p:cTn id="7" dur="500" fill="hold"/>
-                                        <p:tgtEl>
-                                          <p:spTgt spid="9"/>
-                                        </p:tgtEl>
-                                        <p:attrNameLst>
-                                          <p:attrName>ppt_x</p:attrName>
-                                        </p:attrNameLst>
-                                      </p:cBhvr>
-                                      <p:tavLst>
-                                        <p:tav tm="0">
-                                          <p:val>
-                                            <p:strVal val="#ppt_x"/>
-                                          </p:val>
-                                        </p:tav>
-                                        <p:tav tm="100000">
-                                          <p:val>
-                                            <p:strVal val="#ppt_x"/>
-                                          </p:val>
-                                        </p:tav>
-                                      </p:tavLst>
-                                    </p:anim>
-                                    <p:anim calcmode="lin" valueType="num">
-                                      <p:cBhvr additive="base">
-                                        <p:cTn id="8" dur="500" fill="hold"/>
-                                        <p:tgtEl>
-                                          <p:spTgt spid="9"/>
-                                        </p:tgtEl>
-                                        <p:attrNameLst>
-                                          <p:attrName>ppt_y</p:attrName>
-                                        </p:attrNameLst>
-                                      </p:cBhvr>
-                                      <p:tavLst>
-                                        <p:tav tm="0">
-                                          <p:val>
-                                            <p:strVal val="1+#ppt_h/2"/>
-                                          </p:val>
-                                        </p:tav>
-                                        <p:tav tm="100000">
-                                          <p:val>
-                                            <p:strVal val="#ppt_y"/>
-                                          </p:val>
-                                        </p:tav>
-                                      </p:tavLst>
-                                    </p:anim>
-                                  </p:childTnLst>
-                                </p:cTn>
-                              </p:par>
-                            </p:childTnLst>
-                          </p:cTn>
-                        </p:par>
-                      </p:childTnLst>
-                    </p:cTn>
-                  </p:par>
-                  <p:par>
-                    <p:cTn id="9" fill="hold">
-                      <p:stCondLst>
-                        <p:cond delay="indefinite"/>
-                      </p:stCondLst>
-                      <p:childTnLst>
-                        <p:par>
-                          <p:cTn id="10" fill="hold">
-                            <p:stCondLst>
-                              <p:cond delay="0"/>
-                            </p:stCondLst>
-                            <p:childTnLst>
-                              <p:par>
-                                <p:cTn id="11" presetID="2" presetClass="entr" presetSubtype="4" fill="hold" nodeType="clickEffect">
-                                  <p:stCondLst>
-                                    <p:cond delay="0"/>
-                                  </p:stCondLst>
-                                  <p:childTnLst>
-                                    <p:set>
-                                      <p:cBhvr>
-                                        <p:cTn id="12" dur="1" fill="hold">
-                                          <p:stCondLst>
-                                            <p:cond delay="0"/>
-                                          </p:stCondLst>
-                                        </p:cTn>
-                                        <p:tgtEl>
-                                          <p:spTgt spid="5"/>
-                                        </p:tgtEl>
-                                        <p:attrNameLst>
-                                          <p:attrName>style.visibility</p:attrName>
-                                        </p:attrNameLst>
-                                      </p:cBhvr>
-                                      <p:to>
-                                        <p:strVal val="visible"/>
-                                      </p:to>
-                                    </p:set>
-                                    <p:anim calcmode="lin" valueType="num">
-                                      <p:cBhvr additive="base">
-                                        <p:cTn id="13" dur="500" fill="hold"/>
-                                        <p:tgtEl>
-                                          <p:spTgt spid="5"/>
-                                        </p:tgtEl>
-                                        <p:attrNameLst>
-                                          <p:attrName>ppt_x</p:attrName>
-                                        </p:attrNameLst>
-                                      </p:cBhvr>
-                                      <p:tavLst>
-                                        <p:tav tm="0">
-                                          <p:val>
-                                            <p:strVal val="#ppt_x"/>
-                                          </p:val>
-                                        </p:tav>
-                                        <p:tav tm="100000">
-                                          <p:val>
-                                            <p:strVal val="#ppt_x"/>
-                                          </p:val>
-                                        </p:tav>
-                                      </p:tavLst>
-                                    </p:anim>
-                                    <p:anim calcmode="lin" valueType="num">
-                                      <p:cBhvr additive="base">
-                                        <p:cTn id="14" dur="500" fill="hold"/>
-                                        <p:tgtEl>
-                                          <p:spTgt spid="5"/>
-                                        </p:tgtEl>
-                                        <p:attrNameLst>
-                                          <p:attrName>ppt_y</p:attrName>
-                                        </p:attrNameLst>
-                                      </p:cBhvr>
-                                      <p:tavLst>
-                                        <p:tav tm="0">
-                                          <p:val>
-                                            <p:strVal val="1+#ppt_h/2"/>
-                                          </p:val>
-                                        </p:tav>
-                                        <p:tav tm="100000">
-                                          <p:val>
-                                            <p:strVal val="#ppt_y"/>
-                                          </p:val>
-                                        </p:tav>
-                                      </p:tavLst>
-                                    </p:anim>
-                                  </p:childTnLst>
-                                </p:cTn>
-                              </p:par>
-                            </p:childTnLst>
-                          </p:cTn>
-                        </p:par>
-                      </p:childTnLst>
-                    </p:cTn>
-                  </p:par>
-                  <p:par>
-                    <p:cTn id="15" fill="hold">
-                      <p:stCondLst>
-                        <p:cond delay="indefinite"/>
-                      </p:stCondLst>
-                      <p:childTnLst>
-                        <p:par>
-                          <p:cTn id="16" fill="hold">
-                            <p:stCondLst>
-                              <p:cond delay="0"/>
-                            </p:stCondLst>
-                            <p:childTnLst>
-                              <p:par>
-                                <p:cTn id="17" presetID="2" presetClass="entr" presetSubtype="4" fill="hold" grpId="0" nodeType="clickEffect">
-                                  <p:stCondLst>
-                                    <p:cond delay="0"/>
-                                  </p:stCondLst>
-                                  <p:childTnLst>
-                                    <p:set>
-                                      <p:cBhvr>
-                                        <p:cTn id="18" dur="1" fill="hold">
-                                          <p:stCondLst>
-                                            <p:cond delay="0"/>
-                                          </p:stCondLst>
-                                        </p:cTn>
-                                        <p:tgtEl>
-                                          <p:spTgt spid="8"/>
-                                        </p:tgtEl>
-                                        <p:attrNameLst>
-                                          <p:attrName>style.visibility</p:attrName>
-                                        </p:attrNameLst>
-                                      </p:cBhvr>
-                                      <p:to>
-                                        <p:strVal val="visible"/>
-                                      </p:to>
-                                    </p:set>
-                                    <p:anim calcmode="lin" valueType="num">
-                                      <p:cBhvr additive="base">
-                                        <p:cTn id="19" dur="500" fill="hold"/>
-                                        <p:tgtEl>
-                                          <p:spTgt spid="8"/>
-                                        </p:tgtEl>
-                                        <p:attrNameLst>
-                                          <p:attrName>ppt_x</p:attrName>
-                                        </p:attrNameLst>
-                                      </p:cBhvr>
-                                      <p:tavLst>
-                                        <p:tav tm="0">
-                                          <p:val>
-                                            <p:strVal val="#ppt_x"/>
-                                          </p:val>
-                                        </p:tav>
-                                        <p:tav tm="100000">
-                                          <p:val>
-                                            <p:strVal val="#ppt_x"/>
-                                          </p:val>
-                                        </p:tav>
-                                      </p:tavLst>
-                                    </p:anim>
-                                    <p:anim calcmode="lin" valueType="num">
-                                      <p:cBhvr additive="base">
-                                        <p:cTn id="20" dur="500" fill="hold"/>
-                                        <p:tgtEl>
-                                          <p:spTgt spid="8"/>
-                                        </p:tgtEl>
-                                        <p:attrNameLst>
-                                          <p:attrName>ppt_y</p:attrName>
-                                        </p:attrNameLst>
-                                      </p:cBhvr>
-                                      <p:tavLst>
-                                        <p:tav tm="0">
-                                          <p:val>
-                                            <p:strVal val="1+#ppt_h/2"/>
-                                          </p:val>
-                                        </p:tav>
-                                        <p:tav tm="100000">
-                                          <p:val>
-                                            <p:strVal val="#ppt_y"/>
-                                          </p:val>
-                                        </p:tav>
-                                      </p:tavLst>
-                                    </p:anim>
-                                  </p:childTnLst>
-                                </p:cTn>
-                              </p:par>
-                            </p:childTnLst>
-                          </p:cTn>
-                        </p:par>
-                      </p:childTnLst>
-                    </p:cTn>
-                  </p:par>
-                  <p:par>
-                    <p:cTn id="21" fill="hold">
-                      <p:stCondLst>
-                        <p:cond delay="indefinite"/>
-                      </p:stCondLst>
-                      <p:childTnLst>
-                        <p:par>
-                          <p:cTn id="22" fill="hold">
-                            <p:stCondLst>
-                              <p:cond delay="0"/>
-                            </p:stCondLst>
-                            <p:childTnLst>
-                              <p:par>
-                                <p:cTn id="23" presetID="2" presetClass="entr" presetSubtype="4" fill="hold" nodeType="clickEffect">
-                                  <p:stCondLst>
-                                    <p:cond delay="0"/>
-                                  </p:stCondLst>
-                                  <p:childTnLst>
-                                    <p:set>
-                                      <p:cBhvr>
-                                        <p:cTn id="24" dur="1" fill="hold">
-                                          <p:stCondLst>
-                                            <p:cond delay="0"/>
-                                          </p:stCondLst>
-                                        </p:cTn>
-                                        <p:tgtEl>
-                                          <p:spTgt spid="4"/>
-                                        </p:tgtEl>
-                                        <p:attrNameLst>
-                                          <p:attrName>style.visibility</p:attrName>
-                                        </p:attrNameLst>
-                                      </p:cBhvr>
-                                      <p:to>
-                                        <p:strVal val="visible"/>
-                                      </p:to>
-                                    </p:set>
-                                    <p:anim calcmode="lin" valueType="num">
-                                      <p:cBhvr additive="base">
-                                        <p:cTn id="25" dur="500" fill="hold"/>
-                                        <p:tgtEl>
-                                          <p:spTgt spid="4"/>
-                                        </p:tgtEl>
-                                        <p:attrNameLst>
-                                          <p:attrName>ppt_x</p:attrName>
-                                        </p:attrNameLst>
-                                      </p:cBhvr>
-                                      <p:tavLst>
-                                        <p:tav tm="0">
-                                          <p:val>
-                                            <p:strVal val="#ppt_x"/>
-                                          </p:val>
-                                        </p:tav>
-                                        <p:tav tm="100000">
-                                          <p:val>
-                                            <p:strVal val="#ppt_x"/>
-                                          </p:val>
-                                        </p:tav>
-                                      </p:tavLst>
-                                    </p:anim>
-                                    <p:anim calcmode="lin" valueType="num">
-                                      <p:cBhvr additive="base">
-                                        <p:cTn id="26" dur="500" fill="hold"/>
-                                        <p:tgtEl>
-                                          <p:spTgt spid="4"/>
-                                        </p:tgtEl>
-                                        <p:attrNameLst>
-                                          <p:attrName>ppt_y</p:attrName>
-                                        </p:attrNameLst>
-                                      </p:cBhvr>
-                                      <p:tavLst>
-                                        <p:tav tm="0">
-                                          <p:val>
-                                            <p:strVal val="1+#ppt_h/2"/>
-                                          </p:val>
-                                        </p:tav>
-                                        <p:tav tm="100000">
-                                          <p:val>
-                                            <p:strVal val="#ppt_y"/>
-                                          </p:val>
-                                        </p:tav>
-                                      </p:tavLst>
-                                    </p:anim>
-                                  </p:childTnLst>
-                                </p:cTn>
-                              </p:par>
-                            </p:childTnLst>
-                          </p:cTn>
-                        </p:par>
-                      </p:childTnLst>
-                    </p:cTn>
-                  </p:par>
-                </p:childTnLst>
-              </p:cTn>
-              <p:prevCondLst>
-                <p:cond evt="onPrev" delay="0">
-                  <p:tgtEl>
-                    <p:sldTgt/>
-                  </p:tgtEl>
-                </p:cond>
-              </p:prevCondLst>
-              <p:nextCondLst>
-                <p:cond evt="onNext" delay="0">
-                  <p:tgtEl>
-                    <p:sldTgt/>
-                  </p:tgtEl>
-                </p:cond>
-              </p:nextCondLst>
-            </p:seq>
-          </p:childTnLst>
-        </p:cTn>
-      </p:par>
-    </p:tnLst>
-    <p:bldLst>
-      <p:bldP spid="9" grpId="0" animBg="1"/>
-      <p:bldP spid="8" grpId="0" animBg="1"/>
-    </p:bldLst>
-  </p:timing>
-</p:sld>
-</file>
-
-<file path=ppt/slides/slide4.xml><?xml version="1.0" encoding="utf-8"?>
-<p:sld xmlns:a="http://schemas.openxmlformats.org/drawingml/2006/main" xmlns:r="http://schemas.openxmlformats.org/officeDocument/2006/relationships" xmlns:p="http://schemas.openxmlformats.org/presentationml/2006/main">
-  <p:cSld>
-    <p:spTree>
-      <p:nvGrpSpPr>
-        <p:cNvPr id="1" name=""/>
-        <p:cNvGrpSpPr/>
-        <p:nvPr/>
-      </p:nvGrpSpPr>
-      <p:grpSpPr>
-        <a:xfrm>
-          <a:off x="0" y="0"/>
-          <a:ext cx="0" cy="0"/>
-          <a:chOff x="0" y="0"/>
-          <a:chExt cx="0" cy="0"/>
-        </a:xfrm>
-      </p:grpSpPr>
-      <p:sp>
-        <p:nvSpPr>
-          <p:cNvPr id="2" name="Title 1"/>
-          <p:cNvSpPr>
-            <a:spLocks noGrp="1"/>
-          </p:cNvSpPr>
-          <p:nvPr>
-            <p:ph type="title"/>
-          </p:nvPr>
-        </p:nvSpPr>
-        <p:spPr/>
-        <p:txBody>
-          <a:bodyPr/>
-          <a:lstStyle/>
-          <a:p>
-            <a:r>
-              <a:rPr lang="en-GB" dirty="0" smtClean="0">
-                <a:solidFill>
-                  <a:srgbClr val="FFC000"/>
-                </a:solidFill>
-              </a:rPr>
-              <a:t>Why polymorphism?</a:t>
-            </a:r>
-            <a:endParaRPr lang="en-GB" dirty="0">
-              <a:solidFill>
-                <a:srgbClr val="FFC000"/>
-              </a:solidFill>
-            </a:endParaRPr>
-          </a:p>
-        </p:txBody>
-      </p:sp>
-      <p:sp>
-        <p:nvSpPr>
-          <p:cNvPr id="3" name="Content Placeholder 2"/>
-          <p:cNvSpPr>
-            <a:spLocks noGrp="1"/>
-          </p:cNvSpPr>
-          <p:nvPr>
-            <p:ph idx="1"/>
-          </p:nvPr>
-        </p:nvSpPr>
-        <p:spPr/>
-        <p:txBody>
-          <a:bodyPr/>
-          <a:lstStyle/>
-          <a:p>
-            <a:r>
-              <a:rPr lang="en-GB" dirty="0" smtClean="0">
-                <a:solidFill>
-                  <a:srgbClr val="FFC000"/>
-                </a:solidFill>
-              </a:rPr>
-              <a:t>Code is easier to read</a:t>
-            </a:r>
-          </a:p>
-          <a:p>
-            <a:r>
-              <a:rPr lang="en-GB" dirty="0" smtClean="0">
-                <a:solidFill>
-                  <a:srgbClr val="FFC000"/>
-                </a:solidFill>
-              </a:rPr>
-              <a:t>Code is easier to test</a:t>
-            </a:r>
-          </a:p>
-          <a:p>
-            <a:r>
-              <a:rPr lang="en-GB" dirty="0" smtClean="0">
-                <a:solidFill>
-                  <a:srgbClr val="FFC000"/>
-                </a:solidFill>
-              </a:rPr>
-              <a:t>Code is easier maintain</a:t>
-            </a:r>
-          </a:p>
-          <a:p>
-            <a:endParaRPr lang="en-GB" dirty="0"/>
-          </a:p>
-        </p:txBody>
-      </p:sp>
-    </p:spTree>
-  </p:cSld>
-  <p:clrMapOvr>
-    <a:masterClrMapping/>
-  </p:clrMapOvr>
-  <p:timing>
-    <p:tnLst>
-      <p:par>
-        <p:cTn id="1" dur="indefinite" restart="never" nodeType="tmRoot"/>
-      </p:par>
-    </p:tnLst>
-  </p:timing>
-</p:sld>
-</file>
-
-<file path=ppt/slides/slide5.xml><?xml version="1.0" encoding="utf-8"?>
-<p:sld xmlns:a="http://schemas.openxmlformats.org/drawingml/2006/main" xmlns:r="http://schemas.openxmlformats.org/officeDocument/2006/relationships" xmlns:p="http://schemas.openxmlformats.org/presentationml/2006/main">
-  <p:cSld>
-    <p:spTree>
-      <p:nvGrpSpPr>
-        <p:cNvPr id="1" name=""/>
-        <p:cNvGrpSpPr/>
-        <p:nvPr/>
-      </p:nvGrpSpPr>
-      <p:grpSpPr>
-        <a:xfrm>
-          <a:off x="0" y="0"/>
-          <a:ext cx="0" cy="0"/>
-          <a:chOff x="0" y="0"/>
-          <a:chExt cx="0" cy="0"/>
-        </a:xfrm>
-      </p:grpSpPr>
-      <p:sp>
-        <p:nvSpPr>
-          <p:cNvPr id="2" name="Title 1"/>
-          <p:cNvSpPr>
-            <a:spLocks noGrp="1"/>
-          </p:cNvSpPr>
-          <p:nvPr>
-            <p:ph type="title"/>
-          </p:nvPr>
-        </p:nvSpPr>
-        <p:spPr/>
-        <p:txBody>
-          <a:bodyPr/>
-          <a:lstStyle/>
-          <a:p>
-            <a:r>
-              <a:rPr lang="en-GB" dirty="0" err="1" smtClean="0">
-                <a:solidFill>
-                  <a:srgbClr val="FFC000"/>
-                </a:solidFill>
-              </a:rPr>
-              <a:t>Afrikan</a:t>
-            </a:r>
-            <a:r>
-              <a:rPr lang="en-GB" dirty="0" smtClean="0">
-                <a:solidFill>
-                  <a:srgbClr val="FFC000"/>
-                </a:solidFill>
-              </a:rPr>
-              <a:t> fusion restaurant</a:t>
-            </a:r>
-            <a:endParaRPr lang="en-GB" dirty="0">
-              <a:solidFill>
-                <a:srgbClr val="FFC000"/>
-              </a:solidFill>
-            </a:endParaRPr>
-          </a:p>
-        </p:txBody>
-      </p:sp>
-      <p:pic>
-        <p:nvPicPr>
-          <p:cNvPr id="4" name="Content Placeholder 3" descr="AfrikNFusion.jpg"/>
-          <p:cNvPicPr>
-            <a:picLocks noGrp="1" noChangeAspect="1"/>
-          </p:cNvPicPr>
-          <p:nvPr>
-            <p:ph idx="1"/>
-          </p:nvPr>
-        </p:nvPicPr>
-        <p:blipFill>
-          <a:blip r:embed="rId2"/>
-          <a:stretch>
-            <a:fillRect/>
-          </a:stretch>
-        </p:blipFill>
-        <p:spPr>
-          <a:xfrm>
-            <a:off x="1357290" y="1600200"/>
-            <a:ext cx="6357982" cy="4525963"/>
-          </a:xfrm>
-        </p:spPr>
-      </p:pic>
-    </p:spTree>
-  </p:cSld>
-  <p:clrMapOvr>
-    <a:masterClrMapping/>
-  </p:clrMapOvr>
-  <p:timing>
-    <p:tnLst>
-      <p:par>
-        <p:cTn id="1" dur="indefinite" restart="never" nodeType="tmRoot"/>
-      </p:par>
-    </p:tnLst>
-  </p:timing>
-</p:sld>
-</file>
-
-<file path=ppt/slides/slide6.xml><?xml version="1.0" encoding="utf-8"?>
-<p:sld xmlns:a="http://schemas.openxmlformats.org/drawingml/2006/main" xmlns:r="http://schemas.openxmlformats.org/officeDocument/2006/relationships" xmlns:p="http://schemas.openxmlformats.org/presentationml/2006/main">
-  <p:cSld>
-    <p:spTree>
-      <p:nvGrpSpPr>
-        <p:cNvPr id="1" name=""/>
-        <p:cNvGrpSpPr/>
-        <p:nvPr/>
-      </p:nvGrpSpPr>
-      <p:grpSpPr>
-        <a:xfrm>
-          <a:off x="0" y="0"/>
-          <a:ext cx="0" cy="0"/>
-          <a:chOff x="0" y="0"/>
-          <a:chExt cx="0" cy="0"/>
-        </a:xfrm>
-      </p:grpSpPr>
-      <p:sp>
-        <p:nvSpPr>
-          <p:cNvPr id="2" name="Title 1"/>
-          <p:cNvSpPr>
-            <a:spLocks noGrp="1"/>
-          </p:cNvSpPr>
-          <p:nvPr>
-            <p:ph type="title"/>
-          </p:nvPr>
-        </p:nvSpPr>
-        <p:spPr/>
-        <p:txBody>
-          <a:bodyPr/>
-          <a:lstStyle/>
-          <a:p>
-            <a:r>
-              <a:rPr lang="en-GB" dirty="0" err="1" smtClean="0">
-                <a:solidFill>
-                  <a:srgbClr val="FFC000"/>
-                </a:solidFill>
-              </a:rPr>
-              <a:t>Afrikan</a:t>
-            </a:r>
-            <a:r>
-              <a:rPr lang="en-GB" dirty="0" smtClean="0">
-                <a:solidFill>
-                  <a:srgbClr val="FFC000"/>
-                </a:solidFill>
-              </a:rPr>
-              <a:t> fusion restaurant</a:t>
-            </a:r>
-            <a:endParaRPr lang="en-GB" dirty="0"/>
-          </a:p>
-        </p:txBody>
-      </p:sp>
-      <p:sp>
-        <p:nvSpPr>
-          <p:cNvPr id="5" name="TextBox 4"/>
-          <p:cNvSpPr txBox="1"/>
-          <p:nvPr/>
-        </p:nvSpPr>
-        <p:spPr>
-          <a:xfrm>
-            <a:off x="6000760" y="1785926"/>
-            <a:ext cx="3248262" cy="3170099"/>
-          </a:xfrm>
-          <a:prstGeom prst="rect">
-            <a:avLst/>
-          </a:prstGeom>
-          <a:noFill/>
-        </p:spPr>
-        <p:txBody>
-          <a:bodyPr wrap="none" rtlCol="0">
-            <a:spAutoFit/>
-          </a:bodyPr>
-          <a:lstStyle/>
-          <a:p>
-            <a:r>
-              <a:rPr lang="en-GB" sz="3200" dirty="0" smtClean="0">
-                <a:solidFill>
-                  <a:srgbClr val="FFC000"/>
-                </a:solidFill>
-              </a:rPr>
-              <a:t>Menu</a:t>
-            </a:r>
-          </a:p>
-          <a:p>
-            <a:r>
-              <a:rPr lang="en-GB" sz="2800" dirty="0" smtClean="0">
-                <a:solidFill>
-                  <a:srgbClr val="FFC000"/>
-                </a:solidFill>
-              </a:rPr>
-              <a:t>Nigerian cuisine </a:t>
-            </a:r>
-          </a:p>
-          <a:p>
-            <a:r>
-              <a:rPr lang="en-GB" sz="2800" dirty="0" smtClean="0">
-                <a:solidFill>
-                  <a:srgbClr val="FFC000"/>
-                </a:solidFill>
-              </a:rPr>
-              <a:t>Ghanaian cuisine</a:t>
-            </a:r>
-          </a:p>
-          <a:p>
-            <a:r>
-              <a:rPr lang="en-GB" sz="2800" dirty="0" smtClean="0">
-                <a:solidFill>
-                  <a:srgbClr val="FFC000"/>
-                </a:solidFill>
-              </a:rPr>
-              <a:t>Ugandan cuisine</a:t>
-            </a:r>
-          </a:p>
-          <a:p>
-            <a:r>
-              <a:rPr lang="en-GB" sz="2800" dirty="0" smtClean="0">
-                <a:solidFill>
-                  <a:srgbClr val="FFC000"/>
-                </a:solidFill>
-              </a:rPr>
-              <a:t>Kenyan cuisine</a:t>
-            </a:r>
-          </a:p>
-          <a:p>
-            <a:r>
-              <a:rPr lang="en-GB" sz="2800" dirty="0" smtClean="0">
-                <a:solidFill>
-                  <a:srgbClr val="FFC000"/>
-                </a:solidFill>
-              </a:rPr>
-              <a:t>South African cuisine</a:t>
-            </a:r>
-          </a:p>
-          <a:p>
-            <a:r>
-              <a:rPr lang="en-GB" sz="2800" dirty="0" smtClean="0">
-                <a:solidFill>
-                  <a:srgbClr val="FFC000"/>
-                </a:solidFill>
-              </a:rPr>
-              <a:t>Zambian cuisine</a:t>
-            </a:r>
-            <a:endParaRPr lang="en-GB" sz="2800" dirty="0">
-              <a:solidFill>
-                <a:srgbClr val="FFC000"/>
-              </a:solidFill>
-            </a:endParaRPr>
-          </a:p>
-        </p:txBody>
-      </p:sp>
-      <p:pic>
-        <p:nvPicPr>
-          <p:cNvPr id="7" name="Content Placeholder 6" descr="chef.gif"/>
-          <p:cNvPicPr>
-            <a:picLocks noGrp="1" noChangeAspect="1"/>
-          </p:cNvPicPr>
-          <p:nvPr>
-            <p:ph idx="1"/>
-          </p:nvPr>
-        </p:nvPicPr>
-        <p:blipFill>
-          <a:blip r:embed="rId2"/>
-          <a:stretch>
-            <a:fillRect/>
-          </a:stretch>
-        </p:blipFill>
-        <p:spPr>
-          <a:xfrm>
-            <a:off x="1142976" y="1500174"/>
-            <a:ext cx="2714644" cy="3714776"/>
-          </a:xfrm>
-        </p:spPr>
-      </p:pic>
-    </p:spTree>
-  </p:cSld>
-  <p:clrMapOvr>
-    <a:masterClrMapping/>
-  </p:clrMapOvr>
-  <p:timing>
-    <p:tnLst>
-      <p:par>
-        <p:cTn id="1" dur="indefinite" restart="never" nodeType="tmRoot">
-          <p:childTnLst>
-            <p:seq concurrent="1" nextAc="seek">
-              <p:cTn id="2" dur="indefinite" nodeType="mainSeq">
-                <p:childTnLst>
-                  <p:par>
-                    <p:cTn id="3" fill="hold">
-                      <p:stCondLst>
-                        <p:cond delay="indefinite"/>
-                      </p:stCondLst>
-                      <p:childTnLst>
-                        <p:par>
-                          <p:cTn id="4" fill="hold">
-                            <p:stCondLst>
-                              <p:cond delay="0"/>
-                            </p:stCondLst>
-                            <p:childTnLst>
-                              <p:par>
-                                <p:cTn id="5" presetID="2" presetClass="entr" presetSubtype="4" fill="hold" nodeType="clickEffect">
-                                  <p:stCondLst>
-                                    <p:cond delay="0"/>
-                                  </p:stCondLst>
-                                  <p:childTnLst>
-                                    <p:set>
-                                      <p:cBhvr>
-                                        <p:cTn id="6" dur="1" fill="hold">
-                                          <p:stCondLst>
-                                            <p:cond delay="0"/>
-                                          </p:stCondLst>
-                                        </p:cTn>
-                                        <p:tgtEl>
-                                          <p:spTgt spid="5">
-                                            <p:txEl>
-                                              <p:pRg st="1" end="1"/>
-                                            </p:txEl>
-                                          </p:spTgt>
-                                        </p:tgtEl>
-                                        <p:attrNameLst>
-                                          <p:attrName>style.visibility</p:attrName>
-                                        </p:attrNameLst>
-                                      </p:cBhvr>
-                                      <p:to>
-                                        <p:strVal val="visible"/>
-                                      </p:to>
-                                    </p:set>
-                                    <p:anim calcmode="lin" valueType="num">
-                                      <p:cBhvr additive="base">
-                                        <p:cTn id="7" dur="500" fill="hold"/>
-                                        <p:tgtEl>
-                                          <p:spTgt spid="5">
-                                            <p:txEl>
-                                              <p:pRg st="1" end="1"/>
-                                            </p:txEl>
-                                          </p:spTgt>
-                                        </p:tgtEl>
-                                        <p:attrNameLst>
-                                          <p:attrName>ppt_x</p:attrName>
-                                        </p:attrNameLst>
-                                      </p:cBhvr>
-                                      <p:tavLst>
-                                        <p:tav tm="0">
-                                          <p:val>
-                                            <p:strVal val="#ppt_x"/>
-                                          </p:val>
-                                        </p:tav>
-                                        <p:tav tm="100000">
-                                          <p:val>
-                                            <p:strVal val="#ppt_x"/>
-                                          </p:val>
-                                        </p:tav>
-                                      </p:tavLst>
-                                    </p:anim>
-                                    <p:anim calcmode="lin" valueType="num">
-                                      <p:cBhvr additive="base">
-                                        <p:cTn id="8" dur="500" fill="hold"/>
-                                        <p:tgtEl>
-                                          <p:spTgt spid="5">
-                                            <p:txEl>
-                                              <p:pRg st="1" end="1"/>
-                                            </p:txEl>
-                                          </p:spTgt>
-                                        </p:tgtEl>
-                                        <p:attrNameLst>
-                                          <p:attrName>ppt_y</p:attrName>
-                                        </p:attrNameLst>
-                                      </p:cBhvr>
-                                      <p:tavLst>
-                                        <p:tav tm="0">
-                                          <p:val>
-                                            <p:strVal val="1+#ppt_h/2"/>
-                                          </p:val>
-                                        </p:tav>
-                                        <p:tav tm="100000">
-                                          <p:val>
-                                            <p:strVal val="#ppt_y"/>
-                                          </p:val>
-                                        </p:tav>
-                                      </p:tavLst>
-                                    </p:anim>
-                                  </p:childTnLst>
-                                </p:cTn>
-                              </p:par>
-                              <p:par>
-                                <p:cTn id="9" presetID="2" presetClass="entr" presetSubtype="4" fill="hold" nodeType="withEffect">
-                                  <p:stCondLst>
-                                    <p:cond delay="0"/>
-                                  </p:stCondLst>
-                                  <p:childTnLst>
-                                    <p:set>
-                                      <p:cBhvr>
-                                        <p:cTn id="10" dur="1" fill="hold">
-                                          <p:stCondLst>
-                                            <p:cond delay="0"/>
-                                          </p:stCondLst>
-                                        </p:cTn>
-                                        <p:tgtEl>
-                                          <p:spTgt spid="5">
-                                            <p:txEl>
-                                              <p:pRg st="2" end="2"/>
-                                            </p:txEl>
-                                          </p:spTgt>
-                                        </p:tgtEl>
-                                        <p:attrNameLst>
-                                          <p:attrName>style.visibility</p:attrName>
-                                        </p:attrNameLst>
-                                      </p:cBhvr>
-                                      <p:to>
-                                        <p:strVal val="visible"/>
-                                      </p:to>
-                                    </p:set>
-                                    <p:anim calcmode="lin" valueType="num">
-                                      <p:cBhvr additive="base">
-                                        <p:cTn id="11" dur="500" fill="hold"/>
-                                        <p:tgtEl>
-                                          <p:spTgt spid="5">
-                                            <p:txEl>
-                                              <p:pRg st="2" end="2"/>
-                                            </p:txEl>
-                                          </p:spTgt>
-                                        </p:tgtEl>
-                                        <p:attrNameLst>
-                                          <p:attrName>ppt_x</p:attrName>
-                                        </p:attrNameLst>
-                                      </p:cBhvr>
-                                      <p:tavLst>
-                                        <p:tav tm="0">
-                                          <p:val>
-                                            <p:strVal val="#ppt_x"/>
-                                          </p:val>
-                                        </p:tav>
-                                        <p:tav tm="100000">
-                                          <p:val>
-                                            <p:strVal val="#ppt_x"/>
-                                          </p:val>
-                                        </p:tav>
-                                      </p:tavLst>
-                                    </p:anim>
-                                    <p:anim calcmode="lin" valueType="num">
-                                      <p:cBhvr additive="base">
-                                        <p:cTn id="12" dur="500" fill="hold"/>
-                                        <p:tgtEl>
-                                          <p:spTgt spid="5">
-                                            <p:txEl>
-                                              <p:pRg st="2" end="2"/>
-                                            </p:txEl>
-                                          </p:spTgt>
-                                        </p:tgtEl>
-                                        <p:attrNameLst>
-                                          <p:attrName>ppt_y</p:attrName>
-                                        </p:attrNameLst>
-                                      </p:cBhvr>
-                                      <p:tavLst>
-                                        <p:tav tm="0">
-                                          <p:val>
-                                            <p:strVal val="1+#ppt_h/2"/>
-                                          </p:val>
-                                        </p:tav>
-                                        <p:tav tm="100000">
-                                          <p:val>
-                                            <p:strVal val="#ppt_y"/>
-                                          </p:val>
-                                        </p:tav>
-                                      </p:tavLst>
-                                    </p:anim>
-                                  </p:childTnLst>
-                                </p:cTn>
-                              </p:par>
-                            </p:childTnLst>
-                          </p:cTn>
-                        </p:par>
-                      </p:childTnLst>
-                    </p:cTn>
-                  </p:par>
-                  <p:par>
-                    <p:cTn id="13" fill="hold">
-                      <p:stCondLst>
-                        <p:cond delay="indefinite"/>
-                      </p:stCondLst>
-                      <p:childTnLst>
-                        <p:par>
-                          <p:cTn id="14" fill="hold">
-                            <p:stCondLst>
-                              <p:cond delay="0"/>
-                            </p:stCondLst>
-                            <p:childTnLst>
-                              <p:par>
-                                <p:cTn id="15" presetID="2" presetClass="entr" presetSubtype="4" fill="hold" nodeType="clickEffect">
-                                  <p:stCondLst>
-                                    <p:cond delay="0"/>
-                                  </p:stCondLst>
-                                  <p:childTnLst>
-                                    <p:set>
-                                      <p:cBhvr>
-                                        <p:cTn id="16" dur="1" fill="hold">
-                                          <p:stCondLst>
-                                            <p:cond delay="0"/>
-                                          </p:stCondLst>
-                                        </p:cTn>
-                                        <p:tgtEl>
-                                          <p:spTgt spid="5">
-                                            <p:txEl>
-                                              <p:pRg st="3" end="3"/>
-                                            </p:txEl>
-                                          </p:spTgt>
-                                        </p:tgtEl>
-                                        <p:attrNameLst>
-                                          <p:attrName>style.visibility</p:attrName>
-                                        </p:attrNameLst>
-                                      </p:cBhvr>
-                                      <p:to>
-                                        <p:strVal val="visible"/>
-                                      </p:to>
-                                    </p:set>
-                                    <p:anim calcmode="lin" valueType="num">
-                                      <p:cBhvr additive="base">
-                                        <p:cTn id="17" dur="500" fill="hold"/>
-                                        <p:tgtEl>
-                                          <p:spTgt spid="5">
-                                            <p:txEl>
-                                              <p:pRg st="3" end="3"/>
-                                            </p:txEl>
-                                          </p:spTgt>
-                                        </p:tgtEl>
-                                        <p:attrNameLst>
-                                          <p:attrName>ppt_x</p:attrName>
-                                        </p:attrNameLst>
-                                      </p:cBhvr>
-                                      <p:tavLst>
-                                        <p:tav tm="0">
-                                          <p:val>
-                                            <p:strVal val="#ppt_x"/>
-                                          </p:val>
-                                        </p:tav>
-                                        <p:tav tm="100000">
-                                          <p:val>
-                                            <p:strVal val="#ppt_x"/>
-                                          </p:val>
-                                        </p:tav>
-                                      </p:tavLst>
-                                    </p:anim>
-                                    <p:anim calcmode="lin" valueType="num">
-                                      <p:cBhvr additive="base">
-                                        <p:cTn id="18" dur="500" fill="hold"/>
-                                        <p:tgtEl>
-                                          <p:spTgt spid="5">
-                                            <p:txEl>
-                                              <p:pRg st="3" end="3"/>
-                                            </p:txEl>
-                                          </p:spTgt>
-                                        </p:tgtEl>
-                                        <p:attrNameLst>
-                                          <p:attrName>ppt_y</p:attrName>
-                                        </p:attrNameLst>
-                                      </p:cBhvr>
-                                      <p:tavLst>
-                                        <p:tav tm="0">
-                                          <p:val>
-                                            <p:strVal val="1+#ppt_h/2"/>
-                                          </p:val>
-                                        </p:tav>
-                                        <p:tav tm="100000">
-                                          <p:val>
-                                            <p:strVal val="#ppt_y"/>
-                                          </p:val>
-                                        </p:tav>
-                                      </p:tavLst>
-                                    </p:anim>
-                                  </p:childTnLst>
-                                </p:cTn>
-                              </p:par>
-                              <p:par>
-                                <p:cTn id="19" presetID="2" presetClass="entr" presetSubtype="4" fill="hold" nodeType="withEffect">
-                                  <p:stCondLst>
-                                    <p:cond delay="0"/>
-                                  </p:stCondLst>
-                                  <p:childTnLst>
-                                    <p:set>
-                                      <p:cBhvr>
-                                        <p:cTn id="20" dur="1" fill="hold">
-                                          <p:stCondLst>
-                                            <p:cond delay="0"/>
-                                          </p:stCondLst>
-                                        </p:cTn>
-                                        <p:tgtEl>
-                                          <p:spTgt spid="5">
-                                            <p:txEl>
-                                              <p:pRg st="4" end="4"/>
-                                            </p:txEl>
-                                          </p:spTgt>
-                                        </p:tgtEl>
-                                        <p:attrNameLst>
-                                          <p:attrName>style.visibility</p:attrName>
-                                        </p:attrNameLst>
-                                      </p:cBhvr>
-                                      <p:to>
-                                        <p:strVal val="visible"/>
-                                      </p:to>
-                                    </p:set>
-                                    <p:anim calcmode="lin" valueType="num">
-                                      <p:cBhvr additive="base">
-                                        <p:cTn id="21" dur="500" fill="hold"/>
-                                        <p:tgtEl>
-                                          <p:spTgt spid="5">
-                                            <p:txEl>
-                                              <p:pRg st="4" end="4"/>
-                                            </p:txEl>
-                                          </p:spTgt>
-                                        </p:tgtEl>
-                                        <p:attrNameLst>
-                                          <p:attrName>ppt_x</p:attrName>
-                                        </p:attrNameLst>
-                                      </p:cBhvr>
-                                      <p:tavLst>
-                                        <p:tav tm="0">
-                                          <p:val>
-                                            <p:strVal val="#ppt_x"/>
-                                          </p:val>
-                                        </p:tav>
-                                        <p:tav tm="100000">
-                                          <p:val>
-                                            <p:strVal val="#ppt_x"/>
-                                          </p:val>
-                                        </p:tav>
-                                      </p:tavLst>
-                                    </p:anim>
-                                    <p:anim calcmode="lin" valueType="num">
-                                      <p:cBhvr additive="base">
-                                        <p:cTn id="22" dur="500" fill="hold"/>
-                                        <p:tgtEl>
-                                          <p:spTgt spid="5">
-                                            <p:txEl>
-                                              <p:pRg st="4" end="4"/>
-                                            </p:txEl>
-                                          </p:spTgt>
-                                        </p:tgtEl>
-                                        <p:attrNameLst>
-                                          <p:attrName>ppt_y</p:attrName>
-                                        </p:attrNameLst>
-                                      </p:cBhvr>
-                                      <p:tavLst>
-                                        <p:tav tm="0">
-                                          <p:val>
-                                            <p:strVal val="1+#ppt_h/2"/>
-                                          </p:val>
-                                        </p:tav>
-                                        <p:tav tm="100000">
-                                          <p:val>
-                                            <p:strVal val="#ppt_y"/>
-                                          </p:val>
-                                        </p:tav>
-                                      </p:tavLst>
-                                    </p:anim>
-                                  </p:childTnLst>
-                                </p:cTn>
-                              </p:par>
-                            </p:childTnLst>
-                          </p:cTn>
-                        </p:par>
-                      </p:childTnLst>
-                    </p:cTn>
-                  </p:par>
-                  <p:par>
-                    <p:cTn id="23" fill="hold">
-                      <p:stCondLst>
-                        <p:cond delay="indefinite"/>
-                      </p:stCondLst>
-                      <p:childTnLst>
-                        <p:par>
-                          <p:cTn id="24" fill="hold">
-                            <p:stCondLst>
-                              <p:cond delay="0"/>
-                            </p:stCondLst>
-                            <p:childTnLst>
-                              <p:par>
-                                <p:cTn id="25" presetID="2" presetClass="entr" presetSubtype="4" fill="hold" nodeType="clickEffect">
-                                  <p:stCondLst>
-                                    <p:cond delay="0"/>
-                                  </p:stCondLst>
-                                  <p:childTnLst>
-                                    <p:set>
-                                      <p:cBhvr>
-                                        <p:cTn id="26" dur="1" fill="hold">
-                                          <p:stCondLst>
-                                            <p:cond delay="0"/>
-                                          </p:stCondLst>
-                                        </p:cTn>
-                                        <p:tgtEl>
-                                          <p:spTgt spid="5">
-                                            <p:txEl>
-                                              <p:pRg st="5" end="5"/>
-                                            </p:txEl>
-                                          </p:spTgt>
-                                        </p:tgtEl>
-                                        <p:attrNameLst>
-                                          <p:attrName>style.visibility</p:attrName>
-                                        </p:attrNameLst>
-                                      </p:cBhvr>
-                                      <p:to>
-                                        <p:strVal val="visible"/>
-                                      </p:to>
-                                    </p:set>
-                                    <p:anim calcmode="lin" valueType="num">
-                                      <p:cBhvr additive="base">
-                                        <p:cTn id="27" dur="500" fill="hold"/>
-                                        <p:tgtEl>
-                                          <p:spTgt spid="5">
-                                            <p:txEl>
-                                              <p:pRg st="5" end="5"/>
-                                            </p:txEl>
-                                          </p:spTgt>
-                                        </p:tgtEl>
-                                        <p:attrNameLst>
-                                          <p:attrName>ppt_x</p:attrName>
-                                        </p:attrNameLst>
-                                      </p:cBhvr>
-                                      <p:tavLst>
-                                        <p:tav tm="0">
-                                          <p:val>
-                                            <p:strVal val="#ppt_x"/>
-                                          </p:val>
-                                        </p:tav>
-                                        <p:tav tm="100000">
-                                          <p:val>
-                                            <p:strVal val="#ppt_x"/>
-                                          </p:val>
-                                        </p:tav>
-                                      </p:tavLst>
-                                    </p:anim>
-                                    <p:anim calcmode="lin" valueType="num">
-                                      <p:cBhvr additive="base">
-                                        <p:cTn id="28" dur="500" fill="hold"/>
-                                        <p:tgtEl>
-                                          <p:spTgt spid="5">
-                                            <p:txEl>
-                                              <p:pRg st="5" end="5"/>
-                                            </p:txEl>
-                                          </p:spTgt>
-                                        </p:tgtEl>
-                                        <p:attrNameLst>
-                                          <p:attrName>ppt_y</p:attrName>
-                                        </p:attrNameLst>
-                                      </p:cBhvr>
-                                      <p:tavLst>
-                                        <p:tav tm="0">
-                                          <p:val>
-                                            <p:strVal val="1+#ppt_h/2"/>
-                                          </p:val>
-                                        </p:tav>
-                                        <p:tav tm="100000">
-                                          <p:val>
-                                            <p:strVal val="#ppt_y"/>
-                                          </p:val>
-                                        </p:tav>
-                                      </p:tavLst>
-                                    </p:anim>
-                                  </p:childTnLst>
-                                </p:cTn>
-                              </p:par>
-                              <p:par>
-                                <p:cTn id="29" presetID="2" presetClass="entr" presetSubtype="4" fill="hold" nodeType="withEffect">
-                                  <p:stCondLst>
-                                    <p:cond delay="0"/>
-                                  </p:stCondLst>
-                                  <p:childTnLst>
-                                    <p:set>
-                                      <p:cBhvr>
-                                        <p:cTn id="30" dur="1" fill="hold">
-                                          <p:stCondLst>
-                                            <p:cond delay="0"/>
-                                          </p:stCondLst>
-                                        </p:cTn>
-                                        <p:tgtEl>
-                                          <p:spTgt spid="5">
-                                            <p:txEl>
-                                              <p:pRg st="6" end="6"/>
-                                            </p:txEl>
-                                          </p:spTgt>
-                                        </p:tgtEl>
-                                        <p:attrNameLst>
-                                          <p:attrName>style.visibility</p:attrName>
-                                        </p:attrNameLst>
-                                      </p:cBhvr>
-                                      <p:to>
-                                        <p:strVal val="visible"/>
-                                      </p:to>
-                                    </p:set>
-                                    <p:anim calcmode="lin" valueType="num">
-                                      <p:cBhvr additive="base">
-                                        <p:cTn id="31" dur="500" fill="hold"/>
-                                        <p:tgtEl>
-                                          <p:spTgt spid="5">
-                                            <p:txEl>
-                                              <p:pRg st="6" end="6"/>
-                                            </p:txEl>
-                                          </p:spTgt>
-                                        </p:tgtEl>
-                                        <p:attrNameLst>
-                                          <p:attrName>ppt_x</p:attrName>
-                                        </p:attrNameLst>
-                                      </p:cBhvr>
-                                      <p:tavLst>
-                                        <p:tav tm="0">
-                                          <p:val>
-                                            <p:strVal val="#ppt_x"/>
-                                          </p:val>
-                                        </p:tav>
-                                        <p:tav tm="100000">
-                                          <p:val>
-                                            <p:strVal val="#ppt_x"/>
-                                          </p:val>
-                                        </p:tav>
-                                      </p:tavLst>
-                                    </p:anim>
-                                    <p:anim calcmode="lin" valueType="num">
-                                      <p:cBhvr additive="base">
-                                        <p:cTn id="32" dur="500" fill="hold"/>
-                                        <p:tgtEl>
-                                          <p:spTgt spid="5">
-                                            <p:txEl>
-                                              <p:pRg st="6" end="6"/>
-                                            </p:txEl>
-                                          </p:spTgt>
-                                        </p:tgtEl>
-                                        <p:attrNameLst>
-                                          <p:attrName>ppt_y</p:attrName>
-                                        </p:attrNameLst>
-                                      </p:cBhvr>
-                                      <p:tavLst>
-                                        <p:tav tm="0">
-                                          <p:val>
-                                            <p:strVal val="1+#ppt_h/2"/>
-                                          </p:val>
-                                        </p:tav>
-                                        <p:tav tm="100000">
-                                          <p:val>
-                                            <p:strVal val="#ppt_y"/>
-                                          </p:val>
-                                        </p:tav>
-                                      </p:tavLst>
-                                    </p:anim>
-                                  </p:childTnLst>
-                                </p:cTn>
-                              </p:par>
-                            </p:childTnLst>
-                          </p:cTn>
-                        </p:par>
-                      </p:childTnLst>
-                    </p:cTn>
-                  </p:par>
-                </p:childTnLst>
-              </p:cTn>
-              <p:prevCondLst>
-                <p:cond evt="onPrev" delay="0">
-                  <p:tgtEl>
-                    <p:sldTgt/>
-                  </p:tgtEl>
-                </p:cond>
-              </p:prevCondLst>
-              <p:nextCondLst>
-                <p:cond evt="onNext" delay="0">
-                  <p:tgtEl>
-                    <p:sldTgt/>
-                  </p:tgtEl>
-                </p:cond>
-              </p:nextCondLst>
-            </p:seq>
-          </p:childTnLst>
-        </p:cTn>
-      </p:par>
-    </p:tnLst>
-  </p:timing>
-</p:sld>
-</file>
-
-<file path=ppt/slides/slide7.xml><?xml version="1.0" encoding="utf-8"?>
-<p:sld xmlns:a="http://schemas.openxmlformats.org/drawingml/2006/main" xmlns:r="http://schemas.openxmlformats.org/officeDocument/2006/relationships" xmlns:p="http://schemas.openxmlformats.org/presentationml/2006/main">
-  <p:cSld>
-    <p:spTree>
-      <p:nvGrpSpPr>
-        <p:cNvPr id="1" name=""/>
-        <p:cNvGrpSpPr/>
-        <p:nvPr/>
-      </p:nvGrpSpPr>
-      <p:grpSpPr>
-        <a:xfrm>
-          <a:off x="0" y="0"/>
-          <a:ext cx="0" cy="0"/>
-          <a:chOff x="0" y="0"/>
-          <a:chExt cx="0" cy="0"/>
-        </a:xfrm>
-      </p:grpSpPr>
-      <p:sp>
-        <p:nvSpPr>
-          <p:cNvPr id="2" name="Title 1"/>
-          <p:cNvSpPr>
-            <a:spLocks noGrp="1"/>
-          </p:cNvSpPr>
-          <p:nvPr>
-            <p:ph type="title"/>
-          </p:nvPr>
-        </p:nvSpPr>
-        <p:spPr/>
-        <p:txBody>
-          <a:bodyPr/>
-          <a:lstStyle/>
-          <a:p>
-            <a:r>
-              <a:rPr lang="en-GB" dirty="0" smtClean="0">
-                <a:solidFill>
-                  <a:srgbClr val="FFC000"/>
-                </a:solidFill>
-              </a:rPr>
-              <a:t>Possible Problems with </a:t>
-            </a:r>
-            <a:r>
-              <a:rPr lang="en-GB" dirty="0" err="1" smtClean="0">
-                <a:solidFill>
-                  <a:srgbClr val="FFC000"/>
-                </a:solidFill>
-              </a:rPr>
-              <a:t>Afrika</a:t>
-            </a:r>
-            <a:endParaRPr lang="en-GB" dirty="0">
-              <a:solidFill>
-                <a:srgbClr val="FFC000"/>
-              </a:solidFill>
-            </a:endParaRPr>
-          </a:p>
-        </p:txBody>
-      </p:sp>
-      <p:sp>
-        <p:nvSpPr>
-          <p:cNvPr id="3" name="Content Placeholder 2"/>
-          <p:cNvSpPr>
-            <a:spLocks noGrp="1"/>
-          </p:cNvSpPr>
-          <p:nvPr>
-            <p:ph idx="1"/>
-          </p:nvPr>
-        </p:nvSpPr>
-        <p:spPr/>
-        <p:txBody>
-          <a:bodyPr/>
-          <a:lstStyle/>
-          <a:p>
-            <a:r>
-              <a:rPr lang="en-GB" dirty="0" smtClean="0">
-                <a:solidFill>
-                  <a:srgbClr val="FFC000"/>
-                </a:solidFill>
-              </a:rPr>
-              <a:t>D</a:t>
-            </a:r>
-            <a:r>
-              <a:rPr lang="en-GB" dirty="0" smtClean="0">
-                <a:solidFill>
-                  <a:srgbClr val="FFC000"/>
-                </a:solidFill>
-              </a:rPr>
-              <a:t>ifficult to maintain</a:t>
-            </a:r>
-          </a:p>
-          <a:p>
-            <a:r>
-              <a:rPr lang="en-GB" dirty="0" smtClean="0">
-                <a:solidFill>
-                  <a:srgbClr val="FFC000"/>
-                </a:solidFill>
-              </a:rPr>
-              <a:t>Difficult to test new recipes</a:t>
-            </a:r>
-          </a:p>
-          <a:p>
-            <a:r>
-              <a:rPr lang="en-GB" dirty="0" smtClean="0">
-                <a:solidFill>
-                  <a:srgbClr val="FFC000"/>
-                </a:solidFill>
-              </a:rPr>
-              <a:t>Substituting Hakim is difficult</a:t>
-            </a:r>
-          </a:p>
-          <a:p>
-            <a:pPr>
-              <a:buNone/>
-            </a:pPr>
-            <a:r>
-              <a:rPr lang="en-GB" dirty="0" smtClean="0">
-                <a:solidFill>
-                  <a:srgbClr val="FFC000"/>
-                </a:solidFill>
-              </a:rPr>
-              <a:t> </a:t>
-            </a:r>
-            <a:endParaRPr lang="en-GB" dirty="0" smtClean="0">
-              <a:solidFill>
-                <a:srgbClr val="FFC000"/>
-              </a:solidFill>
-            </a:endParaRPr>
-          </a:p>
-          <a:p>
-            <a:pPr>
-              <a:buNone/>
-            </a:pPr>
-            <a:endParaRPr lang="en-GB" dirty="0" smtClean="0">
-              <a:solidFill>
-                <a:srgbClr val="FFC000"/>
-              </a:solidFill>
-            </a:endParaRPr>
-          </a:p>
-          <a:p>
-            <a:pPr>
-              <a:buNone/>
-            </a:pPr>
-            <a:endParaRPr lang="en-GB" dirty="0">
-              <a:solidFill>
-                <a:srgbClr val="FFC000"/>
-              </a:solidFill>
-            </a:endParaRPr>
-          </a:p>
-        </p:txBody>
-      </p:sp>
-    </p:spTree>
-  </p:cSld>
-  <p:clrMapOvr>
-    <a:masterClrMapping/>
-  </p:clrMapOvr>
-  <p:timing>
-    <p:tnLst>
-      <p:par>
-        <p:cTn id="1" dur="indefinite" restart="never" nodeType="tmRoot">
-          <p:childTnLst>
-            <p:seq concurrent="1" nextAc="seek">
-              <p:cTn id="2" dur="indefinite" nodeType="mainSeq">
-                <p:childTnLst>
-                  <p:par>
-                    <p:cTn id="3" fill="hold">
-                      <p:stCondLst>
-                        <p:cond delay="indefinite"/>
-                      </p:stCondLst>
-                      <p:childTnLst>
-                        <p:par>
-                          <p:cTn id="4" fill="hold">
-                            <p:stCondLst>
-                              <p:cond delay="0"/>
-                            </p:stCondLst>
-                            <p:childTnLst>
-                              <p:par>
-                                <p:cTn id="5" presetID="2" presetClass="entr" presetSubtype="4" fill="hold" nodeType="clickEffect">
-                                  <p:stCondLst>
-                                    <p:cond delay="0"/>
-                                  </p:stCondLst>
-                                  <p:childTnLst>
-                                    <p:set>
-                                      <p:cBhvr>
-                                        <p:cTn id="6" dur="1" fill="hold">
-                                          <p:stCondLst>
-                                            <p:cond delay="0"/>
-                                          </p:stCondLst>
-                                        </p:cTn>
-                                        <p:tgtEl>
-                                          <p:spTgt spid="3">
-                                            <p:txEl>
-                                              <p:pRg st="0" end="0"/>
-                                            </p:txEl>
-                                          </p:spTgt>
-                                        </p:tgtEl>
-                                        <p:attrNameLst>
-                                          <p:attrName>style.visibility</p:attrName>
-                                        </p:attrNameLst>
-                                      </p:cBhvr>
-                                      <p:to>
-                                        <p:strVal val="visible"/>
-                                      </p:to>
-                                    </p:set>
-                                    <p:anim calcmode="lin" valueType="num">
-                                      <p:cBhvr additive="base">
-                                        <p:cTn id="7" dur="500" fill="hold"/>
-                                        <p:tgtEl>
-                                          <p:spTgt spid="3">
-                                            <p:txEl>
-                                              <p:pRg st="0" end="0"/>
-                                            </p:txEl>
-                                          </p:spTgt>
-                                        </p:tgtEl>
-                                        <p:attrNameLst>
-                                          <p:attrName>ppt_x</p:attrName>
-                                        </p:attrNameLst>
-                                      </p:cBhvr>
-                                      <p:tavLst>
-                                        <p:tav tm="0">
-                                          <p:val>
-                                            <p:strVal val="#ppt_x"/>
-                                          </p:val>
-                                        </p:tav>
-                                        <p:tav tm="100000">
-                                          <p:val>
-                                            <p:strVal val="#ppt_x"/>
-                                          </p:val>
-                                        </p:tav>
-                                      </p:tavLst>
-                                    </p:anim>
-                                    <p:anim calcmode="lin" valueType="num">
-                                      <p:cBhvr additive="base">
-                                        <p:cTn id="8" dur="500" fill="hold"/>
-                                        <p:tgtEl>
-                                          <p:spTgt spid="3">
-                                            <p:txEl>
-                                              <p:pRg st="0" end="0"/>
-                                            </p:txEl>
-                                          </p:spTgt>
-                                        </p:tgtEl>
-                                        <p:attrNameLst>
-                                          <p:attrName>ppt_y</p:attrName>
-                                        </p:attrNameLst>
-                                      </p:cBhvr>
-                                      <p:tavLst>
-                                        <p:tav tm="0">
-                                          <p:val>
-                                            <p:strVal val="1+#ppt_h/2"/>
-                                          </p:val>
-                                        </p:tav>
-                                        <p:tav tm="100000">
-                                          <p:val>
-                                            <p:strVal val="#ppt_y"/>
-                                          </p:val>
-                                        </p:tav>
-                                      </p:tavLst>
-                                    </p:anim>
-                                  </p:childTnLst>
-                                </p:cTn>
-                              </p:par>
-                            </p:childTnLst>
-                          </p:cTn>
-                        </p:par>
-                      </p:childTnLst>
-                    </p:cTn>
-                  </p:par>
-                  <p:par>
-                    <p:cTn id="9" fill="hold">
-                      <p:stCondLst>
-                        <p:cond delay="indefinite"/>
-                      </p:stCondLst>
-                      <p:childTnLst>
-                        <p:par>
-                          <p:cTn id="10" fill="hold">
-                            <p:stCondLst>
-                              <p:cond delay="0"/>
-                            </p:stCondLst>
-                            <p:childTnLst>
-                              <p:par>
-                                <p:cTn id="11" presetID="2" presetClass="entr" presetSubtype="4" fill="hold" nodeType="clickEffect">
-                                  <p:stCondLst>
-                                    <p:cond delay="0"/>
-                                  </p:stCondLst>
-                                  <p:childTnLst>
-                                    <p:set>
-                                      <p:cBhvr>
-                                        <p:cTn id="12" dur="1" fill="hold">
-                                          <p:stCondLst>
-                                            <p:cond delay="0"/>
-                                          </p:stCondLst>
-                                        </p:cTn>
-                                        <p:tgtEl>
-                                          <p:spTgt spid="3">
-                                            <p:txEl>
-                                              <p:pRg st="1" end="1"/>
-                                            </p:txEl>
-                                          </p:spTgt>
-                                        </p:tgtEl>
-                                        <p:attrNameLst>
-                                          <p:attrName>style.visibility</p:attrName>
-                                        </p:attrNameLst>
-                                      </p:cBhvr>
-                                      <p:to>
-                                        <p:strVal val="visible"/>
-                                      </p:to>
-                                    </p:set>
-                                    <p:anim calcmode="lin" valueType="num">
-                                      <p:cBhvr additive="base">
-                                        <p:cTn id="13" dur="500" fill="hold"/>
-                                        <p:tgtEl>
-                                          <p:spTgt spid="3">
-                                            <p:txEl>
-                                              <p:pRg st="1" end="1"/>
-                                            </p:txEl>
-                                          </p:spTgt>
-                                        </p:tgtEl>
-                                        <p:attrNameLst>
-                                          <p:attrName>ppt_x</p:attrName>
-                                        </p:attrNameLst>
-                                      </p:cBhvr>
-                                      <p:tavLst>
-                                        <p:tav tm="0">
-                                          <p:val>
-                                            <p:strVal val="#ppt_x"/>
-                                          </p:val>
-                                        </p:tav>
-                                        <p:tav tm="100000">
-                                          <p:val>
-                                            <p:strVal val="#ppt_x"/>
-                                          </p:val>
-                                        </p:tav>
-                                      </p:tavLst>
-                                    </p:anim>
-                                    <p:anim calcmode="lin" valueType="num">
-                                      <p:cBhvr additive="base">
-                                        <p:cTn id="14" dur="500" fill="hold"/>
-                                        <p:tgtEl>
-                                          <p:spTgt spid="3">
-                                            <p:txEl>
-                                              <p:pRg st="1" end="1"/>
-                                            </p:txEl>
-                                          </p:spTgt>
-                                        </p:tgtEl>
-                                        <p:attrNameLst>
-                                          <p:attrName>ppt_y</p:attrName>
-                                        </p:attrNameLst>
-                                      </p:cBhvr>
-                                      <p:tavLst>
-                                        <p:tav tm="0">
-                                          <p:val>
-                                            <p:strVal val="1+#ppt_h/2"/>
-                                          </p:val>
-                                        </p:tav>
-                                        <p:tav tm="100000">
-                                          <p:val>
-                                            <p:strVal val="#ppt_y"/>
-                                          </p:val>
-                                        </p:tav>
-                                      </p:tavLst>
-                                    </p:anim>
-                                  </p:childTnLst>
-                                </p:cTn>
-                              </p:par>
-                            </p:childTnLst>
-                          </p:cTn>
-                        </p:par>
-                      </p:childTnLst>
-                    </p:cTn>
-                  </p:par>
-                  <p:par>
-                    <p:cTn id="15" fill="hold">
-                      <p:stCondLst>
-                        <p:cond delay="indefinite"/>
-                      </p:stCondLst>
-                      <p:childTnLst>
-                        <p:par>
-                          <p:cTn id="16" fill="hold">
-                            <p:stCondLst>
-                              <p:cond delay="0"/>
-                            </p:stCondLst>
-                            <p:childTnLst>
-                              <p:par>
-                                <p:cTn id="17" presetID="2" presetClass="entr" presetSubtype="4" fill="hold" nodeType="clickEffect">
-                                  <p:stCondLst>
-                                    <p:cond delay="0"/>
-                                  </p:stCondLst>
-                                  <p:childTnLst>
-                                    <p:set>
-                                      <p:cBhvr>
-                                        <p:cTn id="18" dur="1" fill="hold">
-                                          <p:stCondLst>
-                                            <p:cond delay="0"/>
-                                          </p:stCondLst>
-                                        </p:cTn>
-                                        <p:tgtEl>
-                                          <p:spTgt spid="3">
-                                            <p:txEl>
-                                              <p:pRg st="2" end="2"/>
-                                            </p:txEl>
-                                          </p:spTgt>
-                                        </p:tgtEl>
-                                        <p:attrNameLst>
-                                          <p:attrName>style.visibility</p:attrName>
-                                        </p:attrNameLst>
-                                      </p:cBhvr>
-                                      <p:to>
-                                        <p:strVal val="visible"/>
-                                      </p:to>
-                                    </p:set>
-                                    <p:anim calcmode="lin" valueType="num">
-                                      <p:cBhvr additive="base">
-                                        <p:cTn id="19" dur="500" fill="hold"/>
-                                        <p:tgtEl>
-                                          <p:spTgt spid="3">
-                                            <p:txEl>
-                                              <p:pRg st="2" end="2"/>
-                                            </p:txEl>
-                                          </p:spTgt>
-                                        </p:tgtEl>
-                                        <p:attrNameLst>
-                                          <p:attrName>ppt_x</p:attrName>
-                                        </p:attrNameLst>
-                                      </p:cBhvr>
-                                      <p:tavLst>
-                                        <p:tav tm="0">
-                                          <p:val>
-                                            <p:strVal val="#ppt_x"/>
-                                          </p:val>
-                                        </p:tav>
-                                        <p:tav tm="100000">
-                                          <p:val>
-                                            <p:strVal val="#ppt_x"/>
-                                          </p:val>
-                                        </p:tav>
-                                      </p:tavLst>
-                                    </p:anim>
-                                    <p:anim calcmode="lin" valueType="num">
-                                      <p:cBhvr additive="base">
-                                        <p:cTn id="20" dur="500" fill="hold"/>
-                                        <p:tgtEl>
-                                          <p:spTgt spid="3">
-                                            <p:txEl>
-                                              <p:pRg st="2" end="2"/>
-                                            </p:txEl>
-                                          </p:spTgt>
-                                        </p:tgtEl>
-                                        <p:attrNameLst>
-                                          <p:attrName>ppt_y</p:attrName>
-                                        </p:attrNameLst>
-                                      </p:cBhvr>
-                                      <p:tavLst>
-                                        <p:tav tm="0">
-                                          <p:val>
-                                            <p:strVal val="1+#ppt_h/2"/>
-                                          </p:val>
-                                        </p:tav>
-                                        <p:tav tm="100000">
-                                          <p:val>
-                                            <p:strVal val="#ppt_y"/>
-                                          </p:val>
-                                        </p:tav>
-                                      </p:tavLst>
-                                    </p:anim>
-                                  </p:childTnLst>
-                                </p:cTn>
-                              </p:par>
-                            </p:childTnLst>
-                          </p:cTn>
-                        </p:par>
-                      </p:childTnLst>
-                    </p:cTn>
-                  </p:par>
-                </p:childTnLst>
-              </p:cTn>
-              <p:prevCondLst>
-                <p:cond evt="onPrev" delay="0">
-                  <p:tgtEl>
-                    <p:sldTgt/>
-                  </p:tgtEl>
-                </p:cond>
-              </p:prevCondLst>
-              <p:nextCondLst>
-                <p:cond evt="onNext" delay="0">
-                  <p:tgtEl>
-                    <p:sldTgt/>
-                  </p:tgtEl>
-                </p:cond>
-              </p:nextCondLst>
-            </p:seq>
-          </p:childTnLst>
-        </p:cTn>
-      </p:par>
-    </p:tnLst>
-  </p:timing>
-</p:sld>
-</file>
-
-<file path=ppt/slides/slide8.xml><?xml version="1.0" encoding="utf-8"?>
-<p:sld xmlns:a="http://schemas.openxmlformats.org/drawingml/2006/main" xmlns:r="http://schemas.openxmlformats.org/officeDocument/2006/relationships" xmlns:p="http://schemas.openxmlformats.org/presentationml/2006/main">
-  <p:cSld>
-    <p:spTree>
-      <p:nvGrpSpPr>
-        <p:cNvPr id="1" name=""/>
-        <p:cNvGrpSpPr/>
-        <p:nvPr/>
-      </p:nvGrpSpPr>
-      <p:grpSpPr>
-        <a:xfrm>
-          <a:off x="0" y="0"/>
-          <a:ext cx="0" cy="0"/>
-          <a:chOff x="0" y="0"/>
-          <a:chExt cx="0" cy="0"/>
-        </a:xfrm>
-      </p:grpSpPr>
-      <p:sp>
-        <p:nvSpPr>
-          <p:cNvPr id="2" name="Title 1"/>
-          <p:cNvSpPr>
-            <a:spLocks noGrp="1"/>
-          </p:cNvSpPr>
-          <p:nvPr>
-            <p:ph type="title"/>
-          </p:nvPr>
-        </p:nvSpPr>
-        <p:spPr/>
-        <p:txBody>
-          <a:bodyPr/>
-          <a:lstStyle/>
-          <a:p>
-            <a:r>
-              <a:rPr lang="en-GB" dirty="0" smtClean="0">
-                <a:solidFill>
-                  <a:srgbClr val="FFC000"/>
-                </a:solidFill>
-              </a:rPr>
               <a:t>Polymorphic Solution</a:t>
             </a:r>
             <a:endParaRPr lang="en-GB" dirty="0">
@@ -6767,7 +3929,7 @@
                                           </p:stCondLst>
                                         </p:cTn>
                                         <p:tgtEl>
-                                          <p:spTgt spid="16"/>
+                                          <p:spTgt spid="26"/>
                                         </p:tgtEl>
                                         <p:attrNameLst>
                                           <p:attrName>style.visibility</p:attrName>
@@ -6781,7 +3943,7 @@
                                       <p:cBhvr additive="base">
                                         <p:cTn id="23" dur="500" fill="hold"/>
                                         <p:tgtEl>
-                                          <p:spTgt spid="16"/>
+                                          <p:spTgt spid="26"/>
                                         </p:tgtEl>
                                         <p:attrNameLst>
                                           <p:attrName>ppt_x</p:attrName>
@@ -6804,7 +3966,7 @@
                                       <p:cBhvr additive="base">
                                         <p:cTn id="24" dur="500" fill="hold"/>
                                         <p:tgtEl>
-                                          <p:spTgt spid="16"/>
+                                          <p:spTgt spid="26"/>
                                         </p:tgtEl>
                                         <p:attrNameLst>
                                           <p:attrName>ppt_y</p:attrName>
@@ -6840,7 +4002,7 @@
                                           </p:stCondLst>
                                         </p:cTn>
                                         <p:tgtEl>
-                                          <p:spTgt spid="5"/>
+                                          <p:spTgt spid="19"/>
                                         </p:tgtEl>
                                         <p:attrNameLst>
                                           <p:attrName>style.visibility</p:attrName>
@@ -6854,7 +4016,7 @@
                                       <p:cBhvr additive="base">
                                         <p:cTn id="27" dur="500" fill="hold"/>
                                         <p:tgtEl>
-                                          <p:spTgt spid="5"/>
+                                          <p:spTgt spid="19"/>
                                         </p:tgtEl>
                                         <p:attrNameLst>
                                           <p:attrName>ppt_x</p:attrName>
@@ -6877,7 +4039,7 @@
                                       <p:cBhvr additive="base">
                                         <p:cTn id="28" dur="500" fill="hold"/>
                                         <p:tgtEl>
-                                          <p:spTgt spid="5"/>
+                                          <p:spTgt spid="19"/>
                                         </p:tgtEl>
                                         <p:attrNameLst>
                                           <p:attrName>ppt_y</p:attrName>
@@ -6931,7 +4093,7 @@
                                           </p:stCondLst>
                                         </p:cTn>
                                         <p:tgtEl>
-                                          <p:spTgt spid="18"/>
+                                          <p:spTgt spid="28"/>
                                         </p:tgtEl>
                                         <p:attrNameLst>
                                           <p:attrName>style.visibility</p:attrName>
@@ -6945,7 +4107,7 @@
                                       <p:cBhvr additive="base">
                                         <p:cTn id="33" dur="500" fill="hold"/>
                                         <p:tgtEl>
-                                          <p:spTgt spid="18"/>
+                                          <p:spTgt spid="28"/>
                                         </p:tgtEl>
                                         <p:attrNameLst>
                                           <p:attrName>ppt_x</p:attrName>
@@ -6968,7 +4130,7 @@
                                       <p:cBhvr additive="base">
                                         <p:cTn id="34" dur="500" fill="hold"/>
                                         <p:tgtEl>
-                                          <p:spTgt spid="18"/>
+                                          <p:spTgt spid="28"/>
                                         </p:tgtEl>
                                         <p:attrNameLst>
                                           <p:attrName>ppt_y</p:attrName>
@@ -7004,7 +4166,7 @@
                                           </p:stCondLst>
                                         </p:cTn>
                                         <p:tgtEl>
-                                          <p:spTgt spid="6"/>
+                                          <p:spTgt spid="20"/>
                                         </p:tgtEl>
                                         <p:attrNameLst>
                                           <p:attrName>style.visibility</p:attrName>
@@ -7018,7 +4180,7 @@
                                       <p:cBhvr additive="base">
                                         <p:cTn id="37" dur="500" fill="hold"/>
                                         <p:tgtEl>
-                                          <p:spTgt spid="6"/>
+                                          <p:spTgt spid="20"/>
                                         </p:tgtEl>
                                         <p:attrNameLst>
                                           <p:attrName>ppt_x</p:attrName>
@@ -7041,7 +4203,7 @@
                                       <p:cBhvr additive="base">
                                         <p:cTn id="38" dur="500" fill="hold"/>
                                         <p:tgtEl>
-                                          <p:spTgt spid="6"/>
+                                          <p:spTgt spid="20"/>
                                         </p:tgtEl>
                                         <p:attrNameLst>
                                           <p:attrName>ppt_y</p:attrName>
@@ -7095,7 +4257,7 @@
                                           </p:stCondLst>
                                         </p:cTn>
                                         <p:tgtEl>
-                                          <p:spTgt spid="26"/>
+                                          <p:spTgt spid="16"/>
                                         </p:tgtEl>
                                         <p:attrNameLst>
                                           <p:attrName>style.visibility</p:attrName>
@@ -7109,7 +4271,7 @@
                                       <p:cBhvr additive="base">
                                         <p:cTn id="43" dur="500" fill="hold"/>
                                         <p:tgtEl>
-                                          <p:spTgt spid="26"/>
+                                          <p:spTgt spid="16"/>
                                         </p:tgtEl>
                                         <p:attrNameLst>
                                           <p:attrName>ppt_x</p:attrName>
@@ -7132,7 +4294,7 @@
                                       <p:cBhvr additive="base">
                                         <p:cTn id="44" dur="500" fill="hold"/>
                                         <p:tgtEl>
-                                          <p:spTgt spid="26"/>
+                                          <p:spTgt spid="16"/>
                                         </p:tgtEl>
                                         <p:attrNameLst>
                                           <p:attrName>ppt_y</p:attrName>
@@ -7155,7 +4317,7 @@
                                 </p:cTn>
                               </p:par>
                               <p:par>
-                                <p:cTn id="45" presetID="2" presetClass="entr" presetSubtype="4" fill="hold" grpId="0" nodeType="withEffect">
+                                <p:cTn id="45" presetID="2" presetClass="entr" presetSubtype="4" fill="hold" nodeType="withEffect">
                                   <p:stCondLst>
                                     <p:cond delay="0"/>
                                   </p:stCondLst>
@@ -7168,7 +4330,7 @@
                                           </p:stCondLst>
                                         </p:cTn>
                                         <p:tgtEl>
-                                          <p:spTgt spid="19"/>
+                                          <p:spTgt spid="5"/>
                                         </p:tgtEl>
                                         <p:attrNameLst>
                                           <p:attrName>style.visibility</p:attrName>
@@ -7182,7 +4344,7 @@
                                       <p:cBhvr additive="base">
                                         <p:cTn id="47" dur="500" fill="hold"/>
                                         <p:tgtEl>
-                                          <p:spTgt spid="19"/>
+                                          <p:spTgt spid="5"/>
                                         </p:tgtEl>
                                         <p:attrNameLst>
                                           <p:attrName>ppt_x</p:attrName>
@@ -7205,7 +4367,7 @@
                                       <p:cBhvr additive="base">
                                         <p:cTn id="48" dur="500" fill="hold"/>
                                         <p:tgtEl>
-                                          <p:spTgt spid="19"/>
+                                          <p:spTgt spid="5"/>
                                         </p:tgtEl>
                                         <p:attrNameLst>
                                           <p:attrName>ppt_y</p:attrName>
@@ -7259,7 +4421,7 @@
                                           </p:stCondLst>
                                         </p:cTn>
                                         <p:tgtEl>
-                                          <p:spTgt spid="28"/>
+                                          <p:spTgt spid="18"/>
                                         </p:tgtEl>
                                         <p:attrNameLst>
                                           <p:attrName>style.visibility</p:attrName>
@@ -7273,7 +4435,7 @@
                                       <p:cBhvr additive="base">
                                         <p:cTn id="53" dur="500" fill="hold"/>
                                         <p:tgtEl>
-                                          <p:spTgt spid="28"/>
+                                          <p:spTgt spid="18"/>
                                         </p:tgtEl>
                                         <p:attrNameLst>
                                           <p:attrName>ppt_x</p:attrName>
@@ -7296,7 +4458,7 @@
                                       <p:cBhvr additive="base">
                                         <p:cTn id="54" dur="500" fill="hold"/>
                                         <p:tgtEl>
-                                          <p:spTgt spid="28"/>
+                                          <p:spTgt spid="18"/>
                                         </p:tgtEl>
                                         <p:attrNameLst>
                                           <p:attrName>ppt_y</p:attrName>
@@ -7332,7 +4494,7 @@
                                           </p:stCondLst>
                                         </p:cTn>
                                         <p:tgtEl>
-                                          <p:spTgt spid="20"/>
+                                          <p:spTgt spid="6"/>
                                         </p:tgtEl>
                                         <p:attrNameLst>
                                           <p:attrName>style.visibility</p:attrName>
@@ -7346,7 +4508,7 @@
                                       <p:cBhvr additive="base">
                                         <p:cTn id="57" dur="500" fill="hold"/>
                                         <p:tgtEl>
-                                          <p:spTgt spid="20"/>
+                                          <p:spTgt spid="6"/>
                                         </p:tgtEl>
                                         <p:attrNameLst>
                                           <p:attrName>ppt_x</p:attrName>
@@ -7369,7 +4531,7 @@
                                       <p:cBhvr additive="base">
                                         <p:cTn id="58" dur="500" fill="hold"/>
                                         <p:tgtEl>
-                                          <p:spTgt spid="20"/>
+                                          <p:spTgt spid="6"/>
                                         </p:tgtEl>
                                         <p:attrNameLst>
                                           <p:attrName>ppt_y</p:attrName>
@@ -7420,12 +4582,3673 @@
     </p:tnLst>
     <p:bldLst>
       <p:bldP spid="4" grpId="0" animBg="1"/>
-      <p:bldP spid="5" grpId="0" animBg="1"/>
       <p:bldP spid="6" grpId="0" animBg="1"/>
       <p:bldP spid="10" grpId="0" animBg="1"/>
       <p:bldP spid="19" grpId="0" animBg="1"/>
       <p:bldP spid="20" grpId="0" animBg="1"/>
     </p:bldLst>
+  </p:timing>
+</p:sld>
+</file>
+
+<file path=ppt/slides/slide11.xml><?xml version="1.0" encoding="utf-8"?>
+<p:sld xmlns:a="http://schemas.openxmlformats.org/drawingml/2006/main" xmlns:r="http://schemas.openxmlformats.org/officeDocument/2006/relationships" xmlns:p="http://schemas.openxmlformats.org/presentationml/2006/main">
+  <p:cSld>
+    <p:spTree>
+      <p:nvGrpSpPr>
+        <p:cNvPr id="1" name=""/>
+        <p:cNvGrpSpPr/>
+        <p:nvPr/>
+      </p:nvGrpSpPr>
+      <p:grpSpPr>
+        <a:xfrm>
+          <a:off x="0" y="0"/>
+          <a:ext cx="0" cy="0"/>
+          <a:chOff x="0" y="0"/>
+          <a:chExt cx="0" cy="0"/>
+        </a:xfrm>
+      </p:grpSpPr>
+      <p:sp>
+        <p:nvSpPr>
+          <p:cNvPr id="4" name="TextBox 3"/>
+          <p:cNvSpPr txBox="1"/>
+          <p:nvPr/>
+        </p:nvSpPr>
+        <p:spPr>
+          <a:xfrm>
+            <a:off x="1643042" y="2357430"/>
+            <a:ext cx="6643734" cy="1569660"/>
+          </a:xfrm>
+          <a:prstGeom prst="rect">
+            <a:avLst/>
+          </a:prstGeom>
+          <a:noFill/>
+        </p:spPr>
+        <p:txBody>
+          <a:bodyPr wrap="square" rtlCol="0">
+            <a:spAutoFit/>
+          </a:bodyPr>
+          <a:lstStyle/>
+          <a:p>
+            <a:r>
+              <a:rPr lang="en-US" sz="3200" dirty="0" smtClean="0">
+                <a:solidFill>
+                  <a:schemeClr val="bg1"/>
+                </a:solidFill>
+              </a:rPr>
+              <a:t>Tell me and I'll forget.</a:t>
+            </a:r>
+          </a:p>
+          <a:p>
+            <a:r>
+              <a:rPr lang="en-US" sz="3200" dirty="0" smtClean="0">
+                <a:solidFill>
+                  <a:schemeClr val="bg1"/>
+                </a:solidFill>
+              </a:rPr>
+              <a:t>Show me and I might remember.</a:t>
+            </a:r>
+          </a:p>
+          <a:p>
+            <a:r>
+              <a:rPr lang="en-US" sz="3200" dirty="0" smtClean="0">
+                <a:solidFill>
+                  <a:schemeClr val="bg1"/>
+                </a:solidFill>
+              </a:rPr>
+              <a:t>But involve me and I will understand</a:t>
+            </a:r>
+            <a:endParaRPr lang="en-GB" sz="3200" dirty="0">
+              <a:solidFill>
+                <a:schemeClr val="bg1"/>
+              </a:solidFill>
+            </a:endParaRPr>
+          </a:p>
+        </p:txBody>
+      </p:sp>
+    </p:spTree>
+  </p:cSld>
+  <p:clrMapOvr>
+    <a:masterClrMapping/>
+  </p:clrMapOvr>
+  <p:timing>
+    <p:tnLst>
+      <p:par>
+        <p:cTn id="1" dur="indefinite" restart="never" nodeType="tmRoot"/>
+      </p:par>
+    </p:tnLst>
+  </p:timing>
+</p:sld>
+</file>
+
+<file path=ppt/slides/slide12.xml><?xml version="1.0" encoding="utf-8"?>
+<p:sld xmlns:a="http://schemas.openxmlformats.org/drawingml/2006/main" xmlns:r="http://schemas.openxmlformats.org/officeDocument/2006/relationships" xmlns:p="http://schemas.openxmlformats.org/presentationml/2006/main">
+  <p:cSld>
+    <p:spTree>
+      <p:nvGrpSpPr>
+        <p:cNvPr id="1" name=""/>
+        <p:cNvGrpSpPr/>
+        <p:nvPr/>
+      </p:nvGrpSpPr>
+      <p:grpSpPr>
+        <a:xfrm>
+          <a:off x="0" y="0"/>
+          <a:ext cx="0" cy="0"/>
+          <a:chOff x="0" y="0"/>
+          <a:chExt cx="0" cy="0"/>
+        </a:xfrm>
+      </p:grpSpPr>
+      <p:sp>
+        <p:nvSpPr>
+          <p:cNvPr id="2" name="Title 1"/>
+          <p:cNvSpPr>
+            <a:spLocks noGrp="1"/>
+          </p:cNvSpPr>
+          <p:nvPr>
+            <p:ph type="title"/>
+          </p:nvPr>
+        </p:nvSpPr>
+        <p:spPr/>
+        <p:txBody>
+          <a:bodyPr/>
+          <a:lstStyle/>
+          <a:p>
+            <a:r>
+              <a:rPr lang="en-GB" dirty="0" smtClean="0">
+                <a:solidFill>
+                  <a:srgbClr val="FFC000"/>
+                </a:solidFill>
+              </a:rPr>
+              <a:t>Videos games</a:t>
+            </a:r>
+            <a:endParaRPr lang="en-GB" dirty="0">
+              <a:solidFill>
+                <a:srgbClr val="FFC000"/>
+              </a:solidFill>
+            </a:endParaRPr>
+          </a:p>
+        </p:txBody>
+      </p:sp>
+      <p:pic>
+        <p:nvPicPr>
+          <p:cNvPr id="4" name="Content Placeholder 3" descr="sonic-the-hedgehog.jpg"/>
+          <p:cNvPicPr>
+            <a:picLocks noGrp="1" noChangeAspect="1"/>
+          </p:cNvPicPr>
+          <p:nvPr>
+            <p:ph idx="1"/>
+          </p:nvPr>
+        </p:nvPicPr>
+        <p:blipFill>
+          <a:blip r:embed="rId2"/>
+          <a:stretch>
+            <a:fillRect/>
+          </a:stretch>
+        </p:blipFill>
+        <p:spPr>
+          <a:xfrm>
+            <a:off x="785786" y="1357298"/>
+            <a:ext cx="2814645" cy="2286016"/>
+          </a:xfrm>
+        </p:spPr>
+      </p:pic>
+      <p:pic>
+        <p:nvPicPr>
+          <p:cNvPr id="5" name="Picture 4" descr="super_mario.jpg"/>
+          <p:cNvPicPr>
+            <a:picLocks noChangeAspect="1"/>
+          </p:cNvPicPr>
+          <p:nvPr/>
+        </p:nvPicPr>
+        <p:blipFill>
+          <a:blip r:embed="rId3"/>
+          <a:stretch>
+            <a:fillRect/>
+          </a:stretch>
+        </p:blipFill>
+        <p:spPr>
+          <a:xfrm>
+            <a:off x="4286248" y="1285860"/>
+            <a:ext cx="3429024" cy="2428892"/>
+          </a:xfrm>
+          <a:prstGeom prst="rect">
+            <a:avLst/>
+          </a:prstGeom>
+        </p:spPr>
+      </p:pic>
+      <p:pic>
+        <p:nvPicPr>
+          <p:cNvPr id="6" name="Picture 5" descr="tetris (2).jpg"/>
+          <p:cNvPicPr>
+            <a:picLocks noChangeAspect="1"/>
+          </p:cNvPicPr>
+          <p:nvPr/>
+        </p:nvPicPr>
+        <p:blipFill>
+          <a:blip r:embed="rId4" cstate="print"/>
+          <a:stretch>
+            <a:fillRect/>
+          </a:stretch>
+        </p:blipFill>
+        <p:spPr>
+          <a:xfrm>
+            <a:off x="285720" y="3857628"/>
+            <a:ext cx="4163568" cy="2340864"/>
+          </a:xfrm>
+          <a:prstGeom prst="rect">
+            <a:avLst/>
+          </a:prstGeom>
+        </p:spPr>
+      </p:pic>
+      <p:pic>
+        <p:nvPicPr>
+          <p:cNvPr id="7" name="Picture 6" descr="dave-mod.png"/>
+          <p:cNvPicPr>
+            <a:picLocks noChangeAspect="1"/>
+          </p:cNvPicPr>
+          <p:nvPr/>
+        </p:nvPicPr>
+        <p:blipFill>
+          <a:blip r:embed="rId5"/>
+          <a:stretch>
+            <a:fillRect/>
+          </a:stretch>
+        </p:blipFill>
+        <p:spPr>
+          <a:xfrm>
+            <a:off x="5000628" y="4000504"/>
+            <a:ext cx="3643338" cy="2500330"/>
+          </a:xfrm>
+          <a:prstGeom prst="rect">
+            <a:avLst/>
+          </a:prstGeom>
+        </p:spPr>
+      </p:pic>
+    </p:spTree>
+  </p:cSld>
+  <p:clrMapOvr>
+    <a:masterClrMapping/>
+  </p:clrMapOvr>
+  <p:timing>
+    <p:tnLst>
+      <p:par>
+        <p:cTn id="1" dur="indefinite" restart="never" nodeType="tmRoot"/>
+      </p:par>
+    </p:tnLst>
+  </p:timing>
+</p:sld>
+</file>
+
+<file path=ppt/slides/slide13.xml><?xml version="1.0" encoding="utf-8"?>
+<p:sld xmlns:a="http://schemas.openxmlformats.org/drawingml/2006/main" xmlns:r="http://schemas.openxmlformats.org/officeDocument/2006/relationships" xmlns:p="http://schemas.openxmlformats.org/presentationml/2006/main">
+  <p:cSld>
+    <p:spTree>
+      <p:nvGrpSpPr>
+        <p:cNvPr id="1" name=""/>
+        <p:cNvGrpSpPr/>
+        <p:nvPr/>
+      </p:nvGrpSpPr>
+      <p:grpSpPr>
+        <a:xfrm>
+          <a:off x="0" y="0"/>
+          <a:ext cx="0" cy="0"/>
+          <a:chOff x="0" y="0"/>
+          <a:chExt cx="0" cy="0"/>
+        </a:xfrm>
+      </p:grpSpPr>
+      <p:sp>
+        <p:nvSpPr>
+          <p:cNvPr id="2" name="Title 1"/>
+          <p:cNvSpPr>
+            <a:spLocks noGrp="1"/>
+          </p:cNvSpPr>
+          <p:nvPr>
+            <p:ph type="title"/>
+          </p:nvPr>
+        </p:nvSpPr>
+        <p:spPr/>
+        <p:txBody>
+          <a:bodyPr/>
+          <a:lstStyle/>
+          <a:p>
+            <a:r>
+              <a:rPr lang="en-GB" dirty="0" smtClean="0">
+                <a:solidFill>
+                  <a:srgbClr val="FFC000"/>
+                </a:solidFill>
+              </a:rPr>
+              <a:t>Videos games</a:t>
+            </a:r>
+            <a:endParaRPr lang="en-GB" dirty="0">
+              <a:solidFill>
+                <a:srgbClr val="FFC000"/>
+              </a:solidFill>
+            </a:endParaRPr>
+          </a:p>
+        </p:txBody>
+      </p:sp>
+      <p:sp>
+        <p:nvSpPr>
+          <p:cNvPr id="3" name="Content Placeholder 2"/>
+          <p:cNvSpPr>
+            <a:spLocks noGrp="1"/>
+          </p:cNvSpPr>
+          <p:nvPr>
+            <p:ph idx="1"/>
+          </p:nvPr>
+        </p:nvSpPr>
+        <p:spPr/>
+        <p:txBody>
+          <a:bodyPr/>
+          <a:lstStyle/>
+          <a:p>
+            <a:r>
+              <a:rPr lang="en-GB" dirty="0" smtClean="0">
+                <a:solidFill>
+                  <a:srgbClr val="FFC000"/>
+                </a:solidFill>
+              </a:rPr>
+              <a:t>Things get complex really fast with each new feature or functionality </a:t>
+            </a:r>
+          </a:p>
+          <a:p>
+            <a:endParaRPr lang="en-GB" dirty="0">
+              <a:solidFill>
+                <a:srgbClr val="FFC000"/>
+              </a:solidFill>
+            </a:endParaRPr>
+          </a:p>
+          <a:p>
+            <a:r>
+              <a:rPr lang="en-GB" dirty="0" smtClean="0">
+                <a:solidFill>
+                  <a:srgbClr val="FFC000"/>
+                </a:solidFill>
+              </a:rPr>
+              <a:t>Let’s try some game programming of our </a:t>
+            </a:r>
+            <a:r>
+              <a:rPr lang="en-GB" dirty="0" smtClean="0">
+                <a:solidFill>
+                  <a:srgbClr val="FFC000"/>
+                </a:solidFill>
+              </a:rPr>
+              <a:t>own</a:t>
+            </a:r>
+          </a:p>
+          <a:p>
+            <a:r>
+              <a:rPr lang="en-GB" smtClean="0">
+                <a:solidFill>
+                  <a:srgbClr val="FFC000"/>
+                </a:solidFill>
+              </a:rPr>
+              <a:t>(https://github.com/lynnUg/Duckmaze.git)</a:t>
+            </a:r>
+            <a:endParaRPr lang="en-GB" dirty="0">
+              <a:solidFill>
+                <a:srgbClr val="FFC000"/>
+              </a:solidFill>
+            </a:endParaRPr>
+          </a:p>
+        </p:txBody>
+      </p:sp>
+    </p:spTree>
+  </p:cSld>
+  <p:clrMapOvr>
+    <a:masterClrMapping/>
+  </p:clrMapOvr>
+  <p:timing>
+    <p:tnLst>
+      <p:par>
+        <p:cTn id="1" dur="indefinite" restart="never" nodeType="tmRoot"/>
+      </p:par>
+    </p:tnLst>
+  </p:timing>
+</p:sld>
+</file>
+
+<file path=ppt/slides/slide14.xml><?xml version="1.0" encoding="utf-8"?>
+<p:sld xmlns:a="http://schemas.openxmlformats.org/drawingml/2006/main" xmlns:r="http://schemas.openxmlformats.org/officeDocument/2006/relationships" xmlns:p="http://schemas.openxmlformats.org/presentationml/2006/main">
+  <p:cSld>
+    <p:spTree>
+      <p:nvGrpSpPr>
+        <p:cNvPr id="1" name=""/>
+        <p:cNvGrpSpPr/>
+        <p:nvPr/>
+      </p:nvGrpSpPr>
+      <p:grpSpPr>
+        <a:xfrm>
+          <a:off x="0" y="0"/>
+          <a:ext cx="0" cy="0"/>
+          <a:chOff x="0" y="0"/>
+          <a:chExt cx="0" cy="0"/>
+        </a:xfrm>
+      </p:grpSpPr>
+      <p:sp>
+        <p:nvSpPr>
+          <p:cNvPr id="2" name="Title 1"/>
+          <p:cNvSpPr>
+            <a:spLocks noGrp="1"/>
+          </p:cNvSpPr>
+          <p:nvPr>
+            <p:ph type="title"/>
+          </p:nvPr>
+        </p:nvSpPr>
+        <p:spPr/>
+        <p:txBody>
+          <a:bodyPr/>
+          <a:lstStyle/>
+          <a:p>
+            <a:r>
+              <a:rPr lang="en-GB" dirty="0" err="1" smtClean="0">
+                <a:solidFill>
+                  <a:srgbClr val="FFC000"/>
+                </a:solidFill>
+              </a:rPr>
+              <a:t>Duckmaze</a:t>
+            </a:r>
+            <a:endParaRPr lang="en-GB" dirty="0">
+              <a:solidFill>
+                <a:srgbClr val="FFC000"/>
+              </a:solidFill>
+            </a:endParaRPr>
+          </a:p>
+        </p:txBody>
+      </p:sp>
+      <p:pic>
+        <p:nvPicPr>
+          <p:cNvPr id="4" name="Content Placeholder 3" descr="logo.png"/>
+          <p:cNvPicPr>
+            <a:picLocks noGrp="1" noChangeAspect="1"/>
+          </p:cNvPicPr>
+          <p:nvPr>
+            <p:ph idx="1"/>
+          </p:nvPr>
+        </p:nvPicPr>
+        <p:blipFill>
+          <a:blip r:embed="rId2"/>
+          <a:stretch>
+            <a:fillRect/>
+          </a:stretch>
+        </p:blipFill>
+        <p:spPr>
+          <a:xfrm>
+            <a:off x="3143240" y="1714488"/>
+            <a:ext cx="2539683" cy="1904762"/>
+          </a:xfrm>
+        </p:spPr>
+      </p:pic>
+      <p:pic>
+        <p:nvPicPr>
+          <p:cNvPr id="5" name="Picture 4" descr="screenshot1 (1).png"/>
+          <p:cNvPicPr>
+            <a:picLocks noChangeAspect="1"/>
+          </p:cNvPicPr>
+          <p:nvPr/>
+        </p:nvPicPr>
+        <p:blipFill>
+          <a:blip r:embed="rId3"/>
+          <a:stretch>
+            <a:fillRect/>
+          </a:stretch>
+        </p:blipFill>
+        <p:spPr>
+          <a:xfrm>
+            <a:off x="1357290" y="1214422"/>
+            <a:ext cx="6993425" cy="5411696"/>
+          </a:xfrm>
+          <a:prstGeom prst="rect">
+            <a:avLst/>
+          </a:prstGeom>
+        </p:spPr>
+      </p:pic>
+    </p:spTree>
+  </p:cSld>
+  <p:clrMapOvr>
+    <a:masterClrMapping/>
+  </p:clrMapOvr>
+  <p:timing>
+    <p:tnLst>
+      <p:par>
+        <p:cTn id="1" dur="indefinite" restart="never" nodeType="tmRoot">
+          <p:childTnLst>
+            <p:seq concurrent="1" nextAc="seek">
+              <p:cTn id="2" dur="indefinite" nodeType="mainSeq">
+                <p:childTnLst>
+                  <p:par>
+                    <p:cTn id="3" fill="hold">
+                      <p:stCondLst>
+                        <p:cond delay="indefinite"/>
+                      </p:stCondLst>
+                      <p:childTnLst>
+                        <p:par>
+                          <p:cTn id="4" fill="hold">
+                            <p:stCondLst>
+                              <p:cond delay="0"/>
+                            </p:stCondLst>
+                            <p:childTnLst>
+                              <p:par>
+                                <p:cTn id="5" presetID="2" presetClass="entr" presetSubtype="4" fill="hold" nodeType="clickEffect">
+                                  <p:stCondLst>
+                                    <p:cond delay="0"/>
+                                  </p:stCondLst>
+                                  <p:childTnLst>
+                                    <p:set>
+                                      <p:cBhvr>
+                                        <p:cTn id="6" dur="1" fill="hold">
+                                          <p:stCondLst>
+                                            <p:cond delay="0"/>
+                                          </p:stCondLst>
+                                        </p:cTn>
+                                        <p:tgtEl>
+                                          <p:spTgt spid="4"/>
+                                        </p:tgtEl>
+                                        <p:attrNameLst>
+                                          <p:attrName>style.visibility</p:attrName>
+                                        </p:attrNameLst>
+                                      </p:cBhvr>
+                                      <p:to>
+                                        <p:strVal val="visible"/>
+                                      </p:to>
+                                    </p:set>
+                                    <p:anim calcmode="lin" valueType="num">
+                                      <p:cBhvr additive="base">
+                                        <p:cTn id="7" dur="500" fill="hold"/>
+                                        <p:tgtEl>
+                                          <p:spTgt spid="4"/>
+                                        </p:tgtEl>
+                                        <p:attrNameLst>
+                                          <p:attrName>ppt_x</p:attrName>
+                                        </p:attrNameLst>
+                                      </p:cBhvr>
+                                      <p:tavLst>
+                                        <p:tav tm="0">
+                                          <p:val>
+                                            <p:strVal val="#ppt_x"/>
+                                          </p:val>
+                                        </p:tav>
+                                        <p:tav tm="100000">
+                                          <p:val>
+                                            <p:strVal val="#ppt_x"/>
+                                          </p:val>
+                                        </p:tav>
+                                      </p:tavLst>
+                                    </p:anim>
+                                    <p:anim calcmode="lin" valueType="num">
+                                      <p:cBhvr additive="base">
+                                        <p:cTn id="8" dur="500" fill="hold"/>
+                                        <p:tgtEl>
+                                          <p:spTgt spid="4"/>
+                                        </p:tgtEl>
+                                        <p:attrNameLst>
+                                          <p:attrName>ppt_y</p:attrName>
+                                        </p:attrNameLst>
+                                      </p:cBhvr>
+                                      <p:tavLst>
+                                        <p:tav tm="0">
+                                          <p:val>
+                                            <p:strVal val="1+#ppt_h/2"/>
+                                          </p:val>
+                                        </p:tav>
+                                        <p:tav tm="100000">
+                                          <p:val>
+                                            <p:strVal val="#ppt_y"/>
+                                          </p:val>
+                                        </p:tav>
+                                      </p:tavLst>
+                                    </p:anim>
+                                  </p:childTnLst>
+                                </p:cTn>
+                              </p:par>
+                            </p:childTnLst>
+                          </p:cTn>
+                        </p:par>
+                      </p:childTnLst>
+                    </p:cTn>
+                  </p:par>
+                  <p:par>
+                    <p:cTn id="9" fill="hold">
+                      <p:stCondLst>
+                        <p:cond delay="indefinite"/>
+                      </p:stCondLst>
+                      <p:childTnLst>
+                        <p:par>
+                          <p:cTn id="10" fill="hold">
+                            <p:stCondLst>
+                              <p:cond delay="0"/>
+                            </p:stCondLst>
+                            <p:childTnLst>
+                              <p:par>
+                                <p:cTn id="11" presetID="2" presetClass="entr" presetSubtype="4" fill="hold" nodeType="clickEffect">
+                                  <p:stCondLst>
+                                    <p:cond delay="0"/>
+                                  </p:stCondLst>
+                                  <p:childTnLst>
+                                    <p:set>
+                                      <p:cBhvr>
+                                        <p:cTn id="12" dur="1" fill="hold">
+                                          <p:stCondLst>
+                                            <p:cond delay="0"/>
+                                          </p:stCondLst>
+                                        </p:cTn>
+                                        <p:tgtEl>
+                                          <p:spTgt spid="5"/>
+                                        </p:tgtEl>
+                                        <p:attrNameLst>
+                                          <p:attrName>style.visibility</p:attrName>
+                                        </p:attrNameLst>
+                                      </p:cBhvr>
+                                      <p:to>
+                                        <p:strVal val="visible"/>
+                                      </p:to>
+                                    </p:set>
+                                    <p:anim calcmode="lin" valueType="num">
+                                      <p:cBhvr additive="base">
+                                        <p:cTn id="13" dur="500" fill="hold"/>
+                                        <p:tgtEl>
+                                          <p:spTgt spid="5"/>
+                                        </p:tgtEl>
+                                        <p:attrNameLst>
+                                          <p:attrName>ppt_x</p:attrName>
+                                        </p:attrNameLst>
+                                      </p:cBhvr>
+                                      <p:tavLst>
+                                        <p:tav tm="0">
+                                          <p:val>
+                                            <p:strVal val="#ppt_x"/>
+                                          </p:val>
+                                        </p:tav>
+                                        <p:tav tm="100000">
+                                          <p:val>
+                                            <p:strVal val="#ppt_x"/>
+                                          </p:val>
+                                        </p:tav>
+                                      </p:tavLst>
+                                    </p:anim>
+                                    <p:anim calcmode="lin" valueType="num">
+                                      <p:cBhvr additive="base">
+                                        <p:cTn id="14" dur="500" fill="hold"/>
+                                        <p:tgtEl>
+                                          <p:spTgt spid="5"/>
+                                        </p:tgtEl>
+                                        <p:attrNameLst>
+                                          <p:attrName>ppt_y</p:attrName>
+                                        </p:attrNameLst>
+                                      </p:cBhvr>
+                                      <p:tavLst>
+                                        <p:tav tm="0">
+                                          <p:val>
+                                            <p:strVal val="1+#ppt_h/2"/>
+                                          </p:val>
+                                        </p:tav>
+                                        <p:tav tm="100000">
+                                          <p:val>
+                                            <p:strVal val="#ppt_y"/>
+                                          </p:val>
+                                        </p:tav>
+                                      </p:tavLst>
+                                    </p:anim>
+                                  </p:childTnLst>
+                                </p:cTn>
+                              </p:par>
+                            </p:childTnLst>
+                          </p:cTn>
+                        </p:par>
+                      </p:childTnLst>
+                    </p:cTn>
+                  </p:par>
+                </p:childTnLst>
+              </p:cTn>
+              <p:prevCondLst>
+                <p:cond evt="onPrev" delay="0">
+                  <p:tgtEl>
+                    <p:sldTgt/>
+                  </p:tgtEl>
+                </p:cond>
+              </p:prevCondLst>
+              <p:nextCondLst>
+                <p:cond evt="onNext" delay="0">
+                  <p:tgtEl>
+                    <p:sldTgt/>
+                  </p:tgtEl>
+                </p:cond>
+              </p:nextCondLst>
+            </p:seq>
+          </p:childTnLst>
+        </p:cTn>
+      </p:par>
+    </p:tnLst>
+  </p:timing>
+</p:sld>
+</file>
+
+<file path=ppt/slides/slide15.xml><?xml version="1.0" encoding="utf-8"?>
+<p:sld xmlns:a="http://schemas.openxmlformats.org/drawingml/2006/main" xmlns:r="http://schemas.openxmlformats.org/officeDocument/2006/relationships" xmlns:p="http://schemas.openxmlformats.org/presentationml/2006/main">
+  <p:cSld>
+    <p:spTree>
+      <p:nvGrpSpPr>
+        <p:cNvPr id="1" name=""/>
+        <p:cNvGrpSpPr/>
+        <p:nvPr/>
+      </p:nvGrpSpPr>
+      <p:grpSpPr>
+        <a:xfrm>
+          <a:off x="0" y="0"/>
+          <a:ext cx="0" cy="0"/>
+          <a:chOff x="0" y="0"/>
+          <a:chExt cx="0" cy="0"/>
+        </a:xfrm>
+      </p:grpSpPr>
+      <p:sp>
+        <p:nvSpPr>
+          <p:cNvPr id="2" name="Title 1"/>
+          <p:cNvSpPr>
+            <a:spLocks noGrp="1"/>
+          </p:cNvSpPr>
+          <p:nvPr>
+            <p:ph type="title"/>
+          </p:nvPr>
+        </p:nvSpPr>
+        <p:spPr/>
+        <p:txBody>
+          <a:bodyPr/>
+          <a:lstStyle/>
+          <a:p>
+            <a:r>
+              <a:rPr lang="en-GB" dirty="0" err="1" smtClean="0">
+                <a:solidFill>
+                  <a:srgbClr val="FFC000"/>
+                </a:solidFill>
+              </a:rPr>
+              <a:t>Duckmaze</a:t>
+            </a:r>
+            <a:r>
+              <a:rPr lang="en-GB" dirty="0" smtClean="0">
+                <a:solidFill>
+                  <a:srgbClr val="FFC000"/>
+                </a:solidFill>
+              </a:rPr>
+              <a:t> challenge</a:t>
+            </a:r>
+            <a:endParaRPr lang="en-GB" dirty="0">
+              <a:solidFill>
+                <a:srgbClr val="FFC000"/>
+              </a:solidFill>
+            </a:endParaRPr>
+          </a:p>
+        </p:txBody>
+      </p:sp>
+      <p:sp>
+        <p:nvSpPr>
+          <p:cNvPr id="3" name="Content Placeholder 2"/>
+          <p:cNvSpPr>
+            <a:spLocks noGrp="1"/>
+          </p:cNvSpPr>
+          <p:nvPr>
+            <p:ph idx="1"/>
+          </p:nvPr>
+        </p:nvSpPr>
+        <p:spPr/>
+        <p:txBody>
+          <a:bodyPr/>
+          <a:lstStyle/>
+          <a:p>
+            <a:r>
+              <a:rPr lang="en-GB" dirty="0" smtClean="0">
+                <a:solidFill>
+                  <a:srgbClr val="FFC000"/>
+                </a:solidFill>
+              </a:rPr>
+              <a:t>Add new </a:t>
+            </a:r>
+            <a:r>
+              <a:rPr lang="en-GB" dirty="0" smtClean="0">
+                <a:solidFill>
+                  <a:srgbClr val="FFC000"/>
+                </a:solidFill>
+              </a:rPr>
+              <a:t>music menu using </a:t>
+            </a:r>
+            <a:r>
+              <a:rPr lang="en-GB" dirty="0" err="1" smtClean="0">
+                <a:solidFill>
+                  <a:srgbClr val="FFC000"/>
+                </a:solidFill>
+              </a:rPr>
+              <a:t>music_menu</a:t>
+            </a:r>
+            <a:r>
+              <a:rPr lang="en-GB" dirty="0" smtClean="0">
+                <a:solidFill>
+                  <a:srgbClr val="FFC000"/>
+                </a:solidFill>
+              </a:rPr>
+              <a:t> function in duckmaze.py</a:t>
+            </a:r>
+            <a:endParaRPr lang="en-GB" dirty="0">
+              <a:solidFill>
+                <a:srgbClr val="FFC000"/>
+              </a:solidFill>
+            </a:endParaRPr>
+          </a:p>
+        </p:txBody>
+      </p:sp>
+    </p:spTree>
+  </p:cSld>
+  <p:clrMapOvr>
+    <a:masterClrMapping/>
+  </p:clrMapOvr>
+  <p:timing>
+    <p:tnLst>
+      <p:par>
+        <p:cTn id="1" dur="indefinite" restart="never" nodeType="tmRoot"/>
+      </p:par>
+    </p:tnLst>
+  </p:timing>
+</p:sld>
+</file>
+
+<file path=ppt/slides/slide16.xml><?xml version="1.0" encoding="utf-8"?>
+<p:sld xmlns:a="http://schemas.openxmlformats.org/drawingml/2006/main" xmlns:r="http://schemas.openxmlformats.org/officeDocument/2006/relationships" xmlns:p="http://schemas.openxmlformats.org/presentationml/2006/main">
+  <p:cSld>
+    <p:spTree>
+      <p:nvGrpSpPr>
+        <p:cNvPr id="1" name=""/>
+        <p:cNvGrpSpPr/>
+        <p:nvPr/>
+      </p:nvGrpSpPr>
+      <p:grpSpPr>
+        <a:xfrm>
+          <a:off x="0" y="0"/>
+          <a:ext cx="0" cy="0"/>
+          <a:chOff x="0" y="0"/>
+          <a:chExt cx="0" cy="0"/>
+        </a:xfrm>
+      </p:grpSpPr>
+      <p:sp>
+        <p:nvSpPr>
+          <p:cNvPr id="2" name="Title 1"/>
+          <p:cNvSpPr>
+            <a:spLocks noGrp="1"/>
+          </p:cNvSpPr>
+          <p:nvPr>
+            <p:ph type="title"/>
+          </p:nvPr>
+        </p:nvSpPr>
+        <p:spPr/>
+        <p:txBody>
+          <a:bodyPr>
+            <a:normAutofit fontScale="90000"/>
+          </a:bodyPr>
+          <a:lstStyle/>
+          <a:p>
+            <a:r>
+              <a:rPr lang="en-GB" dirty="0" smtClean="0">
+                <a:solidFill>
+                  <a:srgbClr val="FFC000"/>
+                </a:solidFill>
+              </a:rPr>
+              <a:t>Replace conditionals with polymorphism</a:t>
+            </a:r>
+            <a:endParaRPr lang="en-GB" dirty="0">
+              <a:solidFill>
+                <a:srgbClr val="FFC000"/>
+              </a:solidFill>
+            </a:endParaRPr>
+          </a:p>
+        </p:txBody>
+      </p:sp>
+      <p:sp>
+        <p:nvSpPr>
+          <p:cNvPr id="3" name="Content Placeholder 2"/>
+          <p:cNvSpPr>
+            <a:spLocks noGrp="1"/>
+          </p:cNvSpPr>
+          <p:nvPr>
+            <p:ph idx="1"/>
+          </p:nvPr>
+        </p:nvSpPr>
+        <p:spPr/>
+        <p:txBody>
+          <a:bodyPr/>
+          <a:lstStyle/>
+          <a:p>
+            <a:r>
+              <a:rPr lang="en-GB" dirty="0" smtClean="0">
+                <a:solidFill>
+                  <a:srgbClr val="FFC000"/>
+                </a:solidFill>
+              </a:rPr>
+              <a:t>-Get rid of the if</a:t>
+            </a:r>
+          </a:p>
+          <a:p>
+            <a:r>
+              <a:rPr lang="en-GB" dirty="0" smtClean="0">
+                <a:solidFill>
+                  <a:srgbClr val="FFC000"/>
+                </a:solidFill>
+              </a:rPr>
+              <a:t>Each if turns into a sub class</a:t>
+            </a:r>
+          </a:p>
+          <a:p>
+            <a:r>
+              <a:rPr lang="en-GB" dirty="0" smtClean="0">
+                <a:solidFill>
+                  <a:srgbClr val="FFC000"/>
+                </a:solidFill>
+              </a:rPr>
+              <a:t>Move common logic to a super class</a:t>
+            </a:r>
+          </a:p>
+          <a:p>
+            <a:pPr>
+              <a:buNone/>
+            </a:pPr>
+            <a:endParaRPr lang="en-GB" dirty="0" smtClean="0">
+              <a:solidFill>
+                <a:srgbClr val="FFC000"/>
+              </a:solidFill>
+            </a:endParaRPr>
+          </a:p>
+          <a:p>
+            <a:r>
+              <a:rPr lang="en-GB" dirty="0" smtClean="0"/>
+              <a:t>f</a:t>
+            </a:r>
+          </a:p>
+          <a:p>
+            <a:endParaRPr lang="en-GB" dirty="0"/>
+          </a:p>
+        </p:txBody>
+      </p:sp>
+    </p:spTree>
+  </p:cSld>
+  <p:clrMapOvr>
+    <a:masterClrMapping/>
+  </p:clrMapOvr>
+  <p:timing>
+    <p:tnLst>
+      <p:par>
+        <p:cTn id="1" dur="indefinite" restart="never" nodeType="tmRoot"/>
+      </p:par>
+    </p:tnLst>
+  </p:timing>
+</p:sld>
+</file>
+
+<file path=ppt/slides/slide17.xml><?xml version="1.0" encoding="utf-8"?>
+<p:sld xmlns:a="http://schemas.openxmlformats.org/drawingml/2006/main" xmlns:r="http://schemas.openxmlformats.org/officeDocument/2006/relationships" xmlns:p="http://schemas.openxmlformats.org/presentationml/2006/main">
+  <p:cSld>
+    <p:spTree>
+      <p:nvGrpSpPr>
+        <p:cNvPr id="1" name=""/>
+        <p:cNvGrpSpPr/>
+        <p:nvPr/>
+      </p:nvGrpSpPr>
+      <p:grpSpPr>
+        <a:xfrm>
+          <a:off x="0" y="0"/>
+          <a:ext cx="0" cy="0"/>
+          <a:chOff x="0" y="0"/>
+          <a:chExt cx="0" cy="0"/>
+        </a:xfrm>
+      </p:grpSpPr>
+      <p:sp>
+        <p:nvSpPr>
+          <p:cNvPr id="2" name="Title 1"/>
+          <p:cNvSpPr>
+            <a:spLocks noGrp="1"/>
+          </p:cNvSpPr>
+          <p:nvPr>
+            <p:ph type="title"/>
+          </p:nvPr>
+        </p:nvSpPr>
+        <p:spPr/>
+        <p:txBody>
+          <a:bodyPr/>
+          <a:lstStyle/>
+          <a:p>
+            <a:r>
+              <a:rPr lang="en-GB" dirty="0" smtClean="0">
+                <a:solidFill>
+                  <a:srgbClr val="FFC000"/>
+                </a:solidFill>
+              </a:rPr>
+              <a:t>Recommended readings</a:t>
+            </a:r>
+            <a:endParaRPr lang="en-GB" dirty="0">
+              <a:solidFill>
+                <a:srgbClr val="FFC000"/>
+              </a:solidFill>
+            </a:endParaRPr>
+          </a:p>
+        </p:txBody>
+      </p:sp>
+      <p:pic>
+        <p:nvPicPr>
+          <p:cNvPr id="4" name="Content Placeholder 3" descr="0201485672.jpg"/>
+          <p:cNvPicPr>
+            <a:picLocks noGrp="1" noChangeAspect="1"/>
+          </p:cNvPicPr>
+          <p:nvPr>
+            <p:ph idx="1"/>
+          </p:nvPr>
+        </p:nvPicPr>
+        <p:blipFill>
+          <a:blip r:embed="rId2"/>
+          <a:stretch>
+            <a:fillRect/>
+          </a:stretch>
+        </p:blipFill>
+        <p:spPr>
+          <a:xfrm>
+            <a:off x="2801426" y="1600200"/>
+            <a:ext cx="3541147" cy="4525963"/>
+          </a:xfrm>
+        </p:spPr>
+      </p:pic>
+    </p:spTree>
+  </p:cSld>
+  <p:clrMapOvr>
+    <a:masterClrMapping/>
+  </p:clrMapOvr>
+  <p:timing>
+    <p:tnLst>
+      <p:par>
+        <p:cTn id="1" dur="indefinite" restart="never" nodeType="tmRoot"/>
+      </p:par>
+    </p:tnLst>
+  </p:timing>
+</p:sld>
+</file>
+
+<file path=ppt/slides/slide2.xml><?xml version="1.0" encoding="utf-8"?>
+<p:sld xmlns:a="http://schemas.openxmlformats.org/drawingml/2006/main" xmlns:r="http://schemas.openxmlformats.org/officeDocument/2006/relationships" xmlns:p="http://schemas.openxmlformats.org/presentationml/2006/main">
+  <p:cSld>
+    <p:spTree>
+      <p:nvGrpSpPr>
+        <p:cNvPr id="1" name=""/>
+        <p:cNvGrpSpPr/>
+        <p:nvPr/>
+      </p:nvGrpSpPr>
+      <p:grpSpPr>
+        <a:xfrm>
+          <a:off x="0" y="0"/>
+          <a:ext cx="0" cy="0"/>
+          <a:chOff x="0" y="0"/>
+          <a:chExt cx="0" cy="0"/>
+        </a:xfrm>
+      </p:grpSpPr>
+      <p:sp>
+        <p:nvSpPr>
+          <p:cNvPr id="2" name="Title 1"/>
+          <p:cNvSpPr>
+            <a:spLocks noGrp="1"/>
+          </p:cNvSpPr>
+          <p:nvPr>
+            <p:ph type="title"/>
+          </p:nvPr>
+        </p:nvSpPr>
+        <p:spPr/>
+        <p:txBody>
+          <a:bodyPr/>
+          <a:lstStyle/>
+          <a:p>
+            <a:r>
+              <a:rPr lang="en-GB" dirty="0" smtClean="0">
+                <a:solidFill>
+                  <a:srgbClr val="FFC000"/>
+                </a:solidFill>
+              </a:rPr>
+              <a:t>Premise</a:t>
+            </a:r>
+            <a:endParaRPr lang="en-GB" dirty="0">
+              <a:solidFill>
+                <a:srgbClr val="FFC000"/>
+              </a:solidFill>
+            </a:endParaRPr>
+          </a:p>
+        </p:txBody>
+      </p:sp>
+      <p:sp>
+        <p:nvSpPr>
+          <p:cNvPr id="3" name="Content Placeholder 2"/>
+          <p:cNvSpPr>
+            <a:spLocks noGrp="1"/>
+          </p:cNvSpPr>
+          <p:nvPr>
+            <p:ph idx="1"/>
+          </p:nvPr>
+        </p:nvSpPr>
+        <p:spPr/>
+        <p:txBody>
+          <a:bodyPr/>
+          <a:lstStyle/>
+          <a:p>
+            <a:r>
+              <a:rPr lang="en-US" dirty="0" smtClean="0">
+                <a:solidFill>
+                  <a:srgbClr val="FFC000"/>
+                </a:solidFill>
+                <a:ea typeface="Times New Roman"/>
+                <a:cs typeface="Consolas" pitchFamily="49" charset="0"/>
+              </a:rPr>
+              <a:t>Most </a:t>
+            </a:r>
+            <a:r>
+              <a:rPr lang="en-US" dirty="0" smtClean="0">
+                <a:solidFill>
+                  <a:srgbClr val="C00000"/>
+                </a:solidFill>
+                <a:latin typeface="Consolas" pitchFamily="49" charset="0"/>
+                <a:ea typeface="Times New Roman"/>
+                <a:cs typeface="Consolas" pitchFamily="49" charset="0"/>
+              </a:rPr>
+              <a:t>if</a:t>
+            </a:r>
+            <a:r>
+              <a:rPr lang="en-US" dirty="0" smtClean="0">
+                <a:solidFill>
+                  <a:srgbClr val="C00000"/>
+                </a:solidFill>
+                <a:ea typeface="Times New Roman"/>
+                <a:cs typeface="Consolas" pitchFamily="49" charset="0"/>
+              </a:rPr>
+              <a:t>s</a:t>
+            </a:r>
+            <a:r>
+              <a:rPr lang="en-US" dirty="0" smtClean="0">
+                <a:solidFill>
+                  <a:srgbClr val="FFC000"/>
+                </a:solidFill>
+                <a:ea typeface="Times New Roman"/>
+                <a:cs typeface="Consolas" pitchFamily="49" charset="0"/>
+              </a:rPr>
+              <a:t> can be replaced with polymorphism</a:t>
+            </a:r>
+            <a:endParaRPr lang="en-GB" dirty="0" smtClean="0">
+              <a:solidFill>
+                <a:srgbClr val="FFC000"/>
+              </a:solidFill>
+              <a:ea typeface="Times New Roman"/>
+              <a:cs typeface="Consolas" pitchFamily="49" charset="0"/>
+            </a:endParaRPr>
+          </a:p>
+          <a:p>
+            <a:endParaRPr lang="en-US" dirty="0" smtClean="0">
+              <a:solidFill>
+                <a:schemeClr val="bg1"/>
+              </a:solidFill>
+              <a:ea typeface="Times New Roman"/>
+              <a:cs typeface="Consolas" pitchFamily="49" charset="0"/>
+            </a:endParaRPr>
+          </a:p>
+        </p:txBody>
+      </p:sp>
+    </p:spTree>
+  </p:cSld>
+  <p:clrMapOvr>
+    <a:masterClrMapping/>
+  </p:clrMapOvr>
+  <p:timing>
+    <p:tnLst>
+      <p:par>
+        <p:cTn id="1" dur="indefinite" restart="never" nodeType="tmRoot"/>
+      </p:par>
+    </p:tnLst>
+  </p:timing>
+</p:sld>
+</file>
+
+<file path=ppt/slides/slide3.xml><?xml version="1.0" encoding="utf-8"?>
+<p:sld xmlns:a="http://schemas.openxmlformats.org/drawingml/2006/main" xmlns:r="http://schemas.openxmlformats.org/officeDocument/2006/relationships" xmlns:p="http://schemas.openxmlformats.org/presentationml/2006/main">
+  <p:cSld>
+    <p:spTree>
+      <p:nvGrpSpPr>
+        <p:cNvPr id="1" name=""/>
+        <p:cNvGrpSpPr/>
+        <p:nvPr/>
+      </p:nvGrpSpPr>
+      <p:grpSpPr>
+        <a:xfrm>
+          <a:off x="0" y="0"/>
+          <a:ext cx="0" cy="0"/>
+          <a:chOff x="0" y="0"/>
+          <a:chExt cx="0" cy="0"/>
+        </a:xfrm>
+      </p:grpSpPr>
+      <p:sp>
+        <p:nvSpPr>
+          <p:cNvPr id="2" name="Title 1"/>
+          <p:cNvSpPr>
+            <a:spLocks noGrp="1"/>
+          </p:cNvSpPr>
+          <p:nvPr>
+            <p:ph type="title"/>
+          </p:nvPr>
+        </p:nvSpPr>
+        <p:spPr/>
+        <p:txBody>
+          <a:bodyPr>
+            <a:normAutofit fontScale="90000"/>
+          </a:bodyPr>
+          <a:lstStyle/>
+          <a:p>
+            <a:r>
+              <a:rPr lang="en-GB" dirty="0" smtClean="0">
+                <a:solidFill>
+                  <a:srgbClr val="FFC000"/>
+                </a:solidFill>
+                <a:ea typeface="Times New Roman"/>
+                <a:cs typeface="Consolas" pitchFamily="49" charset="0"/>
+              </a:rPr>
+              <a:t>What is polymorphism </a:t>
+            </a:r>
+            <a:r>
+              <a:rPr lang="en-GB" dirty="0" smtClean="0">
+                <a:solidFill>
+                  <a:schemeClr val="bg1"/>
+                </a:solidFill>
+                <a:ea typeface="Times New Roman"/>
+                <a:cs typeface="Consolas" pitchFamily="49" charset="0"/>
+              </a:rPr>
+              <a:t>?</a:t>
+            </a:r>
+            <a:br>
+              <a:rPr lang="en-GB" dirty="0" smtClean="0">
+                <a:solidFill>
+                  <a:schemeClr val="bg1"/>
+                </a:solidFill>
+                <a:ea typeface="Times New Roman"/>
+                <a:cs typeface="Consolas" pitchFamily="49" charset="0"/>
+              </a:rPr>
+            </a:br>
+            <a:endParaRPr lang="en-GB" dirty="0"/>
+          </a:p>
+        </p:txBody>
+      </p:sp>
+      <p:pic>
+        <p:nvPicPr>
+          <p:cNvPr id="6" name="Content Placeholder 5" descr="morpheus-chair.jpg"/>
+          <p:cNvPicPr>
+            <a:picLocks noGrp="1" noChangeAspect="1"/>
+          </p:cNvPicPr>
+          <p:nvPr>
+            <p:ph idx="1"/>
+          </p:nvPr>
+        </p:nvPicPr>
+        <p:blipFill>
+          <a:blip r:embed="rId2" cstate="print"/>
+          <a:stretch>
+            <a:fillRect/>
+          </a:stretch>
+        </p:blipFill>
+        <p:spPr>
+          <a:xfrm>
+            <a:off x="4357686" y="1785926"/>
+            <a:ext cx="4207810" cy="4340237"/>
+          </a:xfrm>
+        </p:spPr>
+      </p:pic>
+      <p:pic>
+        <p:nvPicPr>
+          <p:cNvPr id="7" name="Picture 6" descr="polygons_1_.jpg"/>
+          <p:cNvPicPr>
+            <a:picLocks noChangeAspect="1"/>
+          </p:cNvPicPr>
+          <p:nvPr/>
+        </p:nvPicPr>
+        <p:blipFill>
+          <a:blip r:embed="rId3"/>
+          <a:stretch>
+            <a:fillRect/>
+          </a:stretch>
+        </p:blipFill>
+        <p:spPr>
+          <a:xfrm>
+            <a:off x="0" y="1643050"/>
+            <a:ext cx="4286248" cy="4572032"/>
+          </a:xfrm>
+          <a:prstGeom prst="rect">
+            <a:avLst/>
+          </a:prstGeom>
+        </p:spPr>
+      </p:pic>
+      <p:pic>
+        <p:nvPicPr>
+          <p:cNvPr id="8" name="Picture 7" descr="MorpheusIrisByHouasse.jpg"/>
+          <p:cNvPicPr>
+            <a:picLocks noChangeAspect="1"/>
+          </p:cNvPicPr>
+          <p:nvPr/>
+        </p:nvPicPr>
+        <p:blipFill>
+          <a:blip r:embed="rId4"/>
+          <a:stretch>
+            <a:fillRect/>
+          </a:stretch>
+        </p:blipFill>
+        <p:spPr>
+          <a:xfrm>
+            <a:off x="4357686" y="1714488"/>
+            <a:ext cx="4436174" cy="4357718"/>
+          </a:xfrm>
+          <a:prstGeom prst="rect">
+            <a:avLst/>
+          </a:prstGeom>
+        </p:spPr>
+      </p:pic>
+    </p:spTree>
+  </p:cSld>
+  <p:clrMapOvr>
+    <a:masterClrMapping/>
+  </p:clrMapOvr>
+  <p:timing>
+    <p:tnLst>
+      <p:par>
+        <p:cTn id="1" dur="indefinite" restart="never" nodeType="tmRoot">
+          <p:childTnLst>
+            <p:seq concurrent="1" nextAc="seek">
+              <p:cTn id="2" dur="indefinite" nodeType="mainSeq">
+                <p:childTnLst>
+                  <p:par>
+                    <p:cTn id="3" fill="hold">
+                      <p:stCondLst>
+                        <p:cond delay="indefinite"/>
+                      </p:stCondLst>
+                      <p:childTnLst>
+                        <p:par>
+                          <p:cTn id="4" fill="hold">
+                            <p:stCondLst>
+                              <p:cond delay="0"/>
+                            </p:stCondLst>
+                            <p:childTnLst>
+                              <p:par>
+                                <p:cTn id="5" presetID="2" presetClass="entr" presetSubtype="4" fill="hold" nodeType="clickEffect">
+                                  <p:stCondLst>
+                                    <p:cond delay="0"/>
+                                  </p:stCondLst>
+                                  <p:childTnLst>
+                                    <p:set>
+                                      <p:cBhvr>
+                                        <p:cTn id="6" dur="1" fill="hold">
+                                          <p:stCondLst>
+                                            <p:cond delay="0"/>
+                                          </p:stCondLst>
+                                        </p:cTn>
+                                        <p:tgtEl>
+                                          <p:spTgt spid="7"/>
+                                        </p:tgtEl>
+                                        <p:attrNameLst>
+                                          <p:attrName>style.visibility</p:attrName>
+                                        </p:attrNameLst>
+                                      </p:cBhvr>
+                                      <p:to>
+                                        <p:strVal val="visible"/>
+                                      </p:to>
+                                    </p:set>
+                                    <p:anim calcmode="lin" valueType="num">
+                                      <p:cBhvr additive="base">
+                                        <p:cTn id="7" dur="500" fill="hold"/>
+                                        <p:tgtEl>
+                                          <p:spTgt spid="7"/>
+                                        </p:tgtEl>
+                                        <p:attrNameLst>
+                                          <p:attrName>ppt_x</p:attrName>
+                                        </p:attrNameLst>
+                                      </p:cBhvr>
+                                      <p:tavLst>
+                                        <p:tav tm="0">
+                                          <p:val>
+                                            <p:strVal val="#ppt_x"/>
+                                          </p:val>
+                                        </p:tav>
+                                        <p:tav tm="100000">
+                                          <p:val>
+                                            <p:strVal val="#ppt_x"/>
+                                          </p:val>
+                                        </p:tav>
+                                      </p:tavLst>
+                                    </p:anim>
+                                    <p:anim calcmode="lin" valueType="num">
+                                      <p:cBhvr additive="base">
+                                        <p:cTn id="8" dur="500" fill="hold"/>
+                                        <p:tgtEl>
+                                          <p:spTgt spid="7"/>
+                                        </p:tgtEl>
+                                        <p:attrNameLst>
+                                          <p:attrName>ppt_y</p:attrName>
+                                        </p:attrNameLst>
+                                      </p:cBhvr>
+                                      <p:tavLst>
+                                        <p:tav tm="0">
+                                          <p:val>
+                                            <p:strVal val="1+#ppt_h/2"/>
+                                          </p:val>
+                                        </p:tav>
+                                        <p:tav tm="100000">
+                                          <p:val>
+                                            <p:strVal val="#ppt_y"/>
+                                          </p:val>
+                                        </p:tav>
+                                      </p:tavLst>
+                                    </p:anim>
+                                  </p:childTnLst>
+                                </p:cTn>
+                              </p:par>
+                            </p:childTnLst>
+                          </p:cTn>
+                        </p:par>
+                      </p:childTnLst>
+                    </p:cTn>
+                  </p:par>
+                  <p:par>
+                    <p:cTn id="9" fill="hold">
+                      <p:stCondLst>
+                        <p:cond delay="indefinite"/>
+                      </p:stCondLst>
+                      <p:childTnLst>
+                        <p:par>
+                          <p:cTn id="10" fill="hold">
+                            <p:stCondLst>
+                              <p:cond delay="0"/>
+                            </p:stCondLst>
+                            <p:childTnLst>
+                              <p:par>
+                                <p:cTn id="11" presetID="2" presetClass="entr" presetSubtype="4" fill="hold" nodeType="clickEffect">
+                                  <p:stCondLst>
+                                    <p:cond delay="0"/>
+                                  </p:stCondLst>
+                                  <p:childTnLst>
+                                    <p:set>
+                                      <p:cBhvr>
+                                        <p:cTn id="12" dur="1" fill="hold">
+                                          <p:stCondLst>
+                                            <p:cond delay="0"/>
+                                          </p:stCondLst>
+                                        </p:cTn>
+                                        <p:tgtEl>
+                                          <p:spTgt spid="6"/>
+                                        </p:tgtEl>
+                                        <p:attrNameLst>
+                                          <p:attrName>style.visibility</p:attrName>
+                                        </p:attrNameLst>
+                                      </p:cBhvr>
+                                      <p:to>
+                                        <p:strVal val="visible"/>
+                                      </p:to>
+                                    </p:set>
+                                    <p:anim calcmode="lin" valueType="num">
+                                      <p:cBhvr additive="base">
+                                        <p:cTn id="13" dur="500" fill="hold"/>
+                                        <p:tgtEl>
+                                          <p:spTgt spid="6"/>
+                                        </p:tgtEl>
+                                        <p:attrNameLst>
+                                          <p:attrName>ppt_x</p:attrName>
+                                        </p:attrNameLst>
+                                      </p:cBhvr>
+                                      <p:tavLst>
+                                        <p:tav tm="0">
+                                          <p:val>
+                                            <p:strVal val="#ppt_x"/>
+                                          </p:val>
+                                        </p:tav>
+                                        <p:tav tm="100000">
+                                          <p:val>
+                                            <p:strVal val="#ppt_x"/>
+                                          </p:val>
+                                        </p:tav>
+                                      </p:tavLst>
+                                    </p:anim>
+                                    <p:anim calcmode="lin" valueType="num">
+                                      <p:cBhvr additive="base">
+                                        <p:cTn id="14" dur="500" fill="hold"/>
+                                        <p:tgtEl>
+                                          <p:spTgt spid="6"/>
+                                        </p:tgtEl>
+                                        <p:attrNameLst>
+                                          <p:attrName>ppt_y</p:attrName>
+                                        </p:attrNameLst>
+                                      </p:cBhvr>
+                                      <p:tavLst>
+                                        <p:tav tm="0">
+                                          <p:val>
+                                            <p:strVal val="1+#ppt_h/2"/>
+                                          </p:val>
+                                        </p:tav>
+                                        <p:tav tm="100000">
+                                          <p:val>
+                                            <p:strVal val="#ppt_y"/>
+                                          </p:val>
+                                        </p:tav>
+                                      </p:tavLst>
+                                    </p:anim>
+                                  </p:childTnLst>
+                                </p:cTn>
+                              </p:par>
+                            </p:childTnLst>
+                          </p:cTn>
+                        </p:par>
+                      </p:childTnLst>
+                    </p:cTn>
+                  </p:par>
+                  <p:par>
+                    <p:cTn id="15" fill="hold">
+                      <p:stCondLst>
+                        <p:cond delay="indefinite"/>
+                      </p:stCondLst>
+                      <p:childTnLst>
+                        <p:par>
+                          <p:cTn id="16" fill="hold">
+                            <p:stCondLst>
+                              <p:cond delay="0"/>
+                            </p:stCondLst>
+                            <p:childTnLst>
+                              <p:par>
+                                <p:cTn id="17" presetID="2" presetClass="entr" presetSubtype="4" fill="hold" nodeType="clickEffect">
+                                  <p:stCondLst>
+                                    <p:cond delay="0"/>
+                                  </p:stCondLst>
+                                  <p:childTnLst>
+                                    <p:set>
+                                      <p:cBhvr>
+                                        <p:cTn id="18" dur="1" fill="hold">
+                                          <p:stCondLst>
+                                            <p:cond delay="0"/>
+                                          </p:stCondLst>
+                                        </p:cTn>
+                                        <p:tgtEl>
+                                          <p:spTgt spid="8"/>
+                                        </p:tgtEl>
+                                        <p:attrNameLst>
+                                          <p:attrName>style.visibility</p:attrName>
+                                        </p:attrNameLst>
+                                      </p:cBhvr>
+                                      <p:to>
+                                        <p:strVal val="visible"/>
+                                      </p:to>
+                                    </p:set>
+                                    <p:anim calcmode="lin" valueType="num">
+                                      <p:cBhvr additive="base">
+                                        <p:cTn id="19" dur="500" fill="hold"/>
+                                        <p:tgtEl>
+                                          <p:spTgt spid="8"/>
+                                        </p:tgtEl>
+                                        <p:attrNameLst>
+                                          <p:attrName>ppt_x</p:attrName>
+                                        </p:attrNameLst>
+                                      </p:cBhvr>
+                                      <p:tavLst>
+                                        <p:tav tm="0">
+                                          <p:val>
+                                            <p:strVal val="#ppt_x"/>
+                                          </p:val>
+                                        </p:tav>
+                                        <p:tav tm="100000">
+                                          <p:val>
+                                            <p:strVal val="#ppt_x"/>
+                                          </p:val>
+                                        </p:tav>
+                                      </p:tavLst>
+                                    </p:anim>
+                                    <p:anim calcmode="lin" valueType="num">
+                                      <p:cBhvr additive="base">
+                                        <p:cTn id="20" dur="500" fill="hold"/>
+                                        <p:tgtEl>
+                                          <p:spTgt spid="8"/>
+                                        </p:tgtEl>
+                                        <p:attrNameLst>
+                                          <p:attrName>ppt_y</p:attrName>
+                                        </p:attrNameLst>
+                                      </p:cBhvr>
+                                      <p:tavLst>
+                                        <p:tav tm="0">
+                                          <p:val>
+                                            <p:strVal val="1+#ppt_h/2"/>
+                                          </p:val>
+                                        </p:tav>
+                                        <p:tav tm="100000">
+                                          <p:val>
+                                            <p:strVal val="#ppt_y"/>
+                                          </p:val>
+                                        </p:tav>
+                                      </p:tavLst>
+                                    </p:anim>
+                                  </p:childTnLst>
+                                </p:cTn>
+                              </p:par>
+                            </p:childTnLst>
+                          </p:cTn>
+                        </p:par>
+                      </p:childTnLst>
+                    </p:cTn>
+                  </p:par>
+                </p:childTnLst>
+              </p:cTn>
+              <p:prevCondLst>
+                <p:cond evt="onPrev" delay="0">
+                  <p:tgtEl>
+                    <p:sldTgt/>
+                  </p:tgtEl>
+                </p:cond>
+              </p:prevCondLst>
+              <p:nextCondLst>
+                <p:cond evt="onNext" delay="0">
+                  <p:tgtEl>
+                    <p:sldTgt/>
+                  </p:tgtEl>
+                </p:cond>
+              </p:nextCondLst>
+            </p:seq>
+          </p:childTnLst>
+        </p:cTn>
+      </p:par>
+    </p:tnLst>
+  </p:timing>
+</p:sld>
+</file>
+
+<file path=ppt/slides/slide4.xml><?xml version="1.0" encoding="utf-8"?>
+<p:sld xmlns:a="http://schemas.openxmlformats.org/drawingml/2006/main" xmlns:r="http://schemas.openxmlformats.org/officeDocument/2006/relationships" xmlns:p="http://schemas.openxmlformats.org/presentationml/2006/main">
+  <p:cSld>
+    <p:spTree>
+      <p:nvGrpSpPr>
+        <p:cNvPr id="1" name=""/>
+        <p:cNvGrpSpPr/>
+        <p:nvPr/>
+      </p:nvGrpSpPr>
+      <p:grpSpPr>
+        <a:xfrm>
+          <a:off x="0" y="0"/>
+          <a:ext cx="0" cy="0"/>
+          <a:chOff x="0" y="0"/>
+          <a:chExt cx="0" cy="0"/>
+        </a:xfrm>
+      </p:grpSpPr>
+      <p:sp>
+        <p:nvSpPr>
+          <p:cNvPr id="2" name="Title 1"/>
+          <p:cNvSpPr>
+            <a:spLocks noGrp="1"/>
+          </p:cNvSpPr>
+          <p:nvPr>
+            <p:ph type="title"/>
+          </p:nvPr>
+        </p:nvSpPr>
+        <p:spPr/>
+        <p:txBody>
+          <a:bodyPr/>
+          <a:lstStyle/>
+          <a:p>
+            <a:r>
+              <a:rPr lang="en-GB" dirty="0" smtClean="0">
+                <a:solidFill>
+                  <a:srgbClr val="FFC000"/>
+                </a:solidFill>
+              </a:rPr>
+              <a:t>What is polymorphism?</a:t>
+            </a:r>
+            <a:endParaRPr lang="en-GB" dirty="0">
+              <a:solidFill>
+                <a:srgbClr val="FFC000"/>
+              </a:solidFill>
+            </a:endParaRPr>
+          </a:p>
+        </p:txBody>
+      </p:sp>
+      <p:pic>
+        <p:nvPicPr>
+          <p:cNvPr id="4" name="Content Placeholder 3" descr="polymorphism.png"/>
+          <p:cNvPicPr>
+            <a:picLocks noGrp="1" noChangeAspect="1"/>
+          </p:cNvPicPr>
+          <p:nvPr>
+            <p:ph idx="1"/>
+          </p:nvPr>
+        </p:nvPicPr>
+        <p:blipFill>
+          <a:blip r:embed="rId2"/>
+          <a:stretch>
+            <a:fillRect/>
+          </a:stretch>
+        </p:blipFill>
+        <p:spPr>
+          <a:xfrm>
+            <a:off x="857224" y="2014910"/>
+            <a:ext cx="7215238" cy="3696542"/>
+          </a:xfrm>
+          <a:prstGeom prst="rect">
+            <a:avLst/>
+          </a:prstGeom>
+        </p:spPr>
+      </p:pic>
+    </p:spTree>
+  </p:cSld>
+  <p:clrMapOvr>
+    <a:masterClrMapping/>
+  </p:clrMapOvr>
+  <p:timing>
+    <p:tnLst>
+      <p:par>
+        <p:cTn id="1" dur="indefinite" restart="never" nodeType="tmRoot"/>
+      </p:par>
+    </p:tnLst>
+  </p:timing>
+</p:sld>
+</file>
+
+<file path=ppt/slides/slide5.xml><?xml version="1.0" encoding="utf-8"?>
+<p:sld xmlns:a="http://schemas.openxmlformats.org/drawingml/2006/main" xmlns:r="http://schemas.openxmlformats.org/officeDocument/2006/relationships" xmlns:p="http://schemas.openxmlformats.org/presentationml/2006/main">
+  <p:cSld>
+    <p:spTree>
+      <p:nvGrpSpPr>
+        <p:cNvPr id="1" name=""/>
+        <p:cNvGrpSpPr/>
+        <p:nvPr/>
+      </p:nvGrpSpPr>
+      <p:grpSpPr>
+        <a:xfrm>
+          <a:off x="0" y="0"/>
+          <a:ext cx="0" cy="0"/>
+          <a:chOff x="0" y="0"/>
+          <a:chExt cx="0" cy="0"/>
+        </a:xfrm>
+      </p:grpSpPr>
+      <p:sp>
+        <p:nvSpPr>
+          <p:cNvPr id="2" name="Title 1"/>
+          <p:cNvSpPr>
+            <a:spLocks noGrp="1"/>
+          </p:cNvSpPr>
+          <p:nvPr>
+            <p:ph type="title"/>
+          </p:nvPr>
+        </p:nvSpPr>
+        <p:spPr/>
+        <p:txBody>
+          <a:bodyPr/>
+          <a:lstStyle/>
+          <a:p>
+            <a:r>
+              <a:rPr lang="en-GB" dirty="0" smtClean="0">
+                <a:solidFill>
+                  <a:srgbClr val="FFC000"/>
+                </a:solidFill>
+              </a:rPr>
+              <a:t>Premise</a:t>
+            </a:r>
+            <a:endParaRPr lang="en-GB" dirty="0"/>
+          </a:p>
+        </p:txBody>
+      </p:sp>
+      <p:sp>
+        <p:nvSpPr>
+          <p:cNvPr id="3" name="Content Placeholder 2"/>
+          <p:cNvSpPr>
+            <a:spLocks noGrp="1"/>
+          </p:cNvSpPr>
+          <p:nvPr>
+            <p:ph idx="1"/>
+          </p:nvPr>
+        </p:nvSpPr>
+        <p:spPr/>
+        <p:txBody>
+          <a:bodyPr/>
+          <a:lstStyle/>
+          <a:p>
+            <a:r>
+              <a:rPr lang="en-GB" dirty="0" smtClean="0">
+                <a:solidFill>
+                  <a:srgbClr val="C00000"/>
+                </a:solidFill>
+              </a:rPr>
+              <a:t>Ifs </a:t>
+            </a:r>
+            <a:r>
+              <a:rPr lang="en-GB" dirty="0" smtClean="0">
+                <a:solidFill>
+                  <a:srgbClr val="FFC000"/>
+                </a:solidFill>
+              </a:rPr>
+              <a:t> are useful however they are like a salt .</a:t>
+            </a:r>
+            <a:endParaRPr lang="en-GB" dirty="0">
+              <a:solidFill>
+                <a:srgbClr val="FFC000"/>
+              </a:solidFill>
+            </a:endParaRPr>
+          </a:p>
+          <a:p>
+            <a:pPr>
+              <a:buNone/>
+            </a:pPr>
+            <a:endParaRPr lang="en-GB" dirty="0" smtClean="0">
+              <a:solidFill>
+                <a:srgbClr val="FFC000"/>
+              </a:solidFill>
+            </a:endParaRPr>
+          </a:p>
+        </p:txBody>
+      </p:sp>
+      <p:pic>
+        <p:nvPicPr>
+          <p:cNvPr id="5" name="Picture 4" descr="DSC_0719.JPG"/>
+          <p:cNvPicPr>
+            <a:picLocks noChangeAspect="1"/>
+          </p:cNvPicPr>
+          <p:nvPr/>
+        </p:nvPicPr>
+        <p:blipFill>
+          <a:blip r:embed="rId2" cstate="print"/>
+          <a:stretch>
+            <a:fillRect/>
+          </a:stretch>
+        </p:blipFill>
+        <p:spPr>
+          <a:xfrm>
+            <a:off x="4286248" y="2786058"/>
+            <a:ext cx="3500462" cy="3643338"/>
+          </a:xfrm>
+          <a:prstGeom prst="rect">
+            <a:avLst/>
+          </a:prstGeom>
+        </p:spPr>
+      </p:pic>
+      <p:sp>
+        <p:nvSpPr>
+          <p:cNvPr id="9" name="Rectangle 8"/>
+          <p:cNvSpPr/>
+          <p:nvPr/>
+        </p:nvSpPr>
+        <p:spPr>
+          <a:xfrm>
+            <a:off x="500034" y="3286124"/>
+            <a:ext cx="2500330" cy="928694"/>
+          </a:xfrm>
+          <a:prstGeom prst="rect">
+            <a:avLst/>
+          </a:prstGeom>
+        </p:spPr>
+        <p:style>
+          <a:lnRef idx="2">
+            <a:schemeClr val="dk1">
+              <a:shade val="50000"/>
+            </a:schemeClr>
+          </a:lnRef>
+          <a:fillRef idx="1">
+            <a:schemeClr val="dk1"/>
+          </a:fillRef>
+          <a:effectRef idx="0">
+            <a:schemeClr val="dk1"/>
+          </a:effectRef>
+          <a:fontRef idx="minor">
+            <a:schemeClr val="lt1"/>
+          </a:fontRef>
+        </p:style>
+        <p:txBody>
+          <a:bodyPr rtlCol="0" anchor="ctr"/>
+          <a:lstStyle/>
+          <a:p>
+            <a:r>
+              <a:rPr lang="en-GB" sz="2800" dirty="0" smtClean="0">
+                <a:solidFill>
+                  <a:srgbClr val="FFC000"/>
+                </a:solidFill>
+              </a:rPr>
+              <a:t>Just enough salt</a:t>
+            </a:r>
+          </a:p>
+        </p:txBody>
+      </p:sp>
+      <p:pic>
+        <p:nvPicPr>
+          <p:cNvPr id="4" name="Picture 3" descr="cranberry-sauce-reaction.jpg"/>
+          <p:cNvPicPr>
+            <a:picLocks noChangeAspect="1"/>
+          </p:cNvPicPr>
+          <p:nvPr/>
+        </p:nvPicPr>
+        <p:blipFill>
+          <a:blip r:embed="rId3"/>
+          <a:stretch>
+            <a:fillRect/>
+          </a:stretch>
+        </p:blipFill>
+        <p:spPr>
+          <a:xfrm>
+            <a:off x="4286248" y="2786058"/>
+            <a:ext cx="4071966" cy="3643338"/>
+          </a:xfrm>
+          <a:prstGeom prst="rect">
+            <a:avLst/>
+          </a:prstGeom>
+        </p:spPr>
+      </p:pic>
+      <p:sp>
+        <p:nvSpPr>
+          <p:cNvPr id="8" name="Rectangle 7"/>
+          <p:cNvSpPr/>
+          <p:nvPr/>
+        </p:nvSpPr>
+        <p:spPr>
+          <a:xfrm>
+            <a:off x="357158" y="3357562"/>
+            <a:ext cx="2500330" cy="928694"/>
+          </a:xfrm>
+          <a:prstGeom prst="rect">
+            <a:avLst/>
+          </a:prstGeom>
+        </p:spPr>
+        <p:style>
+          <a:lnRef idx="2">
+            <a:schemeClr val="dk1">
+              <a:shade val="50000"/>
+            </a:schemeClr>
+          </a:lnRef>
+          <a:fillRef idx="1">
+            <a:schemeClr val="dk1"/>
+          </a:fillRef>
+          <a:effectRef idx="0">
+            <a:schemeClr val="dk1"/>
+          </a:effectRef>
+          <a:fontRef idx="minor">
+            <a:schemeClr val="lt1"/>
+          </a:fontRef>
+        </p:style>
+        <p:txBody>
+          <a:bodyPr rtlCol="0" anchor="ctr"/>
+          <a:lstStyle/>
+          <a:p>
+            <a:r>
+              <a:rPr lang="en-GB" sz="2800" dirty="0" smtClean="0">
+                <a:solidFill>
+                  <a:srgbClr val="FFC000"/>
+                </a:solidFill>
+              </a:rPr>
+              <a:t>Too much salt                           </a:t>
+            </a:r>
+          </a:p>
+        </p:txBody>
+      </p:sp>
+    </p:spTree>
+  </p:cSld>
+  <p:clrMapOvr>
+    <a:masterClrMapping/>
+  </p:clrMapOvr>
+  <p:timing>
+    <p:tnLst>
+      <p:par>
+        <p:cTn id="1" dur="indefinite" restart="never" nodeType="tmRoot">
+          <p:childTnLst>
+            <p:seq concurrent="1" nextAc="seek">
+              <p:cTn id="2" dur="indefinite" nodeType="mainSeq">
+                <p:childTnLst>
+                  <p:par>
+                    <p:cTn id="3" fill="hold">
+                      <p:stCondLst>
+                        <p:cond delay="indefinite"/>
+                      </p:stCondLst>
+                      <p:childTnLst>
+                        <p:par>
+                          <p:cTn id="4" fill="hold">
+                            <p:stCondLst>
+                              <p:cond delay="0"/>
+                            </p:stCondLst>
+                            <p:childTnLst>
+                              <p:par>
+                                <p:cTn id="5" presetID="2" presetClass="entr" presetSubtype="4" fill="hold" grpId="0" nodeType="clickEffect">
+                                  <p:stCondLst>
+                                    <p:cond delay="0"/>
+                                  </p:stCondLst>
+                                  <p:childTnLst>
+                                    <p:set>
+                                      <p:cBhvr>
+                                        <p:cTn id="6" dur="1" fill="hold">
+                                          <p:stCondLst>
+                                            <p:cond delay="0"/>
+                                          </p:stCondLst>
+                                        </p:cTn>
+                                        <p:tgtEl>
+                                          <p:spTgt spid="9"/>
+                                        </p:tgtEl>
+                                        <p:attrNameLst>
+                                          <p:attrName>style.visibility</p:attrName>
+                                        </p:attrNameLst>
+                                      </p:cBhvr>
+                                      <p:to>
+                                        <p:strVal val="visible"/>
+                                      </p:to>
+                                    </p:set>
+                                    <p:anim calcmode="lin" valueType="num">
+                                      <p:cBhvr additive="base">
+                                        <p:cTn id="7" dur="500" fill="hold"/>
+                                        <p:tgtEl>
+                                          <p:spTgt spid="9"/>
+                                        </p:tgtEl>
+                                        <p:attrNameLst>
+                                          <p:attrName>ppt_x</p:attrName>
+                                        </p:attrNameLst>
+                                      </p:cBhvr>
+                                      <p:tavLst>
+                                        <p:tav tm="0">
+                                          <p:val>
+                                            <p:strVal val="#ppt_x"/>
+                                          </p:val>
+                                        </p:tav>
+                                        <p:tav tm="100000">
+                                          <p:val>
+                                            <p:strVal val="#ppt_x"/>
+                                          </p:val>
+                                        </p:tav>
+                                      </p:tavLst>
+                                    </p:anim>
+                                    <p:anim calcmode="lin" valueType="num">
+                                      <p:cBhvr additive="base">
+                                        <p:cTn id="8" dur="500" fill="hold"/>
+                                        <p:tgtEl>
+                                          <p:spTgt spid="9"/>
+                                        </p:tgtEl>
+                                        <p:attrNameLst>
+                                          <p:attrName>ppt_y</p:attrName>
+                                        </p:attrNameLst>
+                                      </p:cBhvr>
+                                      <p:tavLst>
+                                        <p:tav tm="0">
+                                          <p:val>
+                                            <p:strVal val="1+#ppt_h/2"/>
+                                          </p:val>
+                                        </p:tav>
+                                        <p:tav tm="100000">
+                                          <p:val>
+                                            <p:strVal val="#ppt_y"/>
+                                          </p:val>
+                                        </p:tav>
+                                      </p:tavLst>
+                                    </p:anim>
+                                  </p:childTnLst>
+                                </p:cTn>
+                              </p:par>
+                            </p:childTnLst>
+                          </p:cTn>
+                        </p:par>
+                      </p:childTnLst>
+                    </p:cTn>
+                  </p:par>
+                  <p:par>
+                    <p:cTn id="9" fill="hold">
+                      <p:stCondLst>
+                        <p:cond delay="indefinite"/>
+                      </p:stCondLst>
+                      <p:childTnLst>
+                        <p:par>
+                          <p:cTn id="10" fill="hold">
+                            <p:stCondLst>
+                              <p:cond delay="0"/>
+                            </p:stCondLst>
+                            <p:childTnLst>
+                              <p:par>
+                                <p:cTn id="11" presetID="2" presetClass="entr" presetSubtype="4" fill="hold" nodeType="clickEffect">
+                                  <p:stCondLst>
+                                    <p:cond delay="0"/>
+                                  </p:stCondLst>
+                                  <p:childTnLst>
+                                    <p:set>
+                                      <p:cBhvr>
+                                        <p:cTn id="12" dur="1" fill="hold">
+                                          <p:stCondLst>
+                                            <p:cond delay="0"/>
+                                          </p:stCondLst>
+                                        </p:cTn>
+                                        <p:tgtEl>
+                                          <p:spTgt spid="5"/>
+                                        </p:tgtEl>
+                                        <p:attrNameLst>
+                                          <p:attrName>style.visibility</p:attrName>
+                                        </p:attrNameLst>
+                                      </p:cBhvr>
+                                      <p:to>
+                                        <p:strVal val="visible"/>
+                                      </p:to>
+                                    </p:set>
+                                    <p:anim calcmode="lin" valueType="num">
+                                      <p:cBhvr additive="base">
+                                        <p:cTn id="13" dur="500" fill="hold"/>
+                                        <p:tgtEl>
+                                          <p:spTgt spid="5"/>
+                                        </p:tgtEl>
+                                        <p:attrNameLst>
+                                          <p:attrName>ppt_x</p:attrName>
+                                        </p:attrNameLst>
+                                      </p:cBhvr>
+                                      <p:tavLst>
+                                        <p:tav tm="0">
+                                          <p:val>
+                                            <p:strVal val="#ppt_x"/>
+                                          </p:val>
+                                        </p:tav>
+                                        <p:tav tm="100000">
+                                          <p:val>
+                                            <p:strVal val="#ppt_x"/>
+                                          </p:val>
+                                        </p:tav>
+                                      </p:tavLst>
+                                    </p:anim>
+                                    <p:anim calcmode="lin" valueType="num">
+                                      <p:cBhvr additive="base">
+                                        <p:cTn id="14" dur="500" fill="hold"/>
+                                        <p:tgtEl>
+                                          <p:spTgt spid="5"/>
+                                        </p:tgtEl>
+                                        <p:attrNameLst>
+                                          <p:attrName>ppt_y</p:attrName>
+                                        </p:attrNameLst>
+                                      </p:cBhvr>
+                                      <p:tavLst>
+                                        <p:tav tm="0">
+                                          <p:val>
+                                            <p:strVal val="1+#ppt_h/2"/>
+                                          </p:val>
+                                        </p:tav>
+                                        <p:tav tm="100000">
+                                          <p:val>
+                                            <p:strVal val="#ppt_y"/>
+                                          </p:val>
+                                        </p:tav>
+                                      </p:tavLst>
+                                    </p:anim>
+                                  </p:childTnLst>
+                                </p:cTn>
+                              </p:par>
+                            </p:childTnLst>
+                          </p:cTn>
+                        </p:par>
+                      </p:childTnLst>
+                    </p:cTn>
+                  </p:par>
+                  <p:par>
+                    <p:cTn id="15" fill="hold">
+                      <p:stCondLst>
+                        <p:cond delay="indefinite"/>
+                      </p:stCondLst>
+                      <p:childTnLst>
+                        <p:par>
+                          <p:cTn id="16" fill="hold">
+                            <p:stCondLst>
+                              <p:cond delay="0"/>
+                            </p:stCondLst>
+                            <p:childTnLst>
+                              <p:par>
+                                <p:cTn id="17" presetID="2" presetClass="entr" presetSubtype="4" fill="hold" grpId="0" nodeType="clickEffect">
+                                  <p:stCondLst>
+                                    <p:cond delay="0"/>
+                                  </p:stCondLst>
+                                  <p:childTnLst>
+                                    <p:set>
+                                      <p:cBhvr>
+                                        <p:cTn id="18" dur="1" fill="hold">
+                                          <p:stCondLst>
+                                            <p:cond delay="0"/>
+                                          </p:stCondLst>
+                                        </p:cTn>
+                                        <p:tgtEl>
+                                          <p:spTgt spid="8"/>
+                                        </p:tgtEl>
+                                        <p:attrNameLst>
+                                          <p:attrName>style.visibility</p:attrName>
+                                        </p:attrNameLst>
+                                      </p:cBhvr>
+                                      <p:to>
+                                        <p:strVal val="visible"/>
+                                      </p:to>
+                                    </p:set>
+                                    <p:anim calcmode="lin" valueType="num">
+                                      <p:cBhvr additive="base">
+                                        <p:cTn id="19" dur="500" fill="hold"/>
+                                        <p:tgtEl>
+                                          <p:spTgt spid="8"/>
+                                        </p:tgtEl>
+                                        <p:attrNameLst>
+                                          <p:attrName>ppt_x</p:attrName>
+                                        </p:attrNameLst>
+                                      </p:cBhvr>
+                                      <p:tavLst>
+                                        <p:tav tm="0">
+                                          <p:val>
+                                            <p:strVal val="#ppt_x"/>
+                                          </p:val>
+                                        </p:tav>
+                                        <p:tav tm="100000">
+                                          <p:val>
+                                            <p:strVal val="#ppt_x"/>
+                                          </p:val>
+                                        </p:tav>
+                                      </p:tavLst>
+                                    </p:anim>
+                                    <p:anim calcmode="lin" valueType="num">
+                                      <p:cBhvr additive="base">
+                                        <p:cTn id="20" dur="500" fill="hold"/>
+                                        <p:tgtEl>
+                                          <p:spTgt spid="8"/>
+                                        </p:tgtEl>
+                                        <p:attrNameLst>
+                                          <p:attrName>ppt_y</p:attrName>
+                                        </p:attrNameLst>
+                                      </p:cBhvr>
+                                      <p:tavLst>
+                                        <p:tav tm="0">
+                                          <p:val>
+                                            <p:strVal val="1+#ppt_h/2"/>
+                                          </p:val>
+                                        </p:tav>
+                                        <p:tav tm="100000">
+                                          <p:val>
+                                            <p:strVal val="#ppt_y"/>
+                                          </p:val>
+                                        </p:tav>
+                                      </p:tavLst>
+                                    </p:anim>
+                                  </p:childTnLst>
+                                </p:cTn>
+                              </p:par>
+                            </p:childTnLst>
+                          </p:cTn>
+                        </p:par>
+                      </p:childTnLst>
+                    </p:cTn>
+                  </p:par>
+                  <p:par>
+                    <p:cTn id="21" fill="hold">
+                      <p:stCondLst>
+                        <p:cond delay="indefinite"/>
+                      </p:stCondLst>
+                      <p:childTnLst>
+                        <p:par>
+                          <p:cTn id="22" fill="hold">
+                            <p:stCondLst>
+                              <p:cond delay="0"/>
+                            </p:stCondLst>
+                            <p:childTnLst>
+                              <p:par>
+                                <p:cTn id="23" presetID="2" presetClass="entr" presetSubtype="4" fill="hold" nodeType="clickEffect">
+                                  <p:stCondLst>
+                                    <p:cond delay="0"/>
+                                  </p:stCondLst>
+                                  <p:childTnLst>
+                                    <p:set>
+                                      <p:cBhvr>
+                                        <p:cTn id="24" dur="1" fill="hold">
+                                          <p:stCondLst>
+                                            <p:cond delay="0"/>
+                                          </p:stCondLst>
+                                        </p:cTn>
+                                        <p:tgtEl>
+                                          <p:spTgt spid="4"/>
+                                        </p:tgtEl>
+                                        <p:attrNameLst>
+                                          <p:attrName>style.visibility</p:attrName>
+                                        </p:attrNameLst>
+                                      </p:cBhvr>
+                                      <p:to>
+                                        <p:strVal val="visible"/>
+                                      </p:to>
+                                    </p:set>
+                                    <p:anim calcmode="lin" valueType="num">
+                                      <p:cBhvr additive="base">
+                                        <p:cTn id="25" dur="500" fill="hold"/>
+                                        <p:tgtEl>
+                                          <p:spTgt spid="4"/>
+                                        </p:tgtEl>
+                                        <p:attrNameLst>
+                                          <p:attrName>ppt_x</p:attrName>
+                                        </p:attrNameLst>
+                                      </p:cBhvr>
+                                      <p:tavLst>
+                                        <p:tav tm="0">
+                                          <p:val>
+                                            <p:strVal val="#ppt_x"/>
+                                          </p:val>
+                                        </p:tav>
+                                        <p:tav tm="100000">
+                                          <p:val>
+                                            <p:strVal val="#ppt_x"/>
+                                          </p:val>
+                                        </p:tav>
+                                      </p:tavLst>
+                                    </p:anim>
+                                    <p:anim calcmode="lin" valueType="num">
+                                      <p:cBhvr additive="base">
+                                        <p:cTn id="26" dur="500" fill="hold"/>
+                                        <p:tgtEl>
+                                          <p:spTgt spid="4"/>
+                                        </p:tgtEl>
+                                        <p:attrNameLst>
+                                          <p:attrName>ppt_y</p:attrName>
+                                        </p:attrNameLst>
+                                      </p:cBhvr>
+                                      <p:tavLst>
+                                        <p:tav tm="0">
+                                          <p:val>
+                                            <p:strVal val="1+#ppt_h/2"/>
+                                          </p:val>
+                                        </p:tav>
+                                        <p:tav tm="100000">
+                                          <p:val>
+                                            <p:strVal val="#ppt_y"/>
+                                          </p:val>
+                                        </p:tav>
+                                      </p:tavLst>
+                                    </p:anim>
+                                  </p:childTnLst>
+                                </p:cTn>
+                              </p:par>
+                            </p:childTnLst>
+                          </p:cTn>
+                        </p:par>
+                      </p:childTnLst>
+                    </p:cTn>
+                  </p:par>
+                </p:childTnLst>
+              </p:cTn>
+              <p:prevCondLst>
+                <p:cond evt="onPrev" delay="0">
+                  <p:tgtEl>
+                    <p:sldTgt/>
+                  </p:tgtEl>
+                </p:cond>
+              </p:prevCondLst>
+              <p:nextCondLst>
+                <p:cond evt="onNext" delay="0">
+                  <p:tgtEl>
+                    <p:sldTgt/>
+                  </p:tgtEl>
+                </p:cond>
+              </p:nextCondLst>
+            </p:seq>
+          </p:childTnLst>
+        </p:cTn>
+      </p:par>
+    </p:tnLst>
+    <p:bldLst>
+      <p:bldP spid="9" grpId="0" animBg="1"/>
+      <p:bldP spid="8" grpId="0" animBg="1"/>
+    </p:bldLst>
+  </p:timing>
+</p:sld>
+</file>
+
+<file path=ppt/slides/slide6.xml><?xml version="1.0" encoding="utf-8"?>
+<p:sld xmlns:a="http://schemas.openxmlformats.org/drawingml/2006/main" xmlns:r="http://schemas.openxmlformats.org/officeDocument/2006/relationships" xmlns:p="http://schemas.openxmlformats.org/presentationml/2006/main">
+  <p:cSld>
+    <p:spTree>
+      <p:nvGrpSpPr>
+        <p:cNvPr id="1" name=""/>
+        <p:cNvGrpSpPr/>
+        <p:nvPr/>
+      </p:nvGrpSpPr>
+      <p:grpSpPr>
+        <a:xfrm>
+          <a:off x="0" y="0"/>
+          <a:ext cx="0" cy="0"/>
+          <a:chOff x="0" y="0"/>
+          <a:chExt cx="0" cy="0"/>
+        </a:xfrm>
+      </p:grpSpPr>
+      <p:sp>
+        <p:nvSpPr>
+          <p:cNvPr id="2" name="Title 1"/>
+          <p:cNvSpPr>
+            <a:spLocks noGrp="1"/>
+          </p:cNvSpPr>
+          <p:nvPr>
+            <p:ph type="title"/>
+          </p:nvPr>
+        </p:nvSpPr>
+        <p:spPr/>
+        <p:txBody>
+          <a:bodyPr/>
+          <a:lstStyle/>
+          <a:p>
+            <a:r>
+              <a:rPr lang="en-GB" dirty="0" smtClean="0">
+                <a:solidFill>
+                  <a:srgbClr val="FFC000"/>
+                </a:solidFill>
+              </a:rPr>
+              <a:t>Why polymorphism?</a:t>
+            </a:r>
+            <a:endParaRPr lang="en-GB" dirty="0">
+              <a:solidFill>
+                <a:srgbClr val="FFC000"/>
+              </a:solidFill>
+            </a:endParaRPr>
+          </a:p>
+        </p:txBody>
+      </p:sp>
+      <p:sp>
+        <p:nvSpPr>
+          <p:cNvPr id="3" name="Content Placeholder 2"/>
+          <p:cNvSpPr>
+            <a:spLocks noGrp="1"/>
+          </p:cNvSpPr>
+          <p:nvPr>
+            <p:ph idx="1"/>
+          </p:nvPr>
+        </p:nvSpPr>
+        <p:spPr/>
+        <p:txBody>
+          <a:bodyPr/>
+          <a:lstStyle/>
+          <a:p>
+            <a:r>
+              <a:rPr lang="en-GB" dirty="0" smtClean="0">
+                <a:solidFill>
+                  <a:srgbClr val="FFC000"/>
+                </a:solidFill>
+              </a:rPr>
+              <a:t>Code is easier to read</a:t>
+            </a:r>
+          </a:p>
+          <a:p>
+            <a:r>
+              <a:rPr lang="en-GB" dirty="0" smtClean="0">
+                <a:solidFill>
+                  <a:srgbClr val="FFC000"/>
+                </a:solidFill>
+              </a:rPr>
+              <a:t>Code is easier to test</a:t>
+            </a:r>
+          </a:p>
+          <a:p>
+            <a:r>
+              <a:rPr lang="en-GB" dirty="0" smtClean="0">
+                <a:solidFill>
+                  <a:srgbClr val="FFC000"/>
+                </a:solidFill>
+              </a:rPr>
+              <a:t>Code is easier maintain</a:t>
+            </a:r>
+          </a:p>
+          <a:p>
+            <a:endParaRPr lang="en-GB" dirty="0"/>
+          </a:p>
+        </p:txBody>
+      </p:sp>
+    </p:spTree>
+  </p:cSld>
+  <p:clrMapOvr>
+    <a:masterClrMapping/>
+  </p:clrMapOvr>
+  <p:timing>
+    <p:tnLst>
+      <p:par>
+        <p:cTn id="1" dur="indefinite" restart="never" nodeType="tmRoot">
+          <p:childTnLst>
+            <p:seq concurrent="1" nextAc="seek">
+              <p:cTn id="2" dur="indefinite" nodeType="mainSeq">
+                <p:childTnLst>
+                  <p:par>
+                    <p:cTn id="3" fill="hold">
+                      <p:stCondLst>
+                        <p:cond delay="indefinite"/>
+                      </p:stCondLst>
+                      <p:childTnLst>
+                        <p:par>
+                          <p:cTn id="4" fill="hold">
+                            <p:stCondLst>
+                              <p:cond delay="0"/>
+                            </p:stCondLst>
+                            <p:childTnLst>
+                              <p:par>
+                                <p:cTn id="5" presetID="2" presetClass="entr" presetSubtype="4" fill="hold" nodeType="clickEffect">
+                                  <p:stCondLst>
+                                    <p:cond delay="0"/>
+                                  </p:stCondLst>
+                                  <p:childTnLst>
+                                    <p:set>
+                                      <p:cBhvr>
+                                        <p:cTn id="6" dur="1" fill="hold">
+                                          <p:stCondLst>
+                                            <p:cond delay="0"/>
+                                          </p:stCondLst>
+                                        </p:cTn>
+                                        <p:tgtEl>
+                                          <p:spTgt spid="3">
+                                            <p:txEl>
+                                              <p:pRg st="0" end="0"/>
+                                            </p:txEl>
+                                          </p:spTgt>
+                                        </p:tgtEl>
+                                        <p:attrNameLst>
+                                          <p:attrName>style.visibility</p:attrName>
+                                        </p:attrNameLst>
+                                      </p:cBhvr>
+                                      <p:to>
+                                        <p:strVal val="visible"/>
+                                      </p:to>
+                                    </p:set>
+                                    <p:anim calcmode="lin" valueType="num">
+                                      <p:cBhvr additive="base">
+                                        <p:cTn id="7" dur="500" fill="hold"/>
+                                        <p:tgtEl>
+                                          <p:spTgt spid="3">
+                                            <p:txEl>
+                                              <p:pRg st="0" end="0"/>
+                                            </p:txEl>
+                                          </p:spTgt>
+                                        </p:tgtEl>
+                                        <p:attrNameLst>
+                                          <p:attrName>ppt_x</p:attrName>
+                                        </p:attrNameLst>
+                                      </p:cBhvr>
+                                      <p:tavLst>
+                                        <p:tav tm="0">
+                                          <p:val>
+                                            <p:strVal val="#ppt_x"/>
+                                          </p:val>
+                                        </p:tav>
+                                        <p:tav tm="100000">
+                                          <p:val>
+                                            <p:strVal val="#ppt_x"/>
+                                          </p:val>
+                                        </p:tav>
+                                      </p:tavLst>
+                                    </p:anim>
+                                    <p:anim calcmode="lin" valueType="num">
+                                      <p:cBhvr additive="base">
+                                        <p:cTn id="8" dur="500" fill="hold"/>
+                                        <p:tgtEl>
+                                          <p:spTgt spid="3">
+                                            <p:txEl>
+                                              <p:pRg st="0" end="0"/>
+                                            </p:txEl>
+                                          </p:spTgt>
+                                        </p:tgtEl>
+                                        <p:attrNameLst>
+                                          <p:attrName>ppt_y</p:attrName>
+                                        </p:attrNameLst>
+                                      </p:cBhvr>
+                                      <p:tavLst>
+                                        <p:tav tm="0">
+                                          <p:val>
+                                            <p:strVal val="1+#ppt_h/2"/>
+                                          </p:val>
+                                        </p:tav>
+                                        <p:tav tm="100000">
+                                          <p:val>
+                                            <p:strVal val="#ppt_y"/>
+                                          </p:val>
+                                        </p:tav>
+                                      </p:tavLst>
+                                    </p:anim>
+                                  </p:childTnLst>
+                                </p:cTn>
+                              </p:par>
+                            </p:childTnLst>
+                          </p:cTn>
+                        </p:par>
+                      </p:childTnLst>
+                    </p:cTn>
+                  </p:par>
+                  <p:par>
+                    <p:cTn id="9" fill="hold">
+                      <p:stCondLst>
+                        <p:cond delay="indefinite"/>
+                      </p:stCondLst>
+                      <p:childTnLst>
+                        <p:par>
+                          <p:cTn id="10" fill="hold">
+                            <p:stCondLst>
+                              <p:cond delay="0"/>
+                            </p:stCondLst>
+                            <p:childTnLst>
+                              <p:par>
+                                <p:cTn id="11" presetID="2" presetClass="entr" presetSubtype="4" fill="hold" nodeType="clickEffect">
+                                  <p:stCondLst>
+                                    <p:cond delay="0"/>
+                                  </p:stCondLst>
+                                  <p:childTnLst>
+                                    <p:set>
+                                      <p:cBhvr>
+                                        <p:cTn id="12" dur="1" fill="hold">
+                                          <p:stCondLst>
+                                            <p:cond delay="0"/>
+                                          </p:stCondLst>
+                                        </p:cTn>
+                                        <p:tgtEl>
+                                          <p:spTgt spid="3">
+                                            <p:txEl>
+                                              <p:pRg st="1" end="1"/>
+                                            </p:txEl>
+                                          </p:spTgt>
+                                        </p:tgtEl>
+                                        <p:attrNameLst>
+                                          <p:attrName>style.visibility</p:attrName>
+                                        </p:attrNameLst>
+                                      </p:cBhvr>
+                                      <p:to>
+                                        <p:strVal val="visible"/>
+                                      </p:to>
+                                    </p:set>
+                                    <p:anim calcmode="lin" valueType="num">
+                                      <p:cBhvr additive="base">
+                                        <p:cTn id="13" dur="500" fill="hold"/>
+                                        <p:tgtEl>
+                                          <p:spTgt spid="3">
+                                            <p:txEl>
+                                              <p:pRg st="1" end="1"/>
+                                            </p:txEl>
+                                          </p:spTgt>
+                                        </p:tgtEl>
+                                        <p:attrNameLst>
+                                          <p:attrName>ppt_x</p:attrName>
+                                        </p:attrNameLst>
+                                      </p:cBhvr>
+                                      <p:tavLst>
+                                        <p:tav tm="0">
+                                          <p:val>
+                                            <p:strVal val="#ppt_x"/>
+                                          </p:val>
+                                        </p:tav>
+                                        <p:tav tm="100000">
+                                          <p:val>
+                                            <p:strVal val="#ppt_x"/>
+                                          </p:val>
+                                        </p:tav>
+                                      </p:tavLst>
+                                    </p:anim>
+                                    <p:anim calcmode="lin" valueType="num">
+                                      <p:cBhvr additive="base">
+                                        <p:cTn id="14" dur="500" fill="hold"/>
+                                        <p:tgtEl>
+                                          <p:spTgt spid="3">
+                                            <p:txEl>
+                                              <p:pRg st="1" end="1"/>
+                                            </p:txEl>
+                                          </p:spTgt>
+                                        </p:tgtEl>
+                                        <p:attrNameLst>
+                                          <p:attrName>ppt_y</p:attrName>
+                                        </p:attrNameLst>
+                                      </p:cBhvr>
+                                      <p:tavLst>
+                                        <p:tav tm="0">
+                                          <p:val>
+                                            <p:strVal val="1+#ppt_h/2"/>
+                                          </p:val>
+                                        </p:tav>
+                                        <p:tav tm="100000">
+                                          <p:val>
+                                            <p:strVal val="#ppt_y"/>
+                                          </p:val>
+                                        </p:tav>
+                                      </p:tavLst>
+                                    </p:anim>
+                                  </p:childTnLst>
+                                </p:cTn>
+                              </p:par>
+                            </p:childTnLst>
+                          </p:cTn>
+                        </p:par>
+                      </p:childTnLst>
+                    </p:cTn>
+                  </p:par>
+                  <p:par>
+                    <p:cTn id="15" fill="hold">
+                      <p:stCondLst>
+                        <p:cond delay="indefinite"/>
+                      </p:stCondLst>
+                      <p:childTnLst>
+                        <p:par>
+                          <p:cTn id="16" fill="hold">
+                            <p:stCondLst>
+                              <p:cond delay="0"/>
+                            </p:stCondLst>
+                            <p:childTnLst>
+                              <p:par>
+                                <p:cTn id="17" presetID="2" presetClass="entr" presetSubtype="4" fill="hold" nodeType="clickEffect">
+                                  <p:stCondLst>
+                                    <p:cond delay="0"/>
+                                  </p:stCondLst>
+                                  <p:childTnLst>
+                                    <p:set>
+                                      <p:cBhvr>
+                                        <p:cTn id="18" dur="1" fill="hold">
+                                          <p:stCondLst>
+                                            <p:cond delay="0"/>
+                                          </p:stCondLst>
+                                        </p:cTn>
+                                        <p:tgtEl>
+                                          <p:spTgt spid="3">
+                                            <p:txEl>
+                                              <p:pRg st="2" end="2"/>
+                                            </p:txEl>
+                                          </p:spTgt>
+                                        </p:tgtEl>
+                                        <p:attrNameLst>
+                                          <p:attrName>style.visibility</p:attrName>
+                                        </p:attrNameLst>
+                                      </p:cBhvr>
+                                      <p:to>
+                                        <p:strVal val="visible"/>
+                                      </p:to>
+                                    </p:set>
+                                    <p:anim calcmode="lin" valueType="num">
+                                      <p:cBhvr additive="base">
+                                        <p:cTn id="19" dur="500" fill="hold"/>
+                                        <p:tgtEl>
+                                          <p:spTgt spid="3">
+                                            <p:txEl>
+                                              <p:pRg st="2" end="2"/>
+                                            </p:txEl>
+                                          </p:spTgt>
+                                        </p:tgtEl>
+                                        <p:attrNameLst>
+                                          <p:attrName>ppt_x</p:attrName>
+                                        </p:attrNameLst>
+                                      </p:cBhvr>
+                                      <p:tavLst>
+                                        <p:tav tm="0">
+                                          <p:val>
+                                            <p:strVal val="#ppt_x"/>
+                                          </p:val>
+                                        </p:tav>
+                                        <p:tav tm="100000">
+                                          <p:val>
+                                            <p:strVal val="#ppt_x"/>
+                                          </p:val>
+                                        </p:tav>
+                                      </p:tavLst>
+                                    </p:anim>
+                                    <p:anim calcmode="lin" valueType="num">
+                                      <p:cBhvr additive="base">
+                                        <p:cTn id="20" dur="500" fill="hold"/>
+                                        <p:tgtEl>
+                                          <p:spTgt spid="3">
+                                            <p:txEl>
+                                              <p:pRg st="2" end="2"/>
+                                            </p:txEl>
+                                          </p:spTgt>
+                                        </p:tgtEl>
+                                        <p:attrNameLst>
+                                          <p:attrName>ppt_y</p:attrName>
+                                        </p:attrNameLst>
+                                      </p:cBhvr>
+                                      <p:tavLst>
+                                        <p:tav tm="0">
+                                          <p:val>
+                                            <p:strVal val="1+#ppt_h/2"/>
+                                          </p:val>
+                                        </p:tav>
+                                        <p:tav tm="100000">
+                                          <p:val>
+                                            <p:strVal val="#ppt_y"/>
+                                          </p:val>
+                                        </p:tav>
+                                      </p:tavLst>
+                                    </p:anim>
+                                  </p:childTnLst>
+                                </p:cTn>
+                              </p:par>
+                            </p:childTnLst>
+                          </p:cTn>
+                        </p:par>
+                      </p:childTnLst>
+                    </p:cTn>
+                  </p:par>
+                </p:childTnLst>
+              </p:cTn>
+              <p:prevCondLst>
+                <p:cond evt="onPrev" delay="0">
+                  <p:tgtEl>
+                    <p:sldTgt/>
+                  </p:tgtEl>
+                </p:cond>
+              </p:prevCondLst>
+              <p:nextCondLst>
+                <p:cond evt="onNext" delay="0">
+                  <p:tgtEl>
+                    <p:sldTgt/>
+                  </p:tgtEl>
+                </p:cond>
+              </p:nextCondLst>
+            </p:seq>
+          </p:childTnLst>
+        </p:cTn>
+      </p:par>
+    </p:tnLst>
+  </p:timing>
+</p:sld>
+</file>
+
+<file path=ppt/slides/slide7.xml><?xml version="1.0" encoding="utf-8"?>
+<p:sld xmlns:a="http://schemas.openxmlformats.org/drawingml/2006/main" xmlns:r="http://schemas.openxmlformats.org/officeDocument/2006/relationships" xmlns:p="http://schemas.openxmlformats.org/presentationml/2006/main">
+  <p:cSld>
+    <p:spTree>
+      <p:nvGrpSpPr>
+        <p:cNvPr id="1" name=""/>
+        <p:cNvGrpSpPr/>
+        <p:nvPr/>
+      </p:nvGrpSpPr>
+      <p:grpSpPr>
+        <a:xfrm>
+          <a:off x="0" y="0"/>
+          <a:ext cx="0" cy="0"/>
+          <a:chOff x="0" y="0"/>
+          <a:chExt cx="0" cy="0"/>
+        </a:xfrm>
+      </p:grpSpPr>
+      <p:sp>
+        <p:nvSpPr>
+          <p:cNvPr id="2" name="Title 1"/>
+          <p:cNvSpPr>
+            <a:spLocks noGrp="1"/>
+          </p:cNvSpPr>
+          <p:nvPr>
+            <p:ph type="title"/>
+          </p:nvPr>
+        </p:nvSpPr>
+        <p:spPr/>
+        <p:txBody>
+          <a:bodyPr/>
+          <a:lstStyle/>
+          <a:p>
+            <a:r>
+              <a:rPr lang="en-GB" dirty="0" err="1" smtClean="0">
+                <a:solidFill>
+                  <a:srgbClr val="FFC000"/>
+                </a:solidFill>
+              </a:rPr>
+              <a:t>Afrikan</a:t>
+            </a:r>
+            <a:r>
+              <a:rPr lang="en-GB" dirty="0" smtClean="0">
+                <a:solidFill>
+                  <a:srgbClr val="FFC000"/>
+                </a:solidFill>
+              </a:rPr>
+              <a:t> fusion restaurant</a:t>
+            </a:r>
+            <a:endParaRPr lang="en-GB" dirty="0">
+              <a:solidFill>
+                <a:srgbClr val="FFC000"/>
+              </a:solidFill>
+            </a:endParaRPr>
+          </a:p>
+        </p:txBody>
+      </p:sp>
+      <p:pic>
+        <p:nvPicPr>
+          <p:cNvPr id="4" name="Content Placeholder 3" descr="AfrikNFusion.jpg"/>
+          <p:cNvPicPr>
+            <a:picLocks noGrp="1" noChangeAspect="1"/>
+          </p:cNvPicPr>
+          <p:nvPr>
+            <p:ph idx="1"/>
+          </p:nvPr>
+        </p:nvPicPr>
+        <p:blipFill>
+          <a:blip r:embed="rId2"/>
+          <a:stretch>
+            <a:fillRect/>
+          </a:stretch>
+        </p:blipFill>
+        <p:spPr>
+          <a:xfrm>
+            <a:off x="1357290" y="1600200"/>
+            <a:ext cx="6357982" cy="4525963"/>
+          </a:xfrm>
+        </p:spPr>
+      </p:pic>
+    </p:spTree>
+  </p:cSld>
+  <p:clrMapOvr>
+    <a:masterClrMapping/>
+  </p:clrMapOvr>
+  <p:timing>
+    <p:tnLst>
+      <p:par>
+        <p:cTn id="1" dur="indefinite" restart="never" nodeType="tmRoot"/>
+      </p:par>
+    </p:tnLst>
+  </p:timing>
+</p:sld>
+</file>
+
+<file path=ppt/slides/slide8.xml><?xml version="1.0" encoding="utf-8"?>
+<p:sld xmlns:a="http://schemas.openxmlformats.org/drawingml/2006/main" xmlns:r="http://schemas.openxmlformats.org/officeDocument/2006/relationships" xmlns:p="http://schemas.openxmlformats.org/presentationml/2006/main">
+  <p:cSld>
+    <p:spTree>
+      <p:nvGrpSpPr>
+        <p:cNvPr id="1" name=""/>
+        <p:cNvGrpSpPr/>
+        <p:nvPr/>
+      </p:nvGrpSpPr>
+      <p:grpSpPr>
+        <a:xfrm>
+          <a:off x="0" y="0"/>
+          <a:ext cx="0" cy="0"/>
+          <a:chOff x="0" y="0"/>
+          <a:chExt cx="0" cy="0"/>
+        </a:xfrm>
+      </p:grpSpPr>
+      <p:sp>
+        <p:nvSpPr>
+          <p:cNvPr id="2" name="Title 1"/>
+          <p:cNvSpPr>
+            <a:spLocks noGrp="1"/>
+          </p:cNvSpPr>
+          <p:nvPr>
+            <p:ph type="title"/>
+          </p:nvPr>
+        </p:nvSpPr>
+        <p:spPr/>
+        <p:txBody>
+          <a:bodyPr/>
+          <a:lstStyle/>
+          <a:p>
+            <a:r>
+              <a:rPr lang="en-GB" dirty="0" err="1" smtClean="0">
+                <a:solidFill>
+                  <a:srgbClr val="FFC000"/>
+                </a:solidFill>
+              </a:rPr>
+              <a:t>Afrikan</a:t>
+            </a:r>
+            <a:r>
+              <a:rPr lang="en-GB" dirty="0" smtClean="0">
+                <a:solidFill>
+                  <a:srgbClr val="FFC000"/>
+                </a:solidFill>
+              </a:rPr>
+              <a:t> fusion restaurant</a:t>
+            </a:r>
+            <a:endParaRPr lang="en-GB" dirty="0"/>
+          </a:p>
+        </p:txBody>
+      </p:sp>
+      <p:sp>
+        <p:nvSpPr>
+          <p:cNvPr id="5" name="TextBox 4"/>
+          <p:cNvSpPr txBox="1"/>
+          <p:nvPr/>
+        </p:nvSpPr>
+        <p:spPr>
+          <a:xfrm>
+            <a:off x="6000760" y="1785926"/>
+            <a:ext cx="3248262" cy="3170099"/>
+          </a:xfrm>
+          <a:prstGeom prst="rect">
+            <a:avLst/>
+          </a:prstGeom>
+          <a:noFill/>
+        </p:spPr>
+        <p:txBody>
+          <a:bodyPr wrap="none" rtlCol="0">
+            <a:spAutoFit/>
+          </a:bodyPr>
+          <a:lstStyle/>
+          <a:p>
+            <a:r>
+              <a:rPr lang="en-GB" sz="3200" dirty="0" smtClean="0">
+                <a:solidFill>
+                  <a:srgbClr val="FFC000"/>
+                </a:solidFill>
+              </a:rPr>
+              <a:t>Menu</a:t>
+            </a:r>
+          </a:p>
+          <a:p>
+            <a:r>
+              <a:rPr lang="en-GB" sz="2800" dirty="0" smtClean="0">
+                <a:solidFill>
+                  <a:srgbClr val="FFC000"/>
+                </a:solidFill>
+              </a:rPr>
+              <a:t>Nigerian cuisine </a:t>
+            </a:r>
+          </a:p>
+          <a:p>
+            <a:r>
+              <a:rPr lang="en-GB" sz="2800" dirty="0" smtClean="0">
+                <a:solidFill>
+                  <a:srgbClr val="FFC000"/>
+                </a:solidFill>
+              </a:rPr>
+              <a:t>Ghanaian cuisine</a:t>
+            </a:r>
+          </a:p>
+          <a:p>
+            <a:r>
+              <a:rPr lang="en-GB" sz="2800" dirty="0" smtClean="0">
+                <a:solidFill>
+                  <a:srgbClr val="FFC000"/>
+                </a:solidFill>
+              </a:rPr>
+              <a:t>Ugandan cuisine</a:t>
+            </a:r>
+          </a:p>
+          <a:p>
+            <a:r>
+              <a:rPr lang="en-GB" sz="2800" dirty="0" smtClean="0">
+                <a:solidFill>
+                  <a:srgbClr val="FFC000"/>
+                </a:solidFill>
+              </a:rPr>
+              <a:t>Kenyan cuisine</a:t>
+            </a:r>
+          </a:p>
+          <a:p>
+            <a:r>
+              <a:rPr lang="en-GB" sz="2800" dirty="0" smtClean="0">
+                <a:solidFill>
+                  <a:srgbClr val="FFC000"/>
+                </a:solidFill>
+              </a:rPr>
+              <a:t>South African cuisine</a:t>
+            </a:r>
+          </a:p>
+          <a:p>
+            <a:r>
+              <a:rPr lang="en-GB" sz="2800" dirty="0" smtClean="0">
+                <a:solidFill>
+                  <a:srgbClr val="FFC000"/>
+                </a:solidFill>
+              </a:rPr>
+              <a:t>Zambian cuisine</a:t>
+            </a:r>
+            <a:endParaRPr lang="en-GB" sz="2800" dirty="0">
+              <a:solidFill>
+                <a:srgbClr val="FFC000"/>
+              </a:solidFill>
+            </a:endParaRPr>
+          </a:p>
+        </p:txBody>
+      </p:sp>
+      <p:pic>
+        <p:nvPicPr>
+          <p:cNvPr id="7" name="Content Placeholder 6" descr="chef.gif"/>
+          <p:cNvPicPr>
+            <a:picLocks noGrp="1" noChangeAspect="1"/>
+          </p:cNvPicPr>
+          <p:nvPr>
+            <p:ph idx="1"/>
+          </p:nvPr>
+        </p:nvPicPr>
+        <p:blipFill>
+          <a:blip r:embed="rId2"/>
+          <a:stretch>
+            <a:fillRect/>
+          </a:stretch>
+        </p:blipFill>
+        <p:spPr>
+          <a:xfrm>
+            <a:off x="1142976" y="1500174"/>
+            <a:ext cx="2714644" cy="3714776"/>
+          </a:xfrm>
+        </p:spPr>
+      </p:pic>
+    </p:spTree>
+  </p:cSld>
+  <p:clrMapOvr>
+    <a:masterClrMapping/>
+  </p:clrMapOvr>
+  <p:timing>
+    <p:tnLst>
+      <p:par>
+        <p:cTn id="1" dur="indefinite" restart="never" nodeType="tmRoot">
+          <p:childTnLst>
+            <p:seq concurrent="1" nextAc="seek">
+              <p:cTn id="2" dur="indefinite" nodeType="mainSeq">
+                <p:childTnLst>
+                  <p:par>
+                    <p:cTn id="3" fill="hold">
+                      <p:stCondLst>
+                        <p:cond delay="indefinite"/>
+                      </p:stCondLst>
+                      <p:childTnLst>
+                        <p:par>
+                          <p:cTn id="4" fill="hold">
+                            <p:stCondLst>
+                              <p:cond delay="0"/>
+                            </p:stCondLst>
+                            <p:childTnLst>
+                              <p:par>
+                                <p:cTn id="5" presetID="2" presetClass="entr" presetSubtype="4" fill="hold" nodeType="clickEffect">
+                                  <p:stCondLst>
+                                    <p:cond delay="0"/>
+                                  </p:stCondLst>
+                                  <p:childTnLst>
+                                    <p:set>
+                                      <p:cBhvr>
+                                        <p:cTn id="6" dur="1" fill="hold">
+                                          <p:stCondLst>
+                                            <p:cond delay="0"/>
+                                          </p:stCondLst>
+                                        </p:cTn>
+                                        <p:tgtEl>
+                                          <p:spTgt spid="5">
+                                            <p:txEl>
+                                              <p:pRg st="1" end="1"/>
+                                            </p:txEl>
+                                          </p:spTgt>
+                                        </p:tgtEl>
+                                        <p:attrNameLst>
+                                          <p:attrName>style.visibility</p:attrName>
+                                        </p:attrNameLst>
+                                      </p:cBhvr>
+                                      <p:to>
+                                        <p:strVal val="visible"/>
+                                      </p:to>
+                                    </p:set>
+                                    <p:anim calcmode="lin" valueType="num">
+                                      <p:cBhvr additive="base">
+                                        <p:cTn id="7" dur="500" fill="hold"/>
+                                        <p:tgtEl>
+                                          <p:spTgt spid="5">
+                                            <p:txEl>
+                                              <p:pRg st="1" end="1"/>
+                                            </p:txEl>
+                                          </p:spTgt>
+                                        </p:tgtEl>
+                                        <p:attrNameLst>
+                                          <p:attrName>ppt_x</p:attrName>
+                                        </p:attrNameLst>
+                                      </p:cBhvr>
+                                      <p:tavLst>
+                                        <p:tav tm="0">
+                                          <p:val>
+                                            <p:strVal val="#ppt_x"/>
+                                          </p:val>
+                                        </p:tav>
+                                        <p:tav tm="100000">
+                                          <p:val>
+                                            <p:strVal val="#ppt_x"/>
+                                          </p:val>
+                                        </p:tav>
+                                      </p:tavLst>
+                                    </p:anim>
+                                    <p:anim calcmode="lin" valueType="num">
+                                      <p:cBhvr additive="base">
+                                        <p:cTn id="8" dur="500" fill="hold"/>
+                                        <p:tgtEl>
+                                          <p:spTgt spid="5">
+                                            <p:txEl>
+                                              <p:pRg st="1" end="1"/>
+                                            </p:txEl>
+                                          </p:spTgt>
+                                        </p:tgtEl>
+                                        <p:attrNameLst>
+                                          <p:attrName>ppt_y</p:attrName>
+                                        </p:attrNameLst>
+                                      </p:cBhvr>
+                                      <p:tavLst>
+                                        <p:tav tm="0">
+                                          <p:val>
+                                            <p:strVal val="1+#ppt_h/2"/>
+                                          </p:val>
+                                        </p:tav>
+                                        <p:tav tm="100000">
+                                          <p:val>
+                                            <p:strVal val="#ppt_y"/>
+                                          </p:val>
+                                        </p:tav>
+                                      </p:tavLst>
+                                    </p:anim>
+                                  </p:childTnLst>
+                                </p:cTn>
+                              </p:par>
+                              <p:par>
+                                <p:cTn id="9" presetID="2" presetClass="entr" presetSubtype="4" fill="hold" nodeType="withEffect">
+                                  <p:stCondLst>
+                                    <p:cond delay="0"/>
+                                  </p:stCondLst>
+                                  <p:childTnLst>
+                                    <p:set>
+                                      <p:cBhvr>
+                                        <p:cTn id="10" dur="1" fill="hold">
+                                          <p:stCondLst>
+                                            <p:cond delay="0"/>
+                                          </p:stCondLst>
+                                        </p:cTn>
+                                        <p:tgtEl>
+                                          <p:spTgt spid="5">
+                                            <p:txEl>
+                                              <p:pRg st="2" end="2"/>
+                                            </p:txEl>
+                                          </p:spTgt>
+                                        </p:tgtEl>
+                                        <p:attrNameLst>
+                                          <p:attrName>style.visibility</p:attrName>
+                                        </p:attrNameLst>
+                                      </p:cBhvr>
+                                      <p:to>
+                                        <p:strVal val="visible"/>
+                                      </p:to>
+                                    </p:set>
+                                    <p:anim calcmode="lin" valueType="num">
+                                      <p:cBhvr additive="base">
+                                        <p:cTn id="11" dur="500" fill="hold"/>
+                                        <p:tgtEl>
+                                          <p:spTgt spid="5">
+                                            <p:txEl>
+                                              <p:pRg st="2" end="2"/>
+                                            </p:txEl>
+                                          </p:spTgt>
+                                        </p:tgtEl>
+                                        <p:attrNameLst>
+                                          <p:attrName>ppt_x</p:attrName>
+                                        </p:attrNameLst>
+                                      </p:cBhvr>
+                                      <p:tavLst>
+                                        <p:tav tm="0">
+                                          <p:val>
+                                            <p:strVal val="#ppt_x"/>
+                                          </p:val>
+                                        </p:tav>
+                                        <p:tav tm="100000">
+                                          <p:val>
+                                            <p:strVal val="#ppt_x"/>
+                                          </p:val>
+                                        </p:tav>
+                                      </p:tavLst>
+                                    </p:anim>
+                                    <p:anim calcmode="lin" valueType="num">
+                                      <p:cBhvr additive="base">
+                                        <p:cTn id="12" dur="500" fill="hold"/>
+                                        <p:tgtEl>
+                                          <p:spTgt spid="5">
+                                            <p:txEl>
+                                              <p:pRg st="2" end="2"/>
+                                            </p:txEl>
+                                          </p:spTgt>
+                                        </p:tgtEl>
+                                        <p:attrNameLst>
+                                          <p:attrName>ppt_y</p:attrName>
+                                        </p:attrNameLst>
+                                      </p:cBhvr>
+                                      <p:tavLst>
+                                        <p:tav tm="0">
+                                          <p:val>
+                                            <p:strVal val="1+#ppt_h/2"/>
+                                          </p:val>
+                                        </p:tav>
+                                        <p:tav tm="100000">
+                                          <p:val>
+                                            <p:strVal val="#ppt_y"/>
+                                          </p:val>
+                                        </p:tav>
+                                      </p:tavLst>
+                                    </p:anim>
+                                  </p:childTnLst>
+                                </p:cTn>
+                              </p:par>
+                            </p:childTnLst>
+                          </p:cTn>
+                        </p:par>
+                      </p:childTnLst>
+                    </p:cTn>
+                  </p:par>
+                  <p:par>
+                    <p:cTn id="13" fill="hold">
+                      <p:stCondLst>
+                        <p:cond delay="indefinite"/>
+                      </p:stCondLst>
+                      <p:childTnLst>
+                        <p:par>
+                          <p:cTn id="14" fill="hold">
+                            <p:stCondLst>
+                              <p:cond delay="0"/>
+                            </p:stCondLst>
+                            <p:childTnLst>
+                              <p:par>
+                                <p:cTn id="15" presetID="2" presetClass="entr" presetSubtype="4" fill="hold" nodeType="clickEffect">
+                                  <p:stCondLst>
+                                    <p:cond delay="0"/>
+                                  </p:stCondLst>
+                                  <p:childTnLst>
+                                    <p:set>
+                                      <p:cBhvr>
+                                        <p:cTn id="16" dur="1" fill="hold">
+                                          <p:stCondLst>
+                                            <p:cond delay="0"/>
+                                          </p:stCondLst>
+                                        </p:cTn>
+                                        <p:tgtEl>
+                                          <p:spTgt spid="5">
+                                            <p:txEl>
+                                              <p:pRg st="3" end="3"/>
+                                            </p:txEl>
+                                          </p:spTgt>
+                                        </p:tgtEl>
+                                        <p:attrNameLst>
+                                          <p:attrName>style.visibility</p:attrName>
+                                        </p:attrNameLst>
+                                      </p:cBhvr>
+                                      <p:to>
+                                        <p:strVal val="visible"/>
+                                      </p:to>
+                                    </p:set>
+                                    <p:anim calcmode="lin" valueType="num">
+                                      <p:cBhvr additive="base">
+                                        <p:cTn id="17" dur="500" fill="hold"/>
+                                        <p:tgtEl>
+                                          <p:spTgt spid="5">
+                                            <p:txEl>
+                                              <p:pRg st="3" end="3"/>
+                                            </p:txEl>
+                                          </p:spTgt>
+                                        </p:tgtEl>
+                                        <p:attrNameLst>
+                                          <p:attrName>ppt_x</p:attrName>
+                                        </p:attrNameLst>
+                                      </p:cBhvr>
+                                      <p:tavLst>
+                                        <p:tav tm="0">
+                                          <p:val>
+                                            <p:strVal val="#ppt_x"/>
+                                          </p:val>
+                                        </p:tav>
+                                        <p:tav tm="100000">
+                                          <p:val>
+                                            <p:strVal val="#ppt_x"/>
+                                          </p:val>
+                                        </p:tav>
+                                      </p:tavLst>
+                                    </p:anim>
+                                    <p:anim calcmode="lin" valueType="num">
+                                      <p:cBhvr additive="base">
+                                        <p:cTn id="18" dur="500" fill="hold"/>
+                                        <p:tgtEl>
+                                          <p:spTgt spid="5">
+                                            <p:txEl>
+                                              <p:pRg st="3" end="3"/>
+                                            </p:txEl>
+                                          </p:spTgt>
+                                        </p:tgtEl>
+                                        <p:attrNameLst>
+                                          <p:attrName>ppt_y</p:attrName>
+                                        </p:attrNameLst>
+                                      </p:cBhvr>
+                                      <p:tavLst>
+                                        <p:tav tm="0">
+                                          <p:val>
+                                            <p:strVal val="1+#ppt_h/2"/>
+                                          </p:val>
+                                        </p:tav>
+                                        <p:tav tm="100000">
+                                          <p:val>
+                                            <p:strVal val="#ppt_y"/>
+                                          </p:val>
+                                        </p:tav>
+                                      </p:tavLst>
+                                    </p:anim>
+                                  </p:childTnLst>
+                                </p:cTn>
+                              </p:par>
+                              <p:par>
+                                <p:cTn id="19" presetID="2" presetClass="entr" presetSubtype="4" fill="hold" nodeType="withEffect">
+                                  <p:stCondLst>
+                                    <p:cond delay="0"/>
+                                  </p:stCondLst>
+                                  <p:childTnLst>
+                                    <p:set>
+                                      <p:cBhvr>
+                                        <p:cTn id="20" dur="1" fill="hold">
+                                          <p:stCondLst>
+                                            <p:cond delay="0"/>
+                                          </p:stCondLst>
+                                        </p:cTn>
+                                        <p:tgtEl>
+                                          <p:spTgt spid="5">
+                                            <p:txEl>
+                                              <p:pRg st="4" end="4"/>
+                                            </p:txEl>
+                                          </p:spTgt>
+                                        </p:tgtEl>
+                                        <p:attrNameLst>
+                                          <p:attrName>style.visibility</p:attrName>
+                                        </p:attrNameLst>
+                                      </p:cBhvr>
+                                      <p:to>
+                                        <p:strVal val="visible"/>
+                                      </p:to>
+                                    </p:set>
+                                    <p:anim calcmode="lin" valueType="num">
+                                      <p:cBhvr additive="base">
+                                        <p:cTn id="21" dur="500" fill="hold"/>
+                                        <p:tgtEl>
+                                          <p:spTgt spid="5">
+                                            <p:txEl>
+                                              <p:pRg st="4" end="4"/>
+                                            </p:txEl>
+                                          </p:spTgt>
+                                        </p:tgtEl>
+                                        <p:attrNameLst>
+                                          <p:attrName>ppt_x</p:attrName>
+                                        </p:attrNameLst>
+                                      </p:cBhvr>
+                                      <p:tavLst>
+                                        <p:tav tm="0">
+                                          <p:val>
+                                            <p:strVal val="#ppt_x"/>
+                                          </p:val>
+                                        </p:tav>
+                                        <p:tav tm="100000">
+                                          <p:val>
+                                            <p:strVal val="#ppt_x"/>
+                                          </p:val>
+                                        </p:tav>
+                                      </p:tavLst>
+                                    </p:anim>
+                                    <p:anim calcmode="lin" valueType="num">
+                                      <p:cBhvr additive="base">
+                                        <p:cTn id="22" dur="500" fill="hold"/>
+                                        <p:tgtEl>
+                                          <p:spTgt spid="5">
+                                            <p:txEl>
+                                              <p:pRg st="4" end="4"/>
+                                            </p:txEl>
+                                          </p:spTgt>
+                                        </p:tgtEl>
+                                        <p:attrNameLst>
+                                          <p:attrName>ppt_y</p:attrName>
+                                        </p:attrNameLst>
+                                      </p:cBhvr>
+                                      <p:tavLst>
+                                        <p:tav tm="0">
+                                          <p:val>
+                                            <p:strVal val="1+#ppt_h/2"/>
+                                          </p:val>
+                                        </p:tav>
+                                        <p:tav tm="100000">
+                                          <p:val>
+                                            <p:strVal val="#ppt_y"/>
+                                          </p:val>
+                                        </p:tav>
+                                      </p:tavLst>
+                                    </p:anim>
+                                  </p:childTnLst>
+                                </p:cTn>
+                              </p:par>
+                            </p:childTnLst>
+                          </p:cTn>
+                        </p:par>
+                      </p:childTnLst>
+                    </p:cTn>
+                  </p:par>
+                  <p:par>
+                    <p:cTn id="23" fill="hold">
+                      <p:stCondLst>
+                        <p:cond delay="indefinite"/>
+                      </p:stCondLst>
+                      <p:childTnLst>
+                        <p:par>
+                          <p:cTn id="24" fill="hold">
+                            <p:stCondLst>
+                              <p:cond delay="0"/>
+                            </p:stCondLst>
+                            <p:childTnLst>
+                              <p:par>
+                                <p:cTn id="25" presetID="2" presetClass="entr" presetSubtype="4" fill="hold" nodeType="clickEffect">
+                                  <p:stCondLst>
+                                    <p:cond delay="0"/>
+                                  </p:stCondLst>
+                                  <p:childTnLst>
+                                    <p:set>
+                                      <p:cBhvr>
+                                        <p:cTn id="26" dur="1" fill="hold">
+                                          <p:stCondLst>
+                                            <p:cond delay="0"/>
+                                          </p:stCondLst>
+                                        </p:cTn>
+                                        <p:tgtEl>
+                                          <p:spTgt spid="5">
+                                            <p:txEl>
+                                              <p:pRg st="5" end="5"/>
+                                            </p:txEl>
+                                          </p:spTgt>
+                                        </p:tgtEl>
+                                        <p:attrNameLst>
+                                          <p:attrName>style.visibility</p:attrName>
+                                        </p:attrNameLst>
+                                      </p:cBhvr>
+                                      <p:to>
+                                        <p:strVal val="visible"/>
+                                      </p:to>
+                                    </p:set>
+                                    <p:anim calcmode="lin" valueType="num">
+                                      <p:cBhvr additive="base">
+                                        <p:cTn id="27" dur="500" fill="hold"/>
+                                        <p:tgtEl>
+                                          <p:spTgt spid="5">
+                                            <p:txEl>
+                                              <p:pRg st="5" end="5"/>
+                                            </p:txEl>
+                                          </p:spTgt>
+                                        </p:tgtEl>
+                                        <p:attrNameLst>
+                                          <p:attrName>ppt_x</p:attrName>
+                                        </p:attrNameLst>
+                                      </p:cBhvr>
+                                      <p:tavLst>
+                                        <p:tav tm="0">
+                                          <p:val>
+                                            <p:strVal val="#ppt_x"/>
+                                          </p:val>
+                                        </p:tav>
+                                        <p:tav tm="100000">
+                                          <p:val>
+                                            <p:strVal val="#ppt_x"/>
+                                          </p:val>
+                                        </p:tav>
+                                      </p:tavLst>
+                                    </p:anim>
+                                    <p:anim calcmode="lin" valueType="num">
+                                      <p:cBhvr additive="base">
+                                        <p:cTn id="28" dur="500" fill="hold"/>
+                                        <p:tgtEl>
+                                          <p:spTgt spid="5">
+                                            <p:txEl>
+                                              <p:pRg st="5" end="5"/>
+                                            </p:txEl>
+                                          </p:spTgt>
+                                        </p:tgtEl>
+                                        <p:attrNameLst>
+                                          <p:attrName>ppt_y</p:attrName>
+                                        </p:attrNameLst>
+                                      </p:cBhvr>
+                                      <p:tavLst>
+                                        <p:tav tm="0">
+                                          <p:val>
+                                            <p:strVal val="1+#ppt_h/2"/>
+                                          </p:val>
+                                        </p:tav>
+                                        <p:tav tm="100000">
+                                          <p:val>
+                                            <p:strVal val="#ppt_y"/>
+                                          </p:val>
+                                        </p:tav>
+                                      </p:tavLst>
+                                    </p:anim>
+                                  </p:childTnLst>
+                                </p:cTn>
+                              </p:par>
+                              <p:par>
+                                <p:cTn id="29" presetID="2" presetClass="entr" presetSubtype="4" fill="hold" nodeType="withEffect">
+                                  <p:stCondLst>
+                                    <p:cond delay="0"/>
+                                  </p:stCondLst>
+                                  <p:childTnLst>
+                                    <p:set>
+                                      <p:cBhvr>
+                                        <p:cTn id="30" dur="1" fill="hold">
+                                          <p:stCondLst>
+                                            <p:cond delay="0"/>
+                                          </p:stCondLst>
+                                        </p:cTn>
+                                        <p:tgtEl>
+                                          <p:spTgt spid="5">
+                                            <p:txEl>
+                                              <p:pRg st="6" end="6"/>
+                                            </p:txEl>
+                                          </p:spTgt>
+                                        </p:tgtEl>
+                                        <p:attrNameLst>
+                                          <p:attrName>style.visibility</p:attrName>
+                                        </p:attrNameLst>
+                                      </p:cBhvr>
+                                      <p:to>
+                                        <p:strVal val="visible"/>
+                                      </p:to>
+                                    </p:set>
+                                    <p:anim calcmode="lin" valueType="num">
+                                      <p:cBhvr additive="base">
+                                        <p:cTn id="31" dur="500" fill="hold"/>
+                                        <p:tgtEl>
+                                          <p:spTgt spid="5">
+                                            <p:txEl>
+                                              <p:pRg st="6" end="6"/>
+                                            </p:txEl>
+                                          </p:spTgt>
+                                        </p:tgtEl>
+                                        <p:attrNameLst>
+                                          <p:attrName>ppt_x</p:attrName>
+                                        </p:attrNameLst>
+                                      </p:cBhvr>
+                                      <p:tavLst>
+                                        <p:tav tm="0">
+                                          <p:val>
+                                            <p:strVal val="#ppt_x"/>
+                                          </p:val>
+                                        </p:tav>
+                                        <p:tav tm="100000">
+                                          <p:val>
+                                            <p:strVal val="#ppt_x"/>
+                                          </p:val>
+                                        </p:tav>
+                                      </p:tavLst>
+                                    </p:anim>
+                                    <p:anim calcmode="lin" valueType="num">
+                                      <p:cBhvr additive="base">
+                                        <p:cTn id="32" dur="500" fill="hold"/>
+                                        <p:tgtEl>
+                                          <p:spTgt spid="5">
+                                            <p:txEl>
+                                              <p:pRg st="6" end="6"/>
+                                            </p:txEl>
+                                          </p:spTgt>
+                                        </p:tgtEl>
+                                        <p:attrNameLst>
+                                          <p:attrName>ppt_y</p:attrName>
+                                        </p:attrNameLst>
+                                      </p:cBhvr>
+                                      <p:tavLst>
+                                        <p:tav tm="0">
+                                          <p:val>
+                                            <p:strVal val="1+#ppt_h/2"/>
+                                          </p:val>
+                                        </p:tav>
+                                        <p:tav tm="100000">
+                                          <p:val>
+                                            <p:strVal val="#ppt_y"/>
+                                          </p:val>
+                                        </p:tav>
+                                      </p:tavLst>
+                                    </p:anim>
+                                  </p:childTnLst>
+                                </p:cTn>
+                              </p:par>
+                            </p:childTnLst>
+                          </p:cTn>
+                        </p:par>
+                      </p:childTnLst>
+                    </p:cTn>
+                  </p:par>
+                </p:childTnLst>
+              </p:cTn>
+              <p:prevCondLst>
+                <p:cond evt="onPrev" delay="0">
+                  <p:tgtEl>
+                    <p:sldTgt/>
+                  </p:tgtEl>
+                </p:cond>
+              </p:prevCondLst>
+              <p:nextCondLst>
+                <p:cond evt="onNext" delay="0">
+                  <p:tgtEl>
+                    <p:sldTgt/>
+                  </p:tgtEl>
+                </p:cond>
+              </p:nextCondLst>
+            </p:seq>
+          </p:childTnLst>
+        </p:cTn>
+      </p:par>
+    </p:tnLst>
   </p:timing>
 </p:sld>
 </file>
@@ -7449,57 +8272,117 @@
       </p:grpSpPr>
       <p:sp>
         <p:nvSpPr>
-          <p:cNvPr id="4" name="TextBox 3"/>
-          <p:cNvSpPr txBox="1"/>
-          <p:nvPr/>
-        </p:nvSpPr>
-        <p:spPr>
-          <a:xfrm>
-            <a:off x="1643042" y="2357430"/>
-            <a:ext cx="6643734" cy="1569660"/>
-          </a:xfrm>
-          <a:prstGeom prst="rect">
-            <a:avLst/>
-          </a:prstGeom>
-          <a:noFill/>
-        </p:spPr>
-        <p:txBody>
-          <a:bodyPr wrap="square" rtlCol="0">
-            <a:spAutoFit/>
-          </a:bodyPr>
+          <p:cNvPr id="2" name="Title 1"/>
+          <p:cNvSpPr>
+            <a:spLocks noGrp="1"/>
+          </p:cNvSpPr>
+          <p:nvPr>
+            <p:ph type="title"/>
+          </p:nvPr>
+        </p:nvSpPr>
+        <p:spPr/>
+        <p:txBody>
+          <a:bodyPr/>
           <a:lstStyle/>
           <a:p>
             <a:r>
-              <a:rPr lang="en-US" sz="3200" dirty="0" smtClean="0">
+              <a:rPr lang="en-GB" dirty="0" smtClean="0">
                 <a:solidFill>
-                  <a:schemeClr val="bg1"/>
+                  <a:srgbClr val="FFC000"/>
                 </a:solidFill>
               </a:rPr>
-              <a:t>Tell me and I'll forget.</a:t>
-            </a:r>
-          </a:p>
-          <a:p>
-            <a:r>
-              <a:rPr lang="en-US" sz="3200" dirty="0" smtClean="0">
+              <a:t>Possible Problems with </a:t>
+            </a:r>
+            <a:r>
+              <a:rPr lang="en-GB" dirty="0" err="1" smtClean="0">
                 <a:solidFill>
-                  <a:schemeClr val="bg1"/>
+                  <a:srgbClr val="FFC000"/>
                 </a:solidFill>
               </a:rPr>
-              <a:t>Show me and I might remember.</a:t>
-            </a:r>
-          </a:p>
-          <a:p>
-            <a:r>
-              <a:rPr lang="en-US" sz="3200" dirty="0" smtClean="0">
+              <a:t>Afrika</a:t>
+            </a:r>
+            <a:endParaRPr lang="en-GB" dirty="0">
+              <a:solidFill>
+                <a:srgbClr val="FFC000"/>
+              </a:solidFill>
+            </a:endParaRPr>
+          </a:p>
+        </p:txBody>
+      </p:sp>
+      <p:sp>
+        <p:nvSpPr>
+          <p:cNvPr id="3" name="Content Placeholder 2"/>
+          <p:cNvSpPr>
+            <a:spLocks noGrp="1"/>
+          </p:cNvSpPr>
+          <p:nvPr>
+            <p:ph idx="1"/>
+          </p:nvPr>
+        </p:nvSpPr>
+        <p:spPr/>
+        <p:txBody>
+          <a:bodyPr/>
+          <a:lstStyle/>
+          <a:p>
+            <a:r>
+              <a:rPr lang="en-GB" dirty="0" smtClean="0">
                 <a:solidFill>
-                  <a:schemeClr val="bg1"/>
+                  <a:srgbClr val="FFC000"/>
                 </a:solidFill>
               </a:rPr>
-              <a:t>But involve me and I will understand</a:t>
-            </a:r>
-            <a:endParaRPr lang="en-GB" sz="3200" dirty="0">
+              <a:t>Difficult to maintain</a:t>
+            </a:r>
+          </a:p>
+          <a:p>
+            <a:r>
+              <a:rPr lang="en-GB" dirty="0" smtClean="0">
+                <a:solidFill>
+                  <a:srgbClr val="FFC000"/>
+                </a:solidFill>
+              </a:rPr>
+              <a:t>Difficult to test new recipes</a:t>
+            </a:r>
+          </a:p>
+          <a:p>
+            <a:r>
+              <a:rPr lang="en-GB" dirty="0" smtClean="0">
+                <a:solidFill>
+                  <a:srgbClr val="FFC000"/>
+                </a:solidFill>
+              </a:rPr>
+              <a:t>Substituting Hakim is difficult</a:t>
+            </a:r>
+          </a:p>
+          <a:p>
+            <a:pPr>
+              <a:buNone/>
+            </a:pPr>
+            <a:r>
+              <a:rPr lang="en-GB" dirty="0" smtClean="0">
+                <a:solidFill>
+                  <a:srgbClr val="FFC000"/>
+                </a:solidFill>
+              </a:rPr>
+              <a:t> </a:t>
+            </a:r>
+          </a:p>
+          <a:p>
+            <a:pPr>
+              <a:buNone/>
+            </a:pPr>
+            <a:endParaRPr lang="en-GB" dirty="0" smtClean="0">
               <a:solidFill>
-                <a:schemeClr val="bg1"/>
+                <a:srgbClr val="FFC000"/>
+              </a:solidFill>
+            </a:endParaRPr>
+          </a:p>
+          <a:p>
+            <a:pPr>
+              <a:buNone/>
+            </a:pPr>
+            <a:endParaRPr lang="en-GB" dirty="0">
+              <a:solidFill>
+                <a:srgbClr val="FFC000"/>
               </a:solidFill>
             </a:endParaRPr>
           </a:p>
@@ -7513,7 +8396,339 @@
   <p:timing>
     <p:tnLst>
       <p:par>
-        <p:cTn id="1" dur="indefinite" restart="never" nodeType="tmRoot"/>
+        <p:cTn id="1" dur="indefinite" restart="never" nodeType="tmRoot">
+          <p:childTnLst>
+            <p:seq concurrent="1" nextAc="seek">
+              <p:cTn id="2" dur="indefinite" nodeType="mainSeq">
+                <p:childTnLst>
+                  <p:par>
+                    <p:cTn id="3" fill="hold">
+                      <p:stCondLst>
+                        <p:cond delay="indefinite"/>
+                      </p:stCondLst>
+                      <p:childTnLst>
+                        <p:par>
+                          <p:cTn id="4" fill="hold">
+                            <p:stCondLst>
+                              <p:cond delay="0"/>
+                            </p:stCondLst>
+                            <p:childTnLst>
+                              <p:par>
+                                <p:cTn id="5" presetID="2" presetClass="entr" presetSubtype="4" fill="hold" nodeType="clickEffect">
+                                  <p:stCondLst>
+                                    <p:cond delay="0"/>
+                                  </p:stCondLst>
+                                  <p:childTnLst>
+                                    <p:set>
+                                      <p:cBhvr>
+                                        <p:cTn id="6" dur="1" fill="hold">
+                                          <p:stCondLst>
+                                            <p:cond delay="0"/>
+                                          </p:stCondLst>
+                                        </p:cTn>
+                                        <p:tgtEl>
+                                          <p:spTgt spid="3">
+                                            <p:txEl>
+                                              <p:pRg st="0" end="0"/>
+                                            </p:txEl>
+                                          </p:spTgt>
+                                        </p:tgtEl>
+                                        <p:attrNameLst>
+                                          <p:attrName>style.visibility</p:attrName>
+                                        </p:attrNameLst>
+                                      </p:cBhvr>
+                                      <p:to>
+                                        <p:strVal val="visible"/>
+                                      </p:to>
+                                    </p:set>
+                                    <p:anim calcmode="lin" valueType="num">
+                                      <p:cBhvr additive="base">
+                                        <p:cTn id="7" dur="500" fill="hold"/>
+                                        <p:tgtEl>
+                                          <p:spTgt spid="3">
+                                            <p:txEl>
+                                              <p:pRg st="0" end="0"/>
+                                            </p:txEl>
+                                          </p:spTgt>
+                                        </p:tgtEl>
+                                        <p:attrNameLst>
+                                          <p:attrName>ppt_x</p:attrName>
+                                        </p:attrNameLst>
+                                      </p:cBhvr>
+                                      <p:tavLst>
+                                        <p:tav tm="0">
+                                          <p:val>
+                                            <p:strVal val="#ppt_x"/>
+                                          </p:val>
+                                        </p:tav>
+                                        <p:tav tm="100000">
+                                          <p:val>
+                                            <p:strVal val="#ppt_x"/>
+                                          </p:val>
+                                        </p:tav>
+                                      </p:tavLst>
+                                    </p:anim>
+                                    <p:anim calcmode="lin" valueType="num">
+                                      <p:cBhvr additive="base">
+                                        <p:cTn id="8" dur="500" fill="hold"/>
+                                        <p:tgtEl>
+                                          <p:spTgt spid="3">
+                                            <p:txEl>
+                                              <p:pRg st="0" end="0"/>
+                                            </p:txEl>
+                                          </p:spTgt>
+                                        </p:tgtEl>
+                                        <p:attrNameLst>
+                                          <p:attrName>ppt_y</p:attrName>
+                                        </p:attrNameLst>
+                                      </p:cBhvr>
+                                      <p:tavLst>
+                                        <p:tav tm="0">
+                                          <p:val>
+                                            <p:strVal val="1+#ppt_h/2"/>
+                                          </p:val>
+                                        </p:tav>
+                                        <p:tav tm="100000">
+                                          <p:val>
+                                            <p:strVal val="#ppt_y"/>
+                                          </p:val>
+                                        </p:tav>
+                                      </p:tavLst>
+                                    </p:anim>
+                                  </p:childTnLst>
+                                </p:cTn>
+                              </p:par>
+                            </p:childTnLst>
+                          </p:cTn>
+                        </p:par>
+                      </p:childTnLst>
+                    </p:cTn>
+                  </p:par>
+                  <p:par>
+                    <p:cTn id="9" fill="hold">
+                      <p:stCondLst>
+                        <p:cond delay="indefinite"/>
+                      </p:stCondLst>
+                      <p:childTnLst>
+                        <p:par>
+                          <p:cTn id="10" fill="hold">
+                            <p:stCondLst>
+                              <p:cond delay="0"/>
+                            </p:stCondLst>
+                            <p:childTnLst>
+                              <p:par>
+                                <p:cTn id="11" presetID="2" presetClass="entr" presetSubtype="4" fill="hold" nodeType="clickEffect">
+                                  <p:stCondLst>
+                                    <p:cond delay="0"/>
+                                  </p:stCondLst>
+                                  <p:childTnLst>
+                                    <p:set>
+                                      <p:cBhvr>
+                                        <p:cTn id="12" dur="1" fill="hold">
+                                          <p:stCondLst>
+                                            <p:cond delay="0"/>
+                                          </p:stCondLst>
+                                        </p:cTn>
+                                        <p:tgtEl>
+                                          <p:spTgt spid="3">
+                                            <p:txEl>
+                                              <p:pRg st="1" end="1"/>
+                                            </p:txEl>
+                                          </p:spTgt>
+                                        </p:tgtEl>
+                                        <p:attrNameLst>
+                                          <p:attrName>style.visibility</p:attrName>
+                                        </p:attrNameLst>
+                                      </p:cBhvr>
+                                      <p:to>
+                                        <p:strVal val="visible"/>
+                                      </p:to>
+                                    </p:set>
+                                    <p:anim calcmode="lin" valueType="num">
+                                      <p:cBhvr additive="base">
+                                        <p:cTn id="13" dur="500" fill="hold"/>
+                                        <p:tgtEl>
+                                          <p:spTgt spid="3">
+                                            <p:txEl>
+                                              <p:pRg st="1" end="1"/>
+                                            </p:txEl>
+                                          </p:spTgt>
+                                        </p:tgtEl>
+                                        <p:attrNameLst>
+                                          <p:attrName>ppt_x</p:attrName>
+                                        </p:attrNameLst>
+                                      </p:cBhvr>
+                                      <p:tavLst>
+                                        <p:tav tm="0">
+                                          <p:val>
+                                            <p:strVal val="#ppt_x"/>
+                                          </p:val>
+                                        </p:tav>
+                                        <p:tav tm="100000">
+                                          <p:val>
+                                            <p:strVal val="#ppt_x"/>
+                                          </p:val>
+                                        </p:tav>
+                                      </p:tavLst>
+                                    </p:anim>
+                                    <p:anim calcmode="lin" valueType="num">
+                                      <p:cBhvr additive="base">
+                                        <p:cTn id="14" dur="500" fill="hold"/>
+                                        <p:tgtEl>
+                                          <p:spTgt spid="3">
+                                            <p:txEl>
+                                              <p:pRg st="1" end="1"/>
+                                            </p:txEl>
+                                          </p:spTgt>
+                                        </p:tgtEl>
+                                        <p:attrNameLst>
+                                          <p:attrName>ppt_y</p:attrName>
+                                        </p:attrNameLst>
+                                      </p:cBhvr>
+                                      <p:tavLst>
+                                        <p:tav tm="0">
+                                          <p:val>
+                                            <p:strVal val="1+#ppt_h/2"/>
+                                          </p:val>
+                                        </p:tav>
+                                        <p:tav tm="100000">
+                                          <p:val>
+                                            <p:strVal val="#ppt_y"/>
+                                          </p:val>
+                                        </p:tav>
+                                      </p:tavLst>
+                                    </p:anim>
+                                  </p:childTnLst>
+                                </p:cTn>
+                              </p:par>
+                            </p:childTnLst>
+                          </p:cTn>
+                        </p:par>
+                      </p:childTnLst>
+                    </p:cTn>
+                  </p:par>
+                  <p:par>
+                    <p:cTn id="15" fill="hold">
+                      <p:stCondLst>
+                        <p:cond delay="indefinite"/>
+                      </p:stCondLst>
+                      <p:childTnLst>
+                        <p:par>
+                          <p:cTn id="16" fill="hold">
+                            <p:stCondLst>
+                              <p:cond delay="0"/>
+                            </p:stCondLst>
+                            <p:childTnLst>
+                              <p:par>
+                                <p:cTn id="17" presetID="2" presetClass="entr" presetSubtype="4" fill="hold" nodeType="clickEffect">
+                                  <p:stCondLst>
+                                    <p:cond delay="0"/>
+                                  </p:stCondLst>
+                                  <p:childTnLst>
+                                    <p:set>
+                                      <p:cBhvr>
+                                        <p:cTn id="18" dur="1" fill="hold">
+                                          <p:stCondLst>
+                                            <p:cond delay="0"/>
+                                          </p:stCondLst>
+                                        </p:cTn>
+                                        <p:tgtEl>
+                                          <p:spTgt spid="3">
+                                            <p:txEl>
+                                              <p:pRg st="2" end="2"/>
+                                            </p:txEl>
+                                          </p:spTgt>
+                                        </p:tgtEl>
+                                        <p:attrNameLst>
+                                          <p:attrName>style.visibility</p:attrName>
+                                        </p:attrNameLst>
+                                      </p:cBhvr>
+                                      <p:to>
+                                        <p:strVal val="visible"/>
+                                      </p:to>
+                                    </p:set>
+                                    <p:anim calcmode="lin" valueType="num">
+                                      <p:cBhvr additive="base">
+                                        <p:cTn id="19" dur="500" fill="hold"/>
+                                        <p:tgtEl>
+                                          <p:spTgt spid="3">
+                                            <p:txEl>
+                                              <p:pRg st="2" end="2"/>
+                                            </p:txEl>
+                                          </p:spTgt>
+                                        </p:tgtEl>
+                                        <p:attrNameLst>
+                                          <p:attrName>ppt_x</p:attrName>
+                                        </p:attrNameLst>
+                                      </p:cBhvr>
+                                      <p:tavLst>
+                                        <p:tav tm="0">
+                                          <p:val>
+                                            <p:strVal val="#ppt_x"/>
+                                          </p:val>
+                                        </p:tav>
+                                        <p:tav tm="100000">
+                                          <p:val>
+                                            <p:strVal val="#ppt_x"/>
+                                          </p:val>
+                                        </p:tav>
+                                      </p:tavLst>
+                                    </p:anim>
+                                    <p:anim calcmode="lin" valueType="num">
+                                      <p:cBhvr additive="base">
+                                        <p:cTn id="20" dur="500" fill="hold"/>
+                                        <p:tgtEl>
+                                          <p:spTgt spid="3">
+                                            <p:txEl>
+                                              <p:pRg st="2" end="2"/>
+                                            </p:txEl>
+                                          </p:spTgt>
+                                        </p:tgtEl>
+                                        <p:attrNameLst>
+                                          <p:attrName>ppt_y</p:attrName>
+                                        </p:attrNameLst>
+                                      </p:cBhvr>
+                                      <p:tavLst>
+                                        <p:tav tm="0">
+                                          <p:val>
+                                            <p:strVal val="1+#ppt_h/2"/>
+                                          </p:val>
+                                        </p:tav>
+                                        <p:tav tm="100000">
+                                          <p:val>
+                                            <p:strVal val="#ppt_y"/>
+                                          </p:val>
+                                        </p:tav>
+                                      </p:tavLst>
+                                    </p:anim>
+                                  </p:childTnLst>
+                                </p:cTn>
+                              </p:par>
+                            </p:childTnLst>
+                          </p:cTn>
+                        </p:par>
+                      </p:childTnLst>
+                    </p:cTn>
+                  </p:par>
+                </p:childTnLst>
+              </p:cTn>
+              <p:prevCondLst>
+                <p:cond evt="onPrev" delay="0">
+                  <p:tgtEl>
+                    <p:sldTgt/>
+                  </p:tgtEl>
+                </p:cond>
+              </p:prevCondLst>
+              <p:nextCondLst>
+                <p:cond evt="onNext" delay="0">
+                  <p:tgtEl>
+                    <p:sldTgt/>
+                  </p:tgtEl>
+                </p:cond>
+              </p:nextCondLst>
+            </p:seq>
+          </p:childTnLst>
+        </p:cTn>
       </p:par>
     </p:tnLst>
   </p:timing>
